--- a/SQL/Day 6 Temp Tables/Temp Tables SQL.pptx
+++ b/SQL/Day 6 Temp Tables/Temp Tables SQL.pptx
@@ -9894,20 +9894,13 @@
             <a:pPr lvl="1"/>
             <a:r>
               <a:rPr lang="en-US" b="0" i="0" dirty="0">
+                <a:solidFill>
+                  <a:schemeClr val="tx1"/>
+                </a:solidFill>
                 <a:effectLst/>
                 <a:latin typeface="Söhne Mono"/>
               </a:rPr>
-              <a:t>Create an intermediate table for data transformation</a:t>
-            </a:r>
-            <a:r>
-              <a:rPr lang="en-US" b="0" i="0" dirty="0">
-                <a:solidFill>
-                  <a:srgbClr val="FFFFFF"/>
-                </a:solidFill>
-                <a:effectLst/>
-                <a:latin typeface="Söhne Mono"/>
-              </a:rPr>
-              <a:t> </a:t>
+              <a:t>Create an intermediate table for data transformation </a:t>
             </a:r>
           </a:p>
           <a:p>

--- a/SQL/Day 6 Temp Tables/Temp Tables SQL.pptx
+++ b/SQL/Day 6 Temp Tables/Temp Tables SQL.pptx
@@ -351,7 +351,7 @@
               <a:pPr>
                 <a:defRPr/>
               </a:pPr>
-              <a:t>1/28/24</a:t>
+              <a:t>2/21/25</a:t>
             </a:fld>
             <a:endParaRPr lang="en-US" dirty="0"/>
           </a:p>
@@ -561,7 +561,7 @@
               <a:pPr>
                 <a:defRPr/>
               </a:pPr>
-              <a:t>1/28/24</a:t>
+              <a:t>2/21/25</a:t>
             </a:fld>
             <a:endParaRPr lang="en-US" dirty="0"/>
           </a:p>
@@ -9379,6 +9379,11 @@
               </a:rPr>
               <a:t> * </a:t>
             </a:r>
+          </a:p>
+          <a:p>
+            <a:pPr marL="914400" lvl="2" indent="0">
+              <a:buNone/>
+            </a:pPr>
             <a:r>
               <a:rPr lang="en-US" b="0" i="0" dirty="0">
                 <a:solidFill>
@@ -19566,21 +19571,6 @@
 </file>
 
 <file path=customXml/item1.xml><?xml version="1.0" encoding="utf-8"?>
-<p:properties xmlns:p="http://schemas.microsoft.com/office/2006/metadata/properties" xmlns:xsi="http://www.w3.org/2001/XMLSchema-instance" xmlns:pc="http://schemas.microsoft.com/office/infopath/2007/PartnerControls">
-  <documentManagement/>
-</p:properties>
-</file>
-
-<file path=customXml/item2.xml><?xml version="1.0" encoding="utf-8"?>
-<?mso-contentType ?>
-<FormTemplates xmlns="http://schemas.microsoft.com/sharepoint/v3/contenttype/forms">
-  <Display>DocumentLibraryForm</Display>
-  <Edit>DocumentLibraryForm</Edit>
-  <New>DocumentLibraryForm</New>
-</FormTemplates>
-</file>
-
-<file path=customXml/item3.xml><?xml version="1.0" encoding="utf-8"?>
 <ct:contentTypeSchema xmlns:ct="http://schemas.microsoft.com/office/2006/metadata/contentType" xmlns:ma="http://schemas.microsoft.com/office/2006/metadata/properties/metaAttributes" ct:_="" ma:_="" ma:contentTypeName="Document" ma:contentTypeID="0x010100D717D047DAB2764FBE8B85865ADF125C" ma:contentTypeVersion="0" ma:contentTypeDescription="Create a new document." ma:contentTypeScope="" ma:versionID="3154522c01a2510568c44eaa3f86772f">
   <xsd:schema xmlns:xsd="http://www.w3.org/2001/XMLSchema" xmlns:xs="http://www.w3.org/2001/XMLSchema" xmlns:p="http://schemas.microsoft.com/office/2006/metadata/properties" targetNamespace="http://schemas.microsoft.com/office/2006/metadata/properties" ma:root="true" ma:fieldsID="1b05d82d297216baf5b26c55225140df">
     <xsd:element name="properties">
@@ -19694,17 +19684,33 @@
 </ct:contentTypeSchema>
 </file>
 
+<file path=customXml/item2.xml><?xml version="1.0" encoding="utf-8"?>
+<?mso-contentType ?>
+<FormTemplates xmlns="http://schemas.microsoft.com/sharepoint/v3/contenttype/forms">
+  <Display>DocumentLibraryForm</Display>
+  <Edit>DocumentLibraryForm</Edit>
+  <New>DocumentLibraryForm</New>
+</FormTemplates>
+</file>
+
+<file path=customXml/item3.xml><?xml version="1.0" encoding="utf-8"?>
+<p:properties xmlns:p="http://schemas.microsoft.com/office/2006/metadata/properties" xmlns:xsi="http://www.w3.org/2001/XMLSchema-instance" xmlns:pc="http://schemas.microsoft.com/office/infopath/2007/PartnerControls">
+  <documentManagement/>
+</p:properties>
+</file>
+
 <file path=customXml/itemProps1.xml><?xml version="1.0" encoding="utf-8"?>
-<ds:datastoreItem xmlns:ds="http://schemas.openxmlformats.org/officeDocument/2006/customXml" ds:itemID="{C530F82F-BEB8-4CE5-BAAE-EC5C7B644B7C}">
+<ds:datastoreItem xmlns:ds="http://schemas.openxmlformats.org/officeDocument/2006/customXml" ds:itemID="{959784AE-7718-4684-9BBC-9AAC52D5A526}">
   <ds:schemaRefs>
-    <ds:schemaRef ds:uri="http://schemas.microsoft.com/office/2006/documentManagement/types"/>
+    <ds:schemaRef ds:uri="http://schemas.microsoft.com/office/2006/metadata/contentType"/>
+    <ds:schemaRef ds:uri="http://schemas.microsoft.com/office/2006/metadata/properties/metaAttributes"/>
+    <ds:schemaRef ds:uri="http://www.w3.org/2001/XMLSchema"/>
     <ds:schemaRef ds:uri="http://schemas.microsoft.com/office/2006/metadata/properties"/>
-    <ds:schemaRef ds:uri="http://www.w3.org/XML/1998/namespace"/>
+    <ds:schemaRef ds:uri="http://schemas.openxmlformats.org/package/2006/metadata/core-properties"/>
     <ds:schemaRef ds:uri="http://purl.org/dc/elements/1.1/"/>
-    <ds:schemaRef ds:uri="http://purl.org/dc/dcmitype/"/>
     <ds:schemaRef ds:uri="http://purl.org/dc/terms/"/>
+    <ds:schemaRef ds:uri="http://schemas.microsoft.com/internal/obd"/>
     <ds:schemaRef ds:uri="http://schemas.microsoft.com/office/infopath/2007/PartnerControls"/>
-    <ds:schemaRef ds:uri="http://schemas.openxmlformats.org/package/2006/metadata/core-properties"/>
   </ds:schemaRefs>
 </ds:datastoreItem>
 </file>
@@ -19718,17 +19724,16 @@
 </file>
 
 <file path=customXml/itemProps3.xml><?xml version="1.0" encoding="utf-8"?>
-<ds:datastoreItem xmlns:ds="http://schemas.openxmlformats.org/officeDocument/2006/customXml" ds:itemID="{959784AE-7718-4684-9BBC-9AAC52D5A526}">
+<ds:datastoreItem xmlns:ds="http://schemas.openxmlformats.org/officeDocument/2006/customXml" ds:itemID="{C530F82F-BEB8-4CE5-BAAE-EC5C7B644B7C}">
   <ds:schemaRefs>
-    <ds:schemaRef ds:uri="http://schemas.microsoft.com/office/2006/metadata/contentType"/>
-    <ds:schemaRef ds:uri="http://schemas.microsoft.com/office/2006/metadata/properties/metaAttributes"/>
-    <ds:schemaRef ds:uri="http://www.w3.org/2001/XMLSchema"/>
+    <ds:schemaRef ds:uri="http://schemas.microsoft.com/office/2006/documentManagement/types"/>
     <ds:schemaRef ds:uri="http://schemas.microsoft.com/office/2006/metadata/properties"/>
+    <ds:schemaRef ds:uri="http://www.w3.org/XML/1998/namespace"/>
+    <ds:schemaRef ds:uri="http://purl.org/dc/elements/1.1/"/>
+    <ds:schemaRef ds:uri="http://purl.org/dc/dcmitype/"/>
+    <ds:schemaRef ds:uri="http://purl.org/dc/terms/"/>
+    <ds:schemaRef ds:uri="http://schemas.microsoft.com/office/infopath/2007/PartnerControls"/>
     <ds:schemaRef ds:uri="http://schemas.openxmlformats.org/package/2006/metadata/core-properties"/>
-    <ds:schemaRef ds:uri="http://purl.org/dc/elements/1.1/"/>
-    <ds:schemaRef ds:uri="http://purl.org/dc/terms/"/>
-    <ds:schemaRef ds:uri="http://schemas.microsoft.com/internal/obd"/>
-    <ds:schemaRef ds:uri="http://schemas.microsoft.com/office/infopath/2007/PartnerControls"/>
   </ds:schemaRefs>
 </ds:datastoreItem>
 </file>
--- a/SQL/Day 6 Temp Tables/Temp Tables SQL.pptx
+++ b/SQL/Day 6 Temp Tables/Temp Tables SQL.pptx
@@ -8,32 +8,36 @@
     <p:sldMasterId id="2147493470" r:id="rId7"/>
   </p:sldMasterIdLst>
   <p:notesMasterIdLst>
-    <p:notesMasterId r:id="rId28"/>
+    <p:notesMasterId r:id="rId32"/>
   </p:notesMasterIdLst>
   <p:handoutMasterIdLst>
-    <p:handoutMasterId r:id="rId29"/>
+    <p:handoutMasterId r:id="rId33"/>
   </p:handoutMasterIdLst>
   <p:sldIdLst>
     <p:sldId id="256" r:id="rId8"/>
     <p:sldId id="310" r:id="rId9"/>
-    <p:sldId id="349" r:id="rId10"/>
-    <p:sldId id="407" r:id="rId11"/>
-    <p:sldId id="410" r:id="rId12"/>
-    <p:sldId id="413" r:id="rId13"/>
-    <p:sldId id="414" r:id="rId14"/>
-    <p:sldId id="420" r:id="rId15"/>
-    <p:sldId id="415" r:id="rId16"/>
-    <p:sldId id="416" r:id="rId17"/>
-    <p:sldId id="417" r:id="rId18"/>
-    <p:sldId id="418" r:id="rId19"/>
-    <p:sldId id="422" r:id="rId20"/>
-    <p:sldId id="419" r:id="rId21"/>
-    <p:sldId id="421" r:id="rId22"/>
-    <p:sldId id="347" r:id="rId23"/>
-    <p:sldId id="404" r:id="rId24"/>
-    <p:sldId id="340" r:id="rId25"/>
-    <p:sldId id="405" r:id="rId26"/>
-    <p:sldId id="406" r:id="rId27"/>
+    <p:sldId id="423" r:id="rId10"/>
+    <p:sldId id="349" r:id="rId11"/>
+    <p:sldId id="407" r:id="rId12"/>
+    <p:sldId id="424" r:id="rId13"/>
+    <p:sldId id="410" r:id="rId14"/>
+    <p:sldId id="413" r:id="rId15"/>
+    <p:sldId id="414" r:id="rId16"/>
+    <p:sldId id="420" r:id="rId17"/>
+    <p:sldId id="415" r:id="rId18"/>
+    <p:sldId id="425" r:id="rId19"/>
+    <p:sldId id="416" r:id="rId20"/>
+    <p:sldId id="417" r:id="rId21"/>
+    <p:sldId id="418" r:id="rId22"/>
+    <p:sldId id="422" r:id="rId23"/>
+    <p:sldId id="419" r:id="rId24"/>
+    <p:sldId id="421" r:id="rId25"/>
+    <p:sldId id="426" r:id="rId26"/>
+    <p:sldId id="347" r:id="rId27"/>
+    <p:sldId id="404" r:id="rId28"/>
+    <p:sldId id="340" r:id="rId29"/>
+    <p:sldId id="405" r:id="rId30"/>
+    <p:sldId id="406" r:id="rId31"/>
   </p:sldIdLst>
   <p:sldSz cx="9144000" cy="6858000" type="screen4x3"/>
   <p:notesSz cx="7010400" cy="9296400"/>
@@ -173,12 +177,14 @@
         </p14:section>
         <p14:section name="What Is a TEMP TABLE" id="{C2A41310-6BB7-9640-AF2E-D419E4D02B8D}">
           <p14:sldIdLst>
+            <p14:sldId id="423"/>
             <p14:sldId id="349"/>
             <p14:sldId id="407"/>
           </p14:sldIdLst>
         </p14:section>
         <p14:section name="Creating TEMP Tables" id="{B299EAB8-4134-2844-B67D-1E97E8F9CCEB}">
           <p14:sldIdLst>
+            <p14:sldId id="424"/>
             <p14:sldId id="410"/>
             <p14:sldId id="413"/>
             <p14:sldId id="414"/>
@@ -188,6 +194,7 @@
         </p14:section>
         <p14:section name="Data Analysis With Temp Tables" id="{D3DBE30E-DC1E-AD41-B598-D047064EEB40}">
           <p14:sldIdLst>
+            <p14:sldId id="425"/>
             <p14:sldId id="416"/>
             <p14:sldId id="417"/>
             <p14:sldId id="418"/>
@@ -198,6 +205,7 @@
         </p14:section>
         <p14:section name="Summary" id="{AA4C0EAE-79EF-BF4D-B6F5-7387AB23E75D}">
           <p14:sldIdLst>
+            <p14:sldId id="426"/>
             <p14:sldId id="347"/>
           </p14:sldIdLst>
         </p14:section>
@@ -351,7 +359,7 @@
               <a:pPr>
                 <a:defRPr/>
               </a:pPr>
-              <a:t>2/21/25</a:t>
+              <a:t>3/24/25</a:t>
             </a:fld>
             <a:endParaRPr lang="en-US" dirty="0"/>
           </a:p>
@@ -561,7 +569,7 @@
               <a:pPr>
                 <a:defRPr/>
               </a:pPr>
-              <a:t>2/21/25</a:t>
+              <a:t>3/24/25</a:t>
             </a:fld>
             <a:endParaRPr lang="en-US" dirty="0"/>
           </a:p>
@@ -1173,6 +1181,647 @@
         <p:cNvPr id="1" name="">
           <a:extLst>
             <a:ext uri="{FF2B5EF4-FFF2-40B4-BE49-F238E27FC236}">
+              <a16:creationId xmlns:a16="http://schemas.microsoft.com/office/drawing/2014/main" id="{D5B9C5B4-2DAE-2CED-A101-ABF8E75A4E06}"/>
+            </a:ext>
+          </a:extLst>
+        </p:cNvPr>
+        <p:cNvGrpSpPr/>
+        <p:nvPr/>
+      </p:nvGrpSpPr>
+      <p:grpSpPr>
+        <a:xfrm>
+          <a:off x="0" y="0"/>
+          <a:ext cx="0" cy="0"/>
+          <a:chOff x="0" y="0"/>
+          <a:chExt cx="0" cy="0"/>
+        </a:xfrm>
+      </p:grpSpPr>
+      <p:sp>
+        <p:nvSpPr>
+          <p:cNvPr id="2" name="Slide Image Placeholder 1">
+            <a:extLst>
+              <a:ext uri="{FF2B5EF4-FFF2-40B4-BE49-F238E27FC236}">
+                <a16:creationId xmlns:a16="http://schemas.microsoft.com/office/drawing/2014/main" id="{C79332A0-9464-C360-CD3A-DD5523F23654}"/>
+              </a:ext>
+            </a:extLst>
+          </p:cNvPr>
+          <p:cNvSpPr>
+            <a:spLocks noGrp="1" noRot="1" noChangeAspect="1"/>
+          </p:cNvSpPr>
+          <p:nvPr>
+            <p:ph type="sldImg"/>
+          </p:nvPr>
+        </p:nvSpPr>
+        <p:spPr/>
+      </p:sp>
+      <p:sp>
+        <p:nvSpPr>
+          <p:cNvPr id="3" name="Notes Placeholder 2">
+            <a:extLst>
+              <a:ext uri="{FF2B5EF4-FFF2-40B4-BE49-F238E27FC236}">
+                <a16:creationId xmlns:a16="http://schemas.microsoft.com/office/drawing/2014/main" id="{17CE05B2-2025-7304-A800-75A6325E0943}"/>
+              </a:ext>
+            </a:extLst>
+          </p:cNvPr>
+          <p:cNvSpPr>
+            <a:spLocks noGrp="1"/>
+          </p:cNvSpPr>
+          <p:nvPr>
+            <p:ph type="body" idx="1"/>
+          </p:nvPr>
+        </p:nvSpPr>
+        <p:spPr/>
+        <p:txBody>
+          <a:bodyPr/>
+          <a:lstStyle/>
+          <a:p>
+            <a:r>
+              <a:rPr lang="en-US" b="0" i="0" dirty="0">
+                <a:solidFill>
+                  <a:srgbClr val="374151"/>
+                </a:solidFill>
+                <a:effectLst/>
+                <a:latin typeface="Söhne"/>
+              </a:rPr>
+              <a:t>Temporary tables, marked with a </a:t>
+            </a:r>
+            <a:r>
+              <a:rPr lang="en-US" dirty="0"/>
+              <a:t>#</a:t>
+            </a:r>
+            <a:r>
+              <a:rPr lang="en-US" b="0" i="0" dirty="0">
+                <a:solidFill>
+                  <a:srgbClr val="374151"/>
+                </a:solidFill>
+                <a:effectLst/>
+                <a:latin typeface="Söhne"/>
+              </a:rPr>
+              <a:t>, are invaluable in SQL for data analysis and query processing. They offer a distinct scope, automatic cleanup, and isolation. These benefits make them ideal for storing and manipulating data temporarily during a session. Temporary tables can improve query performance and reduce naming conflicts while maintaining data integrity. In our guided exercise, we used them to break down complex data analysis tasks into manageable steps.</a:t>
+            </a:r>
+            <a:endParaRPr lang="en-US" dirty="0"/>
+          </a:p>
+        </p:txBody>
+      </p:sp>
+      <p:sp>
+        <p:nvSpPr>
+          <p:cNvPr id="4" name="Slide Number Placeholder 3">
+            <a:extLst>
+              <a:ext uri="{FF2B5EF4-FFF2-40B4-BE49-F238E27FC236}">
+                <a16:creationId xmlns:a16="http://schemas.microsoft.com/office/drawing/2014/main" id="{26601D54-F981-1311-936D-08E5E7E9E148}"/>
+              </a:ext>
+            </a:extLst>
+          </p:cNvPr>
+          <p:cNvSpPr>
+            <a:spLocks noGrp="1"/>
+          </p:cNvSpPr>
+          <p:nvPr>
+            <p:ph type="sldNum" sz="quarter" idx="5"/>
+          </p:nvPr>
+        </p:nvSpPr>
+        <p:spPr/>
+        <p:txBody>
+          <a:bodyPr/>
+          <a:lstStyle/>
+          <a:p>
+            <a:pPr>
+              <a:defRPr/>
+            </a:pPr>
+            <a:fld id="{D0B7D74D-C969-4920-A7A6-E44C909EE3F2}" type="slidenum">
+              <a:rPr lang="en-US" smtClean="0"/>
+              <a:pPr>
+                <a:defRPr/>
+              </a:pPr>
+              <a:t>10</a:t>
+            </a:fld>
+            <a:endParaRPr lang="en-US" dirty="0"/>
+          </a:p>
+        </p:txBody>
+      </p:sp>
+    </p:spTree>
+    <p:extLst>
+      <p:ext uri="{BB962C8B-B14F-4D97-AF65-F5344CB8AC3E}">
+        <p14:creationId xmlns:p14="http://schemas.microsoft.com/office/powerpoint/2010/main" val="1428949974"/>
+      </p:ext>
+    </p:extLst>
+  </p:cSld>
+  <p:clrMapOvr>
+    <a:masterClrMapping/>
+  </p:clrMapOvr>
+</p:notes>
+</file>
+
+<file path=ppt/notesSlides/notesSlide11.xml><?xml version="1.0" encoding="utf-8"?>
+<p:notes xmlns:a="http://schemas.openxmlformats.org/drawingml/2006/main" xmlns:r="http://schemas.openxmlformats.org/officeDocument/2006/relationships" xmlns:p="http://schemas.openxmlformats.org/presentationml/2006/main">
+  <p:cSld>
+    <p:spTree>
+      <p:nvGrpSpPr>
+        <p:cNvPr id="1" name="">
+          <a:extLst>
+            <a:ext uri="{FF2B5EF4-FFF2-40B4-BE49-F238E27FC236}">
+              <a16:creationId xmlns:a16="http://schemas.microsoft.com/office/drawing/2014/main" id="{C1BFB52B-4875-DB87-F842-D50C9B13E5C0}"/>
+            </a:ext>
+          </a:extLst>
+        </p:cNvPr>
+        <p:cNvGrpSpPr/>
+        <p:nvPr/>
+      </p:nvGrpSpPr>
+      <p:grpSpPr>
+        <a:xfrm>
+          <a:off x="0" y="0"/>
+          <a:ext cx="0" cy="0"/>
+          <a:chOff x="0" y="0"/>
+          <a:chExt cx="0" cy="0"/>
+        </a:xfrm>
+      </p:grpSpPr>
+      <p:sp>
+        <p:nvSpPr>
+          <p:cNvPr id="2" name="Slide Image Placeholder 1">
+            <a:extLst>
+              <a:ext uri="{FF2B5EF4-FFF2-40B4-BE49-F238E27FC236}">
+                <a16:creationId xmlns:a16="http://schemas.microsoft.com/office/drawing/2014/main" id="{3DBDE9BD-C797-011D-6591-55A44C5DD7C4}"/>
+              </a:ext>
+            </a:extLst>
+          </p:cNvPr>
+          <p:cNvSpPr>
+            <a:spLocks noGrp="1" noRot="1" noChangeAspect="1"/>
+          </p:cNvSpPr>
+          <p:nvPr>
+            <p:ph type="sldImg"/>
+          </p:nvPr>
+        </p:nvSpPr>
+        <p:spPr/>
+      </p:sp>
+      <p:sp>
+        <p:nvSpPr>
+          <p:cNvPr id="3" name="Notes Placeholder 2">
+            <a:extLst>
+              <a:ext uri="{FF2B5EF4-FFF2-40B4-BE49-F238E27FC236}">
+                <a16:creationId xmlns:a16="http://schemas.microsoft.com/office/drawing/2014/main" id="{54DB0781-F64F-A3D9-2B24-D3D7F0629406}"/>
+              </a:ext>
+            </a:extLst>
+          </p:cNvPr>
+          <p:cNvSpPr>
+            <a:spLocks noGrp="1"/>
+          </p:cNvSpPr>
+          <p:nvPr>
+            <p:ph type="body" idx="1"/>
+          </p:nvPr>
+        </p:nvSpPr>
+        <p:spPr/>
+        <p:txBody>
+          <a:bodyPr/>
+          <a:lstStyle/>
+          <a:p>
+            <a:pPr algn="l"/>
+            <a:r>
+              <a:rPr lang="en-US" b="0" i="1" dirty="0">
+                <a:solidFill>
+                  <a:srgbClr val="374151"/>
+                </a:solidFill>
+                <a:effectLst/>
+                <a:latin typeface="Söhne"/>
+              </a:rPr>
+              <a:t>Speaker Notes:</a:t>
+            </a:r>
+            <a:endParaRPr lang="en-US" b="0" i="0" dirty="0">
+              <a:solidFill>
+                <a:srgbClr val="374151"/>
+              </a:solidFill>
+              <a:effectLst/>
+              <a:latin typeface="Söhne"/>
+            </a:endParaRPr>
+          </a:p>
+          <a:p>
+            <a:pPr algn="l">
+              <a:buFont typeface="Arial" panose="020B0604020202020204" pitchFamily="34" charset="0"/>
+              <a:buChar char="•"/>
+            </a:pPr>
+            <a:r>
+              <a:rPr lang="en-US" b="0" i="0" dirty="0">
+                <a:solidFill>
+                  <a:srgbClr val="374151"/>
+                </a:solidFill>
+                <a:effectLst/>
+                <a:latin typeface="Söhne"/>
+              </a:rPr>
+              <a:t>Let's delve deeper into the scenarios when utilizing the INTO clause for temporary tables makes the most sense.</a:t>
+            </a:r>
+          </a:p>
+          <a:p>
+            <a:pPr algn="l">
+              <a:buFont typeface="Arial" panose="020B0604020202020204" pitchFamily="34" charset="0"/>
+              <a:buChar char="•"/>
+            </a:pPr>
+            <a:r>
+              <a:rPr lang="en-US" b="0" i="0" dirty="0">
+                <a:solidFill>
+                  <a:srgbClr val="374151"/>
+                </a:solidFill>
+                <a:effectLst/>
+                <a:latin typeface="Söhne"/>
+              </a:rPr>
+              <a:t>First, when you require quick data extraction from a single query without defining the table structure in advance, the INTO clause shines. It simplifies the process, making it both swift and efficient.</a:t>
+            </a:r>
+          </a:p>
+          <a:p>
+            <a:pPr algn="l">
+              <a:buFont typeface="Arial" panose="020B0604020202020204" pitchFamily="34" charset="0"/>
+              <a:buChar char="•"/>
+            </a:pPr>
+            <a:r>
+              <a:rPr lang="en-US" b="0" i="0" dirty="0">
+                <a:solidFill>
+                  <a:srgbClr val="374151"/>
+                </a:solidFill>
+                <a:effectLst/>
+                <a:latin typeface="Söhne"/>
+              </a:rPr>
+              <a:t>Second, if your goal is to create a temporary table with a straightforward syntax, skipping the explicit definition of column names and data types, the INTO clause streamlines this task.</a:t>
+            </a:r>
+          </a:p>
+          <a:p>
+            <a:pPr algn="l">
+              <a:buFont typeface="Arial" panose="020B0604020202020204" pitchFamily="34" charset="0"/>
+              <a:buChar char="•"/>
+            </a:pPr>
+            <a:r>
+              <a:rPr lang="en-US" b="0" i="0" dirty="0">
+                <a:solidFill>
+                  <a:srgbClr val="374151"/>
+                </a:solidFill>
+                <a:effectLst/>
+                <a:latin typeface="Söhne"/>
+              </a:rPr>
+              <a:t>For ad hoc queries or one-time data processing tasks where the temporary table won't be reused, the INTO clause provides a convenient and concise solution.</a:t>
+            </a:r>
+          </a:p>
+          <a:p>
+            <a:pPr algn="l">
+              <a:buFont typeface="Arial" panose="020B0604020202020204" pitchFamily="34" charset="0"/>
+              <a:buChar char="•"/>
+            </a:pPr>
+            <a:r>
+              <a:rPr lang="en-US" b="0" i="0" dirty="0">
+                <a:solidFill>
+                  <a:srgbClr val="374151"/>
+                </a:solidFill>
+                <a:effectLst/>
+                <a:latin typeface="Söhne"/>
+              </a:rPr>
+              <a:t>Lastly, when you need to store intermediate results during query or script execution, the INTO clause serves as a practical choice for temporary data storage.</a:t>
+            </a:r>
+          </a:p>
+          <a:p>
+            <a:endParaRPr lang="en-US" dirty="0"/>
+          </a:p>
+        </p:txBody>
+      </p:sp>
+      <p:sp>
+        <p:nvSpPr>
+          <p:cNvPr id="4" name="Slide Number Placeholder 3">
+            <a:extLst>
+              <a:ext uri="{FF2B5EF4-FFF2-40B4-BE49-F238E27FC236}">
+                <a16:creationId xmlns:a16="http://schemas.microsoft.com/office/drawing/2014/main" id="{F8120E0F-92CC-E43F-7B6E-9DC8B3433907}"/>
+              </a:ext>
+            </a:extLst>
+          </p:cNvPr>
+          <p:cNvSpPr>
+            <a:spLocks noGrp="1"/>
+          </p:cNvSpPr>
+          <p:nvPr>
+            <p:ph type="sldNum" sz="quarter" idx="5"/>
+          </p:nvPr>
+        </p:nvSpPr>
+        <p:spPr/>
+        <p:txBody>
+          <a:bodyPr/>
+          <a:lstStyle/>
+          <a:p>
+            <a:pPr>
+              <a:defRPr/>
+            </a:pPr>
+            <a:fld id="{D0B7D74D-C969-4920-A7A6-E44C909EE3F2}" type="slidenum">
+              <a:rPr lang="en-US" smtClean="0"/>
+              <a:pPr>
+                <a:defRPr/>
+              </a:pPr>
+              <a:t>11</a:t>
+            </a:fld>
+            <a:endParaRPr lang="en-US" dirty="0"/>
+          </a:p>
+        </p:txBody>
+      </p:sp>
+    </p:spTree>
+    <p:extLst>
+      <p:ext uri="{BB962C8B-B14F-4D97-AF65-F5344CB8AC3E}">
+        <p14:creationId xmlns:p14="http://schemas.microsoft.com/office/powerpoint/2010/main" val="2294091062"/>
+      </p:ext>
+    </p:extLst>
+  </p:cSld>
+  <p:clrMapOvr>
+    <a:masterClrMapping/>
+  </p:clrMapOvr>
+</p:notes>
+</file>
+
+<file path=ppt/notesSlides/notesSlide12.xml><?xml version="1.0" encoding="utf-8"?>
+<p:notes xmlns:a="http://schemas.openxmlformats.org/drawingml/2006/main" xmlns:r="http://schemas.openxmlformats.org/officeDocument/2006/relationships" xmlns:p="http://schemas.openxmlformats.org/presentationml/2006/main">
+  <p:cSld>
+    <p:spTree>
+      <p:nvGrpSpPr>
+        <p:cNvPr id="1" name="">
+          <a:extLst>
+            <a:ext uri="{FF2B5EF4-FFF2-40B4-BE49-F238E27FC236}">
+              <a16:creationId xmlns:a16="http://schemas.microsoft.com/office/drawing/2014/main" id="{45818D27-2E32-6C7E-412C-6671F010903A}"/>
+            </a:ext>
+          </a:extLst>
+        </p:cNvPr>
+        <p:cNvGrpSpPr/>
+        <p:nvPr/>
+      </p:nvGrpSpPr>
+      <p:grpSpPr>
+        <a:xfrm>
+          <a:off x="0" y="0"/>
+          <a:ext cx="0" cy="0"/>
+          <a:chOff x="0" y="0"/>
+          <a:chExt cx="0" cy="0"/>
+        </a:xfrm>
+      </p:grpSpPr>
+      <p:sp>
+        <p:nvSpPr>
+          <p:cNvPr id="9218" name="Slide Image Placeholder 1">
+            <a:extLst>
+              <a:ext uri="{FF2B5EF4-FFF2-40B4-BE49-F238E27FC236}">
+                <a16:creationId xmlns:a16="http://schemas.microsoft.com/office/drawing/2014/main" id="{0B6D56F9-1972-828F-91ED-A98074B616D0}"/>
+              </a:ext>
+            </a:extLst>
+          </p:cNvPr>
+          <p:cNvSpPr>
+            <a:spLocks noGrp="1" noRot="1" noChangeAspect="1" noChangeArrowheads="1" noTextEdit="1"/>
+          </p:cNvSpPr>
+          <p:nvPr>
+            <p:ph type="sldImg"/>
+          </p:nvPr>
+        </p:nvSpPr>
+        <p:spPr bwMode="auto">
+          <a:noFill/>
+          <a:ln>
+            <a:solidFill>
+              <a:srgbClr val="000000"/>
+            </a:solidFill>
+            <a:miter lim="800000"/>
+            <a:headEnd/>
+            <a:tailEnd/>
+          </a:ln>
+          <a:extLst>
+            <a:ext uri="{909E8E84-426E-40DD-AFC4-6F175D3DCCD1}">
+              <a14:hiddenFill xmlns:a14="http://schemas.microsoft.com/office/drawing/2010/main">
+                <a:solidFill>
+                  <a:srgbClr val="FFFFFF"/>
+                </a:solidFill>
+              </a14:hiddenFill>
+            </a:ext>
+          </a:extLst>
+        </p:spPr>
+      </p:sp>
+      <p:sp>
+        <p:nvSpPr>
+          <p:cNvPr id="9219" name="Notes Placeholder 2">
+            <a:extLst>
+              <a:ext uri="{FF2B5EF4-FFF2-40B4-BE49-F238E27FC236}">
+                <a16:creationId xmlns:a16="http://schemas.microsoft.com/office/drawing/2014/main" id="{79B21D08-E9E6-9037-5556-4A3FBF282E13}"/>
+              </a:ext>
+            </a:extLst>
+          </p:cNvPr>
+          <p:cNvSpPr>
+            <a:spLocks noGrp="1" noChangeArrowheads="1"/>
+          </p:cNvSpPr>
+          <p:nvPr>
+            <p:ph type="body" idx="1"/>
+          </p:nvPr>
+        </p:nvSpPr>
+        <p:spPr bwMode="auto">
+          <a:noFill/>
+          <a:extLst>
+            <a:ext uri="{909E8E84-426E-40DD-AFC4-6F175D3DCCD1}">
+              <a14:hiddenFill xmlns:a14="http://schemas.microsoft.com/office/drawing/2010/main">
+                <a:solidFill>
+                  <a:srgbClr val="FFFFFF"/>
+                </a:solidFill>
+              </a14:hiddenFill>
+            </a:ext>
+            <a:ext uri="{91240B29-F687-4F45-9708-019B960494DF}">
+              <a14:hiddenLine xmlns:a14="http://schemas.microsoft.com/office/drawing/2010/main" w="9525">
+                <a:solidFill>
+                  <a:srgbClr val="000000"/>
+                </a:solidFill>
+                <a:miter lim="800000"/>
+                <a:headEnd/>
+                <a:tailEnd/>
+              </a14:hiddenLine>
+            </a:ext>
+          </a:extLst>
+        </p:spPr>
+        <p:txBody>
+          <a:bodyPr wrap="square" numCol="1" anchor="t" anchorCtr="0" compatLnSpc="1">
+            <a:prstTxWarp prst="textNoShape">
+              <a:avLst/>
+            </a:prstTxWarp>
+          </a:bodyPr>
+          <a:lstStyle/>
+          <a:p>
+            <a:pPr eaLnBrk="1" hangingPunct="1">
+              <a:spcBef>
+                <a:spcPct val="0"/>
+              </a:spcBef>
+            </a:pPr>
+            <a:endParaRPr lang="en-US" altLang="en-US" dirty="0"/>
+          </a:p>
+        </p:txBody>
+      </p:sp>
+      <p:sp>
+        <p:nvSpPr>
+          <p:cNvPr id="9220" name="Slide Number Placeholder 3">
+            <a:extLst>
+              <a:ext uri="{FF2B5EF4-FFF2-40B4-BE49-F238E27FC236}">
+                <a16:creationId xmlns:a16="http://schemas.microsoft.com/office/drawing/2014/main" id="{9126667B-8E3D-6A8A-83F6-4B59846ABDC8}"/>
+              </a:ext>
+            </a:extLst>
+          </p:cNvPr>
+          <p:cNvSpPr>
+            <a:spLocks noGrp="1" noChangeArrowheads="1"/>
+          </p:cNvSpPr>
+          <p:nvPr>
+            <p:ph type="sldNum" sz="quarter" idx="5"/>
+          </p:nvPr>
+        </p:nvSpPr>
+        <p:spPr bwMode="auto">
+          <a:noFill/>
+          <a:extLst>
+            <a:ext uri="{909E8E84-426E-40DD-AFC4-6F175D3DCCD1}">
+              <a14:hiddenFill xmlns:a14="http://schemas.microsoft.com/office/drawing/2010/main">
+                <a:solidFill>
+                  <a:srgbClr val="FFFFFF"/>
+                </a:solidFill>
+              </a14:hiddenFill>
+            </a:ext>
+            <a:ext uri="{91240B29-F687-4F45-9708-019B960494DF}">
+              <a14:hiddenLine xmlns:a14="http://schemas.microsoft.com/office/drawing/2010/main" w="9525">
+                <a:solidFill>
+                  <a:srgbClr val="000000"/>
+                </a:solidFill>
+                <a:miter lim="800000"/>
+                <a:headEnd/>
+                <a:tailEnd/>
+              </a14:hiddenLine>
+            </a:ext>
+          </a:extLst>
+        </p:spPr>
+        <p:txBody>
+          <a:bodyPr wrap="square" numCol="1" anchorCtr="0" compatLnSpc="1">
+            <a:prstTxWarp prst="textNoShape">
+              <a:avLst/>
+            </a:prstTxWarp>
+          </a:bodyPr>
+          <a:lstStyle>
+            <a:lvl1pPr>
+              <a:defRPr>
+                <a:solidFill>
+                  <a:schemeClr val="tx1"/>
+                </a:solidFill>
+                <a:latin typeface="Arial" panose="020B0604020202020204" pitchFamily="34" charset="0"/>
+                <a:ea typeface="MS PGothic" panose="020B0600070205080204" pitchFamily="34" charset="-128"/>
+              </a:defRPr>
+            </a:lvl1pPr>
+            <a:lvl2pPr marL="742950" indent="-285750">
+              <a:defRPr>
+                <a:solidFill>
+                  <a:schemeClr val="tx1"/>
+                </a:solidFill>
+                <a:latin typeface="Arial" panose="020B0604020202020204" pitchFamily="34" charset="0"/>
+                <a:ea typeface="MS PGothic" panose="020B0600070205080204" pitchFamily="34" charset="-128"/>
+              </a:defRPr>
+            </a:lvl2pPr>
+            <a:lvl3pPr marL="1143000" indent="-228600">
+              <a:defRPr>
+                <a:solidFill>
+                  <a:schemeClr val="tx1"/>
+                </a:solidFill>
+                <a:latin typeface="Arial" panose="020B0604020202020204" pitchFamily="34" charset="0"/>
+                <a:ea typeface="MS PGothic" panose="020B0600070205080204" pitchFamily="34" charset="-128"/>
+              </a:defRPr>
+            </a:lvl3pPr>
+            <a:lvl4pPr marL="1600200" indent="-228600">
+              <a:defRPr>
+                <a:solidFill>
+                  <a:schemeClr val="tx1"/>
+                </a:solidFill>
+                <a:latin typeface="Arial" panose="020B0604020202020204" pitchFamily="34" charset="0"/>
+                <a:ea typeface="MS PGothic" panose="020B0600070205080204" pitchFamily="34" charset="-128"/>
+              </a:defRPr>
+            </a:lvl4pPr>
+            <a:lvl5pPr marL="2057400" indent="-228600">
+              <a:defRPr>
+                <a:solidFill>
+                  <a:schemeClr val="tx1"/>
+                </a:solidFill>
+                <a:latin typeface="Arial" panose="020B0604020202020204" pitchFamily="34" charset="0"/>
+                <a:ea typeface="MS PGothic" panose="020B0600070205080204" pitchFamily="34" charset="-128"/>
+              </a:defRPr>
+            </a:lvl5pPr>
+            <a:lvl6pPr marL="2514600" indent="-228600" defTabSz="457200" eaLnBrk="0" fontAlgn="base" hangingPunct="0">
+              <a:spcBef>
+                <a:spcPct val="0"/>
+              </a:spcBef>
+              <a:spcAft>
+                <a:spcPct val="0"/>
+              </a:spcAft>
+              <a:defRPr>
+                <a:solidFill>
+                  <a:schemeClr val="tx1"/>
+                </a:solidFill>
+                <a:latin typeface="Arial" panose="020B0604020202020204" pitchFamily="34" charset="0"/>
+                <a:ea typeface="MS PGothic" panose="020B0600070205080204" pitchFamily="34" charset="-128"/>
+              </a:defRPr>
+            </a:lvl6pPr>
+            <a:lvl7pPr marL="2971800" indent="-228600" defTabSz="457200" eaLnBrk="0" fontAlgn="base" hangingPunct="0">
+              <a:spcBef>
+                <a:spcPct val="0"/>
+              </a:spcBef>
+              <a:spcAft>
+                <a:spcPct val="0"/>
+              </a:spcAft>
+              <a:defRPr>
+                <a:solidFill>
+                  <a:schemeClr val="tx1"/>
+                </a:solidFill>
+                <a:latin typeface="Arial" panose="020B0604020202020204" pitchFamily="34" charset="0"/>
+                <a:ea typeface="MS PGothic" panose="020B0600070205080204" pitchFamily="34" charset="-128"/>
+              </a:defRPr>
+            </a:lvl7pPr>
+            <a:lvl8pPr marL="3429000" indent="-228600" defTabSz="457200" eaLnBrk="0" fontAlgn="base" hangingPunct="0">
+              <a:spcBef>
+                <a:spcPct val="0"/>
+              </a:spcBef>
+              <a:spcAft>
+                <a:spcPct val="0"/>
+              </a:spcAft>
+              <a:defRPr>
+                <a:solidFill>
+                  <a:schemeClr val="tx1"/>
+                </a:solidFill>
+                <a:latin typeface="Arial" panose="020B0604020202020204" pitchFamily="34" charset="0"/>
+                <a:ea typeface="MS PGothic" panose="020B0600070205080204" pitchFamily="34" charset="-128"/>
+              </a:defRPr>
+            </a:lvl8pPr>
+            <a:lvl9pPr marL="3886200" indent="-228600" defTabSz="457200" eaLnBrk="0" fontAlgn="base" hangingPunct="0">
+              <a:spcBef>
+                <a:spcPct val="0"/>
+              </a:spcBef>
+              <a:spcAft>
+                <a:spcPct val="0"/>
+              </a:spcAft>
+              <a:defRPr>
+                <a:solidFill>
+                  <a:schemeClr val="tx1"/>
+                </a:solidFill>
+                <a:latin typeface="Arial" panose="020B0604020202020204" pitchFamily="34" charset="0"/>
+                <a:ea typeface="MS PGothic" panose="020B0600070205080204" pitchFamily="34" charset="-128"/>
+              </a:defRPr>
+            </a:lvl9pPr>
+          </a:lstStyle>
+          <a:p>
+            <a:fld id="{6AB45B74-0753-40C3-80A2-E3A7219AAD86}" type="slidenum">
+              <a:rPr lang="en-US" altLang="en-US" smtClean="0"/>
+              <a:pPr/>
+              <a:t>12</a:t>
+            </a:fld>
+            <a:endParaRPr lang="en-US" altLang="en-US" dirty="0"/>
+          </a:p>
+        </p:txBody>
+      </p:sp>
+    </p:spTree>
+    <p:extLst>
+      <p:ext uri="{BB962C8B-B14F-4D97-AF65-F5344CB8AC3E}">
+        <p14:creationId xmlns:p14="http://schemas.microsoft.com/office/powerpoint/2010/main" val="2870897133"/>
+      </p:ext>
+    </p:extLst>
+  </p:cSld>
+  <p:clrMapOvr>
+    <a:masterClrMapping/>
+  </p:clrMapOvr>
+</p:notes>
+</file>
+
+<file path=ppt/notesSlides/notesSlide13.xml><?xml version="1.0" encoding="utf-8"?>
+<p:notes xmlns:a="http://schemas.openxmlformats.org/drawingml/2006/main" xmlns:r="http://schemas.openxmlformats.org/officeDocument/2006/relationships" xmlns:p="http://schemas.openxmlformats.org/presentationml/2006/main">
+  <p:cSld>
+    <p:spTree>
+      <p:nvGrpSpPr>
+        <p:cNvPr id="1" name="">
+          <a:extLst>
+            <a:ext uri="{FF2B5EF4-FFF2-40B4-BE49-F238E27FC236}">
               <a16:creationId xmlns:a16="http://schemas.microsoft.com/office/drawing/2014/main" id="{50982C33-6C6E-6612-9AD9-44F312E5198A}"/>
             </a:ext>
           </a:extLst>
@@ -1296,7 +1945,7 @@
               <a:pPr>
                 <a:defRPr/>
               </a:pPr>
-              <a:t>10</a:t>
+              <a:t>13</a:t>
             </a:fld>
             <a:endParaRPr lang="en-US" dirty="0"/>
           </a:p>
@@ -1315,7 +1964,7 @@
 </p:notes>
 </file>
 
-<file path=ppt/notesSlides/notesSlide11.xml><?xml version="1.0" encoding="utf-8"?>
+<file path=ppt/notesSlides/notesSlide14.xml><?xml version="1.0" encoding="utf-8"?>
 <p:notes xmlns:a="http://schemas.openxmlformats.org/drawingml/2006/main" xmlns:r="http://schemas.openxmlformats.org/officeDocument/2006/relationships" xmlns:p="http://schemas.openxmlformats.org/presentationml/2006/main">
   <p:cSld>
     <p:spTree>
@@ -1466,7 +2115,7 @@
               <a:pPr>
                 <a:defRPr/>
               </a:pPr>
-              <a:t>11</a:t>
+              <a:t>14</a:t>
             </a:fld>
             <a:endParaRPr lang="en-US" dirty="0"/>
           </a:p>
@@ -1485,7 +2134,7 @@
 </p:notes>
 </file>
 
-<file path=ppt/notesSlides/notesSlide12.xml><?xml version="1.0" encoding="utf-8"?>
+<file path=ppt/notesSlides/notesSlide15.xml><?xml version="1.0" encoding="utf-8"?>
 <p:notes xmlns:a="http://schemas.openxmlformats.org/drawingml/2006/main" xmlns:r="http://schemas.openxmlformats.org/officeDocument/2006/relationships" xmlns:p="http://schemas.openxmlformats.org/presentationml/2006/main">
   <p:cSld>
     <p:spTree>
@@ -1648,7 +2297,7 @@
               <a:pPr>
                 <a:defRPr/>
               </a:pPr>
-              <a:t>12</a:t>
+              <a:t>15</a:t>
             </a:fld>
             <a:endParaRPr lang="en-US" dirty="0"/>
           </a:p>
@@ -1667,7 +2316,7 @@
 </p:notes>
 </file>
 
-<file path=ppt/notesSlides/notesSlide13.xml><?xml version="1.0" encoding="utf-8"?>
+<file path=ppt/notesSlides/notesSlide16.xml><?xml version="1.0" encoding="utf-8"?>
 <p:notes xmlns:a="http://schemas.openxmlformats.org/drawingml/2006/main" xmlns:r="http://schemas.openxmlformats.org/officeDocument/2006/relationships" xmlns:p="http://schemas.openxmlformats.org/presentationml/2006/main">
   <p:cSld>
     <p:spTree>
@@ -1834,7 +2483,7 @@
               <a:pPr>
                 <a:defRPr/>
               </a:pPr>
-              <a:t>13</a:t>
+              <a:t>16</a:t>
             </a:fld>
             <a:endParaRPr lang="en-US" dirty="0"/>
           </a:p>
@@ -1853,7 +2502,7 @@
 </p:notes>
 </file>
 
-<file path=ppt/notesSlides/notesSlide14.xml><?xml version="1.0" encoding="utf-8"?>
+<file path=ppt/notesSlides/notesSlide17.xml><?xml version="1.0" encoding="utf-8"?>
 <p:notes xmlns:a="http://schemas.openxmlformats.org/drawingml/2006/main" xmlns:r="http://schemas.openxmlformats.org/officeDocument/2006/relationships" xmlns:p="http://schemas.openxmlformats.org/presentationml/2006/main">
   <p:cSld>
     <p:spTree>
@@ -2060,7 +2709,7 @@
               <a:pPr>
                 <a:defRPr/>
               </a:pPr>
-              <a:t>14</a:t>
+              <a:t>17</a:t>
             </a:fld>
             <a:endParaRPr lang="en-US" dirty="0"/>
           </a:p>
@@ -2079,7 +2728,7 @@
 </p:notes>
 </file>
 
-<file path=ppt/notesSlides/notesSlide15.xml><?xml version="1.0" encoding="utf-8"?>
+<file path=ppt/notesSlides/notesSlide18.xml><?xml version="1.0" encoding="utf-8"?>
 <p:notes xmlns:a="http://schemas.openxmlformats.org/drawingml/2006/main" xmlns:r="http://schemas.openxmlformats.org/officeDocument/2006/relationships" xmlns:p="http://schemas.openxmlformats.org/presentationml/2006/main">
   <p:cSld>
     <p:spTree>
@@ -2258,7 +2907,7 @@
               <a:pPr>
                 <a:defRPr/>
               </a:pPr>
-              <a:t>15</a:t>
+              <a:t>18</a:t>
             </a:fld>
             <a:endParaRPr lang="en-US" dirty="0"/>
           </a:p>
@@ -2277,12 +2926,18 @@
 </p:notes>
 </file>
 
-<file path=ppt/notesSlides/notesSlide16.xml><?xml version="1.0" encoding="utf-8"?>
+<file path=ppt/notesSlides/notesSlide19.xml><?xml version="1.0" encoding="utf-8"?>
 <p:notes xmlns:a="http://schemas.openxmlformats.org/drawingml/2006/main" xmlns:r="http://schemas.openxmlformats.org/officeDocument/2006/relationships" xmlns:p="http://schemas.openxmlformats.org/presentationml/2006/main">
   <p:cSld>
     <p:spTree>
       <p:nvGrpSpPr>
-        <p:cNvPr id="1" name=""/>
+        <p:cNvPr id="1" name="">
+          <a:extLst>
+            <a:ext uri="{FF2B5EF4-FFF2-40B4-BE49-F238E27FC236}">
+              <a16:creationId xmlns:a16="http://schemas.microsoft.com/office/drawing/2014/main" id="{45818D27-2E32-6C7E-412C-6671F010903A}"/>
+            </a:ext>
+          </a:extLst>
+        </p:cNvPr>
         <p:cNvGrpSpPr/>
         <p:nvPr/>
       </p:nvGrpSpPr>
@@ -2296,346 +2951,261 @@
       </p:grpSpPr>
       <p:sp>
         <p:nvSpPr>
-          <p:cNvPr id="2" name="Slide Image Placeholder 1"/>
+          <p:cNvPr id="9218" name="Slide Image Placeholder 1">
+            <a:extLst>
+              <a:ext uri="{FF2B5EF4-FFF2-40B4-BE49-F238E27FC236}">
+                <a16:creationId xmlns:a16="http://schemas.microsoft.com/office/drawing/2014/main" id="{0B6D56F9-1972-828F-91ED-A98074B616D0}"/>
+              </a:ext>
+            </a:extLst>
+          </p:cNvPr>
           <p:cNvSpPr>
-            <a:spLocks noGrp="1" noRot="1" noChangeAspect="1"/>
+            <a:spLocks noGrp="1" noRot="1" noChangeAspect="1" noChangeArrowheads="1" noTextEdit="1"/>
           </p:cNvSpPr>
           <p:nvPr>
             <p:ph type="sldImg"/>
           </p:nvPr>
         </p:nvSpPr>
-        <p:spPr/>
+        <p:spPr bwMode="auto">
+          <a:noFill/>
+          <a:ln>
+            <a:solidFill>
+              <a:srgbClr val="000000"/>
+            </a:solidFill>
+            <a:miter lim="800000"/>
+            <a:headEnd/>
+            <a:tailEnd/>
+          </a:ln>
+          <a:extLst>
+            <a:ext uri="{909E8E84-426E-40DD-AFC4-6F175D3DCCD1}">
+              <a14:hiddenFill xmlns:a14="http://schemas.microsoft.com/office/drawing/2010/main">
+                <a:solidFill>
+                  <a:srgbClr val="FFFFFF"/>
+                </a:solidFill>
+              </a14:hiddenFill>
+            </a:ext>
+          </a:extLst>
+        </p:spPr>
       </p:sp>
       <p:sp>
         <p:nvSpPr>
-          <p:cNvPr id="3" name="Notes Placeholder 2"/>
+          <p:cNvPr id="9219" name="Notes Placeholder 2">
+            <a:extLst>
+              <a:ext uri="{FF2B5EF4-FFF2-40B4-BE49-F238E27FC236}">
+                <a16:creationId xmlns:a16="http://schemas.microsoft.com/office/drawing/2014/main" id="{79B21D08-E9E6-9037-5556-4A3FBF282E13}"/>
+              </a:ext>
+            </a:extLst>
+          </p:cNvPr>
           <p:cNvSpPr>
-            <a:spLocks noGrp="1"/>
+            <a:spLocks noGrp="1" noChangeArrowheads="1"/>
           </p:cNvSpPr>
           <p:nvPr>
             <p:ph type="body" idx="1"/>
           </p:nvPr>
         </p:nvSpPr>
-        <p:spPr/>
+        <p:spPr bwMode="auto">
+          <a:noFill/>
+          <a:extLst>
+            <a:ext uri="{909E8E84-426E-40DD-AFC4-6F175D3DCCD1}">
+              <a14:hiddenFill xmlns:a14="http://schemas.microsoft.com/office/drawing/2010/main">
+                <a:solidFill>
+                  <a:srgbClr val="FFFFFF"/>
+                </a:solidFill>
+              </a14:hiddenFill>
+            </a:ext>
+            <a:ext uri="{91240B29-F687-4F45-9708-019B960494DF}">
+              <a14:hiddenLine xmlns:a14="http://schemas.microsoft.com/office/drawing/2010/main" w="9525">
+                <a:solidFill>
+                  <a:srgbClr val="000000"/>
+                </a:solidFill>
+                <a:miter lim="800000"/>
+                <a:headEnd/>
+                <a:tailEnd/>
+              </a14:hiddenLine>
+            </a:ext>
+          </a:extLst>
+        </p:spPr>
         <p:txBody>
-          <a:bodyPr/>
+          <a:bodyPr wrap="square" numCol="1" anchor="t" anchorCtr="0" compatLnSpc="1">
+            <a:prstTxWarp prst="textNoShape">
+              <a:avLst/>
+            </a:prstTxWarp>
+          </a:bodyPr>
           <a:lstStyle/>
           <a:p>
-            <a:pPr algn="l"/>
-            <a:r>
-              <a:rPr lang="en-US" b="0" i="1" dirty="0">
-                <a:solidFill>
-                  <a:srgbClr val="374151"/>
-                </a:solidFill>
-                <a:effectLst/>
-                <a:latin typeface="Söhne"/>
-              </a:rPr>
-              <a:t>Speaker Notes:</a:t>
-            </a:r>
-            <a:endParaRPr lang="en-US" b="0" i="0" dirty="0">
-              <a:solidFill>
-                <a:srgbClr val="374151"/>
-              </a:solidFill>
-              <a:effectLst/>
-              <a:latin typeface="Söhne"/>
-            </a:endParaRPr>
-          </a:p>
-          <a:p>
-            <a:pPr algn="l">
-              <a:buFont typeface="Arial" panose="020B0604020202020204" pitchFamily="34" charset="0"/>
-              <a:buChar char="•"/>
+            <a:pPr eaLnBrk="1" hangingPunct="1">
+              <a:spcBef>
+                <a:spcPct val="0"/>
+              </a:spcBef>
             </a:pPr>
-            <a:r>
-              <a:rPr lang="en-US" b="0" i="0" dirty="0">
-                <a:solidFill>
-                  <a:srgbClr val="374151"/>
-                </a:solidFill>
-                <a:effectLst/>
-                <a:latin typeface="Söhne"/>
-              </a:rPr>
-              <a:t>Intermediate data analysis brings a range of benefits to your data processing tasks. First, it promotes modularity by breaking down complex tasks into manageable steps. This simplifies the analysis process, making it easier to handle and maintain.</a:t>
-            </a:r>
-          </a:p>
-          <a:p>
-            <a:pPr algn="l">
-              <a:buFont typeface="Arial" panose="020B0604020202020204" pitchFamily="34" charset="0"/>
-              <a:buChar char="•"/>
-            </a:pPr>
-            <a:r>
-              <a:rPr lang="en-US" b="0" i="0" dirty="0">
-                <a:solidFill>
-                  <a:srgbClr val="374151"/>
-                </a:solidFill>
-                <a:effectLst/>
-                <a:latin typeface="Söhne"/>
-              </a:rPr>
-              <a:t>Additionally, working with intermediate results enhances efficiency. Since you're dealing with smaller datasets at each step, query execution is faster.</a:t>
-            </a:r>
-          </a:p>
-          <a:p>
-            <a:pPr algn="l">
-              <a:buFont typeface="Arial" panose="020B0604020202020204" pitchFamily="34" charset="0"/>
-              <a:buChar char="•"/>
-            </a:pPr>
-            <a:r>
-              <a:rPr lang="en-US" b="0" i="0" dirty="0">
-                <a:solidFill>
-                  <a:srgbClr val="374151"/>
-                </a:solidFill>
-                <a:effectLst/>
-                <a:latin typeface="Söhne"/>
-              </a:rPr>
-              <a:t>Clarity is another advantage. Each step is well-structured, making it easier to understand, share, and collaborate with others on your analysis.</a:t>
-            </a:r>
-          </a:p>
-          <a:p>
-            <a:pPr algn="l">
-              <a:buFont typeface="Arial" panose="020B0604020202020204" pitchFamily="34" charset="0"/>
-              <a:buChar char="•"/>
-            </a:pPr>
-            <a:r>
-              <a:rPr lang="en-US" b="0" i="0" dirty="0">
-                <a:solidFill>
-                  <a:srgbClr val="374151"/>
-                </a:solidFill>
-                <a:effectLst/>
-                <a:latin typeface="Söhne"/>
-              </a:rPr>
-              <a:t>Lastly, intermediate data analysis offers flexibility. You can easily modify or add new analysis steps to specific parts of your workflow, allowing you to adapt to changing requirements or explore additional insights.</a:t>
-            </a:r>
-          </a:p>
-          <a:p>
-            <a:endParaRPr lang="en-US" dirty="0"/>
+            <a:endParaRPr lang="en-US" altLang="en-US" dirty="0"/>
           </a:p>
         </p:txBody>
       </p:sp>
       <p:sp>
         <p:nvSpPr>
-          <p:cNvPr id="4" name="Slide Number Placeholder 3"/>
+          <p:cNvPr id="9220" name="Slide Number Placeholder 3">
+            <a:extLst>
+              <a:ext uri="{FF2B5EF4-FFF2-40B4-BE49-F238E27FC236}">
+                <a16:creationId xmlns:a16="http://schemas.microsoft.com/office/drawing/2014/main" id="{9126667B-8E3D-6A8A-83F6-4B59846ABDC8}"/>
+              </a:ext>
+            </a:extLst>
+          </p:cNvPr>
           <p:cNvSpPr>
-            <a:spLocks noGrp="1"/>
+            <a:spLocks noGrp="1" noChangeArrowheads="1"/>
           </p:cNvSpPr>
           <p:nvPr>
             <p:ph type="sldNum" sz="quarter" idx="5"/>
           </p:nvPr>
         </p:nvSpPr>
-        <p:spPr/>
+        <p:spPr bwMode="auto">
+          <a:noFill/>
+          <a:extLst>
+            <a:ext uri="{909E8E84-426E-40DD-AFC4-6F175D3DCCD1}">
+              <a14:hiddenFill xmlns:a14="http://schemas.microsoft.com/office/drawing/2010/main">
+                <a:solidFill>
+                  <a:srgbClr val="FFFFFF"/>
+                </a:solidFill>
+              </a14:hiddenFill>
+            </a:ext>
+            <a:ext uri="{91240B29-F687-4F45-9708-019B960494DF}">
+              <a14:hiddenLine xmlns:a14="http://schemas.microsoft.com/office/drawing/2010/main" w="9525">
+                <a:solidFill>
+                  <a:srgbClr val="000000"/>
+                </a:solidFill>
+                <a:miter lim="800000"/>
+                <a:headEnd/>
+                <a:tailEnd/>
+              </a14:hiddenLine>
+            </a:ext>
+          </a:extLst>
+        </p:spPr>
         <p:txBody>
-          <a:bodyPr/>
-          <a:lstStyle/>
-          <a:p>
-            <a:pPr>
-              <a:defRPr/>
-            </a:pPr>
-            <a:fld id="{D0B7D74D-C969-4920-A7A6-E44C909EE3F2}" type="slidenum">
-              <a:rPr lang="en-US" smtClean="0"/>
-              <a:pPr>
-                <a:defRPr/>
-              </a:pPr>
-              <a:t>16</a:t>
+          <a:bodyPr wrap="square" numCol="1" anchorCtr="0" compatLnSpc="1">
+            <a:prstTxWarp prst="textNoShape">
+              <a:avLst/>
+            </a:prstTxWarp>
+          </a:bodyPr>
+          <a:lstStyle>
+            <a:lvl1pPr>
+              <a:defRPr>
+                <a:solidFill>
+                  <a:schemeClr val="tx1"/>
+                </a:solidFill>
+                <a:latin typeface="Arial" panose="020B0604020202020204" pitchFamily="34" charset="0"/>
+                <a:ea typeface="MS PGothic" panose="020B0600070205080204" pitchFamily="34" charset="-128"/>
+              </a:defRPr>
+            </a:lvl1pPr>
+            <a:lvl2pPr marL="742950" indent="-285750">
+              <a:defRPr>
+                <a:solidFill>
+                  <a:schemeClr val="tx1"/>
+                </a:solidFill>
+                <a:latin typeface="Arial" panose="020B0604020202020204" pitchFamily="34" charset="0"/>
+                <a:ea typeface="MS PGothic" panose="020B0600070205080204" pitchFamily="34" charset="-128"/>
+              </a:defRPr>
+            </a:lvl2pPr>
+            <a:lvl3pPr marL="1143000" indent="-228600">
+              <a:defRPr>
+                <a:solidFill>
+                  <a:schemeClr val="tx1"/>
+                </a:solidFill>
+                <a:latin typeface="Arial" panose="020B0604020202020204" pitchFamily="34" charset="0"/>
+                <a:ea typeface="MS PGothic" panose="020B0600070205080204" pitchFamily="34" charset="-128"/>
+              </a:defRPr>
+            </a:lvl3pPr>
+            <a:lvl4pPr marL="1600200" indent="-228600">
+              <a:defRPr>
+                <a:solidFill>
+                  <a:schemeClr val="tx1"/>
+                </a:solidFill>
+                <a:latin typeface="Arial" panose="020B0604020202020204" pitchFamily="34" charset="0"/>
+                <a:ea typeface="MS PGothic" panose="020B0600070205080204" pitchFamily="34" charset="-128"/>
+              </a:defRPr>
+            </a:lvl4pPr>
+            <a:lvl5pPr marL="2057400" indent="-228600">
+              <a:defRPr>
+                <a:solidFill>
+                  <a:schemeClr val="tx1"/>
+                </a:solidFill>
+                <a:latin typeface="Arial" panose="020B0604020202020204" pitchFamily="34" charset="0"/>
+                <a:ea typeface="MS PGothic" panose="020B0600070205080204" pitchFamily="34" charset="-128"/>
+              </a:defRPr>
+            </a:lvl5pPr>
+            <a:lvl6pPr marL="2514600" indent="-228600" defTabSz="457200" eaLnBrk="0" fontAlgn="base" hangingPunct="0">
+              <a:spcBef>
+                <a:spcPct val="0"/>
+              </a:spcBef>
+              <a:spcAft>
+                <a:spcPct val="0"/>
+              </a:spcAft>
+              <a:defRPr>
+                <a:solidFill>
+                  <a:schemeClr val="tx1"/>
+                </a:solidFill>
+                <a:latin typeface="Arial" panose="020B0604020202020204" pitchFamily="34" charset="0"/>
+                <a:ea typeface="MS PGothic" panose="020B0600070205080204" pitchFamily="34" charset="-128"/>
+              </a:defRPr>
+            </a:lvl6pPr>
+            <a:lvl7pPr marL="2971800" indent="-228600" defTabSz="457200" eaLnBrk="0" fontAlgn="base" hangingPunct="0">
+              <a:spcBef>
+                <a:spcPct val="0"/>
+              </a:spcBef>
+              <a:spcAft>
+                <a:spcPct val="0"/>
+              </a:spcAft>
+              <a:defRPr>
+                <a:solidFill>
+                  <a:schemeClr val="tx1"/>
+                </a:solidFill>
+                <a:latin typeface="Arial" panose="020B0604020202020204" pitchFamily="34" charset="0"/>
+                <a:ea typeface="MS PGothic" panose="020B0600070205080204" pitchFamily="34" charset="-128"/>
+              </a:defRPr>
+            </a:lvl7pPr>
+            <a:lvl8pPr marL="3429000" indent="-228600" defTabSz="457200" eaLnBrk="0" fontAlgn="base" hangingPunct="0">
+              <a:spcBef>
+                <a:spcPct val="0"/>
+              </a:spcBef>
+              <a:spcAft>
+                <a:spcPct val="0"/>
+              </a:spcAft>
+              <a:defRPr>
+                <a:solidFill>
+                  <a:schemeClr val="tx1"/>
+                </a:solidFill>
+                <a:latin typeface="Arial" panose="020B0604020202020204" pitchFamily="34" charset="0"/>
+                <a:ea typeface="MS PGothic" panose="020B0600070205080204" pitchFamily="34" charset="-128"/>
+              </a:defRPr>
+            </a:lvl8pPr>
+            <a:lvl9pPr marL="3886200" indent="-228600" defTabSz="457200" eaLnBrk="0" fontAlgn="base" hangingPunct="0">
+              <a:spcBef>
+                <a:spcPct val="0"/>
+              </a:spcBef>
+              <a:spcAft>
+                <a:spcPct val="0"/>
+              </a:spcAft>
+              <a:defRPr>
+                <a:solidFill>
+                  <a:schemeClr val="tx1"/>
+                </a:solidFill>
+                <a:latin typeface="Arial" panose="020B0604020202020204" pitchFamily="34" charset="0"/>
+                <a:ea typeface="MS PGothic" panose="020B0600070205080204" pitchFamily="34" charset="-128"/>
+              </a:defRPr>
+            </a:lvl9pPr>
+          </a:lstStyle>
+          <a:p>
+            <a:fld id="{6AB45B74-0753-40C3-80A2-E3A7219AAD86}" type="slidenum">
+              <a:rPr lang="en-US" altLang="en-US" smtClean="0"/>
+              <a:pPr/>
+              <a:t>19</a:t>
             </a:fld>
-            <a:endParaRPr lang="en-US" dirty="0"/>
+            <a:endParaRPr lang="en-US" altLang="en-US" dirty="0"/>
           </a:p>
         </p:txBody>
       </p:sp>
     </p:spTree>
     <p:extLst>
       <p:ext uri="{BB962C8B-B14F-4D97-AF65-F5344CB8AC3E}">
-        <p14:creationId xmlns:p14="http://schemas.microsoft.com/office/powerpoint/2010/main" val="2467474828"/>
-      </p:ext>
-    </p:extLst>
-  </p:cSld>
-  <p:clrMapOvr>
-    <a:masterClrMapping/>
-  </p:clrMapOvr>
-</p:notes>
-</file>
-
-<file path=ppt/notesSlides/notesSlide17.xml><?xml version="1.0" encoding="utf-8"?>
-<p:notes xmlns:a="http://schemas.openxmlformats.org/drawingml/2006/main" xmlns:r="http://schemas.openxmlformats.org/officeDocument/2006/relationships" xmlns:p="http://schemas.openxmlformats.org/presentationml/2006/main">
-  <p:cSld>
-    <p:spTree>
-      <p:nvGrpSpPr>
-        <p:cNvPr id="1" name=""/>
-        <p:cNvGrpSpPr/>
-        <p:nvPr/>
-      </p:nvGrpSpPr>
-      <p:grpSpPr>
-        <a:xfrm>
-          <a:off x="0" y="0"/>
-          <a:ext cx="0" cy="0"/>
-          <a:chOff x="0" y="0"/>
-          <a:chExt cx="0" cy="0"/>
-        </a:xfrm>
-      </p:grpSpPr>
-      <p:sp>
-        <p:nvSpPr>
-          <p:cNvPr id="2" name="Slide Image Placeholder 1"/>
-          <p:cNvSpPr>
-            <a:spLocks noGrp="1" noRot="1" noChangeAspect="1"/>
-          </p:cNvSpPr>
-          <p:nvPr>
-            <p:ph type="sldImg"/>
-          </p:nvPr>
-        </p:nvSpPr>
-        <p:spPr/>
-      </p:sp>
-      <p:sp>
-        <p:nvSpPr>
-          <p:cNvPr id="3" name="Notes Placeholder 2"/>
-          <p:cNvSpPr>
-            <a:spLocks noGrp="1"/>
-          </p:cNvSpPr>
-          <p:nvPr>
-            <p:ph type="body" idx="1"/>
-          </p:nvPr>
-        </p:nvSpPr>
-        <p:spPr/>
-        <p:txBody>
-          <a:bodyPr/>
-          <a:lstStyle/>
-          <a:p>
-            <a:r>
-              <a:rPr lang="en-US" dirty="0"/>
-              <a:t>Walk through each function</a:t>
-            </a:r>
-          </a:p>
-        </p:txBody>
-      </p:sp>
-      <p:sp>
-        <p:nvSpPr>
-          <p:cNvPr id="4" name="Slide Number Placeholder 3"/>
-          <p:cNvSpPr>
-            <a:spLocks noGrp="1"/>
-          </p:cNvSpPr>
-          <p:nvPr>
-            <p:ph type="sldNum" sz="quarter" idx="5"/>
-          </p:nvPr>
-        </p:nvSpPr>
-        <p:spPr/>
-        <p:txBody>
-          <a:bodyPr/>
-          <a:lstStyle/>
-          <a:p>
-            <a:pPr>
-              <a:defRPr/>
-            </a:pPr>
-            <a:fld id="{D0B7D74D-C969-4920-A7A6-E44C909EE3F2}" type="slidenum">
-              <a:rPr lang="en-US" smtClean="0"/>
-              <a:pPr>
-                <a:defRPr/>
-              </a:pPr>
-              <a:t>19</a:t>
-            </a:fld>
-            <a:endParaRPr lang="en-US" dirty="0"/>
-          </a:p>
-        </p:txBody>
-      </p:sp>
-    </p:spTree>
-    <p:extLst>
-      <p:ext uri="{BB962C8B-B14F-4D97-AF65-F5344CB8AC3E}">
-        <p14:creationId xmlns:p14="http://schemas.microsoft.com/office/powerpoint/2010/main" val="3313796763"/>
-      </p:ext>
-    </p:extLst>
-  </p:cSld>
-  <p:clrMapOvr>
-    <a:masterClrMapping/>
-  </p:clrMapOvr>
-</p:notes>
-</file>
-
-<file path=ppt/notesSlides/notesSlide18.xml><?xml version="1.0" encoding="utf-8"?>
-<p:notes xmlns:a="http://schemas.openxmlformats.org/drawingml/2006/main" xmlns:r="http://schemas.openxmlformats.org/officeDocument/2006/relationships" xmlns:p="http://schemas.openxmlformats.org/presentationml/2006/main">
-  <p:cSld>
-    <p:spTree>
-      <p:nvGrpSpPr>
-        <p:cNvPr id="1" name=""/>
-        <p:cNvGrpSpPr/>
-        <p:nvPr/>
-      </p:nvGrpSpPr>
-      <p:grpSpPr>
-        <a:xfrm>
-          <a:off x="0" y="0"/>
-          <a:ext cx="0" cy="0"/>
-          <a:chOff x="0" y="0"/>
-          <a:chExt cx="0" cy="0"/>
-        </a:xfrm>
-      </p:grpSpPr>
-      <p:sp>
-        <p:nvSpPr>
-          <p:cNvPr id="2" name="Slide Image Placeholder 1"/>
-          <p:cNvSpPr>
-            <a:spLocks noGrp="1" noRot="1" noChangeAspect="1"/>
-          </p:cNvSpPr>
-          <p:nvPr>
-            <p:ph type="sldImg"/>
-          </p:nvPr>
-        </p:nvSpPr>
-        <p:spPr/>
-      </p:sp>
-      <p:sp>
-        <p:nvSpPr>
-          <p:cNvPr id="3" name="Notes Placeholder 2"/>
-          <p:cNvSpPr>
-            <a:spLocks noGrp="1"/>
-          </p:cNvSpPr>
-          <p:nvPr>
-            <p:ph type="body" idx="1"/>
-          </p:nvPr>
-        </p:nvSpPr>
-        <p:spPr/>
-        <p:txBody>
-          <a:bodyPr/>
-          <a:lstStyle/>
-          <a:p>
-            <a:r>
-              <a:rPr lang="en-US" dirty="0"/>
-              <a:t>Answers are stored in the Exercise </a:t>
-            </a:r>
-            <a:r>
-              <a:rPr lang="en-US" dirty="0" err="1"/>
-              <a:t>Answers.sql</a:t>
-            </a:r>
-            <a:r>
-              <a:rPr lang="en-US" dirty="0"/>
-              <a:t> file</a:t>
-            </a:r>
-          </a:p>
-        </p:txBody>
-      </p:sp>
-      <p:sp>
-        <p:nvSpPr>
-          <p:cNvPr id="4" name="Slide Number Placeholder 3"/>
-          <p:cNvSpPr>
-            <a:spLocks noGrp="1"/>
-          </p:cNvSpPr>
-          <p:nvPr>
-            <p:ph type="sldNum" sz="quarter" idx="5"/>
-          </p:nvPr>
-        </p:nvSpPr>
-        <p:spPr/>
-        <p:txBody>
-          <a:bodyPr/>
-          <a:lstStyle/>
-          <a:p>
-            <a:pPr>
-              <a:defRPr/>
-            </a:pPr>
-            <a:fld id="{D0B7D74D-C969-4920-A7A6-E44C909EE3F2}" type="slidenum">
-              <a:rPr lang="en-US" smtClean="0"/>
-              <a:pPr>
-                <a:defRPr/>
-              </a:pPr>
-              <a:t>20</a:t>
-            </a:fld>
-            <a:endParaRPr lang="en-US" dirty="0"/>
-          </a:p>
-        </p:txBody>
-      </p:sp>
-    </p:spTree>
-    <p:extLst>
-      <p:ext uri="{BB962C8B-B14F-4D97-AF65-F5344CB8AC3E}">
-        <p14:creationId xmlns:p14="http://schemas.microsoft.com/office/powerpoint/2010/main" val="2239918596"/>
+        <p14:creationId xmlns:p14="http://schemas.microsoft.com/office/powerpoint/2010/main" val="2870897133"/>
       </p:ext>
     </p:extLst>
   </p:cSld>
@@ -2735,7 +3305,7 @@
 </p:notes>
 </file>
 
-<file path=ppt/notesSlides/notesSlide3.xml><?xml version="1.0" encoding="utf-8"?>
+<file path=ppt/notesSlides/notesSlide20.xml><?xml version="1.0" encoding="utf-8"?>
 <p:notes xmlns:a="http://schemas.openxmlformats.org/drawingml/2006/main" xmlns:r="http://schemas.openxmlformats.org/officeDocument/2006/relationships" xmlns:p="http://schemas.openxmlformats.org/presentationml/2006/main">
   <p:cSld>
     <p:spTree>
@@ -2811,7 +3381,7 @@
                 <a:effectLst/>
                 <a:latin typeface="Söhne"/>
               </a:rPr>
-              <a:t>Welcome to the section on "Introduction to Temporary Tables."</a:t>
+              <a:t>Intermediate data analysis brings a range of benefits to your data processing tasks. First, it promotes modularity by breaking down complex tasks into manageable steps. This simplifies the analysis process, making it easier to handle and maintain.</a:t>
             </a:r>
           </a:p>
           <a:p>
@@ -2827,7 +3397,7 @@
                 <a:effectLst/>
                 <a:latin typeface="Söhne"/>
               </a:rPr>
-              <a:t>In this segment, we'll explore the fundamental concept of temporary tables and their significance in SQL.</a:t>
+              <a:t>Additionally, working with intermediate results enhances efficiency. Since you're dealing with smaller datasets at each step, query execution is faster.</a:t>
             </a:r>
           </a:p>
           <a:p>
@@ -2843,7 +3413,7 @@
                 <a:effectLst/>
                 <a:latin typeface="Söhne"/>
               </a:rPr>
-              <a:t>Temporary tables are like ephemeral workspaces in SQL, serving as dynamic data storage during query execution.</a:t>
+              <a:t>Clarity is another advantage. Each step is well-structured, making it easier to understand, share, and collaborate with others on your analysis.</a:t>
             </a:r>
           </a:p>
           <a:p>
@@ -2859,23 +3429,7 @@
                 <a:effectLst/>
                 <a:latin typeface="Söhne"/>
               </a:rPr>
-              <a:t>It's crucial to distinguish them from permanent database tables, as they have a limited lifespan within a session.</a:t>
-            </a:r>
-          </a:p>
-          <a:p>
-            <a:pPr algn="l">
-              <a:buFont typeface="Arial" panose="020B0604020202020204" pitchFamily="34" charset="0"/>
-              <a:buChar char="•"/>
-            </a:pPr>
-            <a:r>
-              <a:rPr lang="en-US" b="0" i="0" dirty="0">
-                <a:solidFill>
-                  <a:srgbClr val="374151"/>
-                </a:solidFill>
-                <a:effectLst/>
-                <a:latin typeface="Söhne"/>
-              </a:rPr>
-              <a:t>We'll delve into how temporary tables streamline complex data tasks and optimize SQL queries. Understanding their role is pivotal for efficient data manipulation and analysis. Let's continue our journey into the world of temporary tables.</a:t>
+              <a:t>Lastly, intermediate data analysis offers flexibility. You can easily modify or add new analysis steps to specific parts of your workflow, allowing you to adapt to changing requirements or explore additional insights.</a:t>
             </a:r>
           </a:p>
           <a:p>
@@ -2906,7 +3460,680 @@
               <a:pPr>
                 <a:defRPr/>
               </a:pPr>
+              <a:t>20</a:t>
+            </a:fld>
+            <a:endParaRPr lang="en-US" dirty="0"/>
+          </a:p>
+        </p:txBody>
+      </p:sp>
+    </p:spTree>
+    <p:extLst>
+      <p:ext uri="{BB962C8B-B14F-4D97-AF65-F5344CB8AC3E}">
+        <p14:creationId xmlns:p14="http://schemas.microsoft.com/office/powerpoint/2010/main" val="2467474828"/>
+      </p:ext>
+    </p:extLst>
+  </p:cSld>
+  <p:clrMapOvr>
+    <a:masterClrMapping/>
+  </p:clrMapOvr>
+</p:notes>
+</file>
+
+<file path=ppt/notesSlides/notesSlide21.xml><?xml version="1.0" encoding="utf-8"?>
+<p:notes xmlns:a="http://schemas.openxmlformats.org/drawingml/2006/main" xmlns:r="http://schemas.openxmlformats.org/officeDocument/2006/relationships" xmlns:p="http://schemas.openxmlformats.org/presentationml/2006/main">
+  <p:cSld>
+    <p:spTree>
+      <p:nvGrpSpPr>
+        <p:cNvPr id="1" name=""/>
+        <p:cNvGrpSpPr/>
+        <p:nvPr/>
+      </p:nvGrpSpPr>
+      <p:grpSpPr>
+        <a:xfrm>
+          <a:off x="0" y="0"/>
+          <a:ext cx="0" cy="0"/>
+          <a:chOff x="0" y="0"/>
+          <a:chExt cx="0" cy="0"/>
+        </a:xfrm>
+      </p:grpSpPr>
+      <p:sp>
+        <p:nvSpPr>
+          <p:cNvPr id="2" name="Slide Image Placeholder 1"/>
+          <p:cNvSpPr>
+            <a:spLocks noGrp="1" noRot="1" noChangeAspect="1"/>
+          </p:cNvSpPr>
+          <p:nvPr>
+            <p:ph type="sldImg"/>
+          </p:nvPr>
+        </p:nvSpPr>
+        <p:spPr/>
+      </p:sp>
+      <p:sp>
+        <p:nvSpPr>
+          <p:cNvPr id="3" name="Notes Placeholder 2"/>
+          <p:cNvSpPr>
+            <a:spLocks noGrp="1"/>
+          </p:cNvSpPr>
+          <p:nvPr>
+            <p:ph type="body" idx="1"/>
+          </p:nvPr>
+        </p:nvSpPr>
+        <p:spPr/>
+        <p:txBody>
+          <a:bodyPr/>
+          <a:lstStyle/>
+          <a:p>
+            <a:r>
+              <a:rPr lang="en-US" dirty="0"/>
+              <a:t>Walk through each function</a:t>
+            </a:r>
+          </a:p>
+        </p:txBody>
+      </p:sp>
+      <p:sp>
+        <p:nvSpPr>
+          <p:cNvPr id="4" name="Slide Number Placeholder 3"/>
+          <p:cNvSpPr>
+            <a:spLocks noGrp="1"/>
+          </p:cNvSpPr>
+          <p:nvPr>
+            <p:ph type="sldNum" sz="quarter" idx="5"/>
+          </p:nvPr>
+        </p:nvSpPr>
+        <p:spPr/>
+        <p:txBody>
+          <a:bodyPr/>
+          <a:lstStyle/>
+          <a:p>
+            <a:pPr>
+              <a:defRPr/>
+            </a:pPr>
+            <a:fld id="{D0B7D74D-C969-4920-A7A6-E44C909EE3F2}" type="slidenum">
+              <a:rPr lang="en-US" smtClean="0"/>
+              <a:pPr>
+                <a:defRPr/>
+              </a:pPr>
+              <a:t>23</a:t>
+            </a:fld>
+            <a:endParaRPr lang="en-US" dirty="0"/>
+          </a:p>
+        </p:txBody>
+      </p:sp>
+    </p:spTree>
+    <p:extLst>
+      <p:ext uri="{BB962C8B-B14F-4D97-AF65-F5344CB8AC3E}">
+        <p14:creationId xmlns:p14="http://schemas.microsoft.com/office/powerpoint/2010/main" val="3313796763"/>
+      </p:ext>
+    </p:extLst>
+  </p:cSld>
+  <p:clrMapOvr>
+    <a:masterClrMapping/>
+  </p:clrMapOvr>
+</p:notes>
+</file>
+
+<file path=ppt/notesSlides/notesSlide22.xml><?xml version="1.0" encoding="utf-8"?>
+<p:notes xmlns:a="http://schemas.openxmlformats.org/drawingml/2006/main" xmlns:r="http://schemas.openxmlformats.org/officeDocument/2006/relationships" xmlns:p="http://schemas.openxmlformats.org/presentationml/2006/main">
+  <p:cSld>
+    <p:spTree>
+      <p:nvGrpSpPr>
+        <p:cNvPr id="1" name=""/>
+        <p:cNvGrpSpPr/>
+        <p:nvPr/>
+      </p:nvGrpSpPr>
+      <p:grpSpPr>
+        <a:xfrm>
+          <a:off x="0" y="0"/>
+          <a:ext cx="0" cy="0"/>
+          <a:chOff x="0" y="0"/>
+          <a:chExt cx="0" cy="0"/>
+        </a:xfrm>
+      </p:grpSpPr>
+      <p:sp>
+        <p:nvSpPr>
+          <p:cNvPr id="2" name="Slide Image Placeholder 1"/>
+          <p:cNvSpPr>
+            <a:spLocks noGrp="1" noRot="1" noChangeAspect="1"/>
+          </p:cNvSpPr>
+          <p:nvPr>
+            <p:ph type="sldImg"/>
+          </p:nvPr>
+        </p:nvSpPr>
+        <p:spPr/>
+      </p:sp>
+      <p:sp>
+        <p:nvSpPr>
+          <p:cNvPr id="3" name="Notes Placeholder 2"/>
+          <p:cNvSpPr>
+            <a:spLocks noGrp="1"/>
+          </p:cNvSpPr>
+          <p:nvPr>
+            <p:ph type="body" idx="1"/>
+          </p:nvPr>
+        </p:nvSpPr>
+        <p:spPr/>
+        <p:txBody>
+          <a:bodyPr/>
+          <a:lstStyle/>
+          <a:p>
+            <a:r>
+              <a:rPr lang="en-US" dirty="0"/>
+              <a:t>Answers are stored in the Exercise </a:t>
+            </a:r>
+            <a:r>
+              <a:rPr lang="en-US" dirty="0" err="1"/>
+              <a:t>Answers.sql</a:t>
+            </a:r>
+            <a:r>
+              <a:rPr lang="en-US" dirty="0"/>
+              <a:t> file</a:t>
+            </a:r>
+          </a:p>
+        </p:txBody>
+      </p:sp>
+      <p:sp>
+        <p:nvSpPr>
+          <p:cNvPr id="4" name="Slide Number Placeholder 3"/>
+          <p:cNvSpPr>
+            <a:spLocks noGrp="1"/>
+          </p:cNvSpPr>
+          <p:nvPr>
+            <p:ph type="sldNum" sz="quarter" idx="5"/>
+          </p:nvPr>
+        </p:nvSpPr>
+        <p:spPr/>
+        <p:txBody>
+          <a:bodyPr/>
+          <a:lstStyle/>
+          <a:p>
+            <a:pPr>
+              <a:defRPr/>
+            </a:pPr>
+            <a:fld id="{D0B7D74D-C969-4920-A7A6-E44C909EE3F2}" type="slidenum">
+              <a:rPr lang="en-US" smtClean="0"/>
+              <a:pPr>
+                <a:defRPr/>
+              </a:pPr>
+              <a:t>24</a:t>
+            </a:fld>
+            <a:endParaRPr lang="en-US" dirty="0"/>
+          </a:p>
+        </p:txBody>
+      </p:sp>
+    </p:spTree>
+    <p:extLst>
+      <p:ext uri="{BB962C8B-B14F-4D97-AF65-F5344CB8AC3E}">
+        <p14:creationId xmlns:p14="http://schemas.microsoft.com/office/powerpoint/2010/main" val="2239918596"/>
+      </p:ext>
+    </p:extLst>
+  </p:cSld>
+  <p:clrMapOvr>
+    <a:masterClrMapping/>
+  </p:clrMapOvr>
+</p:notes>
+</file>
+
+<file path=ppt/notesSlides/notesSlide3.xml><?xml version="1.0" encoding="utf-8"?>
+<p:notes xmlns:a="http://schemas.openxmlformats.org/drawingml/2006/main" xmlns:r="http://schemas.openxmlformats.org/officeDocument/2006/relationships" xmlns:p="http://schemas.openxmlformats.org/presentationml/2006/main">
+  <p:cSld>
+    <p:spTree>
+      <p:nvGrpSpPr>
+        <p:cNvPr id="1" name="">
+          <a:extLst>
+            <a:ext uri="{FF2B5EF4-FFF2-40B4-BE49-F238E27FC236}">
+              <a16:creationId xmlns:a16="http://schemas.microsoft.com/office/drawing/2014/main" id="{45818D27-2E32-6C7E-412C-6671F010903A}"/>
+            </a:ext>
+          </a:extLst>
+        </p:cNvPr>
+        <p:cNvGrpSpPr/>
+        <p:nvPr/>
+      </p:nvGrpSpPr>
+      <p:grpSpPr>
+        <a:xfrm>
+          <a:off x="0" y="0"/>
+          <a:ext cx="0" cy="0"/>
+          <a:chOff x="0" y="0"/>
+          <a:chExt cx="0" cy="0"/>
+        </a:xfrm>
+      </p:grpSpPr>
+      <p:sp>
+        <p:nvSpPr>
+          <p:cNvPr id="9218" name="Slide Image Placeholder 1">
+            <a:extLst>
+              <a:ext uri="{FF2B5EF4-FFF2-40B4-BE49-F238E27FC236}">
+                <a16:creationId xmlns:a16="http://schemas.microsoft.com/office/drawing/2014/main" id="{0B6D56F9-1972-828F-91ED-A98074B616D0}"/>
+              </a:ext>
+            </a:extLst>
+          </p:cNvPr>
+          <p:cNvSpPr>
+            <a:spLocks noGrp="1" noRot="1" noChangeAspect="1" noChangeArrowheads="1" noTextEdit="1"/>
+          </p:cNvSpPr>
+          <p:nvPr>
+            <p:ph type="sldImg"/>
+          </p:nvPr>
+        </p:nvSpPr>
+        <p:spPr bwMode="auto">
+          <a:noFill/>
+          <a:ln>
+            <a:solidFill>
+              <a:srgbClr val="000000"/>
+            </a:solidFill>
+            <a:miter lim="800000"/>
+            <a:headEnd/>
+            <a:tailEnd/>
+          </a:ln>
+          <a:extLst>
+            <a:ext uri="{909E8E84-426E-40DD-AFC4-6F175D3DCCD1}">
+              <a14:hiddenFill xmlns:a14="http://schemas.microsoft.com/office/drawing/2010/main">
+                <a:solidFill>
+                  <a:srgbClr val="FFFFFF"/>
+                </a:solidFill>
+              </a14:hiddenFill>
+            </a:ext>
+          </a:extLst>
+        </p:spPr>
+      </p:sp>
+      <p:sp>
+        <p:nvSpPr>
+          <p:cNvPr id="9219" name="Notes Placeholder 2">
+            <a:extLst>
+              <a:ext uri="{FF2B5EF4-FFF2-40B4-BE49-F238E27FC236}">
+                <a16:creationId xmlns:a16="http://schemas.microsoft.com/office/drawing/2014/main" id="{79B21D08-E9E6-9037-5556-4A3FBF282E13}"/>
+              </a:ext>
+            </a:extLst>
+          </p:cNvPr>
+          <p:cNvSpPr>
+            <a:spLocks noGrp="1" noChangeArrowheads="1"/>
+          </p:cNvSpPr>
+          <p:nvPr>
+            <p:ph type="body" idx="1"/>
+          </p:nvPr>
+        </p:nvSpPr>
+        <p:spPr bwMode="auto">
+          <a:noFill/>
+          <a:extLst>
+            <a:ext uri="{909E8E84-426E-40DD-AFC4-6F175D3DCCD1}">
+              <a14:hiddenFill xmlns:a14="http://schemas.microsoft.com/office/drawing/2010/main">
+                <a:solidFill>
+                  <a:srgbClr val="FFFFFF"/>
+                </a:solidFill>
+              </a14:hiddenFill>
+            </a:ext>
+            <a:ext uri="{91240B29-F687-4F45-9708-019B960494DF}">
+              <a14:hiddenLine xmlns:a14="http://schemas.microsoft.com/office/drawing/2010/main" w="9525">
+                <a:solidFill>
+                  <a:srgbClr val="000000"/>
+                </a:solidFill>
+                <a:miter lim="800000"/>
+                <a:headEnd/>
+                <a:tailEnd/>
+              </a14:hiddenLine>
+            </a:ext>
+          </a:extLst>
+        </p:spPr>
+        <p:txBody>
+          <a:bodyPr wrap="square" numCol="1" anchor="t" anchorCtr="0" compatLnSpc="1">
+            <a:prstTxWarp prst="textNoShape">
+              <a:avLst/>
+            </a:prstTxWarp>
+          </a:bodyPr>
+          <a:lstStyle/>
+          <a:p>
+            <a:pPr eaLnBrk="1" hangingPunct="1">
+              <a:spcBef>
+                <a:spcPct val="0"/>
+              </a:spcBef>
+            </a:pPr>
+            <a:endParaRPr lang="en-US" altLang="en-US" dirty="0"/>
+          </a:p>
+        </p:txBody>
+      </p:sp>
+      <p:sp>
+        <p:nvSpPr>
+          <p:cNvPr id="9220" name="Slide Number Placeholder 3">
+            <a:extLst>
+              <a:ext uri="{FF2B5EF4-FFF2-40B4-BE49-F238E27FC236}">
+                <a16:creationId xmlns:a16="http://schemas.microsoft.com/office/drawing/2014/main" id="{9126667B-8E3D-6A8A-83F6-4B59846ABDC8}"/>
+              </a:ext>
+            </a:extLst>
+          </p:cNvPr>
+          <p:cNvSpPr>
+            <a:spLocks noGrp="1" noChangeArrowheads="1"/>
+          </p:cNvSpPr>
+          <p:nvPr>
+            <p:ph type="sldNum" sz="quarter" idx="5"/>
+          </p:nvPr>
+        </p:nvSpPr>
+        <p:spPr bwMode="auto">
+          <a:noFill/>
+          <a:extLst>
+            <a:ext uri="{909E8E84-426E-40DD-AFC4-6F175D3DCCD1}">
+              <a14:hiddenFill xmlns:a14="http://schemas.microsoft.com/office/drawing/2010/main">
+                <a:solidFill>
+                  <a:srgbClr val="FFFFFF"/>
+                </a:solidFill>
+              </a14:hiddenFill>
+            </a:ext>
+            <a:ext uri="{91240B29-F687-4F45-9708-019B960494DF}">
+              <a14:hiddenLine xmlns:a14="http://schemas.microsoft.com/office/drawing/2010/main" w="9525">
+                <a:solidFill>
+                  <a:srgbClr val="000000"/>
+                </a:solidFill>
+                <a:miter lim="800000"/>
+                <a:headEnd/>
+                <a:tailEnd/>
+              </a14:hiddenLine>
+            </a:ext>
+          </a:extLst>
+        </p:spPr>
+        <p:txBody>
+          <a:bodyPr wrap="square" numCol="1" anchorCtr="0" compatLnSpc="1">
+            <a:prstTxWarp prst="textNoShape">
+              <a:avLst/>
+            </a:prstTxWarp>
+          </a:bodyPr>
+          <a:lstStyle>
+            <a:lvl1pPr>
+              <a:defRPr>
+                <a:solidFill>
+                  <a:schemeClr val="tx1"/>
+                </a:solidFill>
+                <a:latin typeface="Arial" panose="020B0604020202020204" pitchFamily="34" charset="0"/>
+                <a:ea typeface="MS PGothic" panose="020B0600070205080204" pitchFamily="34" charset="-128"/>
+              </a:defRPr>
+            </a:lvl1pPr>
+            <a:lvl2pPr marL="742950" indent="-285750">
+              <a:defRPr>
+                <a:solidFill>
+                  <a:schemeClr val="tx1"/>
+                </a:solidFill>
+                <a:latin typeface="Arial" panose="020B0604020202020204" pitchFamily="34" charset="0"/>
+                <a:ea typeface="MS PGothic" panose="020B0600070205080204" pitchFamily="34" charset="-128"/>
+              </a:defRPr>
+            </a:lvl2pPr>
+            <a:lvl3pPr marL="1143000" indent="-228600">
+              <a:defRPr>
+                <a:solidFill>
+                  <a:schemeClr val="tx1"/>
+                </a:solidFill>
+                <a:latin typeface="Arial" panose="020B0604020202020204" pitchFamily="34" charset="0"/>
+                <a:ea typeface="MS PGothic" panose="020B0600070205080204" pitchFamily="34" charset="-128"/>
+              </a:defRPr>
+            </a:lvl3pPr>
+            <a:lvl4pPr marL="1600200" indent="-228600">
+              <a:defRPr>
+                <a:solidFill>
+                  <a:schemeClr val="tx1"/>
+                </a:solidFill>
+                <a:latin typeface="Arial" panose="020B0604020202020204" pitchFamily="34" charset="0"/>
+                <a:ea typeface="MS PGothic" panose="020B0600070205080204" pitchFamily="34" charset="-128"/>
+              </a:defRPr>
+            </a:lvl4pPr>
+            <a:lvl5pPr marL="2057400" indent="-228600">
+              <a:defRPr>
+                <a:solidFill>
+                  <a:schemeClr val="tx1"/>
+                </a:solidFill>
+                <a:latin typeface="Arial" panose="020B0604020202020204" pitchFamily="34" charset="0"/>
+                <a:ea typeface="MS PGothic" panose="020B0600070205080204" pitchFamily="34" charset="-128"/>
+              </a:defRPr>
+            </a:lvl5pPr>
+            <a:lvl6pPr marL="2514600" indent="-228600" defTabSz="457200" eaLnBrk="0" fontAlgn="base" hangingPunct="0">
+              <a:spcBef>
+                <a:spcPct val="0"/>
+              </a:spcBef>
+              <a:spcAft>
+                <a:spcPct val="0"/>
+              </a:spcAft>
+              <a:defRPr>
+                <a:solidFill>
+                  <a:schemeClr val="tx1"/>
+                </a:solidFill>
+                <a:latin typeface="Arial" panose="020B0604020202020204" pitchFamily="34" charset="0"/>
+                <a:ea typeface="MS PGothic" panose="020B0600070205080204" pitchFamily="34" charset="-128"/>
+              </a:defRPr>
+            </a:lvl6pPr>
+            <a:lvl7pPr marL="2971800" indent="-228600" defTabSz="457200" eaLnBrk="0" fontAlgn="base" hangingPunct="0">
+              <a:spcBef>
+                <a:spcPct val="0"/>
+              </a:spcBef>
+              <a:spcAft>
+                <a:spcPct val="0"/>
+              </a:spcAft>
+              <a:defRPr>
+                <a:solidFill>
+                  <a:schemeClr val="tx1"/>
+                </a:solidFill>
+                <a:latin typeface="Arial" panose="020B0604020202020204" pitchFamily="34" charset="0"/>
+                <a:ea typeface="MS PGothic" panose="020B0600070205080204" pitchFamily="34" charset="-128"/>
+              </a:defRPr>
+            </a:lvl7pPr>
+            <a:lvl8pPr marL="3429000" indent="-228600" defTabSz="457200" eaLnBrk="0" fontAlgn="base" hangingPunct="0">
+              <a:spcBef>
+                <a:spcPct val="0"/>
+              </a:spcBef>
+              <a:spcAft>
+                <a:spcPct val="0"/>
+              </a:spcAft>
+              <a:defRPr>
+                <a:solidFill>
+                  <a:schemeClr val="tx1"/>
+                </a:solidFill>
+                <a:latin typeface="Arial" panose="020B0604020202020204" pitchFamily="34" charset="0"/>
+                <a:ea typeface="MS PGothic" panose="020B0600070205080204" pitchFamily="34" charset="-128"/>
+              </a:defRPr>
+            </a:lvl8pPr>
+            <a:lvl9pPr marL="3886200" indent="-228600" defTabSz="457200" eaLnBrk="0" fontAlgn="base" hangingPunct="0">
+              <a:spcBef>
+                <a:spcPct val="0"/>
+              </a:spcBef>
+              <a:spcAft>
+                <a:spcPct val="0"/>
+              </a:spcAft>
+              <a:defRPr>
+                <a:solidFill>
+                  <a:schemeClr val="tx1"/>
+                </a:solidFill>
+                <a:latin typeface="Arial" panose="020B0604020202020204" pitchFamily="34" charset="0"/>
+                <a:ea typeface="MS PGothic" panose="020B0600070205080204" pitchFamily="34" charset="-128"/>
+              </a:defRPr>
+            </a:lvl9pPr>
+          </a:lstStyle>
+          <a:p>
+            <a:fld id="{6AB45B74-0753-40C3-80A2-E3A7219AAD86}" type="slidenum">
+              <a:rPr lang="en-US" altLang="en-US" smtClean="0"/>
+              <a:pPr/>
               <a:t>3</a:t>
+            </a:fld>
+            <a:endParaRPr lang="en-US" altLang="en-US" dirty="0"/>
+          </a:p>
+        </p:txBody>
+      </p:sp>
+    </p:spTree>
+    <p:extLst>
+      <p:ext uri="{BB962C8B-B14F-4D97-AF65-F5344CB8AC3E}">
+        <p14:creationId xmlns:p14="http://schemas.microsoft.com/office/powerpoint/2010/main" val="2870897133"/>
+      </p:ext>
+    </p:extLst>
+  </p:cSld>
+  <p:clrMapOvr>
+    <a:masterClrMapping/>
+  </p:clrMapOvr>
+</p:notes>
+</file>
+
+<file path=ppt/notesSlides/notesSlide4.xml><?xml version="1.0" encoding="utf-8"?>
+<p:notes xmlns:a="http://schemas.openxmlformats.org/drawingml/2006/main" xmlns:r="http://schemas.openxmlformats.org/officeDocument/2006/relationships" xmlns:p="http://schemas.openxmlformats.org/presentationml/2006/main">
+  <p:cSld>
+    <p:spTree>
+      <p:nvGrpSpPr>
+        <p:cNvPr id="1" name=""/>
+        <p:cNvGrpSpPr/>
+        <p:nvPr/>
+      </p:nvGrpSpPr>
+      <p:grpSpPr>
+        <a:xfrm>
+          <a:off x="0" y="0"/>
+          <a:ext cx="0" cy="0"/>
+          <a:chOff x="0" y="0"/>
+          <a:chExt cx="0" cy="0"/>
+        </a:xfrm>
+      </p:grpSpPr>
+      <p:sp>
+        <p:nvSpPr>
+          <p:cNvPr id="2" name="Slide Image Placeholder 1"/>
+          <p:cNvSpPr>
+            <a:spLocks noGrp="1" noRot="1" noChangeAspect="1"/>
+          </p:cNvSpPr>
+          <p:nvPr>
+            <p:ph type="sldImg"/>
+          </p:nvPr>
+        </p:nvSpPr>
+        <p:spPr/>
+      </p:sp>
+      <p:sp>
+        <p:nvSpPr>
+          <p:cNvPr id="3" name="Notes Placeholder 2"/>
+          <p:cNvSpPr>
+            <a:spLocks noGrp="1"/>
+          </p:cNvSpPr>
+          <p:nvPr>
+            <p:ph type="body" idx="1"/>
+          </p:nvPr>
+        </p:nvSpPr>
+        <p:spPr/>
+        <p:txBody>
+          <a:bodyPr/>
+          <a:lstStyle/>
+          <a:p>
+            <a:pPr algn="l"/>
+            <a:r>
+              <a:rPr lang="en-US" b="0" i="1" dirty="0">
+                <a:solidFill>
+                  <a:srgbClr val="374151"/>
+                </a:solidFill>
+                <a:effectLst/>
+                <a:latin typeface="Söhne"/>
+              </a:rPr>
+              <a:t>Speaker Notes:</a:t>
+            </a:r>
+            <a:endParaRPr lang="en-US" b="0" i="0" dirty="0">
+              <a:solidFill>
+                <a:srgbClr val="374151"/>
+              </a:solidFill>
+              <a:effectLst/>
+              <a:latin typeface="Söhne"/>
+            </a:endParaRPr>
+          </a:p>
+          <a:p>
+            <a:pPr algn="l">
+              <a:buFont typeface="Arial" panose="020B0604020202020204" pitchFamily="34" charset="0"/>
+              <a:buChar char="•"/>
+            </a:pPr>
+            <a:r>
+              <a:rPr lang="en-US" b="0" i="0" dirty="0">
+                <a:solidFill>
+                  <a:srgbClr val="374151"/>
+                </a:solidFill>
+                <a:effectLst/>
+                <a:latin typeface="Söhne"/>
+              </a:rPr>
+              <a:t>Welcome to the section on "Introduction to Temporary Tables."</a:t>
+            </a:r>
+          </a:p>
+          <a:p>
+            <a:pPr algn="l">
+              <a:buFont typeface="Arial" panose="020B0604020202020204" pitchFamily="34" charset="0"/>
+              <a:buChar char="•"/>
+            </a:pPr>
+            <a:r>
+              <a:rPr lang="en-US" b="0" i="0" dirty="0">
+                <a:solidFill>
+                  <a:srgbClr val="374151"/>
+                </a:solidFill>
+                <a:effectLst/>
+                <a:latin typeface="Söhne"/>
+              </a:rPr>
+              <a:t>In this segment, we'll explore the fundamental concept of temporary tables and their significance in SQL.</a:t>
+            </a:r>
+          </a:p>
+          <a:p>
+            <a:pPr algn="l">
+              <a:buFont typeface="Arial" panose="020B0604020202020204" pitchFamily="34" charset="0"/>
+              <a:buChar char="•"/>
+            </a:pPr>
+            <a:r>
+              <a:rPr lang="en-US" b="0" i="0" dirty="0">
+                <a:solidFill>
+                  <a:srgbClr val="374151"/>
+                </a:solidFill>
+                <a:effectLst/>
+                <a:latin typeface="Söhne"/>
+              </a:rPr>
+              <a:t>Temporary tables are like ephemeral workspaces in SQL, serving as dynamic data storage during query execution.</a:t>
+            </a:r>
+          </a:p>
+          <a:p>
+            <a:pPr algn="l">
+              <a:buFont typeface="Arial" panose="020B0604020202020204" pitchFamily="34" charset="0"/>
+              <a:buChar char="•"/>
+            </a:pPr>
+            <a:r>
+              <a:rPr lang="en-US" b="0" i="0" dirty="0">
+                <a:solidFill>
+                  <a:srgbClr val="374151"/>
+                </a:solidFill>
+                <a:effectLst/>
+                <a:latin typeface="Söhne"/>
+              </a:rPr>
+              <a:t>It's crucial to distinguish them from permanent database tables, as they have a limited lifespan within a session.</a:t>
+            </a:r>
+          </a:p>
+          <a:p>
+            <a:pPr algn="l">
+              <a:buFont typeface="Arial" panose="020B0604020202020204" pitchFamily="34" charset="0"/>
+              <a:buChar char="•"/>
+            </a:pPr>
+            <a:r>
+              <a:rPr lang="en-US" b="0" i="0" dirty="0">
+                <a:solidFill>
+                  <a:srgbClr val="374151"/>
+                </a:solidFill>
+                <a:effectLst/>
+                <a:latin typeface="Söhne"/>
+              </a:rPr>
+              <a:t>We'll delve into how temporary tables streamline complex data tasks and optimize SQL queries. Understanding their role is pivotal for efficient data manipulation and analysis. Let's continue our journey into the world of temporary tables.</a:t>
+            </a:r>
+          </a:p>
+          <a:p>
+            <a:endParaRPr lang="en-US" dirty="0"/>
+          </a:p>
+        </p:txBody>
+      </p:sp>
+      <p:sp>
+        <p:nvSpPr>
+          <p:cNvPr id="4" name="Slide Number Placeholder 3"/>
+          <p:cNvSpPr>
+            <a:spLocks noGrp="1"/>
+          </p:cNvSpPr>
+          <p:nvPr>
+            <p:ph type="sldNum" sz="quarter" idx="5"/>
+          </p:nvPr>
+        </p:nvSpPr>
+        <p:spPr/>
+        <p:txBody>
+          <a:bodyPr/>
+          <a:lstStyle/>
+          <a:p>
+            <a:pPr>
+              <a:defRPr/>
+            </a:pPr>
+            <a:fld id="{D0B7D74D-C969-4920-A7A6-E44C909EE3F2}" type="slidenum">
+              <a:rPr lang="en-US" smtClean="0"/>
+              <a:pPr>
+                <a:defRPr/>
+              </a:pPr>
+              <a:t>4</a:t>
             </a:fld>
             <a:endParaRPr lang="en-US" dirty="0"/>
           </a:p>
@@ -2925,7 +4152,7 @@
 </p:notes>
 </file>
 
-<file path=ppt/notesSlides/notesSlide4.xml><?xml version="1.0" encoding="utf-8"?>
+<file path=ppt/notesSlides/notesSlide5.xml><?xml version="1.0" encoding="utf-8"?>
 <p:notes xmlns:a="http://schemas.openxmlformats.org/drawingml/2006/main" xmlns:r="http://schemas.openxmlformats.org/officeDocument/2006/relationships" xmlns:p="http://schemas.openxmlformats.org/presentationml/2006/main">
   <p:cSld>
     <p:spTree>
@@ -3088,7 +4315,7 @@
               <a:pPr>
                 <a:defRPr/>
               </a:pPr>
-              <a:t>4</a:t>
+              <a:t>5</a:t>
             </a:fld>
             <a:endParaRPr lang="en-US" dirty="0"/>
           </a:p>
@@ -3107,7 +4334,296 @@
 </p:notes>
 </file>
 
-<file path=ppt/notesSlides/notesSlide5.xml><?xml version="1.0" encoding="utf-8"?>
+<file path=ppt/notesSlides/notesSlide6.xml><?xml version="1.0" encoding="utf-8"?>
+<p:notes xmlns:a="http://schemas.openxmlformats.org/drawingml/2006/main" xmlns:r="http://schemas.openxmlformats.org/officeDocument/2006/relationships" xmlns:p="http://schemas.openxmlformats.org/presentationml/2006/main">
+  <p:cSld>
+    <p:spTree>
+      <p:nvGrpSpPr>
+        <p:cNvPr id="1" name="">
+          <a:extLst>
+            <a:ext uri="{FF2B5EF4-FFF2-40B4-BE49-F238E27FC236}">
+              <a16:creationId xmlns:a16="http://schemas.microsoft.com/office/drawing/2014/main" id="{45818D27-2E32-6C7E-412C-6671F010903A}"/>
+            </a:ext>
+          </a:extLst>
+        </p:cNvPr>
+        <p:cNvGrpSpPr/>
+        <p:nvPr/>
+      </p:nvGrpSpPr>
+      <p:grpSpPr>
+        <a:xfrm>
+          <a:off x="0" y="0"/>
+          <a:ext cx="0" cy="0"/>
+          <a:chOff x="0" y="0"/>
+          <a:chExt cx="0" cy="0"/>
+        </a:xfrm>
+      </p:grpSpPr>
+      <p:sp>
+        <p:nvSpPr>
+          <p:cNvPr id="9218" name="Slide Image Placeholder 1">
+            <a:extLst>
+              <a:ext uri="{FF2B5EF4-FFF2-40B4-BE49-F238E27FC236}">
+                <a16:creationId xmlns:a16="http://schemas.microsoft.com/office/drawing/2014/main" id="{0B6D56F9-1972-828F-91ED-A98074B616D0}"/>
+              </a:ext>
+            </a:extLst>
+          </p:cNvPr>
+          <p:cNvSpPr>
+            <a:spLocks noGrp="1" noRot="1" noChangeAspect="1" noChangeArrowheads="1" noTextEdit="1"/>
+          </p:cNvSpPr>
+          <p:nvPr>
+            <p:ph type="sldImg"/>
+          </p:nvPr>
+        </p:nvSpPr>
+        <p:spPr bwMode="auto">
+          <a:noFill/>
+          <a:ln>
+            <a:solidFill>
+              <a:srgbClr val="000000"/>
+            </a:solidFill>
+            <a:miter lim="800000"/>
+            <a:headEnd/>
+            <a:tailEnd/>
+          </a:ln>
+          <a:extLst>
+            <a:ext uri="{909E8E84-426E-40DD-AFC4-6F175D3DCCD1}">
+              <a14:hiddenFill xmlns:a14="http://schemas.microsoft.com/office/drawing/2010/main">
+                <a:solidFill>
+                  <a:srgbClr val="FFFFFF"/>
+                </a:solidFill>
+              </a14:hiddenFill>
+            </a:ext>
+          </a:extLst>
+        </p:spPr>
+      </p:sp>
+      <p:sp>
+        <p:nvSpPr>
+          <p:cNvPr id="9219" name="Notes Placeholder 2">
+            <a:extLst>
+              <a:ext uri="{FF2B5EF4-FFF2-40B4-BE49-F238E27FC236}">
+                <a16:creationId xmlns:a16="http://schemas.microsoft.com/office/drawing/2014/main" id="{79B21D08-E9E6-9037-5556-4A3FBF282E13}"/>
+              </a:ext>
+            </a:extLst>
+          </p:cNvPr>
+          <p:cNvSpPr>
+            <a:spLocks noGrp="1" noChangeArrowheads="1"/>
+          </p:cNvSpPr>
+          <p:nvPr>
+            <p:ph type="body" idx="1"/>
+          </p:nvPr>
+        </p:nvSpPr>
+        <p:spPr bwMode="auto">
+          <a:noFill/>
+          <a:extLst>
+            <a:ext uri="{909E8E84-426E-40DD-AFC4-6F175D3DCCD1}">
+              <a14:hiddenFill xmlns:a14="http://schemas.microsoft.com/office/drawing/2010/main">
+                <a:solidFill>
+                  <a:srgbClr val="FFFFFF"/>
+                </a:solidFill>
+              </a14:hiddenFill>
+            </a:ext>
+            <a:ext uri="{91240B29-F687-4F45-9708-019B960494DF}">
+              <a14:hiddenLine xmlns:a14="http://schemas.microsoft.com/office/drawing/2010/main" w="9525">
+                <a:solidFill>
+                  <a:srgbClr val="000000"/>
+                </a:solidFill>
+                <a:miter lim="800000"/>
+                <a:headEnd/>
+                <a:tailEnd/>
+              </a14:hiddenLine>
+            </a:ext>
+          </a:extLst>
+        </p:spPr>
+        <p:txBody>
+          <a:bodyPr wrap="square" numCol="1" anchor="t" anchorCtr="0" compatLnSpc="1">
+            <a:prstTxWarp prst="textNoShape">
+              <a:avLst/>
+            </a:prstTxWarp>
+          </a:bodyPr>
+          <a:lstStyle/>
+          <a:p>
+            <a:pPr eaLnBrk="1" hangingPunct="1">
+              <a:spcBef>
+                <a:spcPct val="0"/>
+              </a:spcBef>
+            </a:pPr>
+            <a:endParaRPr lang="en-US" altLang="en-US" dirty="0"/>
+          </a:p>
+        </p:txBody>
+      </p:sp>
+      <p:sp>
+        <p:nvSpPr>
+          <p:cNvPr id="9220" name="Slide Number Placeholder 3">
+            <a:extLst>
+              <a:ext uri="{FF2B5EF4-FFF2-40B4-BE49-F238E27FC236}">
+                <a16:creationId xmlns:a16="http://schemas.microsoft.com/office/drawing/2014/main" id="{9126667B-8E3D-6A8A-83F6-4B59846ABDC8}"/>
+              </a:ext>
+            </a:extLst>
+          </p:cNvPr>
+          <p:cNvSpPr>
+            <a:spLocks noGrp="1" noChangeArrowheads="1"/>
+          </p:cNvSpPr>
+          <p:nvPr>
+            <p:ph type="sldNum" sz="quarter" idx="5"/>
+          </p:nvPr>
+        </p:nvSpPr>
+        <p:spPr bwMode="auto">
+          <a:noFill/>
+          <a:extLst>
+            <a:ext uri="{909E8E84-426E-40DD-AFC4-6F175D3DCCD1}">
+              <a14:hiddenFill xmlns:a14="http://schemas.microsoft.com/office/drawing/2010/main">
+                <a:solidFill>
+                  <a:srgbClr val="FFFFFF"/>
+                </a:solidFill>
+              </a14:hiddenFill>
+            </a:ext>
+            <a:ext uri="{91240B29-F687-4F45-9708-019B960494DF}">
+              <a14:hiddenLine xmlns:a14="http://schemas.microsoft.com/office/drawing/2010/main" w="9525">
+                <a:solidFill>
+                  <a:srgbClr val="000000"/>
+                </a:solidFill>
+                <a:miter lim="800000"/>
+                <a:headEnd/>
+                <a:tailEnd/>
+              </a14:hiddenLine>
+            </a:ext>
+          </a:extLst>
+        </p:spPr>
+        <p:txBody>
+          <a:bodyPr wrap="square" numCol="1" anchorCtr="0" compatLnSpc="1">
+            <a:prstTxWarp prst="textNoShape">
+              <a:avLst/>
+            </a:prstTxWarp>
+          </a:bodyPr>
+          <a:lstStyle>
+            <a:lvl1pPr>
+              <a:defRPr>
+                <a:solidFill>
+                  <a:schemeClr val="tx1"/>
+                </a:solidFill>
+                <a:latin typeface="Arial" panose="020B0604020202020204" pitchFamily="34" charset="0"/>
+                <a:ea typeface="MS PGothic" panose="020B0600070205080204" pitchFamily="34" charset="-128"/>
+              </a:defRPr>
+            </a:lvl1pPr>
+            <a:lvl2pPr marL="742950" indent="-285750">
+              <a:defRPr>
+                <a:solidFill>
+                  <a:schemeClr val="tx1"/>
+                </a:solidFill>
+                <a:latin typeface="Arial" panose="020B0604020202020204" pitchFamily="34" charset="0"/>
+                <a:ea typeface="MS PGothic" panose="020B0600070205080204" pitchFamily="34" charset="-128"/>
+              </a:defRPr>
+            </a:lvl2pPr>
+            <a:lvl3pPr marL="1143000" indent="-228600">
+              <a:defRPr>
+                <a:solidFill>
+                  <a:schemeClr val="tx1"/>
+                </a:solidFill>
+                <a:latin typeface="Arial" panose="020B0604020202020204" pitchFamily="34" charset="0"/>
+                <a:ea typeface="MS PGothic" panose="020B0600070205080204" pitchFamily="34" charset="-128"/>
+              </a:defRPr>
+            </a:lvl3pPr>
+            <a:lvl4pPr marL="1600200" indent="-228600">
+              <a:defRPr>
+                <a:solidFill>
+                  <a:schemeClr val="tx1"/>
+                </a:solidFill>
+                <a:latin typeface="Arial" panose="020B0604020202020204" pitchFamily="34" charset="0"/>
+                <a:ea typeface="MS PGothic" panose="020B0600070205080204" pitchFamily="34" charset="-128"/>
+              </a:defRPr>
+            </a:lvl4pPr>
+            <a:lvl5pPr marL="2057400" indent="-228600">
+              <a:defRPr>
+                <a:solidFill>
+                  <a:schemeClr val="tx1"/>
+                </a:solidFill>
+                <a:latin typeface="Arial" panose="020B0604020202020204" pitchFamily="34" charset="0"/>
+                <a:ea typeface="MS PGothic" panose="020B0600070205080204" pitchFamily="34" charset="-128"/>
+              </a:defRPr>
+            </a:lvl5pPr>
+            <a:lvl6pPr marL="2514600" indent="-228600" defTabSz="457200" eaLnBrk="0" fontAlgn="base" hangingPunct="0">
+              <a:spcBef>
+                <a:spcPct val="0"/>
+              </a:spcBef>
+              <a:spcAft>
+                <a:spcPct val="0"/>
+              </a:spcAft>
+              <a:defRPr>
+                <a:solidFill>
+                  <a:schemeClr val="tx1"/>
+                </a:solidFill>
+                <a:latin typeface="Arial" panose="020B0604020202020204" pitchFamily="34" charset="0"/>
+                <a:ea typeface="MS PGothic" panose="020B0600070205080204" pitchFamily="34" charset="-128"/>
+              </a:defRPr>
+            </a:lvl6pPr>
+            <a:lvl7pPr marL="2971800" indent="-228600" defTabSz="457200" eaLnBrk="0" fontAlgn="base" hangingPunct="0">
+              <a:spcBef>
+                <a:spcPct val="0"/>
+              </a:spcBef>
+              <a:spcAft>
+                <a:spcPct val="0"/>
+              </a:spcAft>
+              <a:defRPr>
+                <a:solidFill>
+                  <a:schemeClr val="tx1"/>
+                </a:solidFill>
+                <a:latin typeface="Arial" panose="020B0604020202020204" pitchFamily="34" charset="0"/>
+                <a:ea typeface="MS PGothic" panose="020B0600070205080204" pitchFamily="34" charset="-128"/>
+              </a:defRPr>
+            </a:lvl7pPr>
+            <a:lvl8pPr marL="3429000" indent="-228600" defTabSz="457200" eaLnBrk="0" fontAlgn="base" hangingPunct="0">
+              <a:spcBef>
+                <a:spcPct val="0"/>
+              </a:spcBef>
+              <a:spcAft>
+                <a:spcPct val="0"/>
+              </a:spcAft>
+              <a:defRPr>
+                <a:solidFill>
+                  <a:schemeClr val="tx1"/>
+                </a:solidFill>
+                <a:latin typeface="Arial" panose="020B0604020202020204" pitchFamily="34" charset="0"/>
+                <a:ea typeface="MS PGothic" panose="020B0600070205080204" pitchFamily="34" charset="-128"/>
+              </a:defRPr>
+            </a:lvl8pPr>
+            <a:lvl9pPr marL="3886200" indent="-228600" defTabSz="457200" eaLnBrk="0" fontAlgn="base" hangingPunct="0">
+              <a:spcBef>
+                <a:spcPct val="0"/>
+              </a:spcBef>
+              <a:spcAft>
+                <a:spcPct val="0"/>
+              </a:spcAft>
+              <a:defRPr>
+                <a:solidFill>
+                  <a:schemeClr val="tx1"/>
+                </a:solidFill>
+                <a:latin typeface="Arial" panose="020B0604020202020204" pitchFamily="34" charset="0"/>
+                <a:ea typeface="MS PGothic" panose="020B0600070205080204" pitchFamily="34" charset="-128"/>
+              </a:defRPr>
+            </a:lvl9pPr>
+          </a:lstStyle>
+          <a:p>
+            <a:fld id="{6AB45B74-0753-40C3-80A2-E3A7219AAD86}" type="slidenum">
+              <a:rPr lang="en-US" altLang="en-US" smtClean="0"/>
+              <a:pPr/>
+              <a:t>6</a:t>
+            </a:fld>
+            <a:endParaRPr lang="en-US" altLang="en-US" dirty="0"/>
+          </a:p>
+        </p:txBody>
+      </p:sp>
+    </p:spTree>
+    <p:extLst>
+      <p:ext uri="{BB962C8B-B14F-4D97-AF65-F5344CB8AC3E}">
+        <p14:creationId xmlns:p14="http://schemas.microsoft.com/office/powerpoint/2010/main" val="2870897133"/>
+      </p:ext>
+    </p:extLst>
+  </p:cSld>
+  <p:clrMapOvr>
+    <a:masterClrMapping/>
+  </p:clrMapOvr>
+</p:notes>
+</file>
+
+<file path=ppt/notesSlides/notesSlide7.xml><?xml version="1.0" encoding="utf-8"?>
 <p:notes xmlns:a="http://schemas.openxmlformats.org/drawingml/2006/main" xmlns:r="http://schemas.openxmlformats.org/officeDocument/2006/relationships" xmlns:p="http://schemas.openxmlformats.org/presentationml/2006/main">
   <p:cSld>
     <p:spTree>
@@ -3270,7 +4786,7 @@
               <a:pPr>
                 <a:defRPr/>
               </a:pPr>
-              <a:t>5</a:t>
+              <a:t>7</a:t>
             </a:fld>
             <a:endParaRPr lang="en-US" dirty="0"/>
           </a:p>
@@ -3289,7 +4805,7 @@
 </p:notes>
 </file>
 
-<file path=ppt/notesSlides/notesSlide6.xml><?xml version="1.0" encoding="utf-8"?>
+<file path=ppt/notesSlides/notesSlide8.xml><?xml version="1.0" encoding="utf-8"?>
 <p:notes xmlns:a="http://schemas.openxmlformats.org/drawingml/2006/main" xmlns:r="http://schemas.openxmlformats.org/officeDocument/2006/relationships" xmlns:p="http://schemas.openxmlformats.org/presentationml/2006/main">
   <p:cSld>
     <p:spTree>
@@ -3564,7 +5080,7 @@
               <a:pPr>
                 <a:defRPr/>
               </a:pPr>
-              <a:t>6</a:t>
+              <a:t>8</a:t>
             </a:fld>
             <a:endParaRPr lang="en-US" dirty="0"/>
           </a:p>
@@ -3583,7 +5099,7 @@
 </p:notes>
 </file>
 
-<file path=ppt/notesSlides/notesSlide7.xml><?xml version="1.0" encoding="utf-8"?>
+<file path=ppt/notesSlides/notesSlide9.xml><?xml version="1.0" encoding="utf-8"?>
 <p:notes xmlns:a="http://schemas.openxmlformats.org/drawingml/2006/main" xmlns:r="http://schemas.openxmlformats.org/officeDocument/2006/relationships" xmlns:p="http://schemas.openxmlformats.org/presentationml/2006/main">
   <p:cSld>
     <p:spTree>
@@ -3850,7 +5366,7 @@
               <a:pPr>
                 <a:defRPr/>
               </a:pPr>
-              <a:t>7</a:t>
+              <a:t>9</a:t>
             </a:fld>
             <a:endParaRPr lang="en-US" dirty="0"/>
           </a:p>
@@ -3860,358 +5376,6 @@
     <p:extLst>
       <p:ext uri="{BB962C8B-B14F-4D97-AF65-F5344CB8AC3E}">
         <p14:creationId xmlns:p14="http://schemas.microsoft.com/office/powerpoint/2010/main" val="2368077357"/>
-      </p:ext>
-    </p:extLst>
-  </p:cSld>
-  <p:clrMapOvr>
-    <a:masterClrMapping/>
-  </p:clrMapOvr>
-</p:notes>
-</file>
-
-<file path=ppt/notesSlides/notesSlide8.xml><?xml version="1.0" encoding="utf-8"?>
-<p:notes xmlns:a="http://schemas.openxmlformats.org/drawingml/2006/main" xmlns:r="http://schemas.openxmlformats.org/officeDocument/2006/relationships" xmlns:p="http://schemas.openxmlformats.org/presentationml/2006/main">
-  <p:cSld>
-    <p:spTree>
-      <p:nvGrpSpPr>
-        <p:cNvPr id="1" name="">
-          <a:extLst>
-            <a:ext uri="{FF2B5EF4-FFF2-40B4-BE49-F238E27FC236}">
-              <a16:creationId xmlns:a16="http://schemas.microsoft.com/office/drawing/2014/main" id="{D5B9C5B4-2DAE-2CED-A101-ABF8E75A4E06}"/>
-            </a:ext>
-          </a:extLst>
-        </p:cNvPr>
-        <p:cNvGrpSpPr/>
-        <p:nvPr/>
-      </p:nvGrpSpPr>
-      <p:grpSpPr>
-        <a:xfrm>
-          <a:off x="0" y="0"/>
-          <a:ext cx="0" cy="0"/>
-          <a:chOff x="0" y="0"/>
-          <a:chExt cx="0" cy="0"/>
-        </a:xfrm>
-      </p:grpSpPr>
-      <p:sp>
-        <p:nvSpPr>
-          <p:cNvPr id="2" name="Slide Image Placeholder 1">
-            <a:extLst>
-              <a:ext uri="{FF2B5EF4-FFF2-40B4-BE49-F238E27FC236}">
-                <a16:creationId xmlns:a16="http://schemas.microsoft.com/office/drawing/2014/main" id="{C79332A0-9464-C360-CD3A-DD5523F23654}"/>
-              </a:ext>
-            </a:extLst>
-          </p:cNvPr>
-          <p:cNvSpPr>
-            <a:spLocks noGrp="1" noRot="1" noChangeAspect="1"/>
-          </p:cNvSpPr>
-          <p:nvPr>
-            <p:ph type="sldImg"/>
-          </p:nvPr>
-        </p:nvSpPr>
-        <p:spPr/>
-      </p:sp>
-      <p:sp>
-        <p:nvSpPr>
-          <p:cNvPr id="3" name="Notes Placeholder 2">
-            <a:extLst>
-              <a:ext uri="{FF2B5EF4-FFF2-40B4-BE49-F238E27FC236}">
-                <a16:creationId xmlns:a16="http://schemas.microsoft.com/office/drawing/2014/main" id="{17CE05B2-2025-7304-A800-75A6325E0943}"/>
-              </a:ext>
-            </a:extLst>
-          </p:cNvPr>
-          <p:cNvSpPr>
-            <a:spLocks noGrp="1"/>
-          </p:cNvSpPr>
-          <p:nvPr>
-            <p:ph type="body" idx="1"/>
-          </p:nvPr>
-        </p:nvSpPr>
-        <p:spPr/>
-        <p:txBody>
-          <a:bodyPr/>
-          <a:lstStyle/>
-          <a:p>
-            <a:r>
-              <a:rPr lang="en-US" b="0" i="0" dirty="0">
-                <a:solidFill>
-                  <a:srgbClr val="374151"/>
-                </a:solidFill>
-                <a:effectLst/>
-                <a:latin typeface="Söhne"/>
-              </a:rPr>
-              <a:t>Temporary tables, marked with a </a:t>
-            </a:r>
-            <a:r>
-              <a:rPr lang="en-US" dirty="0"/>
-              <a:t>#</a:t>
-            </a:r>
-            <a:r>
-              <a:rPr lang="en-US" b="0" i="0" dirty="0">
-                <a:solidFill>
-                  <a:srgbClr val="374151"/>
-                </a:solidFill>
-                <a:effectLst/>
-                <a:latin typeface="Söhne"/>
-              </a:rPr>
-              <a:t>, are invaluable in SQL for data analysis and query processing. They offer a distinct scope, automatic cleanup, and isolation. These benefits make them ideal for storing and manipulating data temporarily during a session. Temporary tables can improve query performance and reduce naming conflicts while maintaining data integrity. In our guided exercise, we used them to break down complex data analysis tasks into manageable steps.</a:t>
-            </a:r>
-            <a:endParaRPr lang="en-US" dirty="0"/>
-          </a:p>
-        </p:txBody>
-      </p:sp>
-      <p:sp>
-        <p:nvSpPr>
-          <p:cNvPr id="4" name="Slide Number Placeholder 3">
-            <a:extLst>
-              <a:ext uri="{FF2B5EF4-FFF2-40B4-BE49-F238E27FC236}">
-                <a16:creationId xmlns:a16="http://schemas.microsoft.com/office/drawing/2014/main" id="{26601D54-F981-1311-936D-08E5E7E9E148}"/>
-              </a:ext>
-            </a:extLst>
-          </p:cNvPr>
-          <p:cNvSpPr>
-            <a:spLocks noGrp="1"/>
-          </p:cNvSpPr>
-          <p:nvPr>
-            <p:ph type="sldNum" sz="quarter" idx="5"/>
-          </p:nvPr>
-        </p:nvSpPr>
-        <p:spPr/>
-        <p:txBody>
-          <a:bodyPr/>
-          <a:lstStyle/>
-          <a:p>
-            <a:pPr>
-              <a:defRPr/>
-            </a:pPr>
-            <a:fld id="{D0B7D74D-C969-4920-A7A6-E44C909EE3F2}" type="slidenum">
-              <a:rPr lang="en-US" smtClean="0"/>
-              <a:pPr>
-                <a:defRPr/>
-              </a:pPr>
-              <a:t>8</a:t>
-            </a:fld>
-            <a:endParaRPr lang="en-US" dirty="0"/>
-          </a:p>
-        </p:txBody>
-      </p:sp>
-    </p:spTree>
-    <p:extLst>
-      <p:ext uri="{BB962C8B-B14F-4D97-AF65-F5344CB8AC3E}">
-        <p14:creationId xmlns:p14="http://schemas.microsoft.com/office/powerpoint/2010/main" val="1428949974"/>
-      </p:ext>
-    </p:extLst>
-  </p:cSld>
-  <p:clrMapOvr>
-    <a:masterClrMapping/>
-  </p:clrMapOvr>
-</p:notes>
-</file>
-
-<file path=ppt/notesSlides/notesSlide9.xml><?xml version="1.0" encoding="utf-8"?>
-<p:notes xmlns:a="http://schemas.openxmlformats.org/drawingml/2006/main" xmlns:r="http://schemas.openxmlformats.org/officeDocument/2006/relationships" xmlns:p="http://schemas.openxmlformats.org/presentationml/2006/main">
-  <p:cSld>
-    <p:spTree>
-      <p:nvGrpSpPr>
-        <p:cNvPr id="1" name="">
-          <a:extLst>
-            <a:ext uri="{FF2B5EF4-FFF2-40B4-BE49-F238E27FC236}">
-              <a16:creationId xmlns:a16="http://schemas.microsoft.com/office/drawing/2014/main" id="{C1BFB52B-4875-DB87-F842-D50C9B13E5C0}"/>
-            </a:ext>
-          </a:extLst>
-        </p:cNvPr>
-        <p:cNvGrpSpPr/>
-        <p:nvPr/>
-      </p:nvGrpSpPr>
-      <p:grpSpPr>
-        <a:xfrm>
-          <a:off x="0" y="0"/>
-          <a:ext cx="0" cy="0"/>
-          <a:chOff x="0" y="0"/>
-          <a:chExt cx="0" cy="0"/>
-        </a:xfrm>
-      </p:grpSpPr>
-      <p:sp>
-        <p:nvSpPr>
-          <p:cNvPr id="2" name="Slide Image Placeholder 1">
-            <a:extLst>
-              <a:ext uri="{FF2B5EF4-FFF2-40B4-BE49-F238E27FC236}">
-                <a16:creationId xmlns:a16="http://schemas.microsoft.com/office/drawing/2014/main" id="{3DBDE9BD-C797-011D-6591-55A44C5DD7C4}"/>
-              </a:ext>
-            </a:extLst>
-          </p:cNvPr>
-          <p:cNvSpPr>
-            <a:spLocks noGrp="1" noRot="1" noChangeAspect="1"/>
-          </p:cNvSpPr>
-          <p:nvPr>
-            <p:ph type="sldImg"/>
-          </p:nvPr>
-        </p:nvSpPr>
-        <p:spPr/>
-      </p:sp>
-      <p:sp>
-        <p:nvSpPr>
-          <p:cNvPr id="3" name="Notes Placeholder 2">
-            <a:extLst>
-              <a:ext uri="{FF2B5EF4-FFF2-40B4-BE49-F238E27FC236}">
-                <a16:creationId xmlns:a16="http://schemas.microsoft.com/office/drawing/2014/main" id="{54DB0781-F64F-A3D9-2B24-D3D7F0629406}"/>
-              </a:ext>
-            </a:extLst>
-          </p:cNvPr>
-          <p:cNvSpPr>
-            <a:spLocks noGrp="1"/>
-          </p:cNvSpPr>
-          <p:nvPr>
-            <p:ph type="body" idx="1"/>
-          </p:nvPr>
-        </p:nvSpPr>
-        <p:spPr/>
-        <p:txBody>
-          <a:bodyPr/>
-          <a:lstStyle/>
-          <a:p>
-            <a:pPr algn="l"/>
-            <a:r>
-              <a:rPr lang="en-US" b="0" i="1" dirty="0">
-                <a:solidFill>
-                  <a:srgbClr val="374151"/>
-                </a:solidFill>
-                <a:effectLst/>
-                <a:latin typeface="Söhne"/>
-              </a:rPr>
-              <a:t>Speaker Notes:</a:t>
-            </a:r>
-            <a:endParaRPr lang="en-US" b="0" i="0" dirty="0">
-              <a:solidFill>
-                <a:srgbClr val="374151"/>
-              </a:solidFill>
-              <a:effectLst/>
-              <a:latin typeface="Söhne"/>
-            </a:endParaRPr>
-          </a:p>
-          <a:p>
-            <a:pPr algn="l">
-              <a:buFont typeface="Arial" panose="020B0604020202020204" pitchFamily="34" charset="0"/>
-              <a:buChar char="•"/>
-            </a:pPr>
-            <a:r>
-              <a:rPr lang="en-US" b="0" i="0" dirty="0">
-                <a:solidFill>
-                  <a:srgbClr val="374151"/>
-                </a:solidFill>
-                <a:effectLst/>
-                <a:latin typeface="Söhne"/>
-              </a:rPr>
-              <a:t>Let's delve deeper into the scenarios when utilizing the INTO clause for temporary tables makes the most sense.</a:t>
-            </a:r>
-          </a:p>
-          <a:p>
-            <a:pPr algn="l">
-              <a:buFont typeface="Arial" panose="020B0604020202020204" pitchFamily="34" charset="0"/>
-              <a:buChar char="•"/>
-            </a:pPr>
-            <a:r>
-              <a:rPr lang="en-US" b="0" i="0" dirty="0">
-                <a:solidFill>
-                  <a:srgbClr val="374151"/>
-                </a:solidFill>
-                <a:effectLst/>
-                <a:latin typeface="Söhne"/>
-              </a:rPr>
-              <a:t>First, when you require quick data extraction from a single query without defining the table structure in advance, the INTO clause shines. It simplifies the process, making it both swift and efficient.</a:t>
-            </a:r>
-          </a:p>
-          <a:p>
-            <a:pPr algn="l">
-              <a:buFont typeface="Arial" panose="020B0604020202020204" pitchFamily="34" charset="0"/>
-              <a:buChar char="•"/>
-            </a:pPr>
-            <a:r>
-              <a:rPr lang="en-US" b="0" i="0" dirty="0">
-                <a:solidFill>
-                  <a:srgbClr val="374151"/>
-                </a:solidFill>
-                <a:effectLst/>
-                <a:latin typeface="Söhne"/>
-              </a:rPr>
-              <a:t>Second, if your goal is to create a temporary table with a straightforward syntax, skipping the explicit definition of column names and data types, the INTO clause streamlines this task.</a:t>
-            </a:r>
-          </a:p>
-          <a:p>
-            <a:pPr algn="l">
-              <a:buFont typeface="Arial" panose="020B0604020202020204" pitchFamily="34" charset="0"/>
-              <a:buChar char="•"/>
-            </a:pPr>
-            <a:r>
-              <a:rPr lang="en-US" b="0" i="0" dirty="0">
-                <a:solidFill>
-                  <a:srgbClr val="374151"/>
-                </a:solidFill>
-                <a:effectLst/>
-                <a:latin typeface="Söhne"/>
-              </a:rPr>
-              <a:t>For ad hoc queries or one-time data processing tasks where the temporary table won't be reused, the INTO clause provides a convenient and concise solution.</a:t>
-            </a:r>
-          </a:p>
-          <a:p>
-            <a:pPr algn="l">
-              <a:buFont typeface="Arial" panose="020B0604020202020204" pitchFamily="34" charset="0"/>
-              <a:buChar char="•"/>
-            </a:pPr>
-            <a:r>
-              <a:rPr lang="en-US" b="0" i="0" dirty="0">
-                <a:solidFill>
-                  <a:srgbClr val="374151"/>
-                </a:solidFill>
-                <a:effectLst/>
-                <a:latin typeface="Söhne"/>
-              </a:rPr>
-              <a:t>Lastly, when you need to store intermediate results during query or script execution, the INTO clause serves as a practical choice for temporary data storage.</a:t>
-            </a:r>
-          </a:p>
-          <a:p>
-            <a:endParaRPr lang="en-US" dirty="0"/>
-          </a:p>
-        </p:txBody>
-      </p:sp>
-      <p:sp>
-        <p:nvSpPr>
-          <p:cNvPr id="4" name="Slide Number Placeholder 3">
-            <a:extLst>
-              <a:ext uri="{FF2B5EF4-FFF2-40B4-BE49-F238E27FC236}">
-                <a16:creationId xmlns:a16="http://schemas.microsoft.com/office/drawing/2014/main" id="{F8120E0F-92CC-E43F-7B6E-9DC8B3433907}"/>
-              </a:ext>
-            </a:extLst>
-          </p:cNvPr>
-          <p:cNvSpPr>
-            <a:spLocks noGrp="1"/>
-          </p:cNvSpPr>
-          <p:nvPr>
-            <p:ph type="sldNum" sz="quarter" idx="5"/>
-          </p:nvPr>
-        </p:nvSpPr>
-        <p:spPr/>
-        <p:txBody>
-          <a:bodyPr/>
-          <a:lstStyle/>
-          <a:p>
-            <a:pPr>
-              <a:defRPr/>
-            </a:pPr>
-            <a:fld id="{D0B7D74D-C969-4920-A7A6-E44C909EE3F2}" type="slidenum">
-              <a:rPr lang="en-US" smtClean="0"/>
-              <a:pPr>
-                <a:defRPr/>
-              </a:pPr>
-              <a:t>9</a:t>
-            </a:fld>
-            <a:endParaRPr lang="en-US" dirty="0"/>
-          </a:p>
-        </p:txBody>
-      </p:sp>
-    </p:spTree>
-    <p:extLst>
-      <p:ext uri="{BB962C8B-B14F-4D97-AF65-F5344CB8AC3E}">
-        <p14:creationId xmlns:p14="http://schemas.microsoft.com/office/powerpoint/2010/main" val="2294091062"/>
       </p:ext>
     </p:extLst>
   </p:cSld>
@@ -4885,6 +6049,195 @@
     <p:extLst>
       <p:ext uri="{BB962C8B-B14F-4D97-AF65-F5344CB8AC3E}">
         <p14:creationId xmlns:p14="http://schemas.microsoft.com/office/powerpoint/2010/main" val="3047032802"/>
+      </p:ext>
+    </p:extLst>
+  </p:cSld>
+  <p:clrMapOvr>
+    <a:masterClrMapping/>
+  </p:clrMapOvr>
+</p:sldLayout>
+</file>
+
+<file path=ppt/slideLayouts/slideLayout12.xml><?xml version="1.0" encoding="utf-8"?>
+<p:sldLayout xmlns:a="http://schemas.openxmlformats.org/drawingml/2006/main" xmlns:r="http://schemas.openxmlformats.org/officeDocument/2006/relationships" xmlns:p="http://schemas.openxmlformats.org/presentationml/2006/main" type="title">
+  <p:cSld name="Title Slide">
+    <p:spTree>
+      <p:nvGrpSpPr>
+        <p:cNvPr id="1" name=""/>
+        <p:cNvGrpSpPr/>
+        <p:nvPr/>
+      </p:nvGrpSpPr>
+      <p:grpSpPr>
+        <a:xfrm>
+          <a:off x="0" y="0"/>
+          <a:ext cx="0" cy="0"/>
+          <a:chOff x="0" y="0"/>
+          <a:chExt cx="0" cy="0"/>
+        </a:xfrm>
+      </p:grpSpPr>
+      <p:sp>
+        <p:nvSpPr>
+          <p:cNvPr id="2" name="Title 1"/>
+          <p:cNvSpPr>
+            <a:spLocks noGrp="1"/>
+          </p:cNvSpPr>
+          <p:nvPr>
+            <p:ph type="ctrTitle"/>
+          </p:nvPr>
+        </p:nvSpPr>
+        <p:spPr>
+          <a:xfrm>
+            <a:off x="1672019" y="2883559"/>
+            <a:ext cx="6400800" cy="399850"/>
+          </a:xfrm>
+          <a:prstGeom prst="rect">
+            <a:avLst/>
+          </a:prstGeom>
+        </p:spPr>
+        <p:txBody>
+          <a:bodyPr/>
+          <a:lstStyle>
+            <a:lvl1pPr algn="l">
+              <a:defRPr sz="2400">
+                <a:solidFill>
+                  <a:srgbClr val="00556F"/>
+                </a:solidFill>
+              </a:defRPr>
+            </a:lvl1pPr>
+          </a:lstStyle>
+          <a:p>
+            <a:r>
+              <a:rPr lang="en-US"/>
+              <a:t>Click to edit Master title style</a:t>
+            </a:r>
+            <a:endParaRPr lang="en-US" dirty="0"/>
+          </a:p>
+        </p:txBody>
+      </p:sp>
+      <p:sp>
+        <p:nvSpPr>
+          <p:cNvPr id="3" name="Subtitle 2"/>
+          <p:cNvSpPr>
+            <a:spLocks noGrp="1"/>
+          </p:cNvSpPr>
+          <p:nvPr>
+            <p:ph type="subTitle" idx="1"/>
+          </p:nvPr>
+        </p:nvSpPr>
+        <p:spPr>
+          <a:xfrm>
+            <a:off x="1672019" y="3293037"/>
+            <a:ext cx="6400800" cy="334106"/>
+          </a:xfrm>
+          <a:prstGeom prst="rect">
+            <a:avLst/>
+          </a:prstGeom>
+        </p:spPr>
+        <p:txBody>
+          <a:bodyPr/>
+          <a:lstStyle>
+            <a:lvl1pPr marL="0" indent="0" algn="l">
+              <a:buNone/>
+              <a:defRPr sz="1600">
+                <a:solidFill>
+                  <a:srgbClr val="00556F"/>
+                </a:solidFill>
+              </a:defRPr>
+            </a:lvl1pPr>
+            <a:lvl2pPr marL="457200" indent="0" algn="ctr">
+              <a:buNone/>
+              <a:defRPr>
+                <a:solidFill>
+                  <a:schemeClr val="tx1">
+                    <a:tint val="75000"/>
+                  </a:schemeClr>
+                </a:solidFill>
+              </a:defRPr>
+            </a:lvl2pPr>
+            <a:lvl3pPr marL="914400" indent="0" algn="ctr">
+              <a:buNone/>
+              <a:defRPr>
+                <a:solidFill>
+                  <a:schemeClr val="tx1">
+                    <a:tint val="75000"/>
+                  </a:schemeClr>
+                </a:solidFill>
+              </a:defRPr>
+            </a:lvl3pPr>
+            <a:lvl4pPr marL="1371600" indent="0" algn="ctr">
+              <a:buNone/>
+              <a:defRPr>
+                <a:solidFill>
+                  <a:schemeClr val="tx1">
+                    <a:tint val="75000"/>
+                  </a:schemeClr>
+                </a:solidFill>
+              </a:defRPr>
+            </a:lvl4pPr>
+            <a:lvl5pPr marL="1828800" indent="0" algn="ctr">
+              <a:buNone/>
+              <a:defRPr>
+                <a:solidFill>
+                  <a:schemeClr val="tx1">
+                    <a:tint val="75000"/>
+                  </a:schemeClr>
+                </a:solidFill>
+              </a:defRPr>
+            </a:lvl5pPr>
+            <a:lvl6pPr marL="2286000" indent="0" algn="ctr">
+              <a:buNone/>
+              <a:defRPr>
+                <a:solidFill>
+                  <a:schemeClr val="tx1">
+                    <a:tint val="75000"/>
+                  </a:schemeClr>
+                </a:solidFill>
+              </a:defRPr>
+            </a:lvl6pPr>
+            <a:lvl7pPr marL="2743200" indent="0" algn="ctr">
+              <a:buNone/>
+              <a:defRPr>
+                <a:solidFill>
+                  <a:schemeClr val="tx1">
+                    <a:tint val="75000"/>
+                  </a:schemeClr>
+                </a:solidFill>
+              </a:defRPr>
+            </a:lvl7pPr>
+            <a:lvl8pPr marL="3200400" indent="0" algn="ctr">
+              <a:buNone/>
+              <a:defRPr>
+                <a:solidFill>
+                  <a:schemeClr val="tx1">
+                    <a:tint val="75000"/>
+                  </a:schemeClr>
+                </a:solidFill>
+              </a:defRPr>
+            </a:lvl8pPr>
+            <a:lvl9pPr marL="3657600" indent="0" algn="ctr">
+              <a:buNone/>
+              <a:defRPr>
+                <a:solidFill>
+                  <a:schemeClr val="tx1">
+                    <a:tint val="75000"/>
+                  </a:schemeClr>
+                </a:solidFill>
+              </a:defRPr>
+            </a:lvl9pPr>
+          </a:lstStyle>
+          <a:p>
+            <a:r>
+              <a:rPr lang="en-US"/>
+              <a:t>Click to edit Master subtitle style</a:t>
+            </a:r>
+            <a:endParaRPr lang="en-US" dirty="0"/>
+          </a:p>
+        </p:txBody>
+      </p:sp>
+    </p:spTree>
+    <p:extLst>
+      <p:ext uri="{BB962C8B-B14F-4D97-AF65-F5344CB8AC3E}">
+        <p14:creationId xmlns:p14="http://schemas.microsoft.com/office/powerpoint/2010/main" val="2832024171"/>
       </p:ext>
     </p:extLst>
   </p:cSld>
@@ -8024,7 +9377,7 @@
           <p:nvPr userDrawn="1"/>
         </p:nvPicPr>
         <p:blipFill>
-          <a:blip r:embed="rId6">
+          <a:blip r:embed="rId7">
             <a:extLst>
               <a:ext uri="{28A0092B-C50C-407E-A947-70E740481C1C}">
                 <a14:useLocalDpi xmlns:a14="http://schemas.microsoft.com/office/drawing/2010/main" val="0"/>
@@ -8084,7 +9437,7 @@
           <p:nvPr userDrawn="1"/>
         </p:nvPicPr>
         <p:blipFill>
-          <a:blip r:embed="rId7">
+          <a:blip r:embed="rId8">
             <a:extLst>
               <a:ext uri="{28A0092B-C50C-407E-A947-70E740481C1C}">
                 <a14:useLocalDpi xmlns:a14="http://schemas.microsoft.com/office/drawing/2010/main" val="0"/>
@@ -8137,6 +9490,7 @@
     <p:sldLayoutId id="2147493480" r:id="rId2"/>
     <p:sldLayoutId id="2147493481" r:id="rId3"/>
     <p:sldLayoutId id="2147493482" r:id="rId4"/>
+    <p:sldLayoutId id="2147493483" r:id="rId5"/>
   </p:sldLayoutIdLst>
   <p:txStyles>
     <p:titleStyle>
@@ -8661,6 +10015,972 @@
         <p:cNvPr id="1" name="">
           <a:extLst>
             <a:ext uri="{FF2B5EF4-FFF2-40B4-BE49-F238E27FC236}">
+              <a16:creationId xmlns:a16="http://schemas.microsoft.com/office/drawing/2014/main" id="{0F3DCB93-149C-0481-710D-CA3FA87843AC}"/>
+            </a:ext>
+          </a:extLst>
+        </p:cNvPr>
+        <p:cNvGrpSpPr/>
+        <p:nvPr/>
+      </p:nvGrpSpPr>
+      <p:grpSpPr>
+        <a:xfrm>
+          <a:off x="0" y="0"/>
+          <a:ext cx="0" cy="0"/>
+          <a:chOff x="0" y="0"/>
+          <a:chExt cx="0" cy="0"/>
+        </a:xfrm>
+      </p:grpSpPr>
+      <p:sp>
+        <p:nvSpPr>
+          <p:cNvPr id="8" name="Subtitle 2">
+            <a:extLst>
+              <a:ext uri="{FF2B5EF4-FFF2-40B4-BE49-F238E27FC236}">
+                <a16:creationId xmlns:a16="http://schemas.microsoft.com/office/drawing/2014/main" id="{8344BC42-7093-BFBF-EE31-F42FCC90A923}"/>
+              </a:ext>
+            </a:extLst>
+          </p:cNvPr>
+          <p:cNvSpPr txBox="1">
+            <a:spLocks/>
+          </p:cNvSpPr>
+          <p:nvPr/>
+        </p:nvSpPr>
+        <p:spPr>
+          <a:xfrm>
+            <a:off x="778079" y="4099775"/>
+            <a:ext cx="6400800" cy="1237021"/>
+          </a:xfrm>
+        </p:spPr>
+        <p:txBody>
+          <a:bodyPr/>
+          <a:lstStyle>
+            <a:lvl1pPr marL="0" indent="0" algn="l" defTabSz="457200" rtl="0" eaLnBrk="0" fontAlgn="base" hangingPunct="0">
+              <a:spcBef>
+                <a:spcPct val="20000"/>
+              </a:spcBef>
+              <a:spcAft>
+                <a:spcPct val="0"/>
+              </a:spcAft>
+              <a:buFont typeface="Arial" panose="020B0604020202020204" pitchFamily="34" charset="0"/>
+              <a:buNone/>
+              <a:defRPr sz="1800" kern="1200">
+                <a:solidFill>
+                  <a:srgbClr val="0FA7B5"/>
+                </a:solidFill>
+                <a:latin typeface="+mn-lt"/>
+                <a:ea typeface="MS PGothic" panose="020B0600070205080204" pitchFamily="34" charset="-128"/>
+                <a:cs typeface="ＭＳ Ｐゴシック" charset="0"/>
+              </a:defRPr>
+            </a:lvl1pPr>
+            <a:lvl2pPr marL="342900" indent="0" algn="l" defTabSz="457200" rtl="0" eaLnBrk="0" fontAlgn="base" hangingPunct="0">
+              <a:spcBef>
+                <a:spcPct val="20000"/>
+              </a:spcBef>
+              <a:spcAft>
+                <a:spcPct val="0"/>
+              </a:spcAft>
+              <a:buFont typeface="Arial" panose="020B0604020202020204" pitchFamily="34" charset="0"/>
+              <a:buNone/>
+              <a:defRPr sz="1500" kern="1200">
+                <a:solidFill>
+                  <a:schemeClr val="tx1">
+                    <a:tint val="75000"/>
+                  </a:schemeClr>
+                </a:solidFill>
+                <a:latin typeface="+mn-lt"/>
+                <a:ea typeface="MS PGothic" panose="020B0600070205080204" pitchFamily="34" charset="-128"/>
+                <a:cs typeface="+mn-cs"/>
+              </a:defRPr>
+            </a:lvl2pPr>
+            <a:lvl3pPr marL="685800" indent="0" algn="l" defTabSz="457200" rtl="0" eaLnBrk="0" fontAlgn="base" hangingPunct="0">
+              <a:spcBef>
+                <a:spcPct val="20000"/>
+              </a:spcBef>
+              <a:spcAft>
+                <a:spcPct val="0"/>
+              </a:spcAft>
+              <a:buFont typeface="Arial" panose="020B0604020202020204" pitchFamily="34" charset="0"/>
+              <a:buNone/>
+              <a:defRPr sz="1350" kern="1200">
+                <a:solidFill>
+                  <a:schemeClr val="tx1">
+                    <a:tint val="75000"/>
+                  </a:schemeClr>
+                </a:solidFill>
+                <a:latin typeface="+mn-lt"/>
+                <a:ea typeface="MS PGothic" panose="020B0600070205080204" pitchFamily="34" charset="-128"/>
+                <a:cs typeface="+mn-cs"/>
+              </a:defRPr>
+            </a:lvl3pPr>
+            <a:lvl4pPr marL="1028700" indent="0" algn="l" defTabSz="457200" rtl="0" eaLnBrk="0" fontAlgn="base" hangingPunct="0">
+              <a:spcBef>
+                <a:spcPct val="20000"/>
+              </a:spcBef>
+              <a:spcAft>
+                <a:spcPct val="0"/>
+              </a:spcAft>
+              <a:buFont typeface="Arial" panose="020B0604020202020204" pitchFamily="34" charset="0"/>
+              <a:buNone/>
+              <a:defRPr sz="1200" kern="1200">
+                <a:solidFill>
+                  <a:schemeClr val="tx1">
+                    <a:tint val="75000"/>
+                  </a:schemeClr>
+                </a:solidFill>
+                <a:latin typeface="+mn-lt"/>
+                <a:ea typeface="MS PGothic" panose="020B0600070205080204" pitchFamily="34" charset="-128"/>
+                <a:cs typeface="+mn-cs"/>
+              </a:defRPr>
+            </a:lvl4pPr>
+            <a:lvl5pPr marL="1371600" indent="0" algn="l" defTabSz="457200" rtl="0" eaLnBrk="0" fontAlgn="base" hangingPunct="0">
+              <a:spcBef>
+                <a:spcPct val="20000"/>
+              </a:spcBef>
+              <a:spcAft>
+                <a:spcPct val="0"/>
+              </a:spcAft>
+              <a:buFont typeface="Arial" panose="020B0604020202020204" pitchFamily="34" charset="0"/>
+              <a:buNone/>
+              <a:defRPr sz="1200" kern="1200">
+                <a:solidFill>
+                  <a:schemeClr val="tx1">
+                    <a:tint val="75000"/>
+                  </a:schemeClr>
+                </a:solidFill>
+                <a:latin typeface="+mn-lt"/>
+                <a:ea typeface="MS PGothic" panose="020B0600070205080204" pitchFamily="34" charset="-128"/>
+                <a:cs typeface="+mn-cs"/>
+              </a:defRPr>
+            </a:lvl5pPr>
+            <a:lvl6pPr marL="1714500" indent="0" algn="l" defTabSz="457200" rtl="0" eaLnBrk="1" latinLnBrk="0" hangingPunct="1">
+              <a:spcBef>
+                <a:spcPct val="20000"/>
+              </a:spcBef>
+              <a:buFont typeface="Arial"/>
+              <a:buNone/>
+              <a:defRPr sz="1200" kern="1200">
+                <a:solidFill>
+                  <a:schemeClr val="tx1">
+                    <a:tint val="75000"/>
+                  </a:schemeClr>
+                </a:solidFill>
+                <a:latin typeface="+mn-lt"/>
+                <a:ea typeface="+mn-ea"/>
+                <a:cs typeface="+mn-cs"/>
+              </a:defRPr>
+            </a:lvl6pPr>
+            <a:lvl7pPr marL="2057400" indent="0" algn="l" defTabSz="457200" rtl="0" eaLnBrk="1" latinLnBrk="0" hangingPunct="1">
+              <a:spcBef>
+                <a:spcPct val="20000"/>
+              </a:spcBef>
+              <a:buFont typeface="Arial"/>
+              <a:buNone/>
+              <a:defRPr sz="1200" kern="1200">
+                <a:solidFill>
+                  <a:schemeClr val="tx1">
+                    <a:tint val="75000"/>
+                  </a:schemeClr>
+                </a:solidFill>
+                <a:latin typeface="+mn-lt"/>
+                <a:ea typeface="+mn-ea"/>
+                <a:cs typeface="+mn-cs"/>
+              </a:defRPr>
+            </a:lvl7pPr>
+            <a:lvl8pPr marL="2400300" indent="0" algn="l" defTabSz="457200" rtl="0" eaLnBrk="1" latinLnBrk="0" hangingPunct="1">
+              <a:spcBef>
+                <a:spcPct val="20000"/>
+              </a:spcBef>
+              <a:buFont typeface="Arial"/>
+              <a:buNone/>
+              <a:defRPr sz="1200" kern="1200">
+                <a:solidFill>
+                  <a:schemeClr val="tx1">
+                    <a:tint val="75000"/>
+                  </a:schemeClr>
+                </a:solidFill>
+                <a:latin typeface="+mn-lt"/>
+                <a:ea typeface="+mn-ea"/>
+                <a:cs typeface="+mn-cs"/>
+              </a:defRPr>
+            </a:lvl8pPr>
+            <a:lvl9pPr marL="2743200" indent="0" algn="l" defTabSz="457200" rtl="0" eaLnBrk="1" latinLnBrk="0" hangingPunct="1">
+              <a:spcBef>
+                <a:spcPct val="20000"/>
+              </a:spcBef>
+              <a:buFont typeface="Arial"/>
+              <a:buNone/>
+              <a:defRPr sz="1200" kern="1200">
+                <a:solidFill>
+                  <a:schemeClr val="tx1">
+                    <a:tint val="75000"/>
+                  </a:schemeClr>
+                </a:solidFill>
+                <a:latin typeface="+mn-lt"/>
+                <a:ea typeface="+mn-ea"/>
+                <a:cs typeface="+mn-cs"/>
+              </a:defRPr>
+            </a:lvl9pPr>
+          </a:lstStyle>
+          <a:p>
+            <a:pPr marL="285750" lvl="0" indent="-285750">
+              <a:spcAft>
+                <a:spcPts val="600"/>
+              </a:spcAft>
+              <a:buFont typeface="Arial" panose="020B0604020202020204" pitchFamily="34" charset="0"/>
+              <a:buChar char="•"/>
+            </a:pPr>
+            <a:endParaRPr lang="en-US" altLang="en-US" dirty="0"/>
+          </a:p>
+        </p:txBody>
+      </p:sp>
+      <p:sp>
+        <p:nvSpPr>
+          <p:cNvPr id="5" name="Title 4">
+            <a:extLst>
+              <a:ext uri="{FF2B5EF4-FFF2-40B4-BE49-F238E27FC236}">
+                <a16:creationId xmlns:a16="http://schemas.microsoft.com/office/drawing/2014/main" id="{F4C21C0D-15CD-6DF6-1229-8C5A8581DC68}"/>
+              </a:ext>
+            </a:extLst>
+          </p:cNvPr>
+          <p:cNvSpPr>
+            <a:spLocks noGrp="1"/>
+          </p:cNvSpPr>
+          <p:nvPr>
+            <p:ph type="title"/>
+          </p:nvPr>
+        </p:nvSpPr>
+        <p:spPr>
+          <a:xfrm>
+            <a:off x="400050" y="119939"/>
+            <a:ext cx="8229600" cy="428312"/>
+          </a:xfrm>
+        </p:spPr>
+        <p:txBody>
+          <a:bodyPr/>
+          <a:lstStyle/>
+          <a:p>
+            <a:r>
+              <a:rPr lang="en-US" dirty="0"/>
+              <a:t>Creating a TEMP Table</a:t>
+            </a:r>
+          </a:p>
+        </p:txBody>
+      </p:sp>
+      <p:sp>
+        <p:nvSpPr>
+          <p:cNvPr id="7" name="Content Placeholder 6">
+            <a:extLst>
+              <a:ext uri="{FF2B5EF4-FFF2-40B4-BE49-F238E27FC236}">
+                <a16:creationId xmlns:a16="http://schemas.microsoft.com/office/drawing/2014/main" id="{8841ECC9-0F68-8B68-E088-AF917FD147BD}"/>
+              </a:ext>
+            </a:extLst>
+          </p:cNvPr>
+          <p:cNvSpPr>
+            <a:spLocks noGrp="1"/>
+          </p:cNvSpPr>
+          <p:nvPr>
+            <p:ph idx="1"/>
+          </p:nvPr>
+        </p:nvSpPr>
+        <p:spPr>
+          <a:xfrm>
+            <a:off x="400050" y="1225062"/>
+            <a:ext cx="8229600" cy="5002701"/>
+          </a:xfrm>
+        </p:spPr>
+        <p:txBody>
+          <a:bodyPr/>
+          <a:lstStyle/>
+          <a:p>
+            <a:pPr algn="l"/>
+            <a:r>
+              <a:rPr lang="en-US" b="1" i="0" dirty="0">
+                <a:solidFill>
+                  <a:srgbClr val="374151"/>
+                </a:solidFill>
+                <a:effectLst/>
+                <a:latin typeface="Söhne"/>
+              </a:rPr>
+              <a:t>Use of Temporary Tables (#) in SQL</a:t>
+            </a:r>
+            <a:endParaRPr lang="en-US" b="0" i="0" dirty="0">
+              <a:solidFill>
+                <a:srgbClr val="374151"/>
+              </a:solidFill>
+              <a:effectLst/>
+              <a:latin typeface="Söhne"/>
+            </a:endParaRPr>
+          </a:p>
+          <a:p>
+            <a:pPr lvl="1">
+              <a:buFont typeface="Arial" panose="020B0604020202020204" pitchFamily="34" charset="0"/>
+              <a:buChar char="•"/>
+            </a:pPr>
+            <a:r>
+              <a:rPr lang="en-US" b="0" i="0" dirty="0">
+                <a:solidFill>
+                  <a:srgbClr val="374151"/>
+                </a:solidFill>
+                <a:effectLst/>
+                <a:latin typeface="Söhne"/>
+              </a:rPr>
+              <a:t>Temporary tables in SQL are denoted with a # symbol before the table name.</a:t>
+            </a:r>
+          </a:p>
+          <a:p>
+            <a:pPr lvl="1">
+              <a:buFont typeface="Arial" panose="020B0604020202020204" pitchFamily="34" charset="0"/>
+              <a:buChar char="•"/>
+            </a:pPr>
+            <a:r>
+              <a:rPr lang="en-US" b="0" i="0" dirty="0">
+                <a:solidFill>
+                  <a:srgbClr val="374151"/>
+                </a:solidFill>
+                <a:effectLst/>
+                <a:latin typeface="Söhne"/>
+              </a:rPr>
+              <a:t>They serve several essential purposes in data analysis and query processing.</a:t>
+            </a:r>
+          </a:p>
+          <a:p>
+            <a:pPr algn="l"/>
+            <a:r>
+              <a:rPr lang="en-US" b="1" i="0" dirty="0">
+                <a:solidFill>
+                  <a:srgbClr val="374151"/>
+                </a:solidFill>
+                <a:effectLst/>
+                <a:latin typeface="Söhne"/>
+              </a:rPr>
+              <a:t>Key Benefits of Using Temporary Tables:</a:t>
+            </a:r>
+            <a:endParaRPr lang="en-US" b="0" i="0" dirty="0">
+              <a:solidFill>
+                <a:srgbClr val="374151"/>
+              </a:solidFill>
+              <a:effectLst/>
+              <a:latin typeface="Söhne"/>
+            </a:endParaRPr>
+          </a:p>
+          <a:p>
+            <a:pPr lvl="1"/>
+            <a:r>
+              <a:rPr lang="en-US" b="1" i="0" dirty="0">
+                <a:solidFill>
+                  <a:srgbClr val="374151"/>
+                </a:solidFill>
+                <a:effectLst/>
+                <a:latin typeface="Söhne"/>
+              </a:rPr>
+              <a:t>Scope Isolation:</a:t>
+            </a:r>
+            <a:r>
+              <a:rPr lang="en-US" b="0" i="0" dirty="0">
+                <a:solidFill>
+                  <a:srgbClr val="374151"/>
+                </a:solidFill>
+                <a:effectLst/>
+                <a:latin typeface="Söhne"/>
+              </a:rPr>
+              <a:t> Temporary tables are session-specific, ensuring data isolation and preventing interference with other sessions or queries.</a:t>
+            </a:r>
+          </a:p>
+          <a:p>
+            <a:pPr lvl="1"/>
+            <a:r>
+              <a:rPr lang="en-US" b="1" i="0" dirty="0">
+                <a:solidFill>
+                  <a:srgbClr val="374151"/>
+                </a:solidFill>
+                <a:effectLst/>
+                <a:latin typeface="Söhne"/>
+              </a:rPr>
+              <a:t>Automatic Cleanup:</a:t>
+            </a:r>
+            <a:r>
+              <a:rPr lang="en-US" b="0" i="0" dirty="0">
+                <a:solidFill>
+                  <a:srgbClr val="374151"/>
+                </a:solidFill>
+                <a:effectLst/>
+                <a:latin typeface="Söhne"/>
+              </a:rPr>
+              <a:t> They are automatically dropped when the session ends, reducing the need for manual cleanup.</a:t>
+            </a:r>
+          </a:p>
+          <a:p>
+            <a:pPr lvl="1"/>
+            <a:r>
+              <a:rPr lang="en-US" b="1" i="0" dirty="0">
+                <a:solidFill>
+                  <a:srgbClr val="374151"/>
+                </a:solidFill>
+                <a:effectLst/>
+                <a:latin typeface="Söhne"/>
+              </a:rPr>
+              <a:t>Distinct Namespace:</a:t>
+            </a:r>
+            <a:r>
+              <a:rPr lang="en-US" b="0" i="0" dirty="0">
+                <a:solidFill>
+                  <a:srgbClr val="374151"/>
+                </a:solidFill>
+                <a:effectLst/>
+                <a:latin typeface="Söhne"/>
+              </a:rPr>
+              <a:t> The # symbol distinguishes temporary tables from permanent ones, aiding clarity.</a:t>
+            </a:r>
+          </a:p>
+          <a:p>
+            <a:pPr lvl="1"/>
+            <a:r>
+              <a:rPr lang="en-US" b="1" i="0" dirty="0">
+                <a:solidFill>
+                  <a:srgbClr val="374151"/>
+                </a:solidFill>
+                <a:effectLst/>
+                <a:latin typeface="Söhne"/>
+              </a:rPr>
+              <a:t>Avoids Naming Conflicts:</a:t>
+            </a:r>
+            <a:r>
+              <a:rPr lang="en-US" b="0" i="0" dirty="0">
+                <a:solidFill>
+                  <a:srgbClr val="374151"/>
+                </a:solidFill>
+                <a:effectLst/>
+                <a:latin typeface="Söhne"/>
+              </a:rPr>
+              <a:t> Each session has its own set of temporary tables, avoiding naming conflicts.</a:t>
+            </a:r>
+          </a:p>
+        </p:txBody>
+      </p:sp>
+    </p:spTree>
+    <p:extLst>
+      <p:ext uri="{BB962C8B-B14F-4D97-AF65-F5344CB8AC3E}">
+        <p14:creationId xmlns:p14="http://schemas.microsoft.com/office/powerpoint/2010/main" val="692128826"/>
+      </p:ext>
+    </p:extLst>
+  </p:cSld>
+  <p:clrMapOvr>
+    <a:masterClrMapping/>
+  </p:clrMapOvr>
+</p:sld>
+</file>
+
+<file path=ppt/slides/slide11.xml><?xml version="1.0" encoding="utf-8"?>
+<p:sld xmlns:a="http://schemas.openxmlformats.org/drawingml/2006/main" xmlns:r="http://schemas.openxmlformats.org/officeDocument/2006/relationships" xmlns:p="http://schemas.openxmlformats.org/presentationml/2006/main">
+  <p:cSld>
+    <p:spTree>
+      <p:nvGrpSpPr>
+        <p:cNvPr id="1" name="">
+          <a:extLst>
+            <a:ext uri="{FF2B5EF4-FFF2-40B4-BE49-F238E27FC236}">
+              <a16:creationId xmlns:a16="http://schemas.microsoft.com/office/drawing/2014/main" id="{E0869816-EE9B-4604-C747-7A8629CEC00B}"/>
+            </a:ext>
+          </a:extLst>
+        </p:cNvPr>
+        <p:cNvGrpSpPr/>
+        <p:nvPr/>
+      </p:nvGrpSpPr>
+      <p:grpSpPr>
+        <a:xfrm>
+          <a:off x="0" y="0"/>
+          <a:ext cx="0" cy="0"/>
+          <a:chOff x="0" y="0"/>
+          <a:chExt cx="0" cy="0"/>
+        </a:xfrm>
+      </p:grpSpPr>
+      <p:sp>
+        <p:nvSpPr>
+          <p:cNvPr id="8" name="Subtitle 2">
+            <a:extLst>
+              <a:ext uri="{FF2B5EF4-FFF2-40B4-BE49-F238E27FC236}">
+                <a16:creationId xmlns:a16="http://schemas.microsoft.com/office/drawing/2014/main" id="{10536A3C-2EA9-9F77-B740-F49586B549D7}"/>
+              </a:ext>
+            </a:extLst>
+          </p:cNvPr>
+          <p:cNvSpPr txBox="1">
+            <a:spLocks/>
+          </p:cNvSpPr>
+          <p:nvPr/>
+        </p:nvSpPr>
+        <p:spPr>
+          <a:xfrm>
+            <a:off x="778079" y="4099775"/>
+            <a:ext cx="6400800" cy="1237021"/>
+          </a:xfrm>
+        </p:spPr>
+        <p:txBody>
+          <a:bodyPr/>
+          <a:lstStyle>
+            <a:lvl1pPr marL="0" indent="0" algn="l" defTabSz="457200" rtl="0" eaLnBrk="0" fontAlgn="base" hangingPunct="0">
+              <a:spcBef>
+                <a:spcPct val="20000"/>
+              </a:spcBef>
+              <a:spcAft>
+                <a:spcPct val="0"/>
+              </a:spcAft>
+              <a:buFont typeface="Arial" panose="020B0604020202020204" pitchFamily="34" charset="0"/>
+              <a:buNone/>
+              <a:defRPr sz="1800" kern="1200">
+                <a:solidFill>
+                  <a:srgbClr val="0FA7B5"/>
+                </a:solidFill>
+                <a:latin typeface="+mn-lt"/>
+                <a:ea typeface="MS PGothic" panose="020B0600070205080204" pitchFamily="34" charset="-128"/>
+                <a:cs typeface="ＭＳ Ｐゴシック" charset="0"/>
+              </a:defRPr>
+            </a:lvl1pPr>
+            <a:lvl2pPr marL="342900" indent="0" algn="l" defTabSz="457200" rtl="0" eaLnBrk="0" fontAlgn="base" hangingPunct="0">
+              <a:spcBef>
+                <a:spcPct val="20000"/>
+              </a:spcBef>
+              <a:spcAft>
+                <a:spcPct val="0"/>
+              </a:spcAft>
+              <a:buFont typeface="Arial" panose="020B0604020202020204" pitchFamily="34" charset="0"/>
+              <a:buNone/>
+              <a:defRPr sz="1500" kern="1200">
+                <a:solidFill>
+                  <a:schemeClr val="tx1">
+                    <a:tint val="75000"/>
+                  </a:schemeClr>
+                </a:solidFill>
+                <a:latin typeface="+mn-lt"/>
+                <a:ea typeface="MS PGothic" panose="020B0600070205080204" pitchFamily="34" charset="-128"/>
+                <a:cs typeface="+mn-cs"/>
+              </a:defRPr>
+            </a:lvl2pPr>
+            <a:lvl3pPr marL="685800" indent="0" algn="l" defTabSz="457200" rtl="0" eaLnBrk="0" fontAlgn="base" hangingPunct="0">
+              <a:spcBef>
+                <a:spcPct val="20000"/>
+              </a:spcBef>
+              <a:spcAft>
+                <a:spcPct val="0"/>
+              </a:spcAft>
+              <a:buFont typeface="Arial" panose="020B0604020202020204" pitchFamily="34" charset="0"/>
+              <a:buNone/>
+              <a:defRPr sz="1350" kern="1200">
+                <a:solidFill>
+                  <a:schemeClr val="tx1">
+                    <a:tint val="75000"/>
+                  </a:schemeClr>
+                </a:solidFill>
+                <a:latin typeface="+mn-lt"/>
+                <a:ea typeface="MS PGothic" panose="020B0600070205080204" pitchFamily="34" charset="-128"/>
+                <a:cs typeface="+mn-cs"/>
+              </a:defRPr>
+            </a:lvl3pPr>
+            <a:lvl4pPr marL="1028700" indent="0" algn="l" defTabSz="457200" rtl="0" eaLnBrk="0" fontAlgn="base" hangingPunct="0">
+              <a:spcBef>
+                <a:spcPct val="20000"/>
+              </a:spcBef>
+              <a:spcAft>
+                <a:spcPct val="0"/>
+              </a:spcAft>
+              <a:buFont typeface="Arial" panose="020B0604020202020204" pitchFamily="34" charset="0"/>
+              <a:buNone/>
+              <a:defRPr sz="1200" kern="1200">
+                <a:solidFill>
+                  <a:schemeClr val="tx1">
+                    <a:tint val="75000"/>
+                  </a:schemeClr>
+                </a:solidFill>
+                <a:latin typeface="+mn-lt"/>
+                <a:ea typeface="MS PGothic" panose="020B0600070205080204" pitchFamily="34" charset="-128"/>
+                <a:cs typeface="+mn-cs"/>
+              </a:defRPr>
+            </a:lvl4pPr>
+            <a:lvl5pPr marL="1371600" indent="0" algn="l" defTabSz="457200" rtl="0" eaLnBrk="0" fontAlgn="base" hangingPunct="0">
+              <a:spcBef>
+                <a:spcPct val="20000"/>
+              </a:spcBef>
+              <a:spcAft>
+                <a:spcPct val="0"/>
+              </a:spcAft>
+              <a:buFont typeface="Arial" panose="020B0604020202020204" pitchFamily="34" charset="0"/>
+              <a:buNone/>
+              <a:defRPr sz="1200" kern="1200">
+                <a:solidFill>
+                  <a:schemeClr val="tx1">
+                    <a:tint val="75000"/>
+                  </a:schemeClr>
+                </a:solidFill>
+                <a:latin typeface="+mn-lt"/>
+                <a:ea typeface="MS PGothic" panose="020B0600070205080204" pitchFamily="34" charset="-128"/>
+                <a:cs typeface="+mn-cs"/>
+              </a:defRPr>
+            </a:lvl5pPr>
+            <a:lvl6pPr marL="1714500" indent="0" algn="l" defTabSz="457200" rtl="0" eaLnBrk="1" latinLnBrk="0" hangingPunct="1">
+              <a:spcBef>
+                <a:spcPct val="20000"/>
+              </a:spcBef>
+              <a:buFont typeface="Arial"/>
+              <a:buNone/>
+              <a:defRPr sz="1200" kern="1200">
+                <a:solidFill>
+                  <a:schemeClr val="tx1">
+                    <a:tint val="75000"/>
+                  </a:schemeClr>
+                </a:solidFill>
+                <a:latin typeface="+mn-lt"/>
+                <a:ea typeface="+mn-ea"/>
+                <a:cs typeface="+mn-cs"/>
+              </a:defRPr>
+            </a:lvl6pPr>
+            <a:lvl7pPr marL="2057400" indent="0" algn="l" defTabSz="457200" rtl="0" eaLnBrk="1" latinLnBrk="0" hangingPunct="1">
+              <a:spcBef>
+                <a:spcPct val="20000"/>
+              </a:spcBef>
+              <a:buFont typeface="Arial"/>
+              <a:buNone/>
+              <a:defRPr sz="1200" kern="1200">
+                <a:solidFill>
+                  <a:schemeClr val="tx1">
+                    <a:tint val="75000"/>
+                  </a:schemeClr>
+                </a:solidFill>
+                <a:latin typeface="+mn-lt"/>
+                <a:ea typeface="+mn-ea"/>
+                <a:cs typeface="+mn-cs"/>
+              </a:defRPr>
+            </a:lvl7pPr>
+            <a:lvl8pPr marL="2400300" indent="0" algn="l" defTabSz="457200" rtl="0" eaLnBrk="1" latinLnBrk="0" hangingPunct="1">
+              <a:spcBef>
+                <a:spcPct val="20000"/>
+              </a:spcBef>
+              <a:buFont typeface="Arial"/>
+              <a:buNone/>
+              <a:defRPr sz="1200" kern="1200">
+                <a:solidFill>
+                  <a:schemeClr val="tx1">
+                    <a:tint val="75000"/>
+                  </a:schemeClr>
+                </a:solidFill>
+                <a:latin typeface="+mn-lt"/>
+                <a:ea typeface="+mn-ea"/>
+                <a:cs typeface="+mn-cs"/>
+              </a:defRPr>
+            </a:lvl8pPr>
+            <a:lvl9pPr marL="2743200" indent="0" algn="l" defTabSz="457200" rtl="0" eaLnBrk="1" latinLnBrk="0" hangingPunct="1">
+              <a:spcBef>
+                <a:spcPct val="20000"/>
+              </a:spcBef>
+              <a:buFont typeface="Arial"/>
+              <a:buNone/>
+              <a:defRPr sz="1200" kern="1200">
+                <a:solidFill>
+                  <a:schemeClr val="tx1">
+                    <a:tint val="75000"/>
+                  </a:schemeClr>
+                </a:solidFill>
+                <a:latin typeface="+mn-lt"/>
+                <a:ea typeface="+mn-ea"/>
+                <a:cs typeface="+mn-cs"/>
+              </a:defRPr>
+            </a:lvl9pPr>
+          </a:lstStyle>
+          <a:p>
+            <a:pPr marL="285750" lvl="0" indent="-285750">
+              <a:spcAft>
+                <a:spcPts val="600"/>
+              </a:spcAft>
+              <a:buFont typeface="Arial" panose="020B0604020202020204" pitchFamily="34" charset="0"/>
+              <a:buChar char="•"/>
+            </a:pPr>
+            <a:endParaRPr lang="en-US" altLang="en-US" dirty="0"/>
+          </a:p>
+        </p:txBody>
+      </p:sp>
+      <p:sp>
+        <p:nvSpPr>
+          <p:cNvPr id="5" name="Title 4">
+            <a:extLst>
+              <a:ext uri="{FF2B5EF4-FFF2-40B4-BE49-F238E27FC236}">
+                <a16:creationId xmlns:a16="http://schemas.microsoft.com/office/drawing/2014/main" id="{16E4401C-D037-E68E-7704-78596A462866}"/>
+              </a:ext>
+            </a:extLst>
+          </p:cNvPr>
+          <p:cNvSpPr>
+            <a:spLocks noGrp="1"/>
+          </p:cNvSpPr>
+          <p:nvPr>
+            <p:ph type="title"/>
+          </p:nvPr>
+        </p:nvSpPr>
+        <p:spPr>
+          <a:xfrm>
+            <a:off x="400050" y="119939"/>
+            <a:ext cx="8229600" cy="428312"/>
+          </a:xfrm>
+        </p:spPr>
+        <p:txBody>
+          <a:bodyPr/>
+          <a:lstStyle/>
+          <a:p>
+            <a:r>
+              <a:rPr lang="en-US" dirty="0"/>
+              <a:t>Creating a TEMP Table</a:t>
+            </a:r>
+          </a:p>
+        </p:txBody>
+      </p:sp>
+      <p:sp>
+        <p:nvSpPr>
+          <p:cNvPr id="7" name="Content Placeholder 6">
+            <a:extLst>
+              <a:ext uri="{FF2B5EF4-FFF2-40B4-BE49-F238E27FC236}">
+                <a16:creationId xmlns:a16="http://schemas.microsoft.com/office/drawing/2014/main" id="{0FB134AD-C0E6-454C-E35E-97AA53F323D8}"/>
+              </a:ext>
+            </a:extLst>
+          </p:cNvPr>
+          <p:cNvSpPr>
+            <a:spLocks noGrp="1"/>
+          </p:cNvSpPr>
+          <p:nvPr>
+            <p:ph idx="1"/>
+          </p:nvPr>
+        </p:nvSpPr>
+        <p:spPr>
+          <a:xfrm>
+            <a:off x="400050" y="1225062"/>
+            <a:ext cx="8229600" cy="5002701"/>
+          </a:xfrm>
+        </p:spPr>
+        <p:txBody>
+          <a:bodyPr/>
+          <a:lstStyle/>
+          <a:p>
+            <a:pPr algn="l"/>
+            <a:r>
+              <a:rPr lang="en-US" b="1" i="0" dirty="0">
+                <a:solidFill>
+                  <a:srgbClr val="374151"/>
+                </a:solidFill>
+                <a:effectLst/>
+                <a:latin typeface="Söhne"/>
+              </a:rPr>
+              <a:t>Use INTO Clause When:</a:t>
+            </a:r>
+            <a:endParaRPr lang="en-US" b="0" i="0" dirty="0">
+              <a:solidFill>
+                <a:srgbClr val="374151"/>
+              </a:solidFill>
+              <a:effectLst/>
+              <a:latin typeface="Söhne"/>
+            </a:endParaRPr>
+          </a:p>
+          <a:p>
+            <a:pPr lvl="1"/>
+            <a:r>
+              <a:rPr lang="en-US" b="1" i="0" dirty="0">
+                <a:solidFill>
+                  <a:srgbClr val="374151"/>
+                </a:solidFill>
+                <a:effectLst/>
+                <a:latin typeface="Söhne"/>
+              </a:rPr>
+              <a:t>Quick Data Extraction</a:t>
+            </a:r>
+            <a:r>
+              <a:rPr lang="en-US" b="0" i="0" dirty="0">
+                <a:solidFill>
+                  <a:srgbClr val="374151"/>
+                </a:solidFill>
+                <a:effectLst/>
+                <a:latin typeface="Söhne"/>
+              </a:rPr>
+              <a:t>: Extract and work with data swiftly without table structure definition.</a:t>
+            </a:r>
+          </a:p>
+          <a:p>
+            <a:pPr lvl="1"/>
+            <a:r>
+              <a:rPr lang="en-US" b="1" i="0" dirty="0">
+                <a:solidFill>
+                  <a:srgbClr val="374151"/>
+                </a:solidFill>
+                <a:effectLst/>
+                <a:latin typeface="Söhne"/>
+              </a:rPr>
+              <a:t>Simplified Syntax</a:t>
+            </a:r>
+            <a:r>
+              <a:rPr lang="en-US" b="0" i="0" dirty="0">
+                <a:solidFill>
+                  <a:srgbClr val="374151"/>
+                </a:solidFill>
+                <a:effectLst/>
+                <a:latin typeface="Söhne"/>
+              </a:rPr>
+              <a:t>: Create temporary tables effortlessly without specifying column details.</a:t>
+            </a:r>
+          </a:p>
+          <a:p>
+            <a:pPr lvl="1"/>
+            <a:r>
+              <a:rPr lang="en-US" b="1" i="0" dirty="0">
+                <a:solidFill>
+                  <a:srgbClr val="374151"/>
+                </a:solidFill>
+                <a:effectLst/>
+                <a:latin typeface="Söhne"/>
+              </a:rPr>
+              <a:t>Ad Hoc Queries</a:t>
+            </a:r>
+            <a:r>
+              <a:rPr lang="en-US" b="0" i="0" dirty="0">
+                <a:solidFill>
+                  <a:srgbClr val="374151"/>
+                </a:solidFill>
+                <a:effectLst/>
+                <a:latin typeface="Söhne"/>
+              </a:rPr>
+              <a:t>: Convenient for one-time data processing tasks.</a:t>
+            </a:r>
+          </a:p>
+          <a:p>
+            <a:pPr lvl="1"/>
+            <a:r>
+              <a:rPr lang="en-US" b="1" i="0" dirty="0">
+                <a:solidFill>
+                  <a:srgbClr val="374151"/>
+                </a:solidFill>
+                <a:effectLst/>
+                <a:latin typeface="Söhne"/>
+              </a:rPr>
+              <a:t>Intermediate Result Storage</a:t>
+            </a:r>
+            <a:r>
+              <a:rPr lang="en-US" b="0" i="0" dirty="0">
+                <a:solidFill>
+                  <a:srgbClr val="374151"/>
+                </a:solidFill>
+                <a:effectLst/>
+                <a:latin typeface="Söhne"/>
+              </a:rPr>
+              <a:t>: Practical for storing intermediate results during queries or scripts.</a:t>
+            </a:r>
+          </a:p>
+        </p:txBody>
+      </p:sp>
+    </p:spTree>
+    <p:extLst>
+      <p:ext uri="{BB962C8B-B14F-4D97-AF65-F5344CB8AC3E}">
+        <p14:creationId xmlns:p14="http://schemas.microsoft.com/office/powerpoint/2010/main" val="1473444056"/>
+      </p:ext>
+    </p:extLst>
+  </p:cSld>
+  <p:clrMapOvr>
+    <a:masterClrMapping/>
+  </p:clrMapOvr>
+</p:sld>
+</file>
+
+<file path=ppt/slides/slide12.xml><?xml version="1.0" encoding="utf-8"?>
+<p:sld xmlns:a="http://schemas.openxmlformats.org/drawingml/2006/main" xmlns:r="http://schemas.openxmlformats.org/officeDocument/2006/relationships" xmlns:p="http://schemas.openxmlformats.org/presentationml/2006/main">
+  <p:cSld>
+    <p:spTree>
+      <p:nvGrpSpPr>
+        <p:cNvPr id="1" name="">
+          <a:extLst>
+            <a:ext uri="{FF2B5EF4-FFF2-40B4-BE49-F238E27FC236}">
+              <a16:creationId xmlns:a16="http://schemas.microsoft.com/office/drawing/2014/main" id="{49A4BAFA-5DD7-7510-4257-4F2C64F127A5}"/>
+            </a:ext>
+          </a:extLst>
+        </p:cNvPr>
+        <p:cNvGrpSpPr/>
+        <p:nvPr/>
+      </p:nvGrpSpPr>
+      <p:grpSpPr>
+        <a:xfrm>
+          <a:off x="0" y="0"/>
+          <a:ext cx="0" cy="0"/>
+          <a:chOff x="0" y="0"/>
+          <a:chExt cx="0" cy="0"/>
+        </a:xfrm>
+      </p:grpSpPr>
+      <p:sp>
+        <p:nvSpPr>
+          <p:cNvPr id="8194" name="Title 1">
+            <a:extLst>
+              <a:ext uri="{FF2B5EF4-FFF2-40B4-BE49-F238E27FC236}">
+                <a16:creationId xmlns:a16="http://schemas.microsoft.com/office/drawing/2014/main" id="{9557E06D-302C-9E74-500F-223970F6A49F}"/>
+              </a:ext>
+            </a:extLst>
+          </p:cNvPr>
+          <p:cNvSpPr>
+            <a:spLocks noGrp="1"/>
+          </p:cNvSpPr>
+          <p:nvPr>
+            <p:ph type="ctrTitle"/>
+          </p:nvPr>
+        </p:nvSpPr>
+        <p:spPr bwMode="auto">
+          <a:xfrm>
+            <a:off x="1778897" y="2883558"/>
+            <a:ext cx="6400800" cy="399850"/>
+          </a:xfrm>
+          <a:noFill/>
+          <a:extLst>
+            <a:ext uri="{909E8E84-426E-40DD-AFC4-6F175D3DCCD1}">
+              <a14:hiddenFill xmlns:a14="http://schemas.microsoft.com/office/drawing/2010/main">
+                <a:solidFill>
+                  <a:srgbClr val="FFFFFF"/>
+                </a:solidFill>
+              </a14:hiddenFill>
+            </a:ext>
+            <a:ext uri="{91240B29-F687-4F45-9708-019B960494DF}">
+              <a14:hiddenLine xmlns:a14="http://schemas.microsoft.com/office/drawing/2010/main" w="9525">
+                <a:solidFill>
+                  <a:srgbClr val="000000"/>
+                </a:solidFill>
+                <a:miter lim="800000"/>
+                <a:headEnd/>
+                <a:tailEnd/>
+              </a14:hiddenLine>
+            </a:ext>
+          </a:extLst>
+        </p:spPr>
+        <p:txBody>
+          <a:bodyPr vert="horz" wrap="square" lIns="91440" tIns="45720" rIns="91440" bIns="45720" numCol="1" anchor="t" anchorCtr="0" compatLnSpc="1">
+            <a:prstTxWarp prst="textNoShape">
+              <a:avLst/>
+            </a:prstTxWarp>
+          </a:bodyPr>
+          <a:lstStyle/>
+          <a:p>
+            <a:pPr algn="ctr" eaLnBrk="1" hangingPunct="1"/>
+            <a:r>
+              <a:rPr lang="en-US" altLang="en-US" sz="2800" dirty="0"/>
+              <a:t>Data Analysis with TEMP Tables</a:t>
+            </a:r>
+          </a:p>
+        </p:txBody>
+      </p:sp>
+    </p:spTree>
+    <p:extLst>
+      <p:ext uri="{BB962C8B-B14F-4D97-AF65-F5344CB8AC3E}">
+        <p14:creationId xmlns:p14="http://schemas.microsoft.com/office/powerpoint/2010/main" val="2918040766"/>
+      </p:ext>
+    </p:extLst>
+  </p:cSld>
+  <p:clrMapOvr>
+    <a:masterClrMapping/>
+  </p:clrMapOvr>
+</p:sld>
+</file>
+
+<file path=ppt/slides/slide13.xml><?xml version="1.0" encoding="utf-8"?>
+<p:sld xmlns:a="http://schemas.openxmlformats.org/drawingml/2006/main" xmlns:r="http://schemas.openxmlformats.org/officeDocument/2006/relationships" xmlns:p="http://schemas.openxmlformats.org/presentationml/2006/main">
+  <p:cSld>
+    <p:spTree>
+      <p:nvGrpSpPr>
+        <p:cNvPr id="1" name="">
+          <a:extLst>
+            <a:ext uri="{FF2B5EF4-FFF2-40B4-BE49-F238E27FC236}">
               <a16:creationId xmlns:a16="http://schemas.microsoft.com/office/drawing/2014/main" id="{F8D0689E-6B0D-1A80-EB73-ED3DB1DDD092}"/>
             </a:ext>
           </a:extLst>
@@ -9015,7 +11335,7 @@
 </p:sld>
 </file>
 
-<file path=ppt/slides/slide11.xml><?xml version="1.0" encoding="utf-8"?>
+<file path=ppt/slides/slide14.xml><?xml version="1.0" encoding="utf-8"?>
 <p:sld xmlns:a="http://schemas.openxmlformats.org/drawingml/2006/main" xmlns:r="http://schemas.openxmlformats.org/officeDocument/2006/relationships" xmlns:p="http://schemas.openxmlformats.org/presentationml/2006/main">
   <p:cSld>
     <p:spTree>
@@ -9548,7 +11868,7 @@
 </p:sld>
 </file>
 
-<file path=ppt/slides/slide12.xml><?xml version="1.0" encoding="utf-8"?>
+<file path=ppt/slides/slide15.xml><?xml version="1.0" encoding="utf-8"?>
 <p:sld xmlns:a="http://schemas.openxmlformats.org/drawingml/2006/main" xmlns:r="http://schemas.openxmlformats.org/officeDocument/2006/relationships" xmlns:p="http://schemas.openxmlformats.org/presentationml/2006/main">
   <p:cSld>
     <p:spTree>
@@ -10163,7 +12483,7 @@
 </p:sld>
 </file>
 
-<file path=ppt/slides/slide13.xml><?xml version="1.0" encoding="utf-8"?>
+<file path=ppt/slides/slide16.xml><?xml version="1.0" encoding="utf-8"?>
 <p:sld xmlns:a="http://schemas.openxmlformats.org/drawingml/2006/main" xmlns:r="http://schemas.openxmlformats.org/officeDocument/2006/relationships" xmlns:p="http://schemas.openxmlformats.org/presentationml/2006/main">
   <p:cSld>
     <p:spTree>
@@ -10760,7 +13080,7 @@
 </p:sld>
 </file>
 
-<file path=ppt/slides/slide14.xml><?xml version="1.0" encoding="utf-8"?>
+<file path=ppt/slides/slide17.xml><?xml version="1.0" encoding="utf-8"?>
 <p:sld xmlns:a="http://schemas.openxmlformats.org/drawingml/2006/main" xmlns:r="http://schemas.openxmlformats.org/officeDocument/2006/relationships" xmlns:p="http://schemas.openxmlformats.org/presentationml/2006/main">
   <p:cSld>
     <p:spTree>
@@ -11380,7 +13700,7 @@
 </p:sld>
 </file>
 
-<file path=ppt/slides/slide15.xml><?xml version="1.0" encoding="utf-8"?>
+<file path=ppt/slides/slide18.xml><?xml version="1.0" encoding="utf-8"?>
 <p:sld xmlns:a="http://schemas.openxmlformats.org/drawingml/2006/main" xmlns:r="http://schemas.openxmlformats.org/officeDocument/2006/relationships" xmlns:p="http://schemas.openxmlformats.org/presentationml/2006/main">
   <p:cSld>
     <p:spTree>
@@ -11834,12 +14154,18 @@
 </p:sld>
 </file>
 
-<file path=ppt/slides/slide16.xml><?xml version="1.0" encoding="utf-8"?>
+<file path=ppt/slides/slide19.xml><?xml version="1.0" encoding="utf-8"?>
 <p:sld xmlns:a="http://schemas.openxmlformats.org/drawingml/2006/main" xmlns:r="http://schemas.openxmlformats.org/officeDocument/2006/relationships" xmlns:p="http://schemas.openxmlformats.org/presentationml/2006/main">
   <p:cSld>
     <p:spTree>
       <p:nvGrpSpPr>
-        <p:cNvPr id="1" name=""/>
+        <p:cNvPr id="1" name="">
+          <a:extLst>
+            <a:ext uri="{FF2B5EF4-FFF2-40B4-BE49-F238E27FC236}">
+              <a16:creationId xmlns:a16="http://schemas.microsoft.com/office/drawing/2014/main" id="{49A4BAFA-5DD7-7510-4257-4F2C64F127A5}"/>
+            </a:ext>
+          </a:extLst>
+        </p:cNvPr>
         <p:cNvGrpSpPr/>
         <p:nvPr/>
       </p:nvGrpSpPr>
@@ -11853,212 +14179,10 @@
       </p:grpSpPr>
       <p:sp>
         <p:nvSpPr>
-          <p:cNvPr id="8" name="Subtitle 2">
+          <p:cNvPr id="8194" name="Title 1">
             <a:extLst>
               <a:ext uri="{FF2B5EF4-FFF2-40B4-BE49-F238E27FC236}">
-                <a16:creationId xmlns:a16="http://schemas.microsoft.com/office/drawing/2014/main" id="{090EFA5F-2C72-42AB-A069-51AFDC27C766}"/>
-              </a:ext>
-            </a:extLst>
-          </p:cNvPr>
-          <p:cNvSpPr txBox="1">
-            <a:spLocks/>
-          </p:cNvSpPr>
-          <p:nvPr/>
-        </p:nvSpPr>
-        <p:spPr>
-          <a:xfrm>
-            <a:off x="778079" y="4099775"/>
-            <a:ext cx="6400800" cy="1237021"/>
-          </a:xfrm>
-        </p:spPr>
-        <p:txBody>
-          <a:bodyPr/>
-          <a:lstStyle>
-            <a:lvl1pPr marL="0" indent="0" algn="l" defTabSz="457200" rtl="0" eaLnBrk="0" fontAlgn="base" hangingPunct="0">
-              <a:spcBef>
-                <a:spcPct val="20000"/>
-              </a:spcBef>
-              <a:spcAft>
-                <a:spcPct val="0"/>
-              </a:spcAft>
-              <a:buFont typeface="Arial" panose="020B0604020202020204" pitchFamily="34" charset="0"/>
-              <a:buNone/>
-              <a:defRPr sz="1800" kern="1200">
-                <a:solidFill>
-                  <a:srgbClr val="0FA7B5"/>
-                </a:solidFill>
-                <a:latin typeface="+mn-lt"/>
-                <a:ea typeface="MS PGothic" panose="020B0600070205080204" pitchFamily="34" charset="-128"/>
-                <a:cs typeface="ＭＳ Ｐゴシック" charset="0"/>
-              </a:defRPr>
-            </a:lvl1pPr>
-            <a:lvl2pPr marL="342900" indent="0" algn="l" defTabSz="457200" rtl="0" eaLnBrk="0" fontAlgn="base" hangingPunct="0">
-              <a:spcBef>
-                <a:spcPct val="20000"/>
-              </a:spcBef>
-              <a:spcAft>
-                <a:spcPct val="0"/>
-              </a:spcAft>
-              <a:buFont typeface="Arial" panose="020B0604020202020204" pitchFamily="34" charset="0"/>
-              <a:buNone/>
-              <a:defRPr sz="1500" kern="1200">
-                <a:solidFill>
-                  <a:schemeClr val="tx1">
-                    <a:tint val="75000"/>
-                  </a:schemeClr>
-                </a:solidFill>
-                <a:latin typeface="+mn-lt"/>
-                <a:ea typeface="MS PGothic" panose="020B0600070205080204" pitchFamily="34" charset="-128"/>
-                <a:cs typeface="+mn-cs"/>
-              </a:defRPr>
-            </a:lvl2pPr>
-            <a:lvl3pPr marL="685800" indent="0" algn="l" defTabSz="457200" rtl="0" eaLnBrk="0" fontAlgn="base" hangingPunct="0">
-              <a:spcBef>
-                <a:spcPct val="20000"/>
-              </a:spcBef>
-              <a:spcAft>
-                <a:spcPct val="0"/>
-              </a:spcAft>
-              <a:buFont typeface="Arial" panose="020B0604020202020204" pitchFamily="34" charset="0"/>
-              <a:buNone/>
-              <a:defRPr sz="1350" kern="1200">
-                <a:solidFill>
-                  <a:schemeClr val="tx1">
-                    <a:tint val="75000"/>
-                  </a:schemeClr>
-                </a:solidFill>
-                <a:latin typeface="+mn-lt"/>
-                <a:ea typeface="MS PGothic" panose="020B0600070205080204" pitchFamily="34" charset="-128"/>
-                <a:cs typeface="+mn-cs"/>
-              </a:defRPr>
-            </a:lvl3pPr>
-            <a:lvl4pPr marL="1028700" indent="0" algn="l" defTabSz="457200" rtl="0" eaLnBrk="0" fontAlgn="base" hangingPunct="0">
-              <a:spcBef>
-                <a:spcPct val="20000"/>
-              </a:spcBef>
-              <a:spcAft>
-                <a:spcPct val="0"/>
-              </a:spcAft>
-              <a:buFont typeface="Arial" panose="020B0604020202020204" pitchFamily="34" charset="0"/>
-              <a:buNone/>
-              <a:defRPr sz="1200" kern="1200">
-                <a:solidFill>
-                  <a:schemeClr val="tx1">
-                    <a:tint val="75000"/>
-                  </a:schemeClr>
-                </a:solidFill>
-                <a:latin typeface="+mn-lt"/>
-                <a:ea typeface="MS PGothic" panose="020B0600070205080204" pitchFamily="34" charset="-128"/>
-                <a:cs typeface="+mn-cs"/>
-              </a:defRPr>
-            </a:lvl4pPr>
-            <a:lvl5pPr marL="1371600" indent="0" algn="l" defTabSz="457200" rtl="0" eaLnBrk="0" fontAlgn="base" hangingPunct="0">
-              <a:spcBef>
-                <a:spcPct val="20000"/>
-              </a:spcBef>
-              <a:spcAft>
-                <a:spcPct val="0"/>
-              </a:spcAft>
-              <a:buFont typeface="Arial" panose="020B0604020202020204" pitchFamily="34" charset="0"/>
-              <a:buNone/>
-              <a:defRPr sz="1200" kern="1200">
-                <a:solidFill>
-                  <a:schemeClr val="tx1">
-                    <a:tint val="75000"/>
-                  </a:schemeClr>
-                </a:solidFill>
-                <a:latin typeface="+mn-lt"/>
-                <a:ea typeface="MS PGothic" panose="020B0600070205080204" pitchFamily="34" charset="-128"/>
-                <a:cs typeface="+mn-cs"/>
-              </a:defRPr>
-            </a:lvl5pPr>
-            <a:lvl6pPr marL="1714500" indent="0" algn="l" defTabSz="457200" rtl="0" eaLnBrk="1" latinLnBrk="0" hangingPunct="1">
-              <a:spcBef>
-                <a:spcPct val="20000"/>
-              </a:spcBef>
-              <a:buFont typeface="Arial"/>
-              <a:buNone/>
-              <a:defRPr sz="1200" kern="1200">
-                <a:solidFill>
-                  <a:schemeClr val="tx1">
-                    <a:tint val="75000"/>
-                  </a:schemeClr>
-                </a:solidFill>
-                <a:latin typeface="+mn-lt"/>
-                <a:ea typeface="+mn-ea"/>
-                <a:cs typeface="+mn-cs"/>
-              </a:defRPr>
-            </a:lvl6pPr>
-            <a:lvl7pPr marL="2057400" indent="0" algn="l" defTabSz="457200" rtl="0" eaLnBrk="1" latinLnBrk="0" hangingPunct="1">
-              <a:spcBef>
-                <a:spcPct val="20000"/>
-              </a:spcBef>
-              <a:buFont typeface="Arial"/>
-              <a:buNone/>
-              <a:defRPr sz="1200" kern="1200">
-                <a:solidFill>
-                  <a:schemeClr val="tx1">
-                    <a:tint val="75000"/>
-                  </a:schemeClr>
-                </a:solidFill>
-                <a:latin typeface="+mn-lt"/>
-                <a:ea typeface="+mn-ea"/>
-                <a:cs typeface="+mn-cs"/>
-              </a:defRPr>
-            </a:lvl7pPr>
-            <a:lvl8pPr marL="2400300" indent="0" algn="l" defTabSz="457200" rtl="0" eaLnBrk="1" latinLnBrk="0" hangingPunct="1">
-              <a:spcBef>
-                <a:spcPct val="20000"/>
-              </a:spcBef>
-              <a:buFont typeface="Arial"/>
-              <a:buNone/>
-              <a:defRPr sz="1200" kern="1200">
-                <a:solidFill>
-                  <a:schemeClr val="tx1">
-                    <a:tint val="75000"/>
-                  </a:schemeClr>
-                </a:solidFill>
-                <a:latin typeface="+mn-lt"/>
-                <a:ea typeface="+mn-ea"/>
-                <a:cs typeface="+mn-cs"/>
-              </a:defRPr>
-            </a:lvl8pPr>
-            <a:lvl9pPr marL="2743200" indent="0" algn="l" defTabSz="457200" rtl="0" eaLnBrk="1" latinLnBrk="0" hangingPunct="1">
-              <a:spcBef>
-                <a:spcPct val="20000"/>
-              </a:spcBef>
-              <a:buFont typeface="Arial"/>
-              <a:buNone/>
-              <a:defRPr sz="1200" kern="1200">
-                <a:solidFill>
-                  <a:schemeClr val="tx1">
-                    <a:tint val="75000"/>
-                  </a:schemeClr>
-                </a:solidFill>
-                <a:latin typeface="+mn-lt"/>
-                <a:ea typeface="+mn-ea"/>
-                <a:cs typeface="+mn-cs"/>
-              </a:defRPr>
-            </a:lvl9pPr>
-          </a:lstStyle>
-          <a:p>
-            <a:pPr marL="285750" lvl="0" indent="-285750">
-              <a:spcAft>
-                <a:spcPts val="600"/>
-              </a:spcAft>
-              <a:buFont typeface="Arial" panose="020B0604020202020204" pitchFamily="34" charset="0"/>
-              <a:buChar char="•"/>
-            </a:pPr>
-            <a:endParaRPr lang="en-US" altLang="en-US" dirty="0"/>
-          </a:p>
-        </p:txBody>
-      </p:sp>
-      <p:sp>
-        <p:nvSpPr>
-          <p:cNvPr id="5" name="Title 4">
-            <a:extLst>
-              <a:ext uri="{FF2B5EF4-FFF2-40B4-BE49-F238E27FC236}">
-                <a16:creationId xmlns:a16="http://schemas.microsoft.com/office/drawing/2014/main" id="{B7278418-EB2A-8766-EC92-613B2ACBA277}"/>
+                <a16:creationId xmlns:a16="http://schemas.microsoft.com/office/drawing/2014/main" id="{9557E06D-302C-9E74-500F-223970F6A49F}"/>
               </a:ext>
             </a:extLst>
           </p:cNvPr>
@@ -12066,1437 +14190,56 @@
             <a:spLocks noGrp="1"/>
           </p:cNvSpPr>
           <p:nvPr>
-            <p:ph type="title"/>
+            <p:ph type="ctrTitle"/>
           </p:nvPr>
         </p:nvSpPr>
-        <p:spPr>
+        <p:spPr bwMode="auto">
           <a:xfrm>
-            <a:off x="400050" y="119939"/>
-            <a:ext cx="8229600" cy="428312"/>
+            <a:off x="1778897" y="2883558"/>
+            <a:ext cx="6400800" cy="399850"/>
           </a:xfrm>
+          <a:noFill/>
+          <a:extLst>
+            <a:ext uri="{909E8E84-426E-40DD-AFC4-6F175D3DCCD1}">
+              <a14:hiddenFill xmlns:a14="http://schemas.microsoft.com/office/drawing/2010/main">
+                <a:solidFill>
+                  <a:srgbClr val="FFFFFF"/>
+                </a:solidFill>
+              </a14:hiddenFill>
+            </a:ext>
+            <a:ext uri="{91240B29-F687-4F45-9708-019B960494DF}">
+              <a14:hiddenLine xmlns:a14="http://schemas.microsoft.com/office/drawing/2010/main" w="9525">
+                <a:solidFill>
+                  <a:srgbClr val="000000"/>
+                </a:solidFill>
+                <a:miter lim="800000"/>
+                <a:headEnd/>
+                <a:tailEnd/>
+              </a14:hiddenLine>
+            </a:ext>
+          </a:extLst>
         </p:spPr>
         <p:txBody>
-          <a:bodyPr/>
+          <a:bodyPr vert="horz" wrap="square" lIns="91440" tIns="45720" rIns="91440" bIns="45720" numCol="1" anchor="t" anchorCtr="0" compatLnSpc="1">
+            <a:prstTxWarp prst="textNoShape">
+              <a:avLst/>
+            </a:prstTxWarp>
+          </a:bodyPr>
           <a:lstStyle/>
           <a:p>
-            <a:r>
-              <a:rPr lang="en-US" dirty="0"/>
-              <a:t>Summary</a:t>
-            </a:r>
-          </a:p>
-        </p:txBody>
-      </p:sp>
-      <p:sp>
-        <p:nvSpPr>
-          <p:cNvPr id="7" name="Content Placeholder 6">
-            <a:extLst>
-              <a:ext uri="{FF2B5EF4-FFF2-40B4-BE49-F238E27FC236}">
-                <a16:creationId xmlns:a16="http://schemas.microsoft.com/office/drawing/2014/main" id="{8103113D-3FA7-10C8-CFF6-CF0FA3CF28D4}"/>
-              </a:ext>
-            </a:extLst>
-          </p:cNvPr>
-          <p:cNvSpPr>
-            <a:spLocks noGrp="1"/>
-          </p:cNvSpPr>
-          <p:nvPr>
-            <p:ph idx="1"/>
-          </p:nvPr>
-        </p:nvSpPr>
-        <p:spPr>
-          <a:xfrm>
-            <a:off x="400050" y="1225062"/>
-            <a:ext cx="8229600" cy="5002701"/>
-          </a:xfrm>
-        </p:spPr>
-        <p:txBody>
-          <a:bodyPr/>
-          <a:lstStyle/>
-          <a:p>
-            <a:r>
-              <a:rPr lang="en-US" b="0" i="0" dirty="0">
-                <a:solidFill>
-                  <a:srgbClr val="374151"/>
-                </a:solidFill>
-                <a:effectLst/>
-                <a:latin typeface="Söhne"/>
-              </a:rPr>
-              <a:t>Intermediate data analysis offers several key advantages:</a:t>
-            </a:r>
-          </a:p>
-          <a:p>
-            <a:endParaRPr lang="en-US" b="0" i="0" dirty="0">
-              <a:solidFill>
-                <a:srgbClr val="374151"/>
-              </a:solidFill>
-              <a:effectLst/>
-              <a:latin typeface="Söhne"/>
-            </a:endParaRPr>
-          </a:p>
-          <a:p>
-            <a:pPr lvl="1"/>
-            <a:r>
-              <a:rPr lang="en-US" b="1" i="0" dirty="0">
-                <a:solidFill>
-                  <a:srgbClr val="374151"/>
-                </a:solidFill>
-                <a:effectLst/>
-                <a:latin typeface="Söhne"/>
-              </a:rPr>
-              <a:t>Modularity:</a:t>
-            </a:r>
-            <a:r>
-              <a:rPr lang="en-US" b="0" i="0" dirty="0">
-                <a:solidFill>
-                  <a:srgbClr val="374151"/>
-                </a:solidFill>
-                <a:effectLst/>
-                <a:latin typeface="Söhne"/>
-              </a:rPr>
-              <a:t> Breaking down complex tasks into steps simplifies the analysis process.</a:t>
-            </a:r>
-          </a:p>
-          <a:p>
-            <a:pPr lvl="1"/>
-            <a:r>
-              <a:rPr lang="en-US" b="1" i="0" dirty="0">
-                <a:solidFill>
-                  <a:srgbClr val="374151"/>
-                </a:solidFill>
-                <a:effectLst/>
-                <a:latin typeface="Söhne"/>
-              </a:rPr>
-              <a:t>Efficiency:</a:t>
-            </a:r>
-            <a:r>
-              <a:rPr lang="en-US" b="0" i="0" dirty="0">
-                <a:solidFill>
-                  <a:srgbClr val="374151"/>
-                </a:solidFill>
-                <a:effectLst/>
-                <a:latin typeface="Söhne"/>
-              </a:rPr>
-              <a:t> Working with manageable subsets speeds up query execution.</a:t>
-            </a:r>
-          </a:p>
-          <a:p>
-            <a:pPr lvl="1"/>
-            <a:r>
-              <a:rPr lang="en-US" b="1" i="0" dirty="0">
-                <a:solidFill>
-                  <a:srgbClr val="374151"/>
-                </a:solidFill>
-                <a:effectLst/>
-                <a:latin typeface="Söhne"/>
-              </a:rPr>
-              <a:t>Clarity:</a:t>
-            </a:r>
-            <a:r>
-              <a:rPr lang="en-US" b="0" i="0" dirty="0">
-                <a:solidFill>
-                  <a:srgbClr val="374151"/>
-                </a:solidFill>
-                <a:effectLst/>
-                <a:latin typeface="Söhne"/>
-              </a:rPr>
-              <a:t> Each step is well-structured, enhancing understanding and collaboration.</a:t>
-            </a:r>
-          </a:p>
-          <a:p>
-            <a:pPr lvl="1"/>
-            <a:r>
-              <a:rPr lang="en-US" b="1" i="0" dirty="0">
-                <a:solidFill>
-                  <a:srgbClr val="374151"/>
-                </a:solidFill>
-                <a:effectLst/>
-                <a:latin typeface="Söhne"/>
-              </a:rPr>
-              <a:t>Flexibility:</a:t>
-            </a:r>
-            <a:r>
-              <a:rPr lang="en-US" b="0" i="0" dirty="0">
-                <a:solidFill>
-                  <a:srgbClr val="374151"/>
-                </a:solidFill>
-                <a:effectLst/>
-                <a:latin typeface="Söhne"/>
-              </a:rPr>
-              <a:t> Modifications or additional analysis can be easily integrated into specific steps.</a:t>
-            </a:r>
-          </a:p>
-          <a:p>
-            <a:pPr marL="0" indent="0">
-              <a:buNone/>
-            </a:pPr>
-            <a:br>
-              <a:rPr lang="en-US" dirty="0"/>
-            </a:br>
-            <a:endParaRPr lang="en-US" b="0" i="0" dirty="0">
-              <a:solidFill>
-                <a:srgbClr val="24292F"/>
-              </a:solidFill>
-              <a:effectLst/>
-              <a:latin typeface="-apple-system"/>
-            </a:endParaRPr>
-          </a:p>
-          <a:p>
-            <a:pPr lvl="2"/>
-            <a:endParaRPr lang="en-US" b="0" i="0" dirty="0">
-              <a:solidFill>
-                <a:srgbClr val="24292F"/>
-              </a:solidFill>
-              <a:effectLst/>
-              <a:latin typeface="-apple-system"/>
-            </a:endParaRPr>
+            <a:pPr algn="ctr" eaLnBrk="1" hangingPunct="1"/>
+            <a:r>
+              <a:rPr lang="en-US" altLang="en-US" sz="2800"/>
+              <a:t>Recap</a:t>
+            </a:r>
+            <a:endParaRPr lang="en-US" altLang="en-US" sz="2800" dirty="0"/>
           </a:p>
         </p:txBody>
       </p:sp>
     </p:spTree>
     <p:extLst>
       <p:ext uri="{BB962C8B-B14F-4D97-AF65-F5344CB8AC3E}">
-        <p14:creationId xmlns:p14="http://schemas.microsoft.com/office/powerpoint/2010/main" val="2923696163"/>
-      </p:ext>
-    </p:extLst>
-  </p:cSld>
-  <p:clrMapOvr>
-    <a:masterClrMapping/>
-  </p:clrMapOvr>
-</p:sld>
-</file>
-
-<file path=ppt/slides/slide17.xml><?xml version="1.0" encoding="utf-8"?>
-<p:sld xmlns:a="http://schemas.openxmlformats.org/drawingml/2006/main" xmlns:r="http://schemas.openxmlformats.org/officeDocument/2006/relationships" xmlns:p="http://schemas.openxmlformats.org/presentationml/2006/main">
-  <p:cSld>
-    <p:spTree>
-      <p:nvGrpSpPr>
-        <p:cNvPr id="1" name=""/>
-        <p:cNvGrpSpPr/>
-        <p:nvPr/>
-      </p:nvGrpSpPr>
-      <p:grpSpPr>
-        <a:xfrm>
-          <a:off x="0" y="0"/>
-          <a:ext cx="0" cy="0"/>
-          <a:chOff x="0" y="0"/>
-          <a:chExt cx="0" cy="0"/>
-        </a:xfrm>
-      </p:grpSpPr>
-      <p:sp>
-        <p:nvSpPr>
-          <p:cNvPr id="8" name="Subtitle 2">
-            <a:extLst>
-              <a:ext uri="{FF2B5EF4-FFF2-40B4-BE49-F238E27FC236}">
-                <a16:creationId xmlns:a16="http://schemas.microsoft.com/office/drawing/2014/main" id="{090EFA5F-2C72-42AB-A069-51AFDC27C766}"/>
-              </a:ext>
-            </a:extLst>
-          </p:cNvPr>
-          <p:cNvSpPr txBox="1">
-            <a:spLocks/>
-          </p:cNvSpPr>
-          <p:nvPr/>
-        </p:nvSpPr>
-        <p:spPr>
-          <a:xfrm>
-            <a:off x="778079" y="4099775"/>
-            <a:ext cx="6400800" cy="1237021"/>
-          </a:xfrm>
-        </p:spPr>
-        <p:txBody>
-          <a:bodyPr/>
-          <a:lstStyle>
-            <a:lvl1pPr marL="0" indent="0" algn="l" defTabSz="457200" rtl="0" eaLnBrk="0" fontAlgn="base" hangingPunct="0">
-              <a:spcBef>
-                <a:spcPct val="20000"/>
-              </a:spcBef>
-              <a:spcAft>
-                <a:spcPct val="0"/>
-              </a:spcAft>
-              <a:buFont typeface="Arial" panose="020B0604020202020204" pitchFamily="34" charset="0"/>
-              <a:buNone/>
-              <a:defRPr sz="1800" kern="1200">
-                <a:solidFill>
-                  <a:srgbClr val="0FA7B5"/>
-                </a:solidFill>
-                <a:latin typeface="+mn-lt"/>
-                <a:ea typeface="MS PGothic" panose="020B0600070205080204" pitchFamily="34" charset="-128"/>
-                <a:cs typeface="ＭＳ Ｐゴシック" charset="0"/>
-              </a:defRPr>
-            </a:lvl1pPr>
-            <a:lvl2pPr marL="342900" indent="0" algn="l" defTabSz="457200" rtl="0" eaLnBrk="0" fontAlgn="base" hangingPunct="0">
-              <a:spcBef>
-                <a:spcPct val="20000"/>
-              </a:spcBef>
-              <a:spcAft>
-                <a:spcPct val="0"/>
-              </a:spcAft>
-              <a:buFont typeface="Arial" panose="020B0604020202020204" pitchFamily="34" charset="0"/>
-              <a:buNone/>
-              <a:defRPr sz="1500" kern="1200">
-                <a:solidFill>
-                  <a:schemeClr val="tx1">
-                    <a:tint val="75000"/>
-                  </a:schemeClr>
-                </a:solidFill>
-                <a:latin typeface="+mn-lt"/>
-                <a:ea typeface="MS PGothic" panose="020B0600070205080204" pitchFamily="34" charset="-128"/>
-                <a:cs typeface="+mn-cs"/>
-              </a:defRPr>
-            </a:lvl2pPr>
-            <a:lvl3pPr marL="685800" indent="0" algn="l" defTabSz="457200" rtl="0" eaLnBrk="0" fontAlgn="base" hangingPunct="0">
-              <a:spcBef>
-                <a:spcPct val="20000"/>
-              </a:spcBef>
-              <a:spcAft>
-                <a:spcPct val="0"/>
-              </a:spcAft>
-              <a:buFont typeface="Arial" panose="020B0604020202020204" pitchFamily="34" charset="0"/>
-              <a:buNone/>
-              <a:defRPr sz="1350" kern="1200">
-                <a:solidFill>
-                  <a:schemeClr val="tx1">
-                    <a:tint val="75000"/>
-                  </a:schemeClr>
-                </a:solidFill>
-                <a:latin typeface="+mn-lt"/>
-                <a:ea typeface="MS PGothic" panose="020B0600070205080204" pitchFamily="34" charset="-128"/>
-                <a:cs typeface="+mn-cs"/>
-              </a:defRPr>
-            </a:lvl3pPr>
-            <a:lvl4pPr marL="1028700" indent="0" algn="l" defTabSz="457200" rtl="0" eaLnBrk="0" fontAlgn="base" hangingPunct="0">
-              <a:spcBef>
-                <a:spcPct val="20000"/>
-              </a:spcBef>
-              <a:spcAft>
-                <a:spcPct val="0"/>
-              </a:spcAft>
-              <a:buFont typeface="Arial" panose="020B0604020202020204" pitchFamily="34" charset="0"/>
-              <a:buNone/>
-              <a:defRPr sz="1200" kern="1200">
-                <a:solidFill>
-                  <a:schemeClr val="tx1">
-                    <a:tint val="75000"/>
-                  </a:schemeClr>
-                </a:solidFill>
-                <a:latin typeface="+mn-lt"/>
-                <a:ea typeface="MS PGothic" panose="020B0600070205080204" pitchFamily="34" charset="-128"/>
-                <a:cs typeface="+mn-cs"/>
-              </a:defRPr>
-            </a:lvl4pPr>
-            <a:lvl5pPr marL="1371600" indent="0" algn="l" defTabSz="457200" rtl="0" eaLnBrk="0" fontAlgn="base" hangingPunct="0">
-              <a:spcBef>
-                <a:spcPct val="20000"/>
-              </a:spcBef>
-              <a:spcAft>
-                <a:spcPct val="0"/>
-              </a:spcAft>
-              <a:buFont typeface="Arial" panose="020B0604020202020204" pitchFamily="34" charset="0"/>
-              <a:buNone/>
-              <a:defRPr sz="1200" kern="1200">
-                <a:solidFill>
-                  <a:schemeClr val="tx1">
-                    <a:tint val="75000"/>
-                  </a:schemeClr>
-                </a:solidFill>
-                <a:latin typeface="+mn-lt"/>
-                <a:ea typeface="MS PGothic" panose="020B0600070205080204" pitchFamily="34" charset="-128"/>
-                <a:cs typeface="+mn-cs"/>
-              </a:defRPr>
-            </a:lvl5pPr>
-            <a:lvl6pPr marL="1714500" indent="0" algn="l" defTabSz="457200" rtl="0" eaLnBrk="1" latinLnBrk="0" hangingPunct="1">
-              <a:spcBef>
-                <a:spcPct val="20000"/>
-              </a:spcBef>
-              <a:buFont typeface="Arial"/>
-              <a:buNone/>
-              <a:defRPr sz="1200" kern="1200">
-                <a:solidFill>
-                  <a:schemeClr val="tx1">
-                    <a:tint val="75000"/>
-                  </a:schemeClr>
-                </a:solidFill>
-                <a:latin typeface="+mn-lt"/>
-                <a:ea typeface="+mn-ea"/>
-                <a:cs typeface="+mn-cs"/>
-              </a:defRPr>
-            </a:lvl6pPr>
-            <a:lvl7pPr marL="2057400" indent="0" algn="l" defTabSz="457200" rtl="0" eaLnBrk="1" latinLnBrk="0" hangingPunct="1">
-              <a:spcBef>
-                <a:spcPct val="20000"/>
-              </a:spcBef>
-              <a:buFont typeface="Arial"/>
-              <a:buNone/>
-              <a:defRPr sz="1200" kern="1200">
-                <a:solidFill>
-                  <a:schemeClr val="tx1">
-                    <a:tint val="75000"/>
-                  </a:schemeClr>
-                </a:solidFill>
-                <a:latin typeface="+mn-lt"/>
-                <a:ea typeface="+mn-ea"/>
-                <a:cs typeface="+mn-cs"/>
-              </a:defRPr>
-            </a:lvl7pPr>
-            <a:lvl8pPr marL="2400300" indent="0" algn="l" defTabSz="457200" rtl="0" eaLnBrk="1" latinLnBrk="0" hangingPunct="1">
-              <a:spcBef>
-                <a:spcPct val="20000"/>
-              </a:spcBef>
-              <a:buFont typeface="Arial"/>
-              <a:buNone/>
-              <a:defRPr sz="1200" kern="1200">
-                <a:solidFill>
-                  <a:schemeClr val="tx1">
-                    <a:tint val="75000"/>
-                  </a:schemeClr>
-                </a:solidFill>
-                <a:latin typeface="+mn-lt"/>
-                <a:ea typeface="+mn-ea"/>
-                <a:cs typeface="+mn-cs"/>
-              </a:defRPr>
-            </a:lvl8pPr>
-            <a:lvl9pPr marL="2743200" indent="0" algn="l" defTabSz="457200" rtl="0" eaLnBrk="1" latinLnBrk="0" hangingPunct="1">
-              <a:spcBef>
-                <a:spcPct val="20000"/>
-              </a:spcBef>
-              <a:buFont typeface="Arial"/>
-              <a:buNone/>
-              <a:defRPr sz="1200" kern="1200">
-                <a:solidFill>
-                  <a:schemeClr val="tx1">
-                    <a:tint val="75000"/>
-                  </a:schemeClr>
-                </a:solidFill>
-                <a:latin typeface="+mn-lt"/>
-                <a:ea typeface="+mn-ea"/>
-                <a:cs typeface="+mn-cs"/>
-              </a:defRPr>
-            </a:lvl9pPr>
-          </a:lstStyle>
-          <a:p>
-            <a:pPr marL="285750" lvl="0" indent="-285750">
-              <a:spcAft>
-                <a:spcPts val="600"/>
-              </a:spcAft>
-              <a:buFont typeface="Arial" panose="020B0604020202020204" pitchFamily="34" charset="0"/>
-              <a:buChar char="•"/>
-            </a:pPr>
-            <a:endParaRPr lang="en-US" altLang="en-US" dirty="0"/>
-          </a:p>
-        </p:txBody>
-      </p:sp>
-      <p:sp>
-        <p:nvSpPr>
-          <p:cNvPr id="5" name="Title 4">
-            <a:extLst>
-              <a:ext uri="{FF2B5EF4-FFF2-40B4-BE49-F238E27FC236}">
-                <a16:creationId xmlns:a16="http://schemas.microsoft.com/office/drawing/2014/main" id="{B7278418-EB2A-8766-EC92-613B2ACBA277}"/>
-              </a:ext>
-            </a:extLst>
-          </p:cNvPr>
-          <p:cNvSpPr>
-            <a:spLocks noGrp="1"/>
-          </p:cNvSpPr>
-          <p:nvPr>
-            <p:ph type="title"/>
-          </p:nvPr>
-        </p:nvSpPr>
-        <p:spPr>
-          <a:xfrm>
-            <a:off x="400050" y="119939"/>
-            <a:ext cx="8229600" cy="428312"/>
-          </a:xfrm>
-        </p:spPr>
-        <p:txBody>
-          <a:bodyPr/>
-          <a:lstStyle/>
-          <a:p>
-            <a:r>
-              <a:rPr lang="en-US" dirty="0"/>
-              <a:t>Hands On Examples</a:t>
-            </a:r>
-          </a:p>
-        </p:txBody>
-      </p:sp>
-      <p:sp>
-        <p:nvSpPr>
-          <p:cNvPr id="7" name="Content Placeholder 6">
-            <a:extLst>
-              <a:ext uri="{FF2B5EF4-FFF2-40B4-BE49-F238E27FC236}">
-                <a16:creationId xmlns:a16="http://schemas.microsoft.com/office/drawing/2014/main" id="{8103113D-3FA7-10C8-CFF6-CF0FA3CF28D4}"/>
-              </a:ext>
-            </a:extLst>
-          </p:cNvPr>
-          <p:cNvSpPr>
-            <a:spLocks noGrp="1"/>
-          </p:cNvSpPr>
-          <p:nvPr>
-            <p:ph idx="1"/>
-          </p:nvPr>
-        </p:nvSpPr>
-        <p:spPr>
-          <a:xfrm>
-            <a:off x="400050" y="1225062"/>
-            <a:ext cx="8229600" cy="5002701"/>
-          </a:xfrm>
-        </p:spPr>
-        <p:txBody>
-          <a:bodyPr/>
-          <a:lstStyle/>
-          <a:p>
-            <a:pPr algn="l"/>
-            <a:r>
-              <a:rPr lang="en-US" dirty="0">
-                <a:solidFill>
-                  <a:srgbClr val="24292F"/>
-                </a:solidFill>
-                <a:latin typeface="-apple-system"/>
-              </a:rPr>
-              <a:t>U</a:t>
-            </a:r>
-            <a:r>
-              <a:rPr lang="en-US" b="0" i="0" dirty="0">
-                <a:solidFill>
-                  <a:srgbClr val="24292F"/>
-                </a:solidFill>
-                <a:effectLst/>
-                <a:latin typeface="-apple-system"/>
-              </a:rPr>
-              <a:t>sing the AdventureWorks2012 Database</a:t>
-            </a:r>
-          </a:p>
-          <a:p>
-            <a:pPr lvl="1"/>
-            <a:r>
-              <a:rPr lang="en-US" dirty="0">
-                <a:solidFill>
-                  <a:srgbClr val="24292F"/>
-                </a:solidFill>
-                <a:latin typeface="-apple-system"/>
-              </a:rPr>
-              <a:t>Please open up SSMS</a:t>
-            </a:r>
-          </a:p>
-          <a:p>
-            <a:pPr lvl="1"/>
-            <a:r>
-              <a:rPr lang="en-US" b="0" i="0" dirty="0">
-                <a:solidFill>
-                  <a:srgbClr val="24292F"/>
-                </a:solidFill>
-                <a:effectLst/>
-                <a:latin typeface="-apple-system"/>
-              </a:rPr>
-              <a:t>Connect to BISS</a:t>
-            </a:r>
-          </a:p>
-          <a:p>
-            <a:pPr lvl="2"/>
-            <a:r>
-              <a:rPr lang="en-US" b="0" i="0" dirty="0">
-                <a:solidFill>
-                  <a:srgbClr val="24292F"/>
-                </a:solidFill>
-                <a:effectLst/>
-                <a:latin typeface="-apple-system"/>
-              </a:rPr>
-              <a:t>Server = mss-p1-biss-01</a:t>
-            </a:r>
-          </a:p>
-          <a:p>
-            <a:pPr marL="0" indent="0">
-              <a:buNone/>
-            </a:pPr>
-            <a:endParaRPr lang="en-US" b="0" i="0" dirty="0">
-              <a:solidFill>
-                <a:srgbClr val="24292F"/>
-              </a:solidFill>
-              <a:effectLst/>
-              <a:latin typeface="-apple-system"/>
-            </a:endParaRPr>
-          </a:p>
-          <a:p>
-            <a:pPr marL="0" indent="0" algn="l">
-              <a:buNone/>
-            </a:pPr>
-            <a:endParaRPr lang="en-US" b="0" i="0" dirty="0">
-              <a:solidFill>
-                <a:srgbClr val="24292F"/>
-              </a:solidFill>
-              <a:effectLst/>
-              <a:latin typeface="-apple-system"/>
-            </a:endParaRPr>
-          </a:p>
-          <a:p>
-            <a:pPr marL="0" indent="0" algn="l">
-              <a:buNone/>
-            </a:pPr>
-            <a:endParaRPr lang="en-US" b="0" i="0" dirty="0">
-              <a:solidFill>
-                <a:srgbClr val="24292F"/>
-              </a:solidFill>
-              <a:effectLst/>
-              <a:latin typeface="-apple-system"/>
-            </a:endParaRPr>
-          </a:p>
-        </p:txBody>
-      </p:sp>
-      <p:pic>
-        <p:nvPicPr>
-          <p:cNvPr id="2" name="Picture 1">
-            <a:extLst>
-              <a:ext uri="{FF2B5EF4-FFF2-40B4-BE49-F238E27FC236}">
-                <a16:creationId xmlns:a16="http://schemas.microsoft.com/office/drawing/2014/main" id="{7C73B60A-9D72-9725-CF53-6F536A38C53C}"/>
-              </a:ext>
-            </a:extLst>
-          </p:cNvPr>
-          <p:cNvPicPr>
-            <a:picLocks noChangeAspect="1"/>
-          </p:cNvPicPr>
-          <p:nvPr/>
-        </p:nvPicPr>
-        <p:blipFill>
-          <a:blip r:embed="rId2"/>
-          <a:stretch>
-            <a:fillRect/>
-          </a:stretch>
-        </p:blipFill>
-        <p:spPr>
-          <a:xfrm>
-            <a:off x="1808367" y="2943224"/>
-            <a:ext cx="4808896" cy="3171825"/>
-          </a:xfrm>
-          <a:prstGeom prst="rect">
-            <a:avLst/>
-          </a:prstGeom>
-        </p:spPr>
-      </p:pic>
-    </p:spTree>
-    <p:extLst>
-      <p:ext uri="{BB962C8B-B14F-4D97-AF65-F5344CB8AC3E}">
-        <p14:creationId xmlns:p14="http://schemas.microsoft.com/office/powerpoint/2010/main" val="146600374"/>
-      </p:ext>
-    </p:extLst>
-  </p:cSld>
-  <p:clrMapOvr>
-    <a:masterClrMapping/>
-  </p:clrMapOvr>
-</p:sld>
-</file>
-
-<file path=ppt/slides/slide18.xml><?xml version="1.0" encoding="utf-8"?>
-<p:sld xmlns:a="http://schemas.openxmlformats.org/drawingml/2006/main" xmlns:r="http://schemas.openxmlformats.org/officeDocument/2006/relationships" xmlns:p="http://schemas.openxmlformats.org/presentationml/2006/main">
-  <p:cSld>
-    <p:spTree>
-      <p:nvGrpSpPr>
-        <p:cNvPr id="1" name=""/>
-        <p:cNvGrpSpPr/>
-        <p:nvPr/>
-      </p:nvGrpSpPr>
-      <p:grpSpPr>
-        <a:xfrm>
-          <a:off x="0" y="0"/>
-          <a:ext cx="0" cy="0"/>
-          <a:chOff x="0" y="0"/>
-          <a:chExt cx="0" cy="0"/>
-        </a:xfrm>
-      </p:grpSpPr>
-      <p:sp>
-        <p:nvSpPr>
-          <p:cNvPr id="8" name="Subtitle 2">
-            <a:extLst>
-              <a:ext uri="{FF2B5EF4-FFF2-40B4-BE49-F238E27FC236}">
-                <a16:creationId xmlns:a16="http://schemas.microsoft.com/office/drawing/2014/main" id="{090EFA5F-2C72-42AB-A069-51AFDC27C766}"/>
-              </a:ext>
-            </a:extLst>
-          </p:cNvPr>
-          <p:cNvSpPr txBox="1">
-            <a:spLocks/>
-          </p:cNvSpPr>
-          <p:nvPr/>
-        </p:nvSpPr>
-        <p:spPr>
-          <a:xfrm>
-            <a:off x="778079" y="4099775"/>
-            <a:ext cx="6400800" cy="1237021"/>
-          </a:xfrm>
-        </p:spPr>
-        <p:txBody>
-          <a:bodyPr/>
-          <a:lstStyle>
-            <a:lvl1pPr marL="0" indent="0" algn="l" defTabSz="457200" rtl="0" eaLnBrk="0" fontAlgn="base" hangingPunct="0">
-              <a:spcBef>
-                <a:spcPct val="20000"/>
-              </a:spcBef>
-              <a:spcAft>
-                <a:spcPct val="0"/>
-              </a:spcAft>
-              <a:buFont typeface="Arial" panose="020B0604020202020204" pitchFamily="34" charset="0"/>
-              <a:buNone/>
-              <a:defRPr sz="1800" kern="1200">
-                <a:solidFill>
-                  <a:srgbClr val="0FA7B5"/>
-                </a:solidFill>
-                <a:latin typeface="+mn-lt"/>
-                <a:ea typeface="MS PGothic" panose="020B0600070205080204" pitchFamily="34" charset="-128"/>
-                <a:cs typeface="ＭＳ Ｐゴシック" charset="0"/>
-              </a:defRPr>
-            </a:lvl1pPr>
-            <a:lvl2pPr marL="342900" indent="0" algn="l" defTabSz="457200" rtl="0" eaLnBrk="0" fontAlgn="base" hangingPunct="0">
-              <a:spcBef>
-                <a:spcPct val="20000"/>
-              </a:spcBef>
-              <a:spcAft>
-                <a:spcPct val="0"/>
-              </a:spcAft>
-              <a:buFont typeface="Arial" panose="020B0604020202020204" pitchFamily="34" charset="0"/>
-              <a:buNone/>
-              <a:defRPr sz="1500" kern="1200">
-                <a:solidFill>
-                  <a:schemeClr val="tx1">
-                    <a:tint val="75000"/>
-                  </a:schemeClr>
-                </a:solidFill>
-                <a:latin typeface="+mn-lt"/>
-                <a:ea typeface="MS PGothic" panose="020B0600070205080204" pitchFamily="34" charset="-128"/>
-                <a:cs typeface="+mn-cs"/>
-              </a:defRPr>
-            </a:lvl2pPr>
-            <a:lvl3pPr marL="685800" indent="0" algn="l" defTabSz="457200" rtl="0" eaLnBrk="0" fontAlgn="base" hangingPunct="0">
-              <a:spcBef>
-                <a:spcPct val="20000"/>
-              </a:spcBef>
-              <a:spcAft>
-                <a:spcPct val="0"/>
-              </a:spcAft>
-              <a:buFont typeface="Arial" panose="020B0604020202020204" pitchFamily="34" charset="0"/>
-              <a:buNone/>
-              <a:defRPr sz="1350" kern="1200">
-                <a:solidFill>
-                  <a:schemeClr val="tx1">
-                    <a:tint val="75000"/>
-                  </a:schemeClr>
-                </a:solidFill>
-                <a:latin typeface="+mn-lt"/>
-                <a:ea typeface="MS PGothic" panose="020B0600070205080204" pitchFamily="34" charset="-128"/>
-                <a:cs typeface="+mn-cs"/>
-              </a:defRPr>
-            </a:lvl3pPr>
-            <a:lvl4pPr marL="1028700" indent="0" algn="l" defTabSz="457200" rtl="0" eaLnBrk="0" fontAlgn="base" hangingPunct="0">
-              <a:spcBef>
-                <a:spcPct val="20000"/>
-              </a:spcBef>
-              <a:spcAft>
-                <a:spcPct val="0"/>
-              </a:spcAft>
-              <a:buFont typeface="Arial" panose="020B0604020202020204" pitchFamily="34" charset="0"/>
-              <a:buNone/>
-              <a:defRPr sz="1200" kern="1200">
-                <a:solidFill>
-                  <a:schemeClr val="tx1">
-                    <a:tint val="75000"/>
-                  </a:schemeClr>
-                </a:solidFill>
-                <a:latin typeface="+mn-lt"/>
-                <a:ea typeface="MS PGothic" panose="020B0600070205080204" pitchFamily="34" charset="-128"/>
-                <a:cs typeface="+mn-cs"/>
-              </a:defRPr>
-            </a:lvl4pPr>
-            <a:lvl5pPr marL="1371600" indent="0" algn="l" defTabSz="457200" rtl="0" eaLnBrk="0" fontAlgn="base" hangingPunct="0">
-              <a:spcBef>
-                <a:spcPct val="20000"/>
-              </a:spcBef>
-              <a:spcAft>
-                <a:spcPct val="0"/>
-              </a:spcAft>
-              <a:buFont typeface="Arial" panose="020B0604020202020204" pitchFamily="34" charset="0"/>
-              <a:buNone/>
-              <a:defRPr sz="1200" kern="1200">
-                <a:solidFill>
-                  <a:schemeClr val="tx1">
-                    <a:tint val="75000"/>
-                  </a:schemeClr>
-                </a:solidFill>
-                <a:latin typeface="+mn-lt"/>
-                <a:ea typeface="MS PGothic" panose="020B0600070205080204" pitchFamily="34" charset="-128"/>
-                <a:cs typeface="+mn-cs"/>
-              </a:defRPr>
-            </a:lvl5pPr>
-            <a:lvl6pPr marL="1714500" indent="0" algn="l" defTabSz="457200" rtl="0" eaLnBrk="1" latinLnBrk="0" hangingPunct="1">
-              <a:spcBef>
-                <a:spcPct val="20000"/>
-              </a:spcBef>
-              <a:buFont typeface="Arial"/>
-              <a:buNone/>
-              <a:defRPr sz="1200" kern="1200">
-                <a:solidFill>
-                  <a:schemeClr val="tx1">
-                    <a:tint val="75000"/>
-                  </a:schemeClr>
-                </a:solidFill>
-                <a:latin typeface="+mn-lt"/>
-                <a:ea typeface="+mn-ea"/>
-                <a:cs typeface="+mn-cs"/>
-              </a:defRPr>
-            </a:lvl6pPr>
-            <a:lvl7pPr marL="2057400" indent="0" algn="l" defTabSz="457200" rtl="0" eaLnBrk="1" latinLnBrk="0" hangingPunct="1">
-              <a:spcBef>
-                <a:spcPct val="20000"/>
-              </a:spcBef>
-              <a:buFont typeface="Arial"/>
-              <a:buNone/>
-              <a:defRPr sz="1200" kern="1200">
-                <a:solidFill>
-                  <a:schemeClr val="tx1">
-                    <a:tint val="75000"/>
-                  </a:schemeClr>
-                </a:solidFill>
-                <a:latin typeface="+mn-lt"/>
-                <a:ea typeface="+mn-ea"/>
-                <a:cs typeface="+mn-cs"/>
-              </a:defRPr>
-            </a:lvl7pPr>
-            <a:lvl8pPr marL="2400300" indent="0" algn="l" defTabSz="457200" rtl="0" eaLnBrk="1" latinLnBrk="0" hangingPunct="1">
-              <a:spcBef>
-                <a:spcPct val="20000"/>
-              </a:spcBef>
-              <a:buFont typeface="Arial"/>
-              <a:buNone/>
-              <a:defRPr sz="1200" kern="1200">
-                <a:solidFill>
-                  <a:schemeClr val="tx1">
-                    <a:tint val="75000"/>
-                  </a:schemeClr>
-                </a:solidFill>
-                <a:latin typeface="+mn-lt"/>
-                <a:ea typeface="+mn-ea"/>
-                <a:cs typeface="+mn-cs"/>
-              </a:defRPr>
-            </a:lvl8pPr>
-            <a:lvl9pPr marL="2743200" indent="0" algn="l" defTabSz="457200" rtl="0" eaLnBrk="1" latinLnBrk="0" hangingPunct="1">
-              <a:spcBef>
-                <a:spcPct val="20000"/>
-              </a:spcBef>
-              <a:buFont typeface="Arial"/>
-              <a:buNone/>
-              <a:defRPr sz="1200" kern="1200">
-                <a:solidFill>
-                  <a:schemeClr val="tx1">
-                    <a:tint val="75000"/>
-                  </a:schemeClr>
-                </a:solidFill>
-                <a:latin typeface="+mn-lt"/>
-                <a:ea typeface="+mn-ea"/>
-                <a:cs typeface="+mn-cs"/>
-              </a:defRPr>
-            </a:lvl9pPr>
-          </a:lstStyle>
-          <a:p>
-            <a:pPr marL="285750" lvl="0" indent="-285750">
-              <a:spcAft>
-                <a:spcPts val="600"/>
-              </a:spcAft>
-              <a:buFont typeface="Arial" panose="020B0604020202020204" pitchFamily="34" charset="0"/>
-              <a:buChar char="•"/>
-            </a:pPr>
-            <a:endParaRPr lang="en-US" altLang="en-US" dirty="0"/>
-          </a:p>
-        </p:txBody>
-      </p:sp>
-      <p:sp>
-        <p:nvSpPr>
-          <p:cNvPr id="5" name="Title 4">
-            <a:extLst>
-              <a:ext uri="{FF2B5EF4-FFF2-40B4-BE49-F238E27FC236}">
-                <a16:creationId xmlns:a16="http://schemas.microsoft.com/office/drawing/2014/main" id="{B7278418-EB2A-8766-EC92-613B2ACBA277}"/>
-              </a:ext>
-            </a:extLst>
-          </p:cNvPr>
-          <p:cNvSpPr>
-            <a:spLocks noGrp="1"/>
-          </p:cNvSpPr>
-          <p:nvPr>
-            <p:ph type="title"/>
-          </p:nvPr>
-        </p:nvSpPr>
-        <p:spPr>
-          <a:xfrm>
-            <a:off x="400050" y="119939"/>
-            <a:ext cx="8229600" cy="428312"/>
-          </a:xfrm>
-        </p:spPr>
-        <p:txBody>
-          <a:bodyPr/>
-          <a:lstStyle/>
-          <a:p>
-            <a:r>
-              <a:rPr lang="en-US" dirty="0"/>
-              <a:t>Hands On Examples</a:t>
-            </a:r>
-          </a:p>
-        </p:txBody>
-      </p:sp>
-      <p:sp>
-        <p:nvSpPr>
-          <p:cNvPr id="7" name="Content Placeholder 6">
-            <a:extLst>
-              <a:ext uri="{FF2B5EF4-FFF2-40B4-BE49-F238E27FC236}">
-                <a16:creationId xmlns:a16="http://schemas.microsoft.com/office/drawing/2014/main" id="{8103113D-3FA7-10C8-CFF6-CF0FA3CF28D4}"/>
-              </a:ext>
-            </a:extLst>
-          </p:cNvPr>
-          <p:cNvSpPr>
-            <a:spLocks noGrp="1"/>
-          </p:cNvSpPr>
-          <p:nvPr>
-            <p:ph idx="1"/>
-          </p:nvPr>
-        </p:nvSpPr>
-        <p:spPr>
-          <a:xfrm>
-            <a:off x="400050" y="1225062"/>
-            <a:ext cx="8229600" cy="5002701"/>
-          </a:xfrm>
-        </p:spPr>
-        <p:txBody>
-          <a:bodyPr/>
-          <a:lstStyle/>
-          <a:p>
-            <a:r>
-              <a:rPr lang="en-US" b="0" i="0" dirty="0">
-                <a:solidFill>
-                  <a:srgbClr val="24292F"/>
-                </a:solidFill>
-                <a:effectLst/>
-                <a:latin typeface="-apple-system"/>
-              </a:rPr>
-              <a:t>Click File -&gt; Open -&gt; File</a:t>
-            </a:r>
-          </a:p>
-          <a:p>
-            <a:endParaRPr lang="en-US" b="0" i="0" dirty="0">
-              <a:solidFill>
-                <a:srgbClr val="24292F"/>
-              </a:solidFill>
-              <a:effectLst/>
-              <a:latin typeface="-apple-system"/>
-            </a:endParaRPr>
-          </a:p>
-          <a:p>
-            <a:pPr lvl="1"/>
-            <a:endParaRPr lang="en-US" b="0" i="0" dirty="0">
-              <a:solidFill>
-                <a:srgbClr val="24292F"/>
-              </a:solidFill>
-              <a:effectLst/>
-              <a:latin typeface="-apple-system"/>
-            </a:endParaRPr>
-          </a:p>
-          <a:p>
-            <a:pPr marL="0" indent="0">
-              <a:buNone/>
-            </a:pPr>
-            <a:endParaRPr lang="en-US" b="0" i="0" dirty="0">
-              <a:solidFill>
-                <a:srgbClr val="24292F"/>
-              </a:solidFill>
-              <a:effectLst/>
-              <a:latin typeface="-apple-system"/>
-            </a:endParaRPr>
-          </a:p>
-          <a:p>
-            <a:pPr marL="0" indent="0" algn="l">
-              <a:buNone/>
-            </a:pPr>
-            <a:endParaRPr lang="en-US" b="0" i="0" dirty="0">
-              <a:solidFill>
-                <a:srgbClr val="24292F"/>
-              </a:solidFill>
-              <a:effectLst/>
-              <a:latin typeface="-apple-system"/>
-            </a:endParaRPr>
-          </a:p>
-          <a:p>
-            <a:pPr marL="0" indent="0" algn="l">
-              <a:buNone/>
-            </a:pPr>
-            <a:endParaRPr lang="en-US" b="0" i="0" dirty="0">
-              <a:solidFill>
-                <a:srgbClr val="24292F"/>
-              </a:solidFill>
-              <a:effectLst/>
-              <a:latin typeface="-apple-system"/>
-            </a:endParaRPr>
-          </a:p>
-        </p:txBody>
-      </p:sp>
-      <p:pic>
-        <p:nvPicPr>
-          <p:cNvPr id="4" name="Picture 3">
-            <a:extLst>
-              <a:ext uri="{FF2B5EF4-FFF2-40B4-BE49-F238E27FC236}">
-                <a16:creationId xmlns:a16="http://schemas.microsoft.com/office/drawing/2014/main" id="{9913EA44-DE34-7A79-B7FD-95E417CE2AD5}"/>
-              </a:ext>
-            </a:extLst>
-          </p:cNvPr>
-          <p:cNvPicPr>
-            <a:picLocks noChangeAspect="1"/>
-          </p:cNvPicPr>
-          <p:nvPr/>
-        </p:nvPicPr>
-        <p:blipFill>
-          <a:blip r:embed="rId2"/>
-          <a:stretch>
-            <a:fillRect/>
-          </a:stretch>
-        </p:blipFill>
-        <p:spPr>
-          <a:xfrm>
-            <a:off x="1363762" y="2084652"/>
-            <a:ext cx="6193146" cy="3605436"/>
-          </a:xfrm>
-          <a:prstGeom prst="rect">
-            <a:avLst/>
-          </a:prstGeom>
-        </p:spPr>
-      </p:pic>
-    </p:spTree>
-    <p:extLst>
-      <p:ext uri="{BB962C8B-B14F-4D97-AF65-F5344CB8AC3E}">
-        <p14:creationId xmlns:p14="http://schemas.microsoft.com/office/powerpoint/2010/main" val="1451264872"/>
-      </p:ext>
-    </p:extLst>
-  </p:cSld>
-  <p:clrMapOvr>
-    <a:masterClrMapping/>
-  </p:clrMapOvr>
-</p:sld>
-</file>
-
-<file path=ppt/slides/slide19.xml><?xml version="1.0" encoding="utf-8"?>
-<p:sld xmlns:a="http://schemas.openxmlformats.org/drawingml/2006/main" xmlns:r="http://schemas.openxmlformats.org/officeDocument/2006/relationships" xmlns:p="http://schemas.openxmlformats.org/presentationml/2006/main">
-  <p:cSld>
-    <p:spTree>
-      <p:nvGrpSpPr>
-        <p:cNvPr id="1" name=""/>
-        <p:cNvGrpSpPr/>
-        <p:nvPr/>
-      </p:nvGrpSpPr>
-      <p:grpSpPr>
-        <a:xfrm>
-          <a:off x="0" y="0"/>
-          <a:ext cx="0" cy="0"/>
-          <a:chOff x="0" y="0"/>
-          <a:chExt cx="0" cy="0"/>
-        </a:xfrm>
-      </p:grpSpPr>
-      <p:sp>
-        <p:nvSpPr>
-          <p:cNvPr id="8" name="Subtitle 2">
-            <a:extLst>
-              <a:ext uri="{FF2B5EF4-FFF2-40B4-BE49-F238E27FC236}">
-                <a16:creationId xmlns:a16="http://schemas.microsoft.com/office/drawing/2014/main" id="{090EFA5F-2C72-42AB-A069-51AFDC27C766}"/>
-              </a:ext>
-            </a:extLst>
-          </p:cNvPr>
-          <p:cNvSpPr txBox="1">
-            <a:spLocks/>
-          </p:cNvSpPr>
-          <p:nvPr/>
-        </p:nvSpPr>
-        <p:spPr>
-          <a:xfrm>
-            <a:off x="778079" y="4099775"/>
-            <a:ext cx="6400800" cy="1237021"/>
-          </a:xfrm>
-        </p:spPr>
-        <p:txBody>
-          <a:bodyPr/>
-          <a:lstStyle>
-            <a:lvl1pPr marL="0" indent="0" algn="l" defTabSz="457200" rtl="0" eaLnBrk="0" fontAlgn="base" hangingPunct="0">
-              <a:spcBef>
-                <a:spcPct val="20000"/>
-              </a:spcBef>
-              <a:spcAft>
-                <a:spcPct val="0"/>
-              </a:spcAft>
-              <a:buFont typeface="Arial" panose="020B0604020202020204" pitchFamily="34" charset="0"/>
-              <a:buNone/>
-              <a:defRPr sz="1800" kern="1200">
-                <a:solidFill>
-                  <a:srgbClr val="0FA7B5"/>
-                </a:solidFill>
-                <a:latin typeface="+mn-lt"/>
-                <a:ea typeface="MS PGothic" panose="020B0600070205080204" pitchFamily="34" charset="-128"/>
-                <a:cs typeface="ＭＳ Ｐゴシック" charset="0"/>
-              </a:defRPr>
-            </a:lvl1pPr>
-            <a:lvl2pPr marL="342900" indent="0" algn="l" defTabSz="457200" rtl="0" eaLnBrk="0" fontAlgn="base" hangingPunct="0">
-              <a:spcBef>
-                <a:spcPct val="20000"/>
-              </a:spcBef>
-              <a:spcAft>
-                <a:spcPct val="0"/>
-              </a:spcAft>
-              <a:buFont typeface="Arial" panose="020B0604020202020204" pitchFamily="34" charset="0"/>
-              <a:buNone/>
-              <a:defRPr sz="1500" kern="1200">
-                <a:solidFill>
-                  <a:schemeClr val="tx1">
-                    <a:tint val="75000"/>
-                  </a:schemeClr>
-                </a:solidFill>
-                <a:latin typeface="+mn-lt"/>
-                <a:ea typeface="MS PGothic" panose="020B0600070205080204" pitchFamily="34" charset="-128"/>
-                <a:cs typeface="+mn-cs"/>
-              </a:defRPr>
-            </a:lvl2pPr>
-            <a:lvl3pPr marL="685800" indent="0" algn="l" defTabSz="457200" rtl="0" eaLnBrk="0" fontAlgn="base" hangingPunct="0">
-              <a:spcBef>
-                <a:spcPct val="20000"/>
-              </a:spcBef>
-              <a:spcAft>
-                <a:spcPct val="0"/>
-              </a:spcAft>
-              <a:buFont typeface="Arial" panose="020B0604020202020204" pitchFamily="34" charset="0"/>
-              <a:buNone/>
-              <a:defRPr sz="1350" kern="1200">
-                <a:solidFill>
-                  <a:schemeClr val="tx1">
-                    <a:tint val="75000"/>
-                  </a:schemeClr>
-                </a:solidFill>
-                <a:latin typeface="+mn-lt"/>
-                <a:ea typeface="MS PGothic" panose="020B0600070205080204" pitchFamily="34" charset="-128"/>
-                <a:cs typeface="+mn-cs"/>
-              </a:defRPr>
-            </a:lvl3pPr>
-            <a:lvl4pPr marL="1028700" indent="0" algn="l" defTabSz="457200" rtl="0" eaLnBrk="0" fontAlgn="base" hangingPunct="0">
-              <a:spcBef>
-                <a:spcPct val="20000"/>
-              </a:spcBef>
-              <a:spcAft>
-                <a:spcPct val="0"/>
-              </a:spcAft>
-              <a:buFont typeface="Arial" panose="020B0604020202020204" pitchFamily="34" charset="0"/>
-              <a:buNone/>
-              <a:defRPr sz="1200" kern="1200">
-                <a:solidFill>
-                  <a:schemeClr val="tx1">
-                    <a:tint val="75000"/>
-                  </a:schemeClr>
-                </a:solidFill>
-                <a:latin typeface="+mn-lt"/>
-                <a:ea typeface="MS PGothic" panose="020B0600070205080204" pitchFamily="34" charset="-128"/>
-                <a:cs typeface="+mn-cs"/>
-              </a:defRPr>
-            </a:lvl4pPr>
-            <a:lvl5pPr marL="1371600" indent="0" algn="l" defTabSz="457200" rtl="0" eaLnBrk="0" fontAlgn="base" hangingPunct="0">
-              <a:spcBef>
-                <a:spcPct val="20000"/>
-              </a:spcBef>
-              <a:spcAft>
-                <a:spcPct val="0"/>
-              </a:spcAft>
-              <a:buFont typeface="Arial" panose="020B0604020202020204" pitchFamily="34" charset="0"/>
-              <a:buNone/>
-              <a:defRPr sz="1200" kern="1200">
-                <a:solidFill>
-                  <a:schemeClr val="tx1">
-                    <a:tint val="75000"/>
-                  </a:schemeClr>
-                </a:solidFill>
-                <a:latin typeface="+mn-lt"/>
-                <a:ea typeface="MS PGothic" panose="020B0600070205080204" pitchFamily="34" charset="-128"/>
-                <a:cs typeface="+mn-cs"/>
-              </a:defRPr>
-            </a:lvl5pPr>
-            <a:lvl6pPr marL="1714500" indent="0" algn="l" defTabSz="457200" rtl="0" eaLnBrk="1" latinLnBrk="0" hangingPunct="1">
-              <a:spcBef>
-                <a:spcPct val="20000"/>
-              </a:spcBef>
-              <a:buFont typeface="Arial"/>
-              <a:buNone/>
-              <a:defRPr sz="1200" kern="1200">
-                <a:solidFill>
-                  <a:schemeClr val="tx1">
-                    <a:tint val="75000"/>
-                  </a:schemeClr>
-                </a:solidFill>
-                <a:latin typeface="+mn-lt"/>
-                <a:ea typeface="+mn-ea"/>
-                <a:cs typeface="+mn-cs"/>
-              </a:defRPr>
-            </a:lvl6pPr>
-            <a:lvl7pPr marL="2057400" indent="0" algn="l" defTabSz="457200" rtl="0" eaLnBrk="1" latinLnBrk="0" hangingPunct="1">
-              <a:spcBef>
-                <a:spcPct val="20000"/>
-              </a:spcBef>
-              <a:buFont typeface="Arial"/>
-              <a:buNone/>
-              <a:defRPr sz="1200" kern="1200">
-                <a:solidFill>
-                  <a:schemeClr val="tx1">
-                    <a:tint val="75000"/>
-                  </a:schemeClr>
-                </a:solidFill>
-                <a:latin typeface="+mn-lt"/>
-                <a:ea typeface="+mn-ea"/>
-                <a:cs typeface="+mn-cs"/>
-              </a:defRPr>
-            </a:lvl7pPr>
-            <a:lvl8pPr marL="2400300" indent="0" algn="l" defTabSz="457200" rtl="0" eaLnBrk="1" latinLnBrk="0" hangingPunct="1">
-              <a:spcBef>
-                <a:spcPct val="20000"/>
-              </a:spcBef>
-              <a:buFont typeface="Arial"/>
-              <a:buNone/>
-              <a:defRPr sz="1200" kern="1200">
-                <a:solidFill>
-                  <a:schemeClr val="tx1">
-                    <a:tint val="75000"/>
-                  </a:schemeClr>
-                </a:solidFill>
-                <a:latin typeface="+mn-lt"/>
-                <a:ea typeface="+mn-ea"/>
-                <a:cs typeface="+mn-cs"/>
-              </a:defRPr>
-            </a:lvl8pPr>
-            <a:lvl9pPr marL="2743200" indent="0" algn="l" defTabSz="457200" rtl="0" eaLnBrk="1" latinLnBrk="0" hangingPunct="1">
-              <a:spcBef>
-                <a:spcPct val="20000"/>
-              </a:spcBef>
-              <a:buFont typeface="Arial"/>
-              <a:buNone/>
-              <a:defRPr sz="1200" kern="1200">
-                <a:solidFill>
-                  <a:schemeClr val="tx1">
-                    <a:tint val="75000"/>
-                  </a:schemeClr>
-                </a:solidFill>
-                <a:latin typeface="+mn-lt"/>
-                <a:ea typeface="+mn-ea"/>
-                <a:cs typeface="+mn-cs"/>
-              </a:defRPr>
-            </a:lvl9pPr>
-          </a:lstStyle>
-          <a:p>
-            <a:pPr marL="285750" lvl="0" indent="-285750">
-              <a:spcAft>
-                <a:spcPts val="600"/>
-              </a:spcAft>
-              <a:buFont typeface="Arial" panose="020B0604020202020204" pitchFamily="34" charset="0"/>
-              <a:buChar char="•"/>
-            </a:pPr>
-            <a:endParaRPr lang="en-US" altLang="en-US" dirty="0"/>
-          </a:p>
-        </p:txBody>
-      </p:sp>
-      <p:sp>
-        <p:nvSpPr>
-          <p:cNvPr id="5" name="Title 4">
-            <a:extLst>
-              <a:ext uri="{FF2B5EF4-FFF2-40B4-BE49-F238E27FC236}">
-                <a16:creationId xmlns:a16="http://schemas.microsoft.com/office/drawing/2014/main" id="{B7278418-EB2A-8766-EC92-613B2ACBA277}"/>
-              </a:ext>
-            </a:extLst>
-          </p:cNvPr>
-          <p:cNvSpPr>
-            <a:spLocks noGrp="1"/>
-          </p:cNvSpPr>
-          <p:nvPr>
-            <p:ph type="title"/>
-          </p:nvPr>
-        </p:nvSpPr>
-        <p:spPr>
-          <a:xfrm>
-            <a:off x="400050" y="119939"/>
-            <a:ext cx="8229600" cy="428312"/>
-          </a:xfrm>
-        </p:spPr>
-        <p:txBody>
-          <a:bodyPr/>
-          <a:lstStyle/>
-          <a:p>
-            <a:r>
-              <a:rPr lang="en-US" dirty="0"/>
-              <a:t>Hands On Examples</a:t>
-            </a:r>
-          </a:p>
-        </p:txBody>
-      </p:sp>
-      <p:sp>
-        <p:nvSpPr>
-          <p:cNvPr id="7" name="Content Placeholder 6">
-            <a:extLst>
-              <a:ext uri="{FF2B5EF4-FFF2-40B4-BE49-F238E27FC236}">
-                <a16:creationId xmlns:a16="http://schemas.microsoft.com/office/drawing/2014/main" id="{8103113D-3FA7-10C8-CFF6-CF0FA3CF28D4}"/>
-              </a:ext>
-            </a:extLst>
-          </p:cNvPr>
-          <p:cNvSpPr>
-            <a:spLocks noGrp="1"/>
-          </p:cNvSpPr>
-          <p:nvPr>
-            <p:ph idx="1"/>
-          </p:nvPr>
-        </p:nvSpPr>
-        <p:spPr>
-          <a:xfrm>
-            <a:off x="400050" y="1225062"/>
-            <a:ext cx="8229600" cy="5002701"/>
-          </a:xfrm>
-        </p:spPr>
-        <p:txBody>
-          <a:bodyPr/>
-          <a:lstStyle/>
-          <a:p>
-            <a:r>
-              <a:rPr lang="en-US" b="0" i="0" dirty="0">
-                <a:solidFill>
-                  <a:srgbClr val="24292F"/>
-                </a:solidFill>
-                <a:effectLst/>
-                <a:latin typeface="-apple-system"/>
-              </a:rPr>
-              <a:t>Open the TEMP Guided </a:t>
-            </a:r>
-            <a:r>
-              <a:rPr lang="en-US" b="0" i="0" dirty="0" err="1">
-                <a:solidFill>
-                  <a:srgbClr val="24292F"/>
-                </a:solidFill>
-                <a:effectLst/>
-                <a:latin typeface="-apple-system"/>
-              </a:rPr>
-              <a:t>Script.sql</a:t>
-            </a:r>
-            <a:r>
-              <a:rPr lang="en-US" b="0" i="0" dirty="0">
-                <a:solidFill>
-                  <a:srgbClr val="24292F"/>
-                </a:solidFill>
-                <a:effectLst/>
-                <a:latin typeface="-apple-system"/>
-              </a:rPr>
-              <a:t> file </a:t>
-            </a:r>
-          </a:p>
-          <a:p>
-            <a:endParaRPr lang="en-US" dirty="0">
-              <a:solidFill>
-                <a:srgbClr val="24292F"/>
-              </a:solidFill>
-              <a:latin typeface="-apple-system"/>
-            </a:endParaRPr>
-          </a:p>
-          <a:p>
-            <a:endParaRPr lang="en-US" b="0" i="0" dirty="0">
-              <a:solidFill>
-                <a:srgbClr val="24292F"/>
-              </a:solidFill>
-              <a:effectLst/>
-              <a:latin typeface="-apple-system"/>
-            </a:endParaRPr>
-          </a:p>
-          <a:p>
-            <a:endParaRPr lang="en-US" b="0" i="0" dirty="0">
-              <a:solidFill>
-                <a:srgbClr val="24292F"/>
-              </a:solidFill>
-              <a:effectLst/>
-              <a:latin typeface="-apple-system"/>
-            </a:endParaRPr>
-          </a:p>
-          <a:p>
-            <a:endParaRPr lang="en-US" b="0" i="0" dirty="0">
-              <a:solidFill>
-                <a:srgbClr val="24292F"/>
-              </a:solidFill>
-              <a:effectLst/>
-              <a:latin typeface="-apple-system"/>
-            </a:endParaRPr>
-          </a:p>
-          <a:p>
-            <a:pPr lvl="1"/>
-            <a:endParaRPr lang="en-US" b="0" i="0" dirty="0">
-              <a:solidFill>
-                <a:srgbClr val="24292F"/>
-              </a:solidFill>
-              <a:effectLst/>
-              <a:latin typeface="-apple-system"/>
-            </a:endParaRPr>
-          </a:p>
-          <a:p>
-            <a:pPr marL="0" indent="0">
-              <a:buNone/>
-            </a:pPr>
-            <a:endParaRPr lang="en-US" b="0" i="0" dirty="0">
-              <a:solidFill>
-                <a:srgbClr val="24292F"/>
-              </a:solidFill>
-              <a:effectLst/>
-              <a:latin typeface="-apple-system"/>
-            </a:endParaRPr>
-          </a:p>
-          <a:p>
-            <a:pPr marL="0" indent="0" algn="l">
-              <a:buNone/>
-            </a:pPr>
-            <a:endParaRPr lang="en-US" b="0" i="0" dirty="0">
-              <a:solidFill>
-                <a:srgbClr val="24292F"/>
-              </a:solidFill>
-              <a:effectLst/>
-              <a:latin typeface="-apple-system"/>
-            </a:endParaRPr>
-          </a:p>
-          <a:p>
-            <a:pPr marL="0" indent="0" algn="l">
-              <a:buNone/>
-            </a:pPr>
-            <a:endParaRPr lang="en-US" b="0" i="0" dirty="0">
-              <a:solidFill>
-                <a:srgbClr val="24292F"/>
-              </a:solidFill>
-              <a:effectLst/>
-              <a:latin typeface="-apple-system"/>
-            </a:endParaRPr>
-          </a:p>
-        </p:txBody>
-      </p:sp>
-      <p:pic>
-        <p:nvPicPr>
-          <p:cNvPr id="2" name="Picture 1">
-            <a:extLst>
-              <a:ext uri="{FF2B5EF4-FFF2-40B4-BE49-F238E27FC236}">
-                <a16:creationId xmlns:a16="http://schemas.microsoft.com/office/drawing/2014/main" id="{203BF16A-2184-581B-0E28-4ED81CBB612F}"/>
-              </a:ext>
-            </a:extLst>
-          </p:cNvPr>
-          <p:cNvPicPr>
-            <a:picLocks noChangeAspect="1"/>
-          </p:cNvPicPr>
-          <p:nvPr/>
-        </p:nvPicPr>
-        <p:blipFill>
-          <a:blip r:embed="rId3"/>
-          <a:stretch>
-            <a:fillRect/>
-          </a:stretch>
-        </p:blipFill>
-        <p:spPr>
-          <a:xfrm>
-            <a:off x="1699622" y="2073393"/>
-            <a:ext cx="4557713" cy="3066569"/>
-          </a:xfrm>
-          <a:prstGeom prst="rect">
-            <a:avLst/>
-          </a:prstGeom>
-        </p:spPr>
-      </p:pic>
-    </p:spTree>
-    <p:extLst>
-      <p:ext uri="{BB962C8B-B14F-4D97-AF65-F5344CB8AC3E}">
-        <p14:creationId xmlns:p14="http://schemas.microsoft.com/office/powerpoint/2010/main" val="1833757041"/>
+        <p14:creationId xmlns:p14="http://schemas.microsoft.com/office/powerpoint/2010/main" val="2259070943"/>
       </p:ext>
     </p:extLst>
   </p:cSld>
@@ -14172,7 +14915,7 @@
           <a:p>
             <a:r>
               <a:rPr lang="en-US" dirty="0"/>
-              <a:t>Exercise</a:t>
+              <a:t>Summary</a:t>
             </a:r>
           </a:p>
         </p:txBody>
@@ -14206,45 +14949,122 @@
             <a:r>
               <a:rPr lang="en-US" b="0" i="0" dirty="0">
                 <a:solidFill>
-                  <a:srgbClr val="24292F"/>
-                </a:solidFill>
-                <a:effectLst/>
-                <a:latin typeface="-apple-system"/>
-              </a:rPr>
-              <a:t>Open the Day 6 </a:t>
-            </a:r>
-            <a:r>
-              <a:rPr lang="en-US" b="0" i="0" dirty="0" err="1">
-                <a:solidFill>
-                  <a:srgbClr val="24292F"/>
-                </a:solidFill>
-                <a:effectLst/>
-                <a:latin typeface="-apple-system"/>
-              </a:rPr>
-              <a:t>Exercise.sql</a:t>
-            </a:r>
-            <a:r>
-              <a:rPr lang="en-US" b="0" i="0" dirty="0">
-                <a:solidFill>
-                  <a:srgbClr val="24292F"/>
-                </a:solidFill>
-                <a:effectLst/>
-                <a:latin typeface="-apple-system"/>
-              </a:rPr>
-              <a:t> file</a:t>
-            </a:r>
+                  <a:srgbClr val="374151"/>
+                </a:solidFill>
+                <a:effectLst/>
+                <a:latin typeface="Söhne"/>
+              </a:rPr>
+              <a:t>Intermediate data analysis offers several key advantages:</a:t>
+            </a:r>
+          </a:p>
+          <a:p>
+            <a:endParaRPr lang="en-US" b="0" i="0" dirty="0">
+              <a:solidFill>
+                <a:srgbClr val="374151"/>
+              </a:solidFill>
+              <a:effectLst/>
+              <a:latin typeface="Söhne"/>
+            </a:endParaRPr>
           </a:p>
           <a:p>
             <a:pPr lvl="1"/>
             <a:r>
-              <a:rPr lang="en-US" dirty="0">
-                <a:solidFill>
-                  <a:srgbClr val="24292F"/>
-                </a:solidFill>
-                <a:latin typeface="-apple-system"/>
-              </a:rPr>
-              <a:t>Answer the questions from each section</a:t>
-            </a:r>
+              <a:rPr lang="en-US" b="1" i="0" dirty="0">
+                <a:solidFill>
+                  <a:srgbClr val="374151"/>
+                </a:solidFill>
+                <a:effectLst/>
+                <a:latin typeface="Söhne"/>
+              </a:rPr>
+              <a:t>Modularity:</a:t>
+            </a:r>
+            <a:r>
+              <a:rPr lang="en-US" b="0" i="0" dirty="0">
+                <a:solidFill>
+                  <a:srgbClr val="374151"/>
+                </a:solidFill>
+                <a:effectLst/>
+                <a:latin typeface="Söhne"/>
+              </a:rPr>
+              <a:t> Breaking down complex tasks into steps simplifies the analysis process.</a:t>
+            </a:r>
+          </a:p>
+          <a:p>
+            <a:pPr lvl="1"/>
+            <a:r>
+              <a:rPr lang="en-US" b="1" i="0" dirty="0">
+                <a:solidFill>
+                  <a:srgbClr val="374151"/>
+                </a:solidFill>
+                <a:effectLst/>
+                <a:latin typeface="Söhne"/>
+              </a:rPr>
+              <a:t>Efficiency:</a:t>
+            </a:r>
+            <a:r>
+              <a:rPr lang="en-US" b="0" i="0" dirty="0">
+                <a:solidFill>
+                  <a:srgbClr val="374151"/>
+                </a:solidFill>
+                <a:effectLst/>
+                <a:latin typeface="Söhne"/>
+              </a:rPr>
+              <a:t> Working with manageable subsets speeds up query execution.</a:t>
+            </a:r>
+          </a:p>
+          <a:p>
+            <a:pPr lvl="1"/>
+            <a:r>
+              <a:rPr lang="en-US" b="1" i="0" dirty="0">
+                <a:solidFill>
+                  <a:srgbClr val="374151"/>
+                </a:solidFill>
+                <a:effectLst/>
+                <a:latin typeface="Söhne"/>
+              </a:rPr>
+              <a:t>Clarity:</a:t>
+            </a:r>
+            <a:r>
+              <a:rPr lang="en-US" b="0" i="0" dirty="0">
+                <a:solidFill>
+                  <a:srgbClr val="374151"/>
+                </a:solidFill>
+                <a:effectLst/>
+                <a:latin typeface="Söhne"/>
+              </a:rPr>
+              <a:t> Each step is well-structured, enhancing understanding and collaboration.</a:t>
+            </a:r>
+          </a:p>
+          <a:p>
+            <a:pPr lvl="1"/>
+            <a:r>
+              <a:rPr lang="en-US" b="1" i="0" dirty="0">
+                <a:solidFill>
+                  <a:srgbClr val="374151"/>
+                </a:solidFill>
+                <a:effectLst/>
+                <a:latin typeface="Söhne"/>
+              </a:rPr>
+              <a:t>Flexibility:</a:t>
+            </a:r>
+            <a:r>
+              <a:rPr lang="en-US" b="0" i="0" dirty="0">
+                <a:solidFill>
+                  <a:srgbClr val="374151"/>
+                </a:solidFill>
+                <a:effectLst/>
+                <a:latin typeface="Söhne"/>
+              </a:rPr>
+              <a:t> Modifications or additional analysis can be easily integrated into specific steps.</a:t>
+            </a:r>
+          </a:p>
+          <a:p>
+            <a:pPr marL="0" indent="0">
+              <a:buNone/>
+            </a:pPr>
+            <a:br>
+              <a:rPr lang="en-US" dirty="0"/>
+            </a:br>
             <a:endParaRPr lang="en-US" b="0" i="0" dirty="0">
               <a:solidFill>
                 <a:srgbClr val="24292F"/>
@@ -14254,14 +15074,7 @@
             </a:endParaRPr>
           </a:p>
           <a:p>
-            <a:endParaRPr lang="en-US" dirty="0">
-              <a:solidFill>
-                <a:srgbClr val="24292F"/>
-              </a:solidFill>
-              <a:latin typeface="-apple-system"/>
-            </a:endParaRPr>
-          </a:p>
-          <a:p>
+            <a:pPr lvl="2"/>
             <a:endParaRPr lang="en-US" b="0" i="0" dirty="0">
               <a:solidFill>
                 <a:srgbClr val="24292F"/>
@@ -14270,76 +15083,12 @@
               <a:latin typeface="-apple-system"/>
             </a:endParaRPr>
           </a:p>
-          <a:p>
-            <a:endParaRPr lang="en-US" b="0" i="0" dirty="0">
-              <a:solidFill>
-                <a:srgbClr val="24292F"/>
-              </a:solidFill>
-              <a:effectLst/>
-              <a:latin typeface="-apple-system"/>
-            </a:endParaRPr>
-          </a:p>
-          <a:p>
-            <a:endParaRPr lang="en-US" b="0" i="0" dirty="0">
-              <a:solidFill>
-                <a:srgbClr val="24292F"/>
-              </a:solidFill>
-              <a:effectLst/>
-              <a:latin typeface="-apple-system"/>
-            </a:endParaRPr>
-          </a:p>
-          <a:p>
-            <a:pPr lvl="1"/>
-            <a:endParaRPr lang="en-US" b="0" i="0" dirty="0">
-              <a:solidFill>
-                <a:srgbClr val="24292F"/>
-              </a:solidFill>
-              <a:effectLst/>
-              <a:latin typeface="-apple-system"/>
-            </a:endParaRPr>
-          </a:p>
-          <a:p>
-            <a:pPr marL="0" indent="0">
-              <a:buNone/>
-            </a:pPr>
-            <a:endParaRPr lang="en-US" b="0" i="0" dirty="0">
-              <a:solidFill>
-                <a:srgbClr val="24292F"/>
-              </a:solidFill>
-              <a:effectLst/>
-              <a:latin typeface="-apple-system"/>
-            </a:endParaRPr>
-          </a:p>
-          <a:p>
-            <a:pPr marL="0" indent="0" algn="l">
-              <a:buNone/>
-            </a:pPr>
-            <a:endParaRPr lang="en-US" b="0" i="0" dirty="0">
-              <a:solidFill>
-                <a:srgbClr val="24292F"/>
-              </a:solidFill>
-              <a:effectLst/>
-              <a:latin typeface="-apple-system"/>
-            </a:endParaRPr>
-          </a:p>
-          <a:p>
-            <a:pPr marL="0" indent="0" algn="l">
-              <a:buNone/>
-            </a:pPr>
-            <a:endParaRPr lang="en-US" b="0" i="0" dirty="0">
-              <a:solidFill>
-                <a:srgbClr val="24292F"/>
-              </a:solidFill>
-              <a:effectLst/>
-              <a:latin typeface="-apple-system"/>
-            </a:endParaRPr>
-          </a:p>
         </p:txBody>
       </p:sp>
     </p:spTree>
     <p:extLst>
       <p:ext uri="{BB962C8B-B14F-4D97-AF65-F5344CB8AC3E}">
-        <p14:creationId xmlns:p14="http://schemas.microsoft.com/office/powerpoint/2010/main" val="76383982"/>
+        <p14:creationId xmlns:p14="http://schemas.microsoft.com/office/powerpoint/2010/main" val="2923696163"/>
       </p:ext>
     </p:extLst>
   </p:cSld>
@@ -14349,7 +15098,7 @@
 </p:sld>
 </file>
 
-<file path=ppt/slides/slide3.xml><?xml version="1.0" encoding="utf-8"?>
+<file path=ppt/slides/slide21.xml><?xml version="1.0" encoding="utf-8"?>
 <p:sld xmlns:a="http://schemas.openxmlformats.org/drawingml/2006/main" xmlns:r="http://schemas.openxmlformats.org/officeDocument/2006/relationships" xmlns:p="http://schemas.openxmlformats.org/presentationml/2006/main">
   <p:cSld>
     <p:spTree>
@@ -14596,7 +15345,7 @@
           <a:p>
             <a:r>
               <a:rPr lang="en-US" dirty="0"/>
-              <a:t>What is a TEMP TABLE</a:t>
+              <a:t>Hands On Examples</a:t>
             </a:r>
           </a:p>
         </p:txBody>
@@ -14629,6 +15378,1766 @@
           <a:p>
             <a:pPr algn="l"/>
             <a:r>
+              <a:rPr lang="en-US" dirty="0">
+                <a:solidFill>
+                  <a:srgbClr val="24292F"/>
+                </a:solidFill>
+                <a:latin typeface="-apple-system"/>
+              </a:rPr>
+              <a:t>U</a:t>
+            </a:r>
+            <a:r>
+              <a:rPr lang="en-US" b="0" i="0" dirty="0">
+                <a:solidFill>
+                  <a:srgbClr val="24292F"/>
+                </a:solidFill>
+                <a:effectLst/>
+                <a:latin typeface="-apple-system"/>
+              </a:rPr>
+              <a:t>sing the AdventureWorks2012 Database</a:t>
+            </a:r>
+          </a:p>
+          <a:p>
+            <a:pPr lvl="1"/>
+            <a:r>
+              <a:rPr lang="en-US" dirty="0">
+                <a:solidFill>
+                  <a:srgbClr val="24292F"/>
+                </a:solidFill>
+                <a:latin typeface="-apple-system"/>
+              </a:rPr>
+              <a:t>Please open up SSMS</a:t>
+            </a:r>
+          </a:p>
+          <a:p>
+            <a:pPr lvl="1"/>
+            <a:r>
+              <a:rPr lang="en-US" b="0" i="0" dirty="0">
+                <a:solidFill>
+                  <a:srgbClr val="24292F"/>
+                </a:solidFill>
+                <a:effectLst/>
+                <a:latin typeface="-apple-system"/>
+              </a:rPr>
+              <a:t>Connect to BISS</a:t>
+            </a:r>
+          </a:p>
+          <a:p>
+            <a:pPr lvl="2"/>
+            <a:r>
+              <a:rPr lang="en-US" b="0" i="0" dirty="0">
+                <a:solidFill>
+                  <a:srgbClr val="24292F"/>
+                </a:solidFill>
+                <a:effectLst/>
+                <a:latin typeface="-apple-system"/>
+              </a:rPr>
+              <a:t>Server = mss-p1-biss-01</a:t>
+            </a:r>
+          </a:p>
+          <a:p>
+            <a:pPr marL="0" indent="0">
+              <a:buNone/>
+            </a:pPr>
+            <a:endParaRPr lang="en-US" b="0" i="0" dirty="0">
+              <a:solidFill>
+                <a:srgbClr val="24292F"/>
+              </a:solidFill>
+              <a:effectLst/>
+              <a:latin typeface="-apple-system"/>
+            </a:endParaRPr>
+          </a:p>
+          <a:p>
+            <a:pPr marL="0" indent="0" algn="l">
+              <a:buNone/>
+            </a:pPr>
+            <a:endParaRPr lang="en-US" b="0" i="0" dirty="0">
+              <a:solidFill>
+                <a:srgbClr val="24292F"/>
+              </a:solidFill>
+              <a:effectLst/>
+              <a:latin typeface="-apple-system"/>
+            </a:endParaRPr>
+          </a:p>
+          <a:p>
+            <a:pPr marL="0" indent="0" algn="l">
+              <a:buNone/>
+            </a:pPr>
+            <a:endParaRPr lang="en-US" b="0" i="0" dirty="0">
+              <a:solidFill>
+                <a:srgbClr val="24292F"/>
+              </a:solidFill>
+              <a:effectLst/>
+              <a:latin typeface="-apple-system"/>
+            </a:endParaRPr>
+          </a:p>
+        </p:txBody>
+      </p:sp>
+      <p:pic>
+        <p:nvPicPr>
+          <p:cNvPr id="2" name="Picture 1">
+            <a:extLst>
+              <a:ext uri="{FF2B5EF4-FFF2-40B4-BE49-F238E27FC236}">
+                <a16:creationId xmlns:a16="http://schemas.microsoft.com/office/drawing/2014/main" id="{7C73B60A-9D72-9725-CF53-6F536A38C53C}"/>
+              </a:ext>
+            </a:extLst>
+          </p:cNvPr>
+          <p:cNvPicPr>
+            <a:picLocks noChangeAspect="1"/>
+          </p:cNvPicPr>
+          <p:nvPr/>
+        </p:nvPicPr>
+        <p:blipFill>
+          <a:blip r:embed="rId2"/>
+          <a:stretch>
+            <a:fillRect/>
+          </a:stretch>
+        </p:blipFill>
+        <p:spPr>
+          <a:xfrm>
+            <a:off x="1808367" y="2943224"/>
+            <a:ext cx="4808896" cy="3171825"/>
+          </a:xfrm>
+          <a:prstGeom prst="rect">
+            <a:avLst/>
+          </a:prstGeom>
+        </p:spPr>
+      </p:pic>
+    </p:spTree>
+    <p:extLst>
+      <p:ext uri="{BB962C8B-B14F-4D97-AF65-F5344CB8AC3E}">
+        <p14:creationId xmlns:p14="http://schemas.microsoft.com/office/powerpoint/2010/main" val="146600374"/>
+      </p:ext>
+    </p:extLst>
+  </p:cSld>
+  <p:clrMapOvr>
+    <a:masterClrMapping/>
+  </p:clrMapOvr>
+</p:sld>
+</file>
+
+<file path=ppt/slides/slide22.xml><?xml version="1.0" encoding="utf-8"?>
+<p:sld xmlns:a="http://schemas.openxmlformats.org/drawingml/2006/main" xmlns:r="http://schemas.openxmlformats.org/officeDocument/2006/relationships" xmlns:p="http://schemas.openxmlformats.org/presentationml/2006/main">
+  <p:cSld>
+    <p:spTree>
+      <p:nvGrpSpPr>
+        <p:cNvPr id="1" name=""/>
+        <p:cNvGrpSpPr/>
+        <p:nvPr/>
+      </p:nvGrpSpPr>
+      <p:grpSpPr>
+        <a:xfrm>
+          <a:off x="0" y="0"/>
+          <a:ext cx="0" cy="0"/>
+          <a:chOff x="0" y="0"/>
+          <a:chExt cx="0" cy="0"/>
+        </a:xfrm>
+      </p:grpSpPr>
+      <p:sp>
+        <p:nvSpPr>
+          <p:cNvPr id="8" name="Subtitle 2">
+            <a:extLst>
+              <a:ext uri="{FF2B5EF4-FFF2-40B4-BE49-F238E27FC236}">
+                <a16:creationId xmlns:a16="http://schemas.microsoft.com/office/drawing/2014/main" id="{090EFA5F-2C72-42AB-A069-51AFDC27C766}"/>
+              </a:ext>
+            </a:extLst>
+          </p:cNvPr>
+          <p:cNvSpPr txBox="1">
+            <a:spLocks/>
+          </p:cNvSpPr>
+          <p:nvPr/>
+        </p:nvSpPr>
+        <p:spPr>
+          <a:xfrm>
+            <a:off x="778079" y="4099775"/>
+            <a:ext cx="6400800" cy="1237021"/>
+          </a:xfrm>
+        </p:spPr>
+        <p:txBody>
+          <a:bodyPr/>
+          <a:lstStyle>
+            <a:lvl1pPr marL="0" indent="0" algn="l" defTabSz="457200" rtl="0" eaLnBrk="0" fontAlgn="base" hangingPunct="0">
+              <a:spcBef>
+                <a:spcPct val="20000"/>
+              </a:spcBef>
+              <a:spcAft>
+                <a:spcPct val="0"/>
+              </a:spcAft>
+              <a:buFont typeface="Arial" panose="020B0604020202020204" pitchFamily="34" charset="0"/>
+              <a:buNone/>
+              <a:defRPr sz="1800" kern="1200">
+                <a:solidFill>
+                  <a:srgbClr val="0FA7B5"/>
+                </a:solidFill>
+                <a:latin typeface="+mn-lt"/>
+                <a:ea typeface="MS PGothic" panose="020B0600070205080204" pitchFamily="34" charset="-128"/>
+                <a:cs typeface="ＭＳ Ｐゴシック" charset="0"/>
+              </a:defRPr>
+            </a:lvl1pPr>
+            <a:lvl2pPr marL="342900" indent="0" algn="l" defTabSz="457200" rtl="0" eaLnBrk="0" fontAlgn="base" hangingPunct="0">
+              <a:spcBef>
+                <a:spcPct val="20000"/>
+              </a:spcBef>
+              <a:spcAft>
+                <a:spcPct val="0"/>
+              </a:spcAft>
+              <a:buFont typeface="Arial" panose="020B0604020202020204" pitchFamily="34" charset="0"/>
+              <a:buNone/>
+              <a:defRPr sz="1500" kern="1200">
+                <a:solidFill>
+                  <a:schemeClr val="tx1">
+                    <a:tint val="75000"/>
+                  </a:schemeClr>
+                </a:solidFill>
+                <a:latin typeface="+mn-lt"/>
+                <a:ea typeface="MS PGothic" panose="020B0600070205080204" pitchFamily="34" charset="-128"/>
+                <a:cs typeface="+mn-cs"/>
+              </a:defRPr>
+            </a:lvl2pPr>
+            <a:lvl3pPr marL="685800" indent="0" algn="l" defTabSz="457200" rtl="0" eaLnBrk="0" fontAlgn="base" hangingPunct="0">
+              <a:spcBef>
+                <a:spcPct val="20000"/>
+              </a:spcBef>
+              <a:spcAft>
+                <a:spcPct val="0"/>
+              </a:spcAft>
+              <a:buFont typeface="Arial" panose="020B0604020202020204" pitchFamily="34" charset="0"/>
+              <a:buNone/>
+              <a:defRPr sz="1350" kern="1200">
+                <a:solidFill>
+                  <a:schemeClr val="tx1">
+                    <a:tint val="75000"/>
+                  </a:schemeClr>
+                </a:solidFill>
+                <a:latin typeface="+mn-lt"/>
+                <a:ea typeface="MS PGothic" panose="020B0600070205080204" pitchFamily="34" charset="-128"/>
+                <a:cs typeface="+mn-cs"/>
+              </a:defRPr>
+            </a:lvl3pPr>
+            <a:lvl4pPr marL="1028700" indent="0" algn="l" defTabSz="457200" rtl="0" eaLnBrk="0" fontAlgn="base" hangingPunct="0">
+              <a:spcBef>
+                <a:spcPct val="20000"/>
+              </a:spcBef>
+              <a:spcAft>
+                <a:spcPct val="0"/>
+              </a:spcAft>
+              <a:buFont typeface="Arial" panose="020B0604020202020204" pitchFamily="34" charset="0"/>
+              <a:buNone/>
+              <a:defRPr sz="1200" kern="1200">
+                <a:solidFill>
+                  <a:schemeClr val="tx1">
+                    <a:tint val="75000"/>
+                  </a:schemeClr>
+                </a:solidFill>
+                <a:latin typeface="+mn-lt"/>
+                <a:ea typeface="MS PGothic" panose="020B0600070205080204" pitchFamily="34" charset="-128"/>
+                <a:cs typeface="+mn-cs"/>
+              </a:defRPr>
+            </a:lvl4pPr>
+            <a:lvl5pPr marL="1371600" indent="0" algn="l" defTabSz="457200" rtl="0" eaLnBrk="0" fontAlgn="base" hangingPunct="0">
+              <a:spcBef>
+                <a:spcPct val="20000"/>
+              </a:spcBef>
+              <a:spcAft>
+                <a:spcPct val="0"/>
+              </a:spcAft>
+              <a:buFont typeface="Arial" panose="020B0604020202020204" pitchFamily="34" charset="0"/>
+              <a:buNone/>
+              <a:defRPr sz="1200" kern="1200">
+                <a:solidFill>
+                  <a:schemeClr val="tx1">
+                    <a:tint val="75000"/>
+                  </a:schemeClr>
+                </a:solidFill>
+                <a:latin typeface="+mn-lt"/>
+                <a:ea typeface="MS PGothic" panose="020B0600070205080204" pitchFamily="34" charset="-128"/>
+                <a:cs typeface="+mn-cs"/>
+              </a:defRPr>
+            </a:lvl5pPr>
+            <a:lvl6pPr marL="1714500" indent="0" algn="l" defTabSz="457200" rtl="0" eaLnBrk="1" latinLnBrk="0" hangingPunct="1">
+              <a:spcBef>
+                <a:spcPct val="20000"/>
+              </a:spcBef>
+              <a:buFont typeface="Arial"/>
+              <a:buNone/>
+              <a:defRPr sz="1200" kern="1200">
+                <a:solidFill>
+                  <a:schemeClr val="tx1">
+                    <a:tint val="75000"/>
+                  </a:schemeClr>
+                </a:solidFill>
+                <a:latin typeface="+mn-lt"/>
+                <a:ea typeface="+mn-ea"/>
+                <a:cs typeface="+mn-cs"/>
+              </a:defRPr>
+            </a:lvl6pPr>
+            <a:lvl7pPr marL="2057400" indent="0" algn="l" defTabSz="457200" rtl="0" eaLnBrk="1" latinLnBrk="0" hangingPunct="1">
+              <a:spcBef>
+                <a:spcPct val="20000"/>
+              </a:spcBef>
+              <a:buFont typeface="Arial"/>
+              <a:buNone/>
+              <a:defRPr sz="1200" kern="1200">
+                <a:solidFill>
+                  <a:schemeClr val="tx1">
+                    <a:tint val="75000"/>
+                  </a:schemeClr>
+                </a:solidFill>
+                <a:latin typeface="+mn-lt"/>
+                <a:ea typeface="+mn-ea"/>
+                <a:cs typeface="+mn-cs"/>
+              </a:defRPr>
+            </a:lvl7pPr>
+            <a:lvl8pPr marL="2400300" indent="0" algn="l" defTabSz="457200" rtl="0" eaLnBrk="1" latinLnBrk="0" hangingPunct="1">
+              <a:spcBef>
+                <a:spcPct val="20000"/>
+              </a:spcBef>
+              <a:buFont typeface="Arial"/>
+              <a:buNone/>
+              <a:defRPr sz="1200" kern="1200">
+                <a:solidFill>
+                  <a:schemeClr val="tx1">
+                    <a:tint val="75000"/>
+                  </a:schemeClr>
+                </a:solidFill>
+                <a:latin typeface="+mn-lt"/>
+                <a:ea typeface="+mn-ea"/>
+                <a:cs typeface="+mn-cs"/>
+              </a:defRPr>
+            </a:lvl8pPr>
+            <a:lvl9pPr marL="2743200" indent="0" algn="l" defTabSz="457200" rtl="0" eaLnBrk="1" latinLnBrk="0" hangingPunct="1">
+              <a:spcBef>
+                <a:spcPct val="20000"/>
+              </a:spcBef>
+              <a:buFont typeface="Arial"/>
+              <a:buNone/>
+              <a:defRPr sz="1200" kern="1200">
+                <a:solidFill>
+                  <a:schemeClr val="tx1">
+                    <a:tint val="75000"/>
+                  </a:schemeClr>
+                </a:solidFill>
+                <a:latin typeface="+mn-lt"/>
+                <a:ea typeface="+mn-ea"/>
+                <a:cs typeface="+mn-cs"/>
+              </a:defRPr>
+            </a:lvl9pPr>
+          </a:lstStyle>
+          <a:p>
+            <a:pPr marL="285750" lvl="0" indent="-285750">
+              <a:spcAft>
+                <a:spcPts val="600"/>
+              </a:spcAft>
+              <a:buFont typeface="Arial" panose="020B0604020202020204" pitchFamily="34" charset="0"/>
+              <a:buChar char="•"/>
+            </a:pPr>
+            <a:endParaRPr lang="en-US" altLang="en-US" dirty="0"/>
+          </a:p>
+        </p:txBody>
+      </p:sp>
+      <p:sp>
+        <p:nvSpPr>
+          <p:cNvPr id="5" name="Title 4">
+            <a:extLst>
+              <a:ext uri="{FF2B5EF4-FFF2-40B4-BE49-F238E27FC236}">
+                <a16:creationId xmlns:a16="http://schemas.microsoft.com/office/drawing/2014/main" id="{B7278418-EB2A-8766-EC92-613B2ACBA277}"/>
+              </a:ext>
+            </a:extLst>
+          </p:cNvPr>
+          <p:cNvSpPr>
+            <a:spLocks noGrp="1"/>
+          </p:cNvSpPr>
+          <p:nvPr>
+            <p:ph type="title"/>
+          </p:nvPr>
+        </p:nvSpPr>
+        <p:spPr>
+          <a:xfrm>
+            <a:off x="400050" y="119939"/>
+            <a:ext cx="8229600" cy="428312"/>
+          </a:xfrm>
+        </p:spPr>
+        <p:txBody>
+          <a:bodyPr/>
+          <a:lstStyle/>
+          <a:p>
+            <a:r>
+              <a:rPr lang="en-US" dirty="0"/>
+              <a:t>Hands On Examples</a:t>
+            </a:r>
+          </a:p>
+        </p:txBody>
+      </p:sp>
+      <p:sp>
+        <p:nvSpPr>
+          <p:cNvPr id="7" name="Content Placeholder 6">
+            <a:extLst>
+              <a:ext uri="{FF2B5EF4-FFF2-40B4-BE49-F238E27FC236}">
+                <a16:creationId xmlns:a16="http://schemas.microsoft.com/office/drawing/2014/main" id="{8103113D-3FA7-10C8-CFF6-CF0FA3CF28D4}"/>
+              </a:ext>
+            </a:extLst>
+          </p:cNvPr>
+          <p:cNvSpPr>
+            <a:spLocks noGrp="1"/>
+          </p:cNvSpPr>
+          <p:nvPr>
+            <p:ph idx="1"/>
+          </p:nvPr>
+        </p:nvSpPr>
+        <p:spPr>
+          <a:xfrm>
+            <a:off x="400050" y="1225062"/>
+            <a:ext cx="8229600" cy="5002701"/>
+          </a:xfrm>
+        </p:spPr>
+        <p:txBody>
+          <a:bodyPr/>
+          <a:lstStyle/>
+          <a:p>
+            <a:r>
+              <a:rPr lang="en-US" b="0" i="0" dirty="0">
+                <a:solidFill>
+                  <a:srgbClr val="24292F"/>
+                </a:solidFill>
+                <a:effectLst/>
+                <a:latin typeface="-apple-system"/>
+              </a:rPr>
+              <a:t>Click File -&gt; Open -&gt; File</a:t>
+            </a:r>
+          </a:p>
+          <a:p>
+            <a:endParaRPr lang="en-US" b="0" i="0" dirty="0">
+              <a:solidFill>
+                <a:srgbClr val="24292F"/>
+              </a:solidFill>
+              <a:effectLst/>
+              <a:latin typeface="-apple-system"/>
+            </a:endParaRPr>
+          </a:p>
+          <a:p>
+            <a:pPr lvl="1"/>
+            <a:endParaRPr lang="en-US" b="0" i="0" dirty="0">
+              <a:solidFill>
+                <a:srgbClr val="24292F"/>
+              </a:solidFill>
+              <a:effectLst/>
+              <a:latin typeface="-apple-system"/>
+            </a:endParaRPr>
+          </a:p>
+          <a:p>
+            <a:pPr marL="0" indent="0">
+              <a:buNone/>
+            </a:pPr>
+            <a:endParaRPr lang="en-US" b="0" i="0" dirty="0">
+              <a:solidFill>
+                <a:srgbClr val="24292F"/>
+              </a:solidFill>
+              <a:effectLst/>
+              <a:latin typeface="-apple-system"/>
+            </a:endParaRPr>
+          </a:p>
+          <a:p>
+            <a:pPr marL="0" indent="0" algn="l">
+              <a:buNone/>
+            </a:pPr>
+            <a:endParaRPr lang="en-US" b="0" i="0" dirty="0">
+              <a:solidFill>
+                <a:srgbClr val="24292F"/>
+              </a:solidFill>
+              <a:effectLst/>
+              <a:latin typeface="-apple-system"/>
+            </a:endParaRPr>
+          </a:p>
+          <a:p>
+            <a:pPr marL="0" indent="0" algn="l">
+              <a:buNone/>
+            </a:pPr>
+            <a:endParaRPr lang="en-US" b="0" i="0" dirty="0">
+              <a:solidFill>
+                <a:srgbClr val="24292F"/>
+              </a:solidFill>
+              <a:effectLst/>
+              <a:latin typeface="-apple-system"/>
+            </a:endParaRPr>
+          </a:p>
+        </p:txBody>
+      </p:sp>
+      <p:pic>
+        <p:nvPicPr>
+          <p:cNvPr id="4" name="Picture 3">
+            <a:extLst>
+              <a:ext uri="{FF2B5EF4-FFF2-40B4-BE49-F238E27FC236}">
+                <a16:creationId xmlns:a16="http://schemas.microsoft.com/office/drawing/2014/main" id="{9913EA44-DE34-7A79-B7FD-95E417CE2AD5}"/>
+              </a:ext>
+            </a:extLst>
+          </p:cNvPr>
+          <p:cNvPicPr>
+            <a:picLocks noChangeAspect="1"/>
+          </p:cNvPicPr>
+          <p:nvPr/>
+        </p:nvPicPr>
+        <p:blipFill>
+          <a:blip r:embed="rId2"/>
+          <a:stretch>
+            <a:fillRect/>
+          </a:stretch>
+        </p:blipFill>
+        <p:spPr>
+          <a:xfrm>
+            <a:off x="1363762" y="2084652"/>
+            <a:ext cx="6193146" cy="3605436"/>
+          </a:xfrm>
+          <a:prstGeom prst="rect">
+            <a:avLst/>
+          </a:prstGeom>
+        </p:spPr>
+      </p:pic>
+    </p:spTree>
+    <p:extLst>
+      <p:ext uri="{BB962C8B-B14F-4D97-AF65-F5344CB8AC3E}">
+        <p14:creationId xmlns:p14="http://schemas.microsoft.com/office/powerpoint/2010/main" val="1451264872"/>
+      </p:ext>
+    </p:extLst>
+  </p:cSld>
+  <p:clrMapOvr>
+    <a:masterClrMapping/>
+  </p:clrMapOvr>
+</p:sld>
+</file>
+
+<file path=ppt/slides/slide23.xml><?xml version="1.0" encoding="utf-8"?>
+<p:sld xmlns:a="http://schemas.openxmlformats.org/drawingml/2006/main" xmlns:r="http://schemas.openxmlformats.org/officeDocument/2006/relationships" xmlns:p="http://schemas.openxmlformats.org/presentationml/2006/main">
+  <p:cSld>
+    <p:spTree>
+      <p:nvGrpSpPr>
+        <p:cNvPr id="1" name=""/>
+        <p:cNvGrpSpPr/>
+        <p:nvPr/>
+      </p:nvGrpSpPr>
+      <p:grpSpPr>
+        <a:xfrm>
+          <a:off x="0" y="0"/>
+          <a:ext cx="0" cy="0"/>
+          <a:chOff x="0" y="0"/>
+          <a:chExt cx="0" cy="0"/>
+        </a:xfrm>
+      </p:grpSpPr>
+      <p:sp>
+        <p:nvSpPr>
+          <p:cNvPr id="8" name="Subtitle 2">
+            <a:extLst>
+              <a:ext uri="{FF2B5EF4-FFF2-40B4-BE49-F238E27FC236}">
+                <a16:creationId xmlns:a16="http://schemas.microsoft.com/office/drawing/2014/main" id="{090EFA5F-2C72-42AB-A069-51AFDC27C766}"/>
+              </a:ext>
+            </a:extLst>
+          </p:cNvPr>
+          <p:cNvSpPr txBox="1">
+            <a:spLocks/>
+          </p:cNvSpPr>
+          <p:nvPr/>
+        </p:nvSpPr>
+        <p:spPr>
+          <a:xfrm>
+            <a:off x="778079" y="4099775"/>
+            <a:ext cx="6400800" cy="1237021"/>
+          </a:xfrm>
+        </p:spPr>
+        <p:txBody>
+          <a:bodyPr/>
+          <a:lstStyle>
+            <a:lvl1pPr marL="0" indent="0" algn="l" defTabSz="457200" rtl="0" eaLnBrk="0" fontAlgn="base" hangingPunct="0">
+              <a:spcBef>
+                <a:spcPct val="20000"/>
+              </a:spcBef>
+              <a:spcAft>
+                <a:spcPct val="0"/>
+              </a:spcAft>
+              <a:buFont typeface="Arial" panose="020B0604020202020204" pitchFamily="34" charset="0"/>
+              <a:buNone/>
+              <a:defRPr sz="1800" kern="1200">
+                <a:solidFill>
+                  <a:srgbClr val="0FA7B5"/>
+                </a:solidFill>
+                <a:latin typeface="+mn-lt"/>
+                <a:ea typeface="MS PGothic" panose="020B0600070205080204" pitchFamily="34" charset="-128"/>
+                <a:cs typeface="ＭＳ Ｐゴシック" charset="0"/>
+              </a:defRPr>
+            </a:lvl1pPr>
+            <a:lvl2pPr marL="342900" indent="0" algn="l" defTabSz="457200" rtl="0" eaLnBrk="0" fontAlgn="base" hangingPunct="0">
+              <a:spcBef>
+                <a:spcPct val="20000"/>
+              </a:spcBef>
+              <a:spcAft>
+                <a:spcPct val="0"/>
+              </a:spcAft>
+              <a:buFont typeface="Arial" panose="020B0604020202020204" pitchFamily="34" charset="0"/>
+              <a:buNone/>
+              <a:defRPr sz="1500" kern="1200">
+                <a:solidFill>
+                  <a:schemeClr val="tx1">
+                    <a:tint val="75000"/>
+                  </a:schemeClr>
+                </a:solidFill>
+                <a:latin typeface="+mn-lt"/>
+                <a:ea typeface="MS PGothic" panose="020B0600070205080204" pitchFamily="34" charset="-128"/>
+                <a:cs typeface="+mn-cs"/>
+              </a:defRPr>
+            </a:lvl2pPr>
+            <a:lvl3pPr marL="685800" indent="0" algn="l" defTabSz="457200" rtl="0" eaLnBrk="0" fontAlgn="base" hangingPunct="0">
+              <a:spcBef>
+                <a:spcPct val="20000"/>
+              </a:spcBef>
+              <a:spcAft>
+                <a:spcPct val="0"/>
+              </a:spcAft>
+              <a:buFont typeface="Arial" panose="020B0604020202020204" pitchFamily="34" charset="0"/>
+              <a:buNone/>
+              <a:defRPr sz="1350" kern="1200">
+                <a:solidFill>
+                  <a:schemeClr val="tx1">
+                    <a:tint val="75000"/>
+                  </a:schemeClr>
+                </a:solidFill>
+                <a:latin typeface="+mn-lt"/>
+                <a:ea typeface="MS PGothic" panose="020B0600070205080204" pitchFamily="34" charset="-128"/>
+                <a:cs typeface="+mn-cs"/>
+              </a:defRPr>
+            </a:lvl3pPr>
+            <a:lvl4pPr marL="1028700" indent="0" algn="l" defTabSz="457200" rtl="0" eaLnBrk="0" fontAlgn="base" hangingPunct="0">
+              <a:spcBef>
+                <a:spcPct val="20000"/>
+              </a:spcBef>
+              <a:spcAft>
+                <a:spcPct val="0"/>
+              </a:spcAft>
+              <a:buFont typeface="Arial" panose="020B0604020202020204" pitchFamily="34" charset="0"/>
+              <a:buNone/>
+              <a:defRPr sz="1200" kern="1200">
+                <a:solidFill>
+                  <a:schemeClr val="tx1">
+                    <a:tint val="75000"/>
+                  </a:schemeClr>
+                </a:solidFill>
+                <a:latin typeface="+mn-lt"/>
+                <a:ea typeface="MS PGothic" panose="020B0600070205080204" pitchFamily="34" charset="-128"/>
+                <a:cs typeface="+mn-cs"/>
+              </a:defRPr>
+            </a:lvl4pPr>
+            <a:lvl5pPr marL="1371600" indent="0" algn="l" defTabSz="457200" rtl="0" eaLnBrk="0" fontAlgn="base" hangingPunct="0">
+              <a:spcBef>
+                <a:spcPct val="20000"/>
+              </a:spcBef>
+              <a:spcAft>
+                <a:spcPct val="0"/>
+              </a:spcAft>
+              <a:buFont typeface="Arial" panose="020B0604020202020204" pitchFamily="34" charset="0"/>
+              <a:buNone/>
+              <a:defRPr sz="1200" kern="1200">
+                <a:solidFill>
+                  <a:schemeClr val="tx1">
+                    <a:tint val="75000"/>
+                  </a:schemeClr>
+                </a:solidFill>
+                <a:latin typeface="+mn-lt"/>
+                <a:ea typeface="MS PGothic" panose="020B0600070205080204" pitchFamily="34" charset="-128"/>
+                <a:cs typeface="+mn-cs"/>
+              </a:defRPr>
+            </a:lvl5pPr>
+            <a:lvl6pPr marL="1714500" indent="0" algn="l" defTabSz="457200" rtl="0" eaLnBrk="1" latinLnBrk="0" hangingPunct="1">
+              <a:spcBef>
+                <a:spcPct val="20000"/>
+              </a:spcBef>
+              <a:buFont typeface="Arial"/>
+              <a:buNone/>
+              <a:defRPr sz="1200" kern="1200">
+                <a:solidFill>
+                  <a:schemeClr val="tx1">
+                    <a:tint val="75000"/>
+                  </a:schemeClr>
+                </a:solidFill>
+                <a:latin typeface="+mn-lt"/>
+                <a:ea typeface="+mn-ea"/>
+                <a:cs typeface="+mn-cs"/>
+              </a:defRPr>
+            </a:lvl6pPr>
+            <a:lvl7pPr marL="2057400" indent="0" algn="l" defTabSz="457200" rtl="0" eaLnBrk="1" latinLnBrk="0" hangingPunct="1">
+              <a:spcBef>
+                <a:spcPct val="20000"/>
+              </a:spcBef>
+              <a:buFont typeface="Arial"/>
+              <a:buNone/>
+              <a:defRPr sz="1200" kern="1200">
+                <a:solidFill>
+                  <a:schemeClr val="tx1">
+                    <a:tint val="75000"/>
+                  </a:schemeClr>
+                </a:solidFill>
+                <a:latin typeface="+mn-lt"/>
+                <a:ea typeface="+mn-ea"/>
+                <a:cs typeface="+mn-cs"/>
+              </a:defRPr>
+            </a:lvl7pPr>
+            <a:lvl8pPr marL="2400300" indent="0" algn="l" defTabSz="457200" rtl="0" eaLnBrk="1" latinLnBrk="0" hangingPunct="1">
+              <a:spcBef>
+                <a:spcPct val="20000"/>
+              </a:spcBef>
+              <a:buFont typeface="Arial"/>
+              <a:buNone/>
+              <a:defRPr sz="1200" kern="1200">
+                <a:solidFill>
+                  <a:schemeClr val="tx1">
+                    <a:tint val="75000"/>
+                  </a:schemeClr>
+                </a:solidFill>
+                <a:latin typeface="+mn-lt"/>
+                <a:ea typeface="+mn-ea"/>
+                <a:cs typeface="+mn-cs"/>
+              </a:defRPr>
+            </a:lvl8pPr>
+            <a:lvl9pPr marL="2743200" indent="0" algn="l" defTabSz="457200" rtl="0" eaLnBrk="1" latinLnBrk="0" hangingPunct="1">
+              <a:spcBef>
+                <a:spcPct val="20000"/>
+              </a:spcBef>
+              <a:buFont typeface="Arial"/>
+              <a:buNone/>
+              <a:defRPr sz="1200" kern="1200">
+                <a:solidFill>
+                  <a:schemeClr val="tx1">
+                    <a:tint val="75000"/>
+                  </a:schemeClr>
+                </a:solidFill>
+                <a:latin typeface="+mn-lt"/>
+                <a:ea typeface="+mn-ea"/>
+                <a:cs typeface="+mn-cs"/>
+              </a:defRPr>
+            </a:lvl9pPr>
+          </a:lstStyle>
+          <a:p>
+            <a:pPr marL="285750" lvl="0" indent="-285750">
+              <a:spcAft>
+                <a:spcPts val="600"/>
+              </a:spcAft>
+              <a:buFont typeface="Arial" panose="020B0604020202020204" pitchFamily="34" charset="0"/>
+              <a:buChar char="•"/>
+            </a:pPr>
+            <a:endParaRPr lang="en-US" altLang="en-US" dirty="0"/>
+          </a:p>
+        </p:txBody>
+      </p:sp>
+      <p:sp>
+        <p:nvSpPr>
+          <p:cNvPr id="5" name="Title 4">
+            <a:extLst>
+              <a:ext uri="{FF2B5EF4-FFF2-40B4-BE49-F238E27FC236}">
+                <a16:creationId xmlns:a16="http://schemas.microsoft.com/office/drawing/2014/main" id="{B7278418-EB2A-8766-EC92-613B2ACBA277}"/>
+              </a:ext>
+            </a:extLst>
+          </p:cNvPr>
+          <p:cNvSpPr>
+            <a:spLocks noGrp="1"/>
+          </p:cNvSpPr>
+          <p:nvPr>
+            <p:ph type="title"/>
+          </p:nvPr>
+        </p:nvSpPr>
+        <p:spPr>
+          <a:xfrm>
+            <a:off x="400050" y="119939"/>
+            <a:ext cx="8229600" cy="428312"/>
+          </a:xfrm>
+        </p:spPr>
+        <p:txBody>
+          <a:bodyPr/>
+          <a:lstStyle/>
+          <a:p>
+            <a:r>
+              <a:rPr lang="en-US" dirty="0"/>
+              <a:t>Hands On Examples</a:t>
+            </a:r>
+          </a:p>
+        </p:txBody>
+      </p:sp>
+      <p:sp>
+        <p:nvSpPr>
+          <p:cNvPr id="7" name="Content Placeholder 6">
+            <a:extLst>
+              <a:ext uri="{FF2B5EF4-FFF2-40B4-BE49-F238E27FC236}">
+                <a16:creationId xmlns:a16="http://schemas.microsoft.com/office/drawing/2014/main" id="{8103113D-3FA7-10C8-CFF6-CF0FA3CF28D4}"/>
+              </a:ext>
+            </a:extLst>
+          </p:cNvPr>
+          <p:cNvSpPr>
+            <a:spLocks noGrp="1"/>
+          </p:cNvSpPr>
+          <p:nvPr>
+            <p:ph idx="1"/>
+          </p:nvPr>
+        </p:nvSpPr>
+        <p:spPr>
+          <a:xfrm>
+            <a:off x="400050" y="1225062"/>
+            <a:ext cx="8229600" cy="5002701"/>
+          </a:xfrm>
+        </p:spPr>
+        <p:txBody>
+          <a:bodyPr/>
+          <a:lstStyle/>
+          <a:p>
+            <a:r>
+              <a:rPr lang="en-US" b="0" i="0" dirty="0">
+                <a:solidFill>
+                  <a:srgbClr val="24292F"/>
+                </a:solidFill>
+                <a:effectLst/>
+                <a:latin typeface="-apple-system"/>
+              </a:rPr>
+              <a:t>Open the TEMP Guided </a:t>
+            </a:r>
+            <a:r>
+              <a:rPr lang="en-US" b="0" i="0" dirty="0" err="1">
+                <a:solidFill>
+                  <a:srgbClr val="24292F"/>
+                </a:solidFill>
+                <a:effectLst/>
+                <a:latin typeface="-apple-system"/>
+              </a:rPr>
+              <a:t>Script.sql</a:t>
+            </a:r>
+            <a:r>
+              <a:rPr lang="en-US" b="0" i="0" dirty="0">
+                <a:solidFill>
+                  <a:srgbClr val="24292F"/>
+                </a:solidFill>
+                <a:effectLst/>
+                <a:latin typeface="-apple-system"/>
+              </a:rPr>
+              <a:t> file </a:t>
+            </a:r>
+          </a:p>
+          <a:p>
+            <a:endParaRPr lang="en-US" dirty="0">
+              <a:solidFill>
+                <a:srgbClr val="24292F"/>
+              </a:solidFill>
+              <a:latin typeface="-apple-system"/>
+            </a:endParaRPr>
+          </a:p>
+          <a:p>
+            <a:endParaRPr lang="en-US" b="0" i="0" dirty="0">
+              <a:solidFill>
+                <a:srgbClr val="24292F"/>
+              </a:solidFill>
+              <a:effectLst/>
+              <a:latin typeface="-apple-system"/>
+            </a:endParaRPr>
+          </a:p>
+          <a:p>
+            <a:endParaRPr lang="en-US" b="0" i="0" dirty="0">
+              <a:solidFill>
+                <a:srgbClr val="24292F"/>
+              </a:solidFill>
+              <a:effectLst/>
+              <a:latin typeface="-apple-system"/>
+            </a:endParaRPr>
+          </a:p>
+          <a:p>
+            <a:endParaRPr lang="en-US" b="0" i="0" dirty="0">
+              <a:solidFill>
+                <a:srgbClr val="24292F"/>
+              </a:solidFill>
+              <a:effectLst/>
+              <a:latin typeface="-apple-system"/>
+            </a:endParaRPr>
+          </a:p>
+          <a:p>
+            <a:pPr lvl="1"/>
+            <a:endParaRPr lang="en-US" b="0" i="0" dirty="0">
+              <a:solidFill>
+                <a:srgbClr val="24292F"/>
+              </a:solidFill>
+              <a:effectLst/>
+              <a:latin typeface="-apple-system"/>
+            </a:endParaRPr>
+          </a:p>
+          <a:p>
+            <a:pPr marL="0" indent="0">
+              <a:buNone/>
+            </a:pPr>
+            <a:endParaRPr lang="en-US" b="0" i="0" dirty="0">
+              <a:solidFill>
+                <a:srgbClr val="24292F"/>
+              </a:solidFill>
+              <a:effectLst/>
+              <a:latin typeface="-apple-system"/>
+            </a:endParaRPr>
+          </a:p>
+          <a:p>
+            <a:pPr marL="0" indent="0" algn="l">
+              <a:buNone/>
+            </a:pPr>
+            <a:endParaRPr lang="en-US" b="0" i="0" dirty="0">
+              <a:solidFill>
+                <a:srgbClr val="24292F"/>
+              </a:solidFill>
+              <a:effectLst/>
+              <a:latin typeface="-apple-system"/>
+            </a:endParaRPr>
+          </a:p>
+          <a:p>
+            <a:pPr marL="0" indent="0" algn="l">
+              <a:buNone/>
+            </a:pPr>
+            <a:endParaRPr lang="en-US" b="0" i="0" dirty="0">
+              <a:solidFill>
+                <a:srgbClr val="24292F"/>
+              </a:solidFill>
+              <a:effectLst/>
+              <a:latin typeface="-apple-system"/>
+            </a:endParaRPr>
+          </a:p>
+        </p:txBody>
+      </p:sp>
+      <p:pic>
+        <p:nvPicPr>
+          <p:cNvPr id="2" name="Picture 1">
+            <a:extLst>
+              <a:ext uri="{FF2B5EF4-FFF2-40B4-BE49-F238E27FC236}">
+                <a16:creationId xmlns:a16="http://schemas.microsoft.com/office/drawing/2014/main" id="{203BF16A-2184-581B-0E28-4ED81CBB612F}"/>
+              </a:ext>
+            </a:extLst>
+          </p:cNvPr>
+          <p:cNvPicPr>
+            <a:picLocks noChangeAspect="1"/>
+          </p:cNvPicPr>
+          <p:nvPr/>
+        </p:nvPicPr>
+        <p:blipFill>
+          <a:blip r:embed="rId3"/>
+          <a:stretch>
+            <a:fillRect/>
+          </a:stretch>
+        </p:blipFill>
+        <p:spPr>
+          <a:xfrm>
+            <a:off x="1699622" y="2073393"/>
+            <a:ext cx="4557713" cy="3066569"/>
+          </a:xfrm>
+          <a:prstGeom prst="rect">
+            <a:avLst/>
+          </a:prstGeom>
+        </p:spPr>
+      </p:pic>
+    </p:spTree>
+    <p:extLst>
+      <p:ext uri="{BB962C8B-B14F-4D97-AF65-F5344CB8AC3E}">
+        <p14:creationId xmlns:p14="http://schemas.microsoft.com/office/powerpoint/2010/main" val="1833757041"/>
+      </p:ext>
+    </p:extLst>
+  </p:cSld>
+  <p:clrMapOvr>
+    <a:masterClrMapping/>
+  </p:clrMapOvr>
+</p:sld>
+</file>
+
+<file path=ppt/slides/slide24.xml><?xml version="1.0" encoding="utf-8"?>
+<p:sld xmlns:a="http://schemas.openxmlformats.org/drawingml/2006/main" xmlns:r="http://schemas.openxmlformats.org/officeDocument/2006/relationships" xmlns:p="http://schemas.openxmlformats.org/presentationml/2006/main">
+  <p:cSld>
+    <p:spTree>
+      <p:nvGrpSpPr>
+        <p:cNvPr id="1" name=""/>
+        <p:cNvGrpSpPr/>
+        <p:nvPr/>
+      </p:nvGrpSpPr>
+      <p:grpSpPr>
+        <a:xfrm>
+          <a:off x="0" y="0"/>
+          <a:ext cx="0" cy="0"/>
+          <a:chOff x="0" y="0"/>
+          <a:chExt cx="0" cy="0"/>
+        </a:xfrm>
+      </p:grpSpPr>
+      <p:sp>
+        <p:nvSpPr>
+          <p:cNvPr id="8" name="Subtitle 2">
+            <a:extLst>
+              <a:ext uri="{FF2B5EF4-FFF2-40B4-BE49-F238E27FC236}">
+                <a16:creationId xmlns:a16="http://schemas.microsoft.com/office/drawing/2014/main" id="{090EFA5F-2C72-42AB-A069-51AFDC27C766}"/>
+              </a:ext>
+            </a:extLst>
+          </p:cNvPr>
+          <p:cNvSpPr txBox="1">
+            <a:spLocks/>
+          </p:cNvSpPr>
+          <p:nvPr/>
+        </p:nvSpPr>
+        <p:spPr>
+          <a:xfrm>
+            <a:off x="778079" y="4099775"/>
+            <a:ext cx="6400800" cy="1237021"/>
+          </a:xfrm>
+        </p:spPr>
+        <p:txBody>
+          <a:bodyPr/>
+          <a:lstStyle>
+            <a:lvl1pPr marL="0" indent="0" algn="l" defTabSz="457200" rtl="0" eaLnBrk="0" fontAlgn="base" hangingPunct="0">
+              <a:spcBef>
+                <a:spcPct val="20000"/>
+              </a:spcBef>
+              <a:spcAft>
+                <a:spcPct val="0"/>
+              </a:spcAft>
+              <a:buFont typeface="Arial" panose="020B0604020202020204" pitchFamily="34" charset="0"/>
+              <a:buNone/>
+              <a:defRPr sz="1800" kern="1200">
+                <a:solidFill>
+                  <a:srgbClr val="0FA7B5"/>
+                </a:solidFill>
+                <a:latin typeface="+mn-lt"/>
+                <a:ea typeface="MS PGothic" panose="020B0600070205080204" pitchFamily="34" charset="-128"/>
+                <a:cs typeface="ＭＳ Ｐゴシック" charset="0"/>
+              </a:defRPr>
+            </a:lvl1pPr>
+            <a:lvl2pPr marL="342900" indent="0" algn="l" defTabSz="457200" rtl="0" eaLnBrk="0" fontAlgn="base" hangingPunct="0">
+              <a:spcBef>
+                <a:spcPct val="20000"/>
+              </a:spcBef>
+              <a:spcAft>
+                <a:spcPct val="0"/>
+              </a:spcAft>
+              <a:buFont typeface="Arial" panose="020B0604020202020204" pitchFamily="34" charset="0"/>
+              <a:buNone/>
+              <a:defRPr sz="1500" kern="1200">
+                <a:solidFill>
+                  <a:schemeClr val="tx1">
+                    <a:tint val="75000"/>
+                  </a:schemeClr>
+                </a:solidFill>
+                <a:latin typeface="+mn-lt"/>
+                <a:ea typeface="MS PGothic" panose="020B0600070205080204" pitchFamily="34" charset="-128"/>
+                <a:cs typeface="+mn-cs"/>
+              </a:defRPr>
+            </a:lvl2pPr>
+            <a:lvl3pPr marL="685800" indent="0" algn="l" defTabSz="457200" rtl="0" eaLnBrk="0" fontAlgn="base" hangingPunct="0">
+              <a:spcBef>
+                <a:spcPct val="20000"/>
+              </a:spcBef>
+              <a:spcAft>
+                <a:spcPct val="0"/>
+              </a:spcAft>
+              <a:buFont typeface="Arial" panose="020B0604020202020204" pitchFamily="34" charset="0"/>
+              <a:buNone/>
+              <a:defRPr sz="1350" kern="1200">
+                <a:solidFill>
+                  <a:schemeClr val="tx1">
+                    <a:tint val="75000"/>
+                  </a:schemeClr>
+                </a:solidFill>
+                <a:latin typeface="+mn-lt"/>
+                <a:ea typeface="MS PGothic" panose="020B0600070205080204" pitchFamily="34" charset="-128"/>
+                <a:cs typeface="+mn-cs"/>
+              </a:defRPr>
+            </a:lvl3pPr>
+            <a:lvl4pPr marL="1028700" indent="0" algn="l" defTabSz="457200" rtl="0" eaLnBrk="0" fontAlgn="base" hangingPunct="0">
+              <a:spcBef>
+                <a:spcPct val="20000"/>
+              </a:spcBef>
+              <a:spcAft>
+                <a:spcPct val="0"/>
+              </a:spcAft>
+              <a:buFont typeface="Arial" panose="020B0604020202020204" pitchFamily="34" charset="0"/>
+              <a:buNone/>
+              <a:defRPr sz="1200" kern="1200">
+                <a:solidFill>
+                  <a:schemeClr val="tx1">
+                    <a:tint val="75000"/>
+                  </a:schemeClr>
+                </a:solidFill>
+                <a:latin typeface="+mn-lt"/>
+                <a:ea typeface="MS PGothic" panose="020B0600070205080204" pitchFamily="34" charset="-128"/>
+                <a:cs typeface="+mn-cs"/>
+              </a:defRPr>
+            </a:lvl4pPr>
+            <a:lvl5pPr marL="1371600" indent="0" algn="l" defTabSz="457200" rtl="0" eaLnBrk="0" fontAlgn="base" hangingPunct="0">
+              <a:spcBef>
+                <a:spcPct val="20000"/>
+              </a:spcBef>
+              <a:spcAft>
+                <a:spcPct val="0"/>
+              </a:spcAft>
+              <a:buFont typeface="Arial" panose="020B0604020202020204" pitchFamily="34" charset="0"/>
+              <a:buNone/>
+              <a:defRPr sz="1200" kern="1200">
+                <a:solidFill>
+                  <a:schemeClr val="tx1">
+                    <a:tint val="75000"/>
+                  </a:schemeClr>
+                </a:solidFill>
+                <a:latin typeface="+mn-lt"/>
+                <a:ea typeface="MS PGothic" panose="020B0600070205080204" pitchFamily="34" charset="-128"/>
+                <a:cs typeface="+mn-cs"/>
+              </a:defRPr>
+            </a:lvl5pPr>
+            <a:lvl6pPr marL="1714500" indent="0" algn="l" defTabSz="457200" rtl="0" eaLnBrk="1" latinLnBrk="0" hangingPunct="1">
+              <a:spcBef>
+                <a:spcPct val="20000"/>
+              </a:spcBef>
+              <a:buFont typeface="Arial"/>
+              <a:buNone/>
+              <a:defRPr sz="1200" kern="1200">
+                <a:solidFill>
+                  <a:schemeClr val="tx1">
+                    <a:tint val="75000"/>
+                  </a:schemeClr>
+                </a:solidFill>
+                <a:latin typeface="+mn-lt"/>
+                <a:ea typeface="+mn-ea"/>
+                <a:cs typeface="+mn-cs"/>
+              </a:defRPr>
+            </a:lvl6pPr>
+            <a:lvl7pPr marL="2057400" indent="0" algn="l" defTabSz="457200" rtl="0" eaLnBrk="1" latinLnBrk="0" hangingPunct="1">
+              <a:spcBef>
+                <a:spcPct val="20000"/>
+              </a:spcBef>
+              <a:buFont typeface="Arial"/>
+              <a:buNone/>
+              <a:defRPr sz="1200" kern="1200">
+                <a:solidFill>
+                  <a:schemeClr val="tx1">
+                    <a:tint val="75000"/>
+                  </a:schemeClr>
+                </a:solidFill>
+                <a:latin typeface="+mn-lt"/>
+                <a:ea typeface="+mn-ea"/>
+                <a:cs typeface="+mn-cs"/>
+              </a:defRPr>
+            </a:lvl7pPr>
+            <a:lvl8pPr marL="2400300" indent="0" algn="l" defTabSz="457200" rtl="0" eaLnBrk="1" latinLnBrk="0" hangingPunct="1">
+              <a:spcBef>
+                <a:spcPct val="20000"/>
+              </a:spcBef>
+              <a:buFont typeface="Arial"/>
+              <a:buNone/>
+              <a:defRPr sz="1200" kern="1200">
+                <a:solidFill>
+                  <a:schemeClr val="tx1">
+                    <a:tint val="75000"/>
+                  </a:schemeClr>
+                </a:solidFill>
+                <a:latin typeface="+mn-lt"/>
+                <a:ea typeface="+mn-ea"/>
+                <a:cs typeface="+mn-cs"/>
+              </a:defRPr>
+            </a:lvl8pPr>
+            <a:lvl9pPr marL="2743200" indent="0" algn="l" defTabSz="457200" rtl="0" eaLnBrk="1" latinLnBrk="0" hangingPunct="1">
+              <a:spcBef>
+                <a:spcPct val="20000"/>
+              </a:spcBef>
+              <a:buFont typeface="Arial"/>
+              <a:buNone/>
+              <a:defRPr sz="1200" kern="1200">
+                <a:solidFill>
+                  <a:schemeClr val="tx1">
+                    <a:tint val="75000"/>
+                  </a:schemeClr>
+                </a:solidFill>
+                <a:latin typeface="+mn-lt"/>
+                <a:ea typeface="+mn-ea"/>
+                <a:cs typeface="+mn-cs"/>
+              </a:defRPr>
+            </a:lvl9pPr>
+          </a:lstStyle>
+          <a:p>
+            <a:pPr marL="285750" lvl="0" indent="-285750">
+              <a:spcAft>
+                <a:spcPts val="600"/>
+              </a:spcAft>
+              <a:buFont typeface="Arial" panose="020B0604020202020204" pitchFamily="34" charset="0"/>
+              <a:buChar char="•"/>
+            </a:pPr>
+            <a:endParaRPr lang="en-US" altLang="en-US" dirty="0"/>
+          </a:p>
+        </p:txBody>
+      </p:sp>
+      <p:sp>
+        <p:nvSpPr>
+          <p:cNvPr id="5" name="Title 4">
+            <a:extLst>
+              <a:ext uri="{FF2B5EF4-FFF2-40B4-BE49-F238E27FC236}">
+                <a16:creationId xmlns:a16="http://schemas.microsoft.com/office/drawing/2014/main" id="{B7278418-EB2A-8766-EC92-613B2ACBA277}"/>
+              </a:ext>
+            </a:extLst>
+          </p:cNvPr>
+          <p:cNvSpPr>
+            <a:spLocks noGrp="1"/>
+          </p:cNvSpPr>
+          <p:nvPr>
+            <p:ph type="title"/>
+          </p:nvPr>
+        </p:nvSpPr>
+        <p:spPr>
+          <a:xfrm>
+            <a:off x="400050" y="119939"/>
+            <a:ext cx="8229600" cy="428312"/>
+          </a:xfrm>
+        </p:spPr>
+        <p:txBody>
+          <a:bodyPr/>
+          <a:lstStyle/>
+          <a:p>
+            <a:r>
+              <a:rPr lang="en-US" dirty="0"/>
+              <a:t>Exercise</a:t>
+            </a:r>
+          </a:p>
+        </p:txBody>
+      </p:sp>
+      <p:sp>
+        <p:nvSpPr>
+          <p:cNvPr id="7" name="Content Placeholder 6">
+            <a:extLst>
+              <a:ext uri="{FF2B5EF4-FFF2-40B4-BE49-F238E27FC236}">
+                <a16:creationId xmlns:a16="http://schemas.microsoft.com/office/drawing/2014/main" id="{8103113D-3FA7-10C8-CFF6-CF0FA3CF28D4}"/>
+              </a:ext>
+            </a:extLst>
+          </p:cNvPr>
+          <p:cNvSpPr>
+            <a:spLocks noGrp="1"/>
+          </p:cNvSpPr>
+          <p:nvPr>
+            <p:ph idx="1"/>
+          </p:nvPr>
+        </p:nvSpPr>
+        <p:spPr>
+          <a:xfrm>
+            <a:off x="400050" y="1225062"/>
+            <a:ext cx="8229600" cy="5002701"/>
+          </a:xfrm>
+        </p:spPr>
+        <p:txBody>
+          <a:bodyPr/>
+          <a:lstStyle/>
+          <a:p>
+            <a:r>
+              <a:rPr lang="en-US" b="0" i="0" dirty="0">
+                <a:solidFill>
+                  <a:srgbClr val="24292F"/>
+                </a:solidFill>
+                <a:effectLst/>
+                <a:latin typeface="-apple-system"/>
+              </a:rPr>
+              <a:t>Open the Day 6 </a:t>
+            </a:r>
+            <a:r>
+              <a:rPr lang="en-US" b="0" i="0" dirty="0" err="1">
+                <a:solidFill>
+                  <a:srgbClr val="24292F"/>
+                </a:solidFill>
+                <a:effectLst/>
+                <a:latin typeface="-apple-system"/>
+              </a:rPr>
+              <a:t>Exercise.sql</a:t>
+            </a:r>
+            <a:r>
+              <a:rPr lang="en-US" b="0" i="0" dirty="0">
+                <a:solidFill>
+                  <a:srgbClr val="24292F"/>
+                </a:solidFill>
+                <a:effectLst/>
+                <a:latin typeface="-apple-system"/>
+              </a:rPr>
+              <a:t> file</a:t>
+            </a:r>
+          </a:p>
+          <a:p>
+            <a:pPr lvl="1"/>
+            <a:r>
+              <a:rPr lang="en-US" dirty="0">
+                <a:solidFill>
+                  <a:srgbClr val="24292F"/>
+                </a:solidFill>
+                <a:latin typeface="-apple-system"/>
+              </a:rPr>
+              <a:t>Answer the questions from each section</a:t>
+            </a:r>
+            <a:endParaRPr lang="en-US" b="0" i="0" dirty="0">
+              <a:solidFill>
+                <a:srgbClr val="24292F"/>
+              </a:solidFill>
+              <a:effectLst/>
+              <a:latin typeface="-apple-system"/>
+            </a:endParaRPr>
+          </a:p>
+          <a:p>
+            <a:endParaRPr lang="en-US" dirty="0">
+              <a:solidFill>
+                <a:srgbClr val="24292F"/>
+              </a:solidFill>
+              <a:latin typeface="-apple-system"/>
+            </a:endParaRPr>
+          </a:p>
+          <a:p>
+            <a:endParaRPr lang="en-US" b="0" i="0" dirty="0">
+              <a:solidFill>
+                <a:srgbClr val="24292F"/>
+              </a:solidFill>
+              <a:effectLst/>
+              <a:latin typeface="-apple-system"/>
+            </a:endParaRPr>
+          </a:p>
+          <a:p>
+            <a:endParaRPr lang="en-US" b="0" i="0" dirty="0">
+              <a:solidFill>
+                <a:srgbClr val="24292F"/>
+              </a:solidFill>
+              <a:effectLst/>
+              <a:latin typeface="-apple-system"/>
+            </a:endParaRPr>
+          </a:p>
+          <a:p>
+            <a:endParaRPr lang="en-US" b="0" i="0" dirty="0">
+              <a:solidFill>
+                <a:srgbClr val="24292F"/>
+              </a:solidFill>
+              <a:effectLst/>
+              <a:latin typeface="-apple-system"/>
+            </a:endParaRPr>
+          </a:p>
+          <a:p>
+            <a:pPr lvl="1"/>
+            <a:endParaRPr lang="en-US" b="0" i="0" dirty="0">
+              <a:solidFill>
+                <a:srgbClr val="24292F"/>
+              </a:solidFill>
+              <a:effectLst/>
+              <a:latin typeface="-apple-system"/>
+            </a:endParaRPr>
+          </a:p>
+          <a:p>
+            <a:pPr marL="0" indent="0">
+              <a:buNone/>
+            </a:pPr>
+            <a:endParaRPr lang="en-US" b="0" i="0" dirty="0">
+              <a:solidFill>
+                <a:srgbClr val="24292F"/>
+              </a:solidFill>
+              <a:effectLst/>
+              <a:latin typeface="-apple-system"/>
+            </a:endParaRPr>
+          </a:p>
+          <a:p>
+            <a:pPr marL="0" indent="0" algn="l">
+              <a:buNone/>
+            </a:pPr>
+            <a:endParaRPr lang="en-US" b="0" i="0" dirty="0">
+              <a:solidFill>
+                <a:srgbClr val="24292F"/>
+              </a:solidFill>
+              <a:effectLst/>
+              <a:latin typeface="-apple-system"/>
+            </a:endParaRPr>
+          </a:p>
+          <a:p>
+            <a:pPr marL="0" indent="0" algn="l">
+              <a:buNone/>
+            </a:pPr>
+            <a:endParaRPr lang="en-US" b="0" i="0" dirty="0">
+              <a:solidFill>
+                <a:srgbClr val="24292F"/>
+              </a:solidFill>
+              <a:effectLst/>
+              <a:latin typeface="-apple-system"/>
+            </a:endParaRPr>
+          </a:p>
+        </p:txBody>
+      </p:sp>
+    </p:spTree>
+    <p:extLst>
+      <p:ext uri="{BB962C8B-B14F-4D97-AF65-F5344CB8AC3E}">
+        <p14:creationId xmlns:p14="http://schemas.microsoft.com/office/powerpoint/2010/main" val="76383982"/>
+      </p:ext>
+    </p:extLst>
+  </p:cSld>
+  <p:clrMapOvr>
+    <a:masterClrMapping/>
+  </p:clrMapOvr>
+</p:sld>
+</file>
+
+<file path=ppt/slides/slide3.xml><?xml version="1.0" encoding="utf-8"?>
+<p:sld xmlns:a="http://schemas.openxmlformats.org/drawingml/2006/main" xmlns:r="http://schemas.openxmlformats.org/officeDocument/2006/relationships" xmlns:p="http://schemas.openxmlformats.org/presentationml/2006/main">
+  <p:cSld>
+    <p:spTree>
+      <p:nvGrpSpPr>
+        <p:cNvPr id="1" name="">
+          <a:extLst>
+            <a:ext uri="{FF2B5EF4-FFF2-40B4-BE49-F238E27FC236}">
+              <a16:creationId xmlns:a16="http://schemas.microsoft.com/office/drawing/2014/main" id="{49A4BAFA-5DD7-7510-4257-4F2C64F127A5}"/>
+            </a:ext>
+          </a:extLst>
+        </p:cNvPr>
+        <p:cNvGrpSpPr/>
+        <p:nvPr/>
+      </p:nvGrpSpPr>
+      <p:grpSpPr>
+        <a:xfrm>
+          <a:off x="0" y="0"/>
+          <a:ext cx="0" cy="0"/>
+          <a:chOff x="0" y="0"/>
+          <a:chExt cx="0" cy="0"/>
+        </a:xfrm>
+      </p:grpSpPr>
+      <p:sp>
+        <p:nvSpPr>
+          <p:cNvPr id="8194" name="Title 1">
+            <a:extLst>
+              <a:ext uri="{FF2B5EF4-FFF2-40B4-BE49-F238E27FC236}">
+                <a16:creationId xmlns:a16="http://schemas.microsoft.com/office/drawing/2014/main" id="{9557E06D-302C-9E74-500F-223970F6A49F}"/>
+              </a:ext>
+            </a:extLst>
+          </p:cNvPr>
+          <p:cNvSpPr>
+            <a:spLocks noGrp="1"/>
+          </p:cNvSpPr>
+          <p:nvPr>
+            <p:ph type="ctrTitle"/>
+          </p:nvPr>
+        </p:nvSpPr>
+        <p:spPr bwMode="auto">
+          <a:xfrm>
+            <a:off x="1778897" y="2883558"/>
+            <a:ext cx="6400800" cy="399850"/>
+          </a:xfrm>
+          <a:noFill/>
+          <a:extLst>
+            <a:ext uri="{909E8E84-426E-40DD-AFC4-6F175D3DCCD1}">
+              <a14:hiddenFill xmlns:a14="http://schemas.microsoft.com/office/drawing/2010/main">
+                <a:solidFill>
+                  <a:srgbClr val="FFFFFF"/>
+                </a:solidFill>
+              </a14:hiddenFill>
+            </a:ext>
+            <a:ext uri="{91240B29-F687-4F45-9708-019B960494DF}">
+              <a14:hiddenLine xmlns:a14="http://schemas.microsoft.com/office/drawing/2010/main" w="9525">
+                <a:solidFill>
+                  <a:srgbClr val="000000"/>
+                </a:solidFill>
+                <a:miter lim="800000"/>
+                <a:headEnd/>
+                <a:tailEnd/>
+              </a14:hiddenLine>
+            </a:ext>
+          </a:extLst>
+        </p:spPr>
+        <p:txBody>
+          <a:bodyPr vert="horz" wrap="square" lIns="91440" tIns="45720" rIns="91440" bIns="45720" numCol="1" anchor="t" anchorCtr="0" compatLnSpc="1">
+            <a:prstTxWarp prst="textNoShape">
+              <a:avLst/>
+            </a:prstTxWarp>
+          </a:bodyPr>
+          <a:lstStyle/>
+          <a:p>
+            <a:pPr algn="ctr" eaLnBrk="1" hangingPunct="1"/>
+            <a:r>
+              <a:rPr lang="en-US" altLang="en-US" sz="2800" dirty="0"/>
+              <a:t>Defining a Temp Table</a:t>
+            </a:r>
+          </a:p>
+        </p:txBody>
+      </p:sp>
+    </p:spTree>
+    <p:extLst>
+      <p:ext uri="{BB962C8B-B14F-4D97-AF65-F5344CB8AC3E}">
+        <p14:creationId xmlns:p14="http://schemas.microsoft.com/office/powerpoint/2010/main" val="3709253606"/>
+      </p:ext>
+    </p:extLst>
+  </p:cSld>
+  <p:clrMapOvr>
+    <a:masterClrMapping/>
+  </p:clrMapOvr>
+</p:sld>
+</file>
+
+<file path=ppt/slides/slide4.xml><?xml version="1.0" encoding="utf-8"?>
+<p:sld xmlns:a="http://schemas.openxmlformats.org/drawingml/2006/main" xmlns:r="http://schemas.openxmlformats.org/officeDocument/2006/relationships" xmlns:p="http://schemas.openxmlformats.org/presentationml/2006/main">
+  <p:cSld>
+    <p:spTree>
+      <p:nvGrpSpPr>
+        <p:cNvPr id="1" name=""/>
+        <p:cNvGrpSpPr/>
+        <p:nvPr/>
+      </p:nvGrpSpPr>
+      <p:grpSpPr>
+        <a:xfrm>
+          <a:off x="0" y="0"/>
+          <a:ext cx="0" cy="0"/>
+          <a:chOff x="0" y="0"/>
+          <a:chExt cx="0" cy="0"/>
+        </a:xfrm>
+      </p:grpSpPr>
+      <p:sp>
+        <p:nvSpPr>
+          <p:cNvPr id="8" name="Subtitle 2">
+            <a:extLst>
+              <a:ext uri="{FF2B5EF4-FFF2-40B4-BE49-F238E27FC236}">
+                <a16:creationId xmlns:a16="http://schemas.microsoft.com/office/drawing/2014/main" id="{090EFA5F-2C72-42AB-A069-51AFDC27C766}"/>
+              </a:ext>
+            </a:extLst>
+          </p:cNvPr>
+          <p:cNvSpPr txBox="1">
+            <a:spLocks/>
+          </p:cNvSpPr>
+          <p:nvPr/>
+        </p:nvSpPr>
+        <p:spPr>
+          <a:xfrm>
+            <a:off x="778079" y="4099775"/>
+            <a:ext cx="6400800" cy="1237021"/>
+          </a:xfrm>
+        </p:spPr>
+        <p:txBody>
+          <a:bodyPr/>
+          <a:lstStyle>
+            <a:lvl1pPr marL="0" indent="0" algn="l" defTabSz="457200" rtl="0" eaLnBrk="0" fontAlgn="base" hangingPunct="0">
+              <a:spcBef>
+                <a:spcPct val="20000"/>
+              </a:spcBef>
+              <a:spcAft>
+                <a:spcPct val="0"/>
+              </a:spcAft>
+              <a:buFont typeface="Arial" panose="020B0604020202020204" pitchFamily="34" charset="0"/>
+              <a:buNone/>
+              <a:defRPr sz="1800" kern="1200">
+                <a:solidFill>
+                  <a:srgbClr val="0FA7B5"/>
+                </a:solidFill>
+                <a:latin typeface="+mn-lt"/>
+                <a:ea typeface="MS PGothic" panose="020B0600070205080204" pitchFamily="34" charset="-128"/>
+                <a:cs typeface="ＭＳ Ｐゴシック" charset="0"/>
+              </a:defRPr>
+            </a:lvl1pPr>
+            <a:lvl2pPr marL="342900" indent="0" algn="l" defTabSz="457200" rtl="0" eaLnBrk="0" fontAlgn="base" hangingPunct="0">
+              <a:spcBef>
+                <a:spcPct val="20000"/>
+              </a:spcBef>
+              <a:spcAft>
+                <a:spcPct val="0"/>
+              </a:spcAft>
+              <a:buFont typeface="Arial" panose="020B0604020202020204" pitchFamily="34" charset="0"/>
+              <a:buNone/>
+              <a:defRPr sz="1500" kern="1200">
+                <a:solidFill>
+                  <a:schemeClr val="tx1">
+                    <a:tint val="75000"/>
+                  </a:schemeClr>
+                </a:solidFill>
+                <a:latin typeface="+mn-lt"/>
+                <a:ea typeface="MS PGothic" panose="020B0600070205080204" pitchFamily="34" charset="-128"/>
+                <a:cs typeface="+mn-cs"/>
+              </a:defRPr>
+            </a:lvl2pPr>
+            <a:lvl3pPr marL="685800" indent="0" algn="l" defTabSz="457200" rtl="0" eaLnBrk="0" fontAlgn="base" hangingPunct="0">
+              <a:spcBef>
+                <a:spcPct val="20000"/>
+              </a:spcBef>
+              <a:spcAft>
+                <a:spcPct val="0"/>
+              </a:spcAft>
+              <a:buFont typeface="Arial" panose="020B0604020202020204" pitchFamily="34" charset="0"/>
+              <a:buNone/>
+              <a:defRPr sz="1350" kern="1200">
+                <a:solidFill>
+                  <a:schemeClr val="tx1">
+                    <a:tint val="75000"/>
+                  </a:schemeClr>
+                </a:solidFill>
+                <a:latin typeface="+mn-lt"/>
+                <a:ea typeface="MS PGothic" panose="020B0600070205080204" pitchFamily="34" charset="-128"/>
+                <a:cs typeface="+mn-cs"/>
+              </a:defRPr>
+            </a:lvl3pPr>
+            <a:lvl4pPr marL="1028700" indent="0" algn="l" defTabSz="457200" rtl="0" eaLnBrk="0" fontAlgn="base" hangingPunct="0">
+              <a:spcBef>
+                <a:spcPct val="20000"/>
+              </a:spcBef>
+              <a:spcAft>
+                <a:spcPct val="0"/>
+              </a:spcAft>
+              <a:buFont typeface="Arial" panose="020B0604020202020204" pitchFamily="34" charset="0"/>
+              <a:buNone/>
+              <a:defRPr sz="1200" kern="1200">
+                <a:solidFill>
+                  <a:schemeClr val="tx1">
+                    <a:tint val="75000"/>
+                  </a:schemeClr>
+                </a:solidFill>
+                <a:latin typeface="+mn-lt"/>
+                <a:ea typeface="MS PGothic" panose="020B0600070205080204" pitchFamily="34" charset="-128"/>
+                <a:cs typeface="+mn-cs"/>
+              </a:defRPr>
+            </a:lvl4pPr>
+            <a:lvl5pPr marL="1371600" indent="0" algn="l" defTabSz="457200" rtl="0" eaLnBrk="0" fontAlgn="base" hangingPunct="0">
+              <a:spcBef>
+                <a:spcPct val="20000"/>
+              </a:spcBef>
+              <a:spcAft>
+                <a:spcPct val="0"/>
+              </a:spcAft>
+              <a:buFont typeface="Arial" panose="020B0604020202020204" pitchFamily="34" charset="0"/>
+              <a:buNone/>
+              <a:defRPr sz="1200" kern="1200">
+                <a:solidFill>
+                  <a:schemeClr val="tx1">
+                    <a:tint val="75000"/>
+                  </a:schemeClr>
+                </a:solidFill>
+                <a:latin typeface="+mn-lt"/>
+                <a:ea typeface="MS PGothic" panose="020B0600070205080204" pitchFamily="34" charset="-128"/>
+                <a:cs typeface="+mn-cs"/>
+              </a:defRPr>
+            </a:lvl5pPr>
+            <a:lvl6pPr marL="1714500" indent="0" algn="l" defTabSz="457200" rtl="0" eaLnBrk="1" latinLnBrk="0" hangingPunct="1">
+              <a:spcBef>
+                <a:spcPct val="20000"/>
+              </a:spcBef>
+              <a:buFont typeface="Arial"/>
+              <a:buNone/>
+              <a:defRPr sz="1200" kern="1200">
+                <a:solidFill>
+                  <a:schemeClr val="tx1">
+                    <a:tint val="75000"/>
+                  </a:schemeClr>
+                </a:solidFill>
+                <a:latin typeface="+mn-lt"/>
+                <a:ea typeface="+mn-ea"/>
+                <a:cs typeface="+mn-cs"/>
+              </a:defRPr>
+            </a:lvl6pPr>
+            <a:lvl7pPr marL="2057400" indent="0" algn="l" defTabSz="457200" rtl="0" eaLnBrk="1" latinLnBrk="0" hangingPunct="1">
+              <a:spcBef>
+                <a:spcPct val="20000"/>
+              </a:spcBef>
+              <a:buFont typeface="Arial"/>
+              <a:buNone/>
+              <a:defRPr sz="1200" kern="1200">
+                <a:solidFill>
+                  <a:schemeClr val="tx1">
+                    <a:tint val="75000"/>
+                  </a:schemeClr>
+                </a:solidFill>
+                <a:latin typeface="+mn-lt"/>
+                <a:ea typeface="+mn-ea"/>
+                <a:cs typeface="+mn-cs"/>
+              </a:defRPr>
+            </a:lvl7pPr>
+            <a:lvl8pPr marL="2400300" indent="0" algn="l" defTabSz="457200" rtl="0" eaLnBrk="1" latinLnBrk="0" hangingPunct="1">
+              <a:spcBef>
+                <a:spcPct val="20000"/>
+              </a:spcBef>
+              <a:buFont typeface="Arial"/>
+              <a:buNone/>
+              <a:defRPr sz="1200" kern="1200">
+                <a:solidFill>
+                  <a:schemeClr val="tx1">
+                    <a:tint val="75000"/>
+                  </a:schemeClr>
+                </a:solidFill>
+                <a:latin typeface="+mn-lt"/>
+                <a:ea typeface="+mn-ea"/>
+                <a:cs typeface="+mn-cs"/>
+              </a:defRPr>
+            </a:lvl8pPr>
+            <a:lvl9pPr marL="2743200" indent="0" algn="l" defTabSz="457200" rtl="0" eaLnBrk="1" latinLnBrk="0" hangingPunct="1">
+              <a:spcBef>
+                <a:spcPct val="20000"/>
+              </a:spcBef>
+              <a:buFont typeface="Arial"/>
+              <a:buNone/>
+              <a:defRPr sz="1200" kern="1200">
+                <a:solidFill>
+                  <a:schemeClr val="tx1">
+                    <a:tint val="75000"/>
+                  </a:schemeClr>
+                </a:solidFill>
+                <a:latin typeface="+mn-lt"/>
+                <a:ea typeface="+mn-ea"/>
+                <a:cs typeface="+mn-cs"/>
+              </a:defRPr>
+            </a:lvl9pPr>
+          </a:lstStyle>
+          <a:p>
+            <a:pPr marL="285750" lvl="0" indent="-285750">
+              <a:spcAft>
+                <a:spcPts val="600"/>
+              </a:spcAft>
+              <a:buFont typeface="Arial" panose="020B0604020202020204" pitchFamily="34" charset="0"/>
+              <a:buChar char="•"/>
+            </a:pPr>
+            <a:endParaRPr lang="en-US" altLang="en-US" dirty="0"/>
+          </a:p>
+        </p:txBody>
+      </p:sp>
+      <p:sp>
+        <p:nvSpPr>
+          <p:cNvPr id="5" name="Title 4">
+            <a:extLst>
+              <a:ext uri="{FF2B5EF4-FFF2-40B4-BE49-F238E27FC236}">
+                <a16:creationId xmlns:a16="http://schemas.microsoft.com/office/drawing/2014/main" id="{B7278418-EB2A-8766-EC92-613B2ACBA277}"/>
+              </a:ext>
+            </a:extLst>
+          </p:cNvPr>
+          <p:cNvSpPr>
+            <a:spLocks noGrp="1"/>
+          </p:cNvSpPr>
+          <p:nvPr>
+            <p:ph type="title"/>
+          </p:nvPr>
+        </p:nvSpPr>
+        <p:spPr>
+          <a:xfrm>
+            <a:off x="400050" y="119939"/>
+            <a:ext cx="8229600" cy="428312"/>
+          </a:xfrm>
+        </p:spPr>
+        <p:txBody>
+          <a:bodyPr/>
+          <a:lstStyle/>
+          <a:p>
+            <a:r>
+              <a:rPr lang="en-US" dirty="0"/>
+              <a:t>What is a TEMP TABLE</a:t>
+            </a:r>
+          </a:p>
+        </p:txBody>
+      </p:sp>
+      <p:sp>
+        <p:nvSpPr>
+          <p:cNvPr id="7" name="Content Placeholder 6">
+            <a:extLst>
+              <a:ext uri="{FF2B5EF4-FFF2-40B4-BE49-F238E27FC236}">
+                <a16:creationId xmlns:a16="http://schemas.microsoft.com/office/drawing/2014/main" id="{8103113D-3FA7-10C8-CFF6-CF0FA3CF28D4}"/>
+              </a:ext>
+            </a:extLst>
+          </p:cNvPr>
+          <p:cNvSpPr>
+            <a:spLocks noGrp="1"/>
+          </p:cNvSpPr>
+          <p:nvPr>
+            <p:ph idx="1"/>
+          </p:nvPr>
+        </p:nvSpPr>
+        <p:spPr>
+          <a:xfrm>
+            <a:off x="400050" y="1225062"/>
+            <a:ext cx="8229600" cy="5002701"/>
+          </a:xfrm>
+        </p:spPr>
+        <p:txBody>
+          <a:bodyPr/>
+          <a:lstStyle/>
+          <a:p>
+            <a:pPr algn="l"/>
+            <a:r>
               <a:rPr lang="en-US" b="0" i="1" dirty="0">
                 <a:solidFill>
                   <a:srgbClr val="374151"/>
@@ -14798,7 +17307,7 @@
 </p:sld>
 </file>
 
-<file path=ppt/slides/slide4.xml><?xml version="1.0" encoding="utf-8"?>
+<file path=ppt/slides/slide5.xml><?xml version="1.0" encoding="utf-8"?>
 <p:sld xmlns:a="http://schemas.openxmlformats.org/drawingml/2006/main" xmlns:r="http://schemas.openxmlformats.org/officeDocument/2006/relationships" xmlns:p="http://schemas.openxmlformats.org/presentationml/2006/main">
   <p:cSld>
     <p:spTree>
@@ -15170,7 +17679,101 @@
 </p:sld>
 </file>
 
-<file path=ppt/slides/slide5.xml><?xml version="1.0" encoding="utf-8"?>
+<file path=ppt/slides/slide6.xml><?xml version="1.0" encoding="utf-8"?>
+<p:sld xmlns:a="http://schemas.openxmlformats.org/drawingml/2006/main" xmlns:r="http://schemas.openxmlformats.org/officeDocument/2006/relationships" xmlns:p="http://schemas.openxmlformats.org/presentationml/2006/main">
+  <p:cSld>
+    <p:spTree>
+      <p:nvGrpSpPr>
+        <p:cNvPr id="1" name="">
+          <a:extLst>
+            <a:ext uri="{FF2B5EF4-FFF2-40B4-BE49-F238E27FC236}">
+              <a16:creationId xmlns:a16="http://schemas.microsoft.com/office/drawing/2014/main" id="{49A4BAFA-5DD7-7510-4257-4F2C64F127A5}"/>
+            </a:ext>
+          </a:extLst>
+        </p:cNvPr>
+        <p:cNvGrpSpPr/>
+        <p:nvPr/>
+      </p:nvGrpSpPr>
+      <p:grpSpPr>
+        <a:xfrm>
+          <a:off x="0" y="0"/>
+          <a:ext cx="0" cy="0"/>
+          <a:chOff x="0" y="0"/>
+          <a:chExt cx="0" cy="0"/>
+        </a:xfrm>
+      </p:grpSpPr>
+      <p:sp>
+        <p:nvSpPr>
+          <p:cNvPr id="8194" name="Title 1">
+            <a:extLst>
+              <a:ext uri="{FF2B5EF4-FFF2-40B4-BE49-F238E27FC236}">
+                <a16:creationId xmlns:a16="http://schemas.microsoft.com/office/drawing/2014/main" id="{9557E06D-302C-9E74-500F-223970F6A49F}"/>
+              </a:ext>
+            </a:extLst>
+          </p:cNvPr>
+          <p:cNvSpPr>
+            <a:spLocks noGrp="1"/>
+          </p:cNvSpPr>
+          <p:nvPr>
+            <p:ph type="ctrTitle"/>
+          </p:nvPr>
+        </p:nvSpPr>
+        <p:spPr bwMode="auto">
+          <a:xfrm>
+            <a:off x="1778897" y="2883558"/>
+            <a:ext cx="6400800" cy="399850"/>
+          </a:xfrm>
+          <a:noFill/>
+          <a:extLst>
+            <a:ext uri="{909E8E84-426E-40DD-AFC4-6F175D3DCCD1}">
+              <a14:hiddenFill xmlns:a14="http://schemas.microsoft.com/office/drawing/2010/main">
+                <a:solidFill>
+                  <a:srgbClr val="FFFFFF"/>
+                </a:solidFill>
+              </a14:hiddenFill>
+            </a:ext>
+            <a:ext uri="{91240B29-F687-4F45-9708-019B960494DF}">
+              <a14:hiddenLine xmlns:a14="http://schemas.microsoft.com/office/drawing/2010/main" w="9525">
+                <a:solidFill>
+                  <a:srgbClr val="000000"/>
+                </a:solidFill>
+                <a:miter lim="800000"/>
+                <a:headEnd/>
+                <a:tailEnd/>
+              </a14:hiddenLine>
+            </a:ext>
+          </a:extLst>
+        </p:spPr>
+        <p:txBody>
+          <a:bodyPr vert="horz" wrap="square" lIns="91440" tIns="45720" rIns="91440" bIns="45720" numCol="1" anchor="t" anchorCtr="0" compatLnSpc="1">
+            <a:prstTxWarp prst="textNoShape">
+              <a:avLst/>
+            </a:prstTxWarp>
+          </a:bodyPr>
+          <a:lstStyle/>
+          <a:p>
+            <a:pPr algn="ctr" eaLnBrk="1" hangingPunct="1"/>
+            <a:r>
+              <a:rPr lang="en-US" altLang="en-US" sz="2800" dirty="0"/>
+              <a:t>Creating TEMP Tables</a:t>
+            </a:r>
+          </a:p>
+        </p:txBody>
+      </p:sp>
+    </p:spTree>
+    <p:extLst>
+      <p:ext uri="{BB962C8B-B14F-4D97-AF65-F5344CB8AC3E}">
+        <p14:creationId xmlns:p14="http://schemas.microsoft.com/office/powerpoint/2010/main" val="2405008218"/>
+      </p:ext>
+    </p:extLst>
+  </p:cSld>
+  <p:clrMapOvr>
+    <a:masterClrMapping/>
+  </p:clrMapOvr>
+</p:sld>
+</file>
+
+<file path=ppt/slides/slide7.xml><?xml version="1.0" encoding="utf-8"?>
 <p:sld xmlns:a="http://schemas.openxmlformats.org/drawingml/2006/main" xmlns:r="http://schemas.openxmlformats.org/officeDocument/2006/relationships" xmlns:p="http://schemas.openxmlformats.org/presentationml/2006/main">
   <p:cSld>
     <p:spTree>
@@ -15582,7 +18185,7 @@
 </p:sld>
 </file>
 
-<file path=ppt/slides/slide6.xml><?xml version="1.0" encoding="utf-8"?>
+<file path=ppt/slides/slide8.xml><?xml version="1.0" encoding="utf-8"?>
 <p:sld xmlns:a="http://schemas.openxmlformats.org/drawingml/2006/main" xmlns:r="http://schemas.openxmlformats.org/officeDocument/2006/relationships" xmlns:p="http://schemas.openxmlformats.org/presentationml/2006/main">
   <p:cSld>
     <p:spTree>
@@ -16217,7 +18820,7 @@
 </p:sld>
 </file>
 
-<file path=ppt/slides/slide7.xml><?xml version="1.0" encoding="utf-8"?>
+<file path=ppt/slides/slide9.xml><?xml version="1.0" encoding="utf-8"?>
 <p:sld xmlns:a="http://schemas.openxmlformats.org/drawingml/2006/main" xmlns:r="http://schemas.openxmlformats.org/officeDocument/2006/relationships" xmlns:p="http://schemas.openxmlformats.org/presentationml/2006/main">
   <p:cSld>
     <p:spTree>
@@ -16827,878 +19430,6 @@
     <p:extLst>
       <p:ext uri="{BB962C8B-B14F-4D97-AF65-F5344CB8AC3E}">
         <p14:creationId xmlns:p14="http://schemas.microsoft.com/office/powerpoint/2010/main" val="662476935"/>
-      </p:ext>
-    </p:extLst>
-  </p:cSld>
-  <p:clrMapOvr>
-    <a:masterClrMapping/>
-  </p:clrMapOvr>
-</p:sld>
-</file>
-
-<file path=ppt/slides/slide8.xml><?xml version="1.0" encoding="utf-8"?>
-<p:sld xmlns:a="http://schemas.openxmlformats.org/drawingml/2006/main" xmlns:r="http://schemas.openxmlformats.org/officeDocument/2006/relationships" xmlns:p="http://schemas.openxmlformats.org/presentationml/2006/main">
-  <p:cSld>
-    <p:spTree>
-      <p:nvGrpSpPr>
-        <p:cNvPr id="1" name="">
-          <a:extLst>
-            <a:ext uri="{FF2B5EF4-FFF2-40B4-BE49-F238E27FC236}">
-              <a16:creationId xmlns:a16="http://schemas.microsoft.com/office/drawing/2014/main" id="{0F3DCB93-149C-0481-710D-CA3FA87843AC}"/>
-            </a:ext>
-          </a:extLst>
-        </p:cNvPr>
-        <p:cNvGrpSpPr/>
-        <p:nvPr/>
-      </p:nvGrpSpPr>
-      <p:grpSpPr>
-        <a:xfrm>
-          <a:off x="0" y="0"/>
-          <a:ext cx="0" cy="0"/>
-          <a:chOff x="0" y="0"/>
-          <a:chExt cx="0" cy="0"/>
-        </a:xfrm>
-      </p:grpSpPr>
-      <p:sp>
-        <p:nvSpPr>
-          <p:cNvPr id="8" name="Subtitle 2">
-            <a:extLst>
-              <a:ext uri="{FF2B5EF4-FFF2-40B4-BE49-F238E27FC236}">
-                <a16:creationId xmlns:a16="http://schemas.microsoft.com/office/drawing/2014/main" id="{8344BC42-7093-BFBF-EE31-F42FCC90A923}"/>
-              </a:ext>
-            </a:extLst>
-          </p:cNvPr>
-          <p:cNvSpPr txBox="1">
-            <a:spLocks/>
-          </p:cNvSpPr>
-          <p:nvPr/>
-        </p:nvSpPr>
-        <p:spPr>
-          <a:xfrm>
-            <a:off x="778079" y="4099775"/>
-            <a:ext cx="6400800" cy="1237021"/>
-          </a:xfrm>
-        </p:spPr>
-        <p:txBody>
-          <a:bodyPr/>
-          <a:lstStyle>
-            <a:lvl1pPr marL="0" indent="0" algn="l" defTabSz="457200" rtl="0" eaLnBrk="0" fontAlgn="base" hangingPunct="0">
-              <a:spcBef>
-                <a:spcPct val="20000"/>
-              </a:spcBef>
-              <a:spcAft>
-                <a:spcPct val="0"/>
-              </a:spcAft>
-              <a:buFont typeface="Arial" panose="020B0604020202020204" pitchFamily="34" charset="0"/>
-              <a:buNone/>
-              <a:defRPr sz="1800" kern="1200">
-                <a:solidFill>
-                  <a:srgbClr val="0FA7B5"/>
-                </a:solidFill>
-                <a:latin typeface="+mn-lt"/>
-                <a:ea typeface="MS PGothic" panose="020B0600070205080204" pitchFamily="34" charset="-128"/>
-                <a:cs typeface="ＭＳ Ｐゴシック" charset="0"/>
-              </a:defRPr>
-            </a:lvl1pPr>
-            <a:lvl2pPr marL="342900" indent="0" algn="l" defTabSz="457200" rtl="0" eaLnBrk="0" fontAlgn="base" hangingPunct="0">
-              <a:spcBef>
-                <a:spcPct val="20000"/>
-              </a:spcBef>
-              <a:spcAft>
-                <a:spcPct val="0"/>
-              </a:spcAft>
-              <a:buFont typeface="Arial" panose="020B0604020202020204" pitchFamily="34" charset="0"/>
-              <a:buNone/>
-              <a:defRPr sz="1500" kern="1200">
-                <a:solidFill>
-                  <a:schemeClr val="tx1">
-                    <a:tint val="75000"/>
-                  </a:schemeClr>
-                </a:solidFill>
-                <a:latin typeface="+mn-lt"/>
-                <a:ea typeface="MS PGothic" panose="020B0600070205080204" pitchFamily="34" charset="-128"/>
-                <a:cs typeface="+mn-cs"/>
-              </a:defRPr>
-            </a:lvl2pPr>
-            <a:lvl3pPr marL="685800" indent="0" algn="l" defTabSz="457200" rtl="0" eaLnBrk="0" fontAlgn="base" hangingPunct="0">
-              <a:spcBef>
-                <a:spcPct val="20000"/>
-              </a:spcBef>
-              <a:spcAft>
-                <a:spcPct val="0"/>
-              </a:spcAft>
-              <a:buFont typeface="Arial" panose="020B0604020202020204" pitchFamily="34" charset="0"/>
-              <a:buNone/>
-              <a:defRPr sz="1350" kern="1200">
-                <a:solidFill>
-                  <a:schemeClr val="tx1">
-                    <a:tint val="75000"/>
-                  </a:schemeClr>
-                </a:solidFill>
-                <a:latin typeface="+mn-lt"/>
-                <a:ea typeface="MS PGothic" panose="020B0600070205080204" pitchFamily="34" charset="-128"/>
-                <a:cs typeface="+mn-cs"/>
-              </a:defRPr>
-            </a:lvl3pPr>
-            <a:lvl4pPr marL="1028700" indent="0" algn="l" defTabSz="457200" rtl="0" eaLnBrk="0" fontAlgn="base" hangingPunct="0">
-              <a:spcBef>
-                <a:spcPct val="20000"/>
-              </a:spcBef>
-              <a:spcAft>
-                <a:spcPct val="0"/>
-              </a:spcAft>
-              <a:buFont typeface="Arial" panose="020B0604020202020204" pitchFamily="34" charset="0"/>
-              <a:buNone/>
-              <a:defRPr sz="1200" kern="1200">
-                <a:solidFill>
-                  <a:schemeClr val="tx1">
-                    <a:tint val="75000"/>
-                  </a:schemeClr>
-                </a:solidFill>
-                <a:latin typeface="+mn-lt"/>
-                <a:ea typeface="MS PGothic" panose="020B0600070205080204" pitchFamily="34" charset="-128"/>
-                <a:cs typeface="+mn-cs"/>
-              </a:defRPr>
-            </a:lvl4pPr>
-            <a:lvl5pPr marL="1371600" indent="0" algn="l" defTabSz="457200" rtl="0" eaLnBrk="0" fontAlgn="base" hangingPunct="0">
-              <a:spcBef>
-                <a:spcPct val="20000"/>
-              </a:spcBef>
-              <a:spcAft>
-                <a:spcPct val="0"/>
-              </a:spcAft>
-              <a:buFont typeface="Arial" panose="020B0604020202020204" pitchFamily="34" charset="0"/>
-              <a:buNone/>
-              <a:defRPr sz="1200" kern="1200">
-                <a:solidFill>
-                  <a:schemeClr val="tx1">
-                    <a:tint val="75000"/>
-                  </a:schemeClr>
-                </a:solidFill>
-                <a:latin typeface="+mn-lt"/>
-                <a:ea typeface="MS PGothic" panose="020B0600070205080204" pitchFamily="34" charset="-128"/>
-                <a:cs typeface="+mn-cs"/>
-              </a:defRPr>
-            </a:lvl5pPr>
-            <a:lvl6pPr marL="1714500" indent="0" algn="l" defTabSz="457200" rtl="0" eaLnBrk="1" latinLnBrk="0" hangingPunct="1">
-              <a:spcBef>
-                <a:spcPct val="20000"/>
-              </a:spcBef>
-              <a:buFont typeface="Arial"/>
-              <a:buNone/>
-              <a:defRPr sz="1200" kern="1200">
-                <a:solidFill>
-                  <a:schemeClr val="tx1">
-                    <a:tint val="75000"/>
-                  </a:schemeClr>
-                </a:solidFill>
-                <a:latin typeface="+mn-lt"/>
-                <a:ea typeface="+mn-ea"/>
-                <a:cs typeface="+mn-cs"/>
-              </a:defRPr>
-            </a:lvl6pPr>
-            <a:lvl7pPr marL="2057400" indent="0" algn="l" defTabSz="457200" rtl="0" eaLnBrk="1" latinLnBrk="0" hangingPunct="1">
-              <a:spcBef>
-                <a:spcPct val="20000"/>
-              </a:spcBef>
-              <a:buFont typeface="Arial"/>
-              <a:buNone/>
-              <a:defRPr sz="1200" kern="1200">
-                <a:solidFill>
-                  <a:schemeClr val="tx1">
-                    <a:tint val="75000"/>
-                  </a:schemeClr>
-                </a:solidFill>
-                <a:latin typeface="+mn-lt"/>
-                <a:ea typeface="+mn-ea"/>
-                <a:cs typeface="+mn-cs"/>
-              </a:defRPr>
-            </a:lvl7pPr>
-            <a:lvl8pPr marL="2400300" indent="0" algn="l" defTabSz="457200" rtl="0" eaLnBrk="1" latinLnBrk="0" hangingPunct="1">
-              <a:spcBef>
-                <a:spcPct val="20000"/>
-              </a:spcBef>
-              <a:buFont typeface="Arial"/>
-              <a:buNone/>
-              <a:defRPr sz="1200" kern="1200">
-                <a:solidFill>
-                  <a:schemeClr val="tx1">
-                    <a:tint val="75000"/>
-                  </a:schemeClr>
-                </a:solidFill>
-                <a:latin typeface="+mn-lt"/>
-                <a:ea typeface="+mn-ea"/>
-                <a:cs typeface="+mn-cs"/>
-              </a:defRPr>
-            </a:lvl8pPr>
-            <a:lvl9pPr marL="2743200" indent="0" algn="l" defTabSz="457200" rtl="0" eaLnBrk="1" latinLnBrk="0" hangingPunct="1">
-              <a:spcBef>
-                <a:spcPct val="20000"/>
-              </a:spcBef>
-              <a:buFont typeface="Arial"/>
-              <a:buNone/>
-              <a:defRPr sz="1200" kern="1200">
-                <a:solidFill>
-                  <a:schemeClr val="tx1">
-                    <a:tint val="75000"/>
-                  </a:schemeClr>
-                </a:solidFill>
-                <a:latin typeface="+mn-lt"/>
-                <a:ea typeface="+mn-ea"/>
-                <a:cs typeface="+mn-cs"/>
-              </a:defRPr>
-            </a:lvl9pPr>
-          </a:lstStyle>
-          <a:p>
-            <a:pPr marL="285750" lvl="0" indent="-285750">
-              <a:spcAft>
-                <a:spcPts val="600"/>
-              </a:spcAft>
-              <a:buFont typeface="Arial" panose="020B0604020202020204" pitchFamily="34" charset="0"/>
-              <a:buChar char="•"/>
-            </a:pPr>
-            <a:endParaRPr lang="en-US" altLang="en-US" dirty="0"/>
-          </a:p>
-        </p:txBody>
-      </p:sp>
-      <p:sp>
-        <p:nvSpPr>
-          <p:cNvPr id="5" name="Title 4">
-            <a:extLst>
-              <a:ext uri="{FF2B5EF4-FFF2-40B4-BE49-F238E27FC236}">
-                <a16:creationId xmlns:a16="http://schemas.microsoft.com/office/drawing/2014/main" id="{F4C21C0D-15CD-6DF6-1229-8C5A8581DC68}"/>
-              </a:ext>
-            </a:extLst>
-          </p:cNvPr>
-          <p:cNvSpPr>
-            <a:spLocks noGrp="1"/>
-          </p:cNvSpPr>
-          <p:nvPr>
-            <p:ph type="title"/>
-          </p:nvPr>
-        </p:nvSpPr>
-        <p:spPr>
-          <a:xfrm>
-            <a:off x="400050" y="119939"/>
-            <a:ext cx="8229600" cy="428312"/>
-          </a:xfrm>
-        </p:spPr>
-        <p:txBody>
-          <a:bodyPr/>
-          <a:lstStyle/>
-          <a:p>
-            <a:r>
-              <a:rPr lang="en-US" dirty="0"/>
-              <a:t>Creating a TEMP Table</a:t>
-            </a:r>
-          </a:p>
-        </p:txBody>
-      </p:sp>
-      <p:sp>
-        <p:nvSpPr>
-          <p:cNvPr id="7" name="Content Placeholder 6">
-            <a:extLst>
-              <a:ext uri="{FF2B5EF4-FFF2-40B4-BE49-F238E27FC236}">
-                <a16:creationId xmlns:a16="http://schemas.microsoft.com/office/drawing/2014/main" id="{8841ECC9-0F68-8B68-E088-AF917FD147BD}"/>
-              </a:ext>
-            </a:extLst>
-          </p:cNvPr>
-          <p:cNvSpPr>
-            <a:spLocks noGrp="1"/>
-          </p:cNvSpPr>
-          <p:nvPr>
-            <p:ph idx="1"/>
-          </p:nvPr>
-        </p:nvSpPr>
-        <p:spPr>
-          <a:xfrm>
-            <a:off x="400050" y="1225062"/>
-            <a:ext cx="8229600" cy="5002701"/>
-          </a:xfrm>
-        </p:spPr>
-        <p:txBody>
-          <a:bodyPr/>
-          <a:lstStyle/>
-          <a:p>
-            <a:pPr algn="l"/>
-            <a:r>
-              <a:rPr lang="en-US" b="1" i="0" dirty="0">
-                <a:solidFill>
-                  <a:srgbClr val="374151"/>
-                </a:solidFill>
-                <a:effectLst/>
-                <a:latin typeface="Söhne"/>
-              </a:rPr>
-              <a:t>Use of Temporary Tables (#) in SQL</a:t>
-            </a:r>
-            <a:endParaRPr lang="en-US" b="0" i="0" dirty="0">
-              <a:solidFill>
-                <a:srgbClr val="374151"/>
-              </a:solidFill>
-              <a:effectLst/>
-              <a:latin typeface="Söhne"/>
-            </a:endParaRPr>
-          </a:p>
-          <a:p>
-            <a:pPr lvl="1">
-              <a:buFont typeface="Arial" panose="020B0604020202020204" pitchFamily="34" charset="0"/>
-              <a:buChar char="•"/>
-            </a:pPr>
-            <a:r>
-              <a:rPr lang="en-US" b="0" i="0" dirty="0">
-                <a:solidFill>
-                  <a:srgbClr val="374151"/>
-                </a:solidFill>
-                <a:effectLst/>
-                <a:latin typeface="Söhne"/>
-              </a:rPr>
-              <a:t>Temporary tables in SQL are denoted with a # symbol before the table name.</a:t>
-            </a:r>
-          </a:p>
-          <a:p>
-            <a:pPr lvl="1">
-              <a:buFont typeface="Arial" panose="020B0604020202020204" pitchFamily="34" charset="0"/>
-              <a:buChar char="•"/>
-            </a:pPr>
-            <a:r>
-              <a:rPr lang="en-US" b="0" i="0" dirty="0">
-                <a:solidFill>
-                  <a:srgbClr val="374151"/>
-                </a:solidFill>
-                <a:effectLst/>
-                <a:latin typeface="Söhne"/>
-              </a:rPr>
-              <a:t>They serve several essential purposes in data analysis and query processing.</a:t>
-            </a:r>
-          </a:p>
-          <a:p>
-            <a:pPr algn="l"/>
-            <a:r>
-              <a:rPr lang="en-US" b="1" i="0" dirty="0">
-                <a:solidFill>
-                  <a:srgbClr val="374151"/>
-                </a:solidFill>
-                <a:effectLst/>
-                <a:latin typeface="Söhne"/>
-              </a:rPr>
-              <a:t>Key Benefits of Using Temporary Tables:</a:t>
-            </a:r>
-            <a:endParaRPr lang="en-US" b="0" i="0" dirty="0">
-              <a:solidFill>
-                <a:srgbClr val="374151"/>
-              </a:solidFill>
-              <a:effectLst/>
-              <a:latin typeface="Söhne"/>
-            </a:endParaRPr>
-          </a:p>
-          <a:p>
-            <a:pPr lvl="1"/>
-            <a:r>
-              <a:rPr lang="en-US" b="1" i="0" dirty="0">
-                <a:solidFill>
-                  <a:srgbClr val="374151"/>
-                </a:solidFill>
-                <a:effectLst/>
-                <a:latin typeface="Söhne"/>
-              </a:rPr>
-              <a:t>Scope Isolation:</a:t>
-            </a:r>
-            <a:r>
-              <a:rPr lang="en-US" b="0" i="0" dirty="0">
-                <a:solidFill>
-                  <a:srgbClr val="374151"/>
-                </a:solidFill>
-                <a:effectLst/>
-                <a:latin typeface="Söhne"/>
-              </a:rPr>
-              <a:t> Temporary tables are session-specific, ensuring data isolation and preventing interference with other sessions or queries.</a:t>
-            </a:r>
-          </a:p>
-          <a:p>
-            <a:pPr lvl="1"/>
-            <a:r>
-              <a:rPr lang="en-US" b="1" i="0" dirty="0">
-                <a:solidFill>
-                  <a:srgbClr val="374151"/>
-                </a:solidFill>
-                <a:effectLst/>
-                <a:latin typeface="Söhne"/>
-              </a:rPr>
-              <a:t>Automatic Cleanup:</a:t>
-            </a:r>
-            <a:r>
-              <a:rPr lang="en-US" b="0" i="0" dirty="0">
-                <a:solidFill>
-                  <a:srgbClr val="374151"/>
-                </a:solidFill>
-                <a:effectLst/>
-                <a:latin typeface="Söhne"/>
-              </a:rPr>
-              <a:t> They are automatically dropped when the session ends, reducing the need for manual cleanup.</a:t>
-            </a:r>
-          </a:p>
-          <a:p>
-            <a:pPr lvl="1"/>
-            <a:r>
-              <a:rPr lang="en-US" b="1" i="0" dirty="0">
-                <a:solidFill>
-                  <a:srgbClr val="374151"/>
-                </a:solidFill>
-                <a:effectLst/>
-                <a:latin typeface="Söhne"/>
-              </a:rPr>
-              <a:t>Distinct Namespace:</a:t>
-            </a:r>
-            <a:r>
-              <a:rPr lang="en-US" b="0" i="0" dirty="0">
-                <a:solidFill>
-                  <a:srgbClr val="374151"/>
-                </a:solidFill>
-                <a:effectLst/>
-                <a:latin typeface="Söhne"/>
-              </a:rPr>
-              <a:t> The # symbol distinguishes temporary tables from permanent ones, aiding clarity.</a:t>
-            </a:r>
-          </a:p>
-          <a:p>
-            <a:pPr lvl="1"/>
-            <a:r>
-              <a:rPr lang="en-US" b="1" i="0" dirty="0">
-                <a:solidFill>
-                  <a:srgbClr val="374151"/>
-                </a:solidFill>
-                <a:effectLst/>
-                <a:latin typeface="Söhne"/>
-              </a:rPr>
-              <a:t>Avoids Naming Conflicts:</a:t>
-            </a:r>
-            <a:r>
-              <a:rPr lang="en-US" b="0" i="0" dirty="0">
-                <a:solidFill>
-                  <a:srgbClr val="374151"/>
-                </a:solidFill>
-                <a:effectLst/>
-                <a:latin typeface="Söhne"/>
-              </a:rPr>
-              <a:t> Each session has its own set of temporary tables, avoiding naming conflicts.</a:t>
-            </a:r>
-          </a:p>
-        </p:txBody>
-      </p:sp>
-    </p:spTree>
-    <p:extLst>
-      <p:ext uri="{BB962C8B-B14F-4D97-AF65-F5344CB8AC3E}">
-        <p14:creationId xmlns:p14="http://schemas.microsoft.com/office/powerpoint/2010/main" val="692128826"/>
-      </p:ext>
-    </p:extLst>
-  </p:cSld>
-  <p:clrMapOvr>
-    <a:masterClrMapping/>
-  </p:clrMapOvr>
-</p:sld>
-</file>
-
-<file path=ppt/slides/slide9.xml><?xml version="1.0" encoding="utf-8"?>
-<p:sld xmlns:a="http://schemas.openxmlformats.org/drawingml/2006/main" xmlns:r="http://schemas.openxmlformats.org/officeDocument/2006/relationships" xmlns:p="http://schemas.openxmlformats.org/presentationml/2006/main">
-  <p:cSld>
-    <p:spTree>
-      <p:nvGrpSpPr>
-        <p:cNvPr id="1" name="">
-          <a:extLst>
-            <a:ext uri="{FF2B5EF4-FFF2-40B4-BE49-F238E27FC236}">
-              <a16:creationId xmlns:a16="http://schemas.microsoft.com/office/drawing/2014/main" id="{E0869816-EE9B-4604-C747-7A8629CEC00B}"/>
-            </a:ext>
-          </a:extLst>
-        </p:cNvPr>
-        <p:cNvGrpSpPr/>
-        <p:nvPr/>
-      </p:nvGrpSpPr>
-      <p:grpSpPr>
-        <a:xfrm>
-          <a:off x="0" y="0"/>
-          <a:ext cx="0" cy="0"/>
-          <a:chOff x="0" y="0"/>
-          <a:chExt cx="0" cy="0"/>
-        </a:xfrm>
-      </p:grpSpPr>
-      <p:sp>
-        <p:nvSpPr>
-          <p:cNvPr id="8" name="Subtitle 2">
-            <a:extLst>
-              <a:ext uri="{FF2B5EF4-FFF2-40B4-BE49-F238E27FC236}">
-                <a16:creationId xmlns:a16="http://schemas.microsoft.com/office/drawing/2014/main" id="{10536A3C-2EA9-9F77-B740-F49586B549D7}"/>
-              </a:ext>
-            </a:extLst>
-          </p:cNvPr>
-          <p:cNvSpPr txBox="1">
-            <a:spLocks/>
-          </p:cNvSpPr>
-          <p:nvPr/>
-        </p:nvSpPr>
-        <p:spPr>
-          <a:xfrm>
-            <a:off x="778079" y="4099775"/>
-            <a:ext cx="6400800" cy="1237021"/>
-          </a:xfrm>
-        </p:spPr>
-        <p:txBody>
-          <a:bodyPr/>
-          <a:lstStyle>
-            <a:lvl1pPr marL="0" indent="0" algn="l" defTabSz="457200" rtl="0" eaLnBrk="0" fontAlgn="base" hangingPunct="0">
-              <a:spcBef>
-                <a:spcPct val="20000"/>
-              </a:spcBef>
-              <a:spcAft>
-                <a:spcPct val="0"/>
-              </a:spcAft>
-              <a:buFont typeface="Arial" panose="020B0604020202020204" pitchFamily="34" charset="0"/>
-              <a:buNone/>
-              <a:defRPr sz="1800" kern="1200">
-                <a:solidFill>
-                  <a:srgbClr val="0FA7B5"/>
-                </a:solidFill>
-                <a:latin typeface="+mn-lt"/>
-                <a:ea typeface="MS PGothic" panose="020B0600070205080204" pitchFamily="34" charset="-128"/>
-                <a:cs typeface="ＭＳ Ｐゴシック" charset="0"/>
-              </a:defRPr>
-            </a:lvl1pPr>
-            <a:lvl2pPr marL="342900" indent="0" algn="l" defTabSz="457200" rtl="0" eaLnBrk="0" fontAlgn="base" hangingPunct="0">
-              <a:spcBef>
-                <a:spcPct val="20000"/>
-              </a:spcBef>
-              <a:spcAft>
-                <a:spcPct val="0"/>
-              </a:spcAft>
-              <a:buFont typeface="Arial" panose="020B0604020202020204" pitchFamily="34" charset="0"/>
-              <a:buNone/>
-              <a:defRPr sz="1500" kern="1200">
-                <a:solidFill>
-                  <a:schemeClr val="tx1">
-                    <a:tint val="75000"/>
-                  </a:schemeClr>
-                </a:solidFill>
-                <a:latin typeface="+mn-lt"/>
-                <a:ea typeface="MS PGothic" panose="020B0600070205080204" pitchFamily="34" charset="-128"/>
-                <a:cs typeface="+mn-cs"/>
-              </a:defRPr>
-            </a:lvl2pPr>
-            <a:lvl3pPr marL="685800" indent="0" algn="l" defTabSz="457200" rtl="0" eaLnBrk="0" fontAlgn="base" hangingPunct="0">
-              <a:spcBef>
-                <a:spcPct val="20000"/>
-              </a:spcBef>
-              <a:spcAft>
-                <a:spcPct val="0"/>
-              </a:spcAft>
-              <a:buFont typeface="Arial" panose="020B0604020202020204" pitchFamily="34" charset="0"/>
-              <a:buNone/>
-              <a:defRPr sz="1350" kern="1200">
-                <a:solidFill>
-                  <a:schemeClr val="tx1">
-                    <a:tint val="75000"/>
-                  </a:schemeClr>
-                </a:solidFill>
-                <a:latin typeface="+mn-lt"/>
-                <a:ea typeface="MS PGothic" panose="020B0600070205080204" pitchFamily="34" charset="-128"/>
-                <a:cs typeface="+mn-cs"/>
-              </a:defRPr>
-            </a:lvl3pPr>
-            <a:lvl4pPr marL="1028700" indent="0" algn="l" defTabSz="457200" rtl="0" eaLnBrk="0" fontAlgn="base" hangingPunct="0">
-              <a:spcBef>
-                <a:spcPct val="20000"/>
-              </a:spcBef>
-              <a:spcAft>
-                <a:spcPct val="0"/>
-              </a:spcAft>
-              <a:buFont typeface="Arial" panose="020B0604020202020204" pitchFamily="34" charset="0"/>
-              <a:buNone/>
-              <a:defRPr sz="1200" kern="1200">
-                <a:solidFill>
-                  <a:schemeClr val="tx1">
-                    <a:tint val="75000"/>
-                  </a:schemeClr>
-                </a:solidFill>
-                <a:latin typeface="+mn-lt"/>
-                <a:ea typeface="MS PGothic" panose="020B0600070205080204" pitchFamily="34" charset="-128"/>
-                <a:cs typeface="+mn-cs"/>
-              </a:defRPr>
-            </a:lvl4pPr>
-            <a:lvl5pPr marL="1371600" indent="0" algn="l" defTabSz="457200" rtl="0" eaLnBrk="0" fontAlgn="base" hangingPunct="0">
-              <a:spcBef>
-                <a:spcPct val="20000"/>
-              </a:spcBef>
-              <a:spcAft>
-                <a:spcPct val="0"/>
-              </a:spcAft>
-              <a:buFont typeface="Arial" panose="020B0604020202020204" pitchFamily="34" charset="0"/>
-              <a:buNone/>
-              <a:defRPr sz="1200" kern="1200">
-                <a:solidFill>
-                  <a:schemeClr val="tx1">
-                    <a:tint val="75000"/>
-                  </a:schemeClr>
-                </a:solidFill>
-                <a:latin typeface="+mn-lt"/>
-                <a:ea typeface="MS PGothic" panose="020B0600070205080204" pitchFamily="34" charset="-128"/>
-                <a:cs typeface="+mn-cs"/>
-              </a:defRPr>
-            </a:lvl5pPr>
-            <a:lvl6pPr marL="1714500" indent="0" algn="l" defTabSz="457200" rtl="0" eaLnBrk="1" latinLnBrk="0" hangingPunct="1">
-              <a:spcBef>
-                <a:spcPct val="20000"/>
-              </a:spcBef>
-              <a:buFont typeface="Arial"/>
-              <a:buNone/>
-              <a:defRPr sz="1200" kern="1200">
-                <a:solidFill>
-                  <a:schemeClr val="tx1">
-                    <a:tint val="75000"/>
-                  </a:schemeClr>
-                </a:solidFill>
-                <a:latin typeface="+mn-lt"/>
-                <a:ea typeface="+mn-ea"/>
-                <a:cs typeface="+mn-cs"/>
-              </a:defRPr>
-            </a:lvl6pPr>
-            <a:lvl7pPr marL="2057400" indent="0" algn="l" defTabSz="457200" rtl="0" eaLnBrk="1" latinLnBrk="0" hangingPunct="1">
-              <a:spcBef>
-                <a:spcPct val="20000"/>
-              </a:spcBef>
-              <a:buFont typeface="Arial"/>
-              <a:buNone/>
-              <a:defRPr sz="1200" kern="1200">
-                <a:solidFill>
-                  <a:schemeClr val="tx1">
-                    <a:tint val="75000"/>
-                  </a:schemeClr>
-                </a:solidFill>
-                <a:latin typeface="+mn-lt"/>
-                <a:ea typeface="+mn-ea"/>
-                <a:cs typeface="+mn-cs"/>
-              </a:defRPr>
-            </a:lvl7pPr>
-            <a:lvl8pPr marL="2400300" indent="0" algn="l" defTabSz="457200" rtl="0" eaLnBrk="1" latinLnBrk="0" hangingPunct="1">
-              <a:spcBef>
-                <a:spcPct val="20000"/>
-              </a:spcBef>
-              <a:buFont typeface="Arial"/>
-              <a:buNone/>
-              <a:defRPr sz="1200" kern="1200">
-                <a:solidFill>
-                  <a:schemeClr val="tx1">
-                    <a:tint val="75000"/>
-                  </a:schemeClr>
-                </a:solidFill>
-                <a:latin typeface="+mn-lt"/>
-                <a:ea typeface="+mn-ea"/>
-                <a:cs typeface="+mn-cs"/>
-              </a:defRPr>
-            </a:lvl8pPr>
-            <a:lvl9pPr marL="2743200" indent="0" algn="l" defTabSz="457200" rtl="0" eaLnBrk="1" latinLnBrk="0" hangingPunct="1">
-              <a:spcBef>
-                <a:spcPct val="20000"/>
-              </a:spcBef>
-              <a:buFont typeface="Arial"/>
-              <a:buNone/>
-              <a:defRPr sz="1200" kern="1200">
-                <a:solidFill>
-                  <a:schemeClr val="tx1">
-                    <a:tint val="75000"/>
-                  </a:schemeClr>
-                </a:solidFill>
-                <a:latin typeface="+mn-lt"/>
-                <a:ea typeface="+mn-ea"/>
-                <a:cs typeface="+mn-cs"/>
-              </a:defRPr>
-            </a:lvl9pPr>
-          </a:lstStyle>
-          <a:p>
-            <a:pPr marL="285750" lvl="0" indent="-285750">
-              <a:spcAft>
-                <a:spcPts val="600"/>
-              </a:spcAft>
-              <a:buFont typeface="Arial" panose="020B0604020202020204" pitchFamily="34" charset="0"/>
-              <a:buChar char="•"/>
-            </a:pPr>
-            <a:endParaRPr lang="en-US" altLang="en-US" dirty="0"/>
-          </a:p>
-        </p:txBody>
-      </p:sp>
-      <p:sp>
-        <p:nvSpPr>
-          <p:cNvPr id="5" name="Title 4">
-            <a:extLst>
-              <a:ext uri="{FF2B5EF4-FFF2-40B4-BE49-F238E27FC236}">
-                <a16:creationId xmlns:a16="http://schemas.microsoft.com/office/drawing/2014/main" id="{16E4401C-D037-E68E-7704-78596A462866}"/>
-              </a:ext>
-            </a:extLst>
-          </p:cNvPr>
-          <p:cNvSpPr>
-            <a:spLocks noGrp="1"/>
-          </p:cNvSpPr>
-          <p:nvPr>
-            <p:ph type="title"/>
-          </p:nvPr>
-        </p:nvSpPr>
-        <p:spPr>
-          <a:xfrm>
-            <a:off x="400050" y="119939"/>
-            <a:ext cx="8229600" cy="428312"/>
-          </a:xfrm>
-        </p:spPr>
-        <p:txBody>
-          <a:bodyPr/>
-          <a:lstStyle/>
-          <a:p>
-            <a:r>
-              <a:rPr lang="en-US" dirty="0"/>
-              <a:t>Creating a TEMP Table</a:t>
-            </a:r>
-          </a:p>
-        </p:txBody>
-      </p:sp>
-      <p:sp>
-        <p:nvSpPr>
-          <p:cNvPr id="7" name="Content Placeholder 6">
-            <a:extLst>
-              <a:ext uri="{FF2B5EF4-FFF2-40B4-BE49-F238E27FC236}">
-                <a16:creationId xmlns:a16="http://schemas.microsoft.com/office/drawing/2014/main" id="{0FB134AD-C0E6-454C-E35E-97AA53F323D8}"/>
-              </a:ext>
-            </a:extLst>
-          </p:cNvPr>
-          <p:cNvSpPr>
-            <a:spLocks noGrp="1"/>
-          </p:cNvSpPr>
-          <p:nvPr>
-            <p:ph idx="1"/>
-          </p:nvPr>
-        </p:nvSpPr>
-        <p:spPr>
-          <a:xfrm>
-            <a:off x="400050" y="1225062"/>
-            <a:ext cx="8229600" cy="5002701"/>
-          </a:xfrm>
-        </p:spPr>
-        <p:txBody>
-          <a:bodyPr/>
-          <a:lstStyle/>
-          <a:p>
-            <a:pPr algn="l"/>
-            <a:r>
-              <a:rPr lang="en-US" b="1" i="0" dirty="0">
-                <a:solidFill>
-                  <a:srgbClr val="374151"/>
-                </a:solidFill>
-                <a:effectLst/>
-                <a:latin typeface="Söhne"/>
-              </a:rPr>
-              <a:t>Use INTO Clause When:</a:t>
-            </a:r>
-            <a:endParaRPr lang="en-US" b="0" i="0" dirty="0">
-              <a:solidFill>
-                <a:srgbClr val="374151"/>
-              </a:solidFill>
-              <a:effectLst/>
-              <a:latin typeface="Söhne"/>
-            </a:endParaRPr>
-          </a:p>
-          <a:p>
-            <a:pPr lvl="1"/>
-            <a:r>
-              <a:rPr lang="en-US" b="1" i="0" dirty="0">
-                <a:solidFill>
-                  <a:srgbClr val="374151"/>
-                </a:solidFill>
-                <a:effectLst/>
-                <a:latin typeface="Söhne"/>
-              </a:rPr>
-              <a:t>Quick Data Extraction</a:t>
-            </a:r>
-            <a:r>
-              <a:rPr lang="en-US" b="0" i="0" dirty="0">
-                <a:solidFill>
-                  <a:srgbClr val="374151"/>
-                </a:solidFill>
-                <a:effectLst/>
-                <a:latin typeface="Söhne"/>
-              </a:rPr>
-              <a:t>: Extract and work with data swiftly without table structure definition.</a:t>
-            </a:r>
-          </a:p>
-          <a:p>
-            <a:pPr lvl="1"/>
-            <a:r>
-              <a:rPr lang="en-US" b="1" i="0" dirty="0">
-                <a:solidFill>
-                  <a:srgbClr val="374151"/>
-                </a:solidFill>
-                <a:effectLst/>
-                <a:latin typeface="Söhne"/>
-              </a:rPr>
-              <a:t>Simplified Syntax</a:t>
-            </a:r>
-            <a:r>
-              <a:rPr lang="en-US" b="0" i="0" dirty="0">
-                <a:solidFill>
-                  <a:srgbClr val="374151"/>
-                </a:solidFill>
-                <a:effectLst/>
-                <a:latin typeface="Söhne"/>
-              </a:rPr>
-              <a:t>: Create temporary tables effortlessly without specifying column details.</a:t>
-            </a:r>
-          </a:p>
-          <a:p>
-            <a:pPr lvl="1"/>
-            <a:r>
-              <a:rPr lang="en-US" b="1" i="0" dirty="0">
-                <a:solidFill>
-                  <a:srgbClr val="374151"/>
-                </a:solidFill>
-                <a:effectLst/>
-                <a:latin typeface="Söhne"/>
-              </a:rPr>
-              <a:t>Ad Hoc Queries</a:t>
-            </a:r>
-            <a:r>
-              <a:rPr lang="en-US" b="0" i="0" dirty="0">
-                <a:solidFill>
-                  <a:srgbClr val="374151"/>
-                </a:solidFill>
-                <a:effectLst/>
-                <a:latin typeface="Söhne"/>
-              </a:rPr>
-              <a:t>: Convenient for one-time data processing tasks.</a:t>
-            </a:r>
-          </a:p>
-          <a:p>
-            <a:pPr lvl="1"/>
-            <a:r>
-              <a:rPr lang="en-US" b="1" i="0" dirty="0">
-                <a:solidFill>
-                  <a:srgbClr val="374151"/>
-                </a:solidFill>
-                <a:effectLst/>
-                <a:latin typeface="Söhne"/>
-              </a:rPr>
-              <a:t>Intermediate Result Storage</a:t>
-            </a:r>
-            <a:r>
-              <a:rPr lang="en-US" b="0" i="0" dirty="0">
-                <a:solidFill>
-                  <a:srgbClr val="374151"/>
-                </a:solidFill>
-                <a:effectLst/>
-                <a:latin typeface="Söhne"/>
-              </a:rPr>
-              <a:t>: Practical for storing intermediate results during queries or scripts.</a:t>
-            </a:r>
-          </a:p>
-        </p:txBody>
-      </p:sp>
-    </p:spTree>
-    <p:extLst>
-      <p:ext uri="{BB962C8B-B14F-4D97-AF65-F5344CB8AC3E}">
-        <p14:creationId xmlns:p14="http://schemas.microsoft.com/office/powerpoint/2010/main" val="1473444056"/>
       </p:ext>
     </p:extLst>
   </p:cSld>
@@ -19571,6 +21302,15 @@
 </file>
 
 <file path=customXml/item1.xml><?xml version="1.0" encoding="utf-8"?>
+<?mso-contentType ?>
+<FormTemplates xmlns="http://schemas.microsoft.com/sharepoint/v3/contenttype/forms">
+  <Display>DocumentLibraryForm</Display>
+  <Edit>DocumentLibraryForm</Edit>
+  <New>DocumentLibraryForm</New>
+</FormTemplates>
+</file>
+
+<file path=customXml/item2.xml><?xml version="1.0" encoding="utf-8"?>
 <ct:contentTypeSchema xmlns:ct="http://schemas.microsoft.com/office/2006/metadata/contentType" xmlns:ma="http://schemas.microsoft.com/office/2006/metadata/properties/metaAttributes" ct:_="" ma:_="" ma:contentTypeName="Document" ma:contentTypeID="0x010100D717D047DAB2764FBE8B85865ADF125C" ma:contentTypeVersion="0" ma:contentTypeDescription="Create a new document." ma:contentTypeScope="" ma:versionID="3154522c01a2510568c44eaa3f86772f">
   <xsd:schema xmlns:xsd="http://www.w3.org/2001/XMLSchema" xmlns:xs="http://www.w3.org/2001/XMLSchema" xmlns:p="http://schemas.microsoft.com/office/2006/metadata/properties" targetNamespace="http://schemas.microsoft.com/office/2006/metadata/properties" ma:root="true" ma:fieldsID="1b05d82d297216baf5b26c55225140df">
     <xsd:element name="properties">
@@ -19684,15 +21424,6 @@
 </ct:contentTypeSchema>
 </file>
 
-<file path=customXml/item2.xml><?xml version="1.0" encoding="utf-8"?>
-<?mso-contentType ?>
-<FormTemplates xmlns="http://schemas.microsoft.com/sharepoint/v3/contenttype/forms">
-  <Display>DocumentLibraryForm</Display>
-  <Edit>DocumentLibraryForm</Edit>
-  <New>DocumentLibraryForm</New>
-</FormTemplates>
-</file>
-
 <file path=customXml/item3.xml><?xml version="1.0" encoding="utf-8"?>
 <p:properties xmlns:p="http://schemas.microsoft.com/office/2006/metadata/properties" xmlns:xsi="http://www.w3.org/2001/XMLSchema-instance" xmlns:pc="http://schemas.microsoft.com/office/infopath/2007/PartnerControls">
   <documentManagement/>
@@ -19700,6 +21431,14 @@
 </file>
 
 <file path=customXml/itemProps1.xml><?xml version="1.0" encoding="utf-8"?>
+<ds:datastoreItem xmlns:ds="http://schemas.openxmlformats.org/officeDocument/2006/customXml" ds:itemID="{E49E43F2-009D-4FD5-9629-B1B9A3DF71DA}">
+  <ds:schemaRefs>
+    <ds:schemaRef ds:uri="http://schemas.microsoft.com/sharepoint/v3/contenttype/forms"/>
+  </ds:schemaRefs>
+</ds:datastoreItem>
+</file>
+
+<file path=customXml/itemProps2.xml><?xml version="1.0" encoding="utf-8"?>
 <ds:datastoreItem xmlns:ds="http://schemas.openxmlformats.org/officeDocument/2006/customXml" ds:itemID="{959784AE-7718-4684-9BBC-9AAC52D5A526}">
   <ds:schemaRefs>
     <ds:schemaRef ds:uri="http://schemas.microsoft.com/office/2006/metadata/contentType"/>
@@ -19711,14 +21450,6 @@
     <ds:schemaRef ds:uri="http://purl.org/dc/terms/"/>
     <ds:schemaRef ds:uri="http://schemas.microsoft.com/internal/obd"/>
     <ds:schemaRef ds:uri="http://schemas.microsoft.com/office/infopath/2007/PartnerControls"/>
-  </ds:schemaRefs>
-</ds:datastoreItem>
-</file>
-
-<file path=customXml/itemProps2.xml><?xml version="1.0" encoding="utf-8"?>
-<ds:datastoreItem xmlns:ds="http://schemas.openxmlformats.org/officeDocument/2006/customXml" ds:itemID="{E49E43F2-009D-4FD5-9629-B1B9A3DF71DA}">
-  <ds:schemaRefs>
-    <ds:schemaRef ds:uri="http://schemas.microsoft.com/sharepoint/v3/contenttype/forms"/>
   </ds:schemaRefs>
 </ds:datastoreItem>
 </file>

--- a/SQL/Day 6 Temp Tables/Temp Tables SQL.pptx
+++ b/SQL/Day 6 Temp Tables/Temp Tables SQL.pptx
@@ -359,7 +359,7 @@
               <a:pPr>
                 <a:defRPr/>
               </a:pPr>
-              <a:t>3/24/25</a:t>
+              <a:t>3/27/25</a:t>
             </a:fld>
             <a:endParaRPr lang="en-US" dirty="0"/>
           </a:p>
@@ -569,7 +569,7 @@
               <a:pPr>
                 <a:defRPr/>
               </a:pPr>
-              <a:t>3/24/25</a:t>
+              <a:t>3/27/25</a:t>
             </a:fld>
             <a:endParaRPr lang="en-US" dirty="0"/>
           </a:p>
@@ -12980,14 +12980,13 @@
               <a:buNone/>
             </a:pPr>
             <a:r>
-              <a:rPr lang="en-US" b="0" i="0" dirty="0">
+              <a:rPr lang="en-US" dirty="0">
                 <a:solidFill>
                   <a:srgbClr val="2E95D3"/>
                 </a:solidFill>
-                <a:effectLst/>
                 <a:latin typeface="Söhne Mono"/>
               </a:rPr>
-              <a:t>INNER</a:t>
+              <a:t>LEFT</a:t>
             </a:r>
             <a:r>
               <a:rPr lang="en-US" b="0" i="0" dirty="0">
@@ -13555,6 +13554,28 @@
               </a:rPr>
               <a:t>MaxTValue</a:t>
             </a:r>
+            <a:endParaRPr lang="en-US" b="0" i="0" dirty="0">
+              <a:solidFill>
+                <a:srgbClr val="FFFFFF"/>
+              </a:solidFill>
+              <a:effectLst/>
+              <a:latin typeface="Söhne Mono"/>
+            </a:endParaRPr>
+          </a:p>
+          <a:p>
+            <a:pPr marL="914400" lvl="2" indent="0">
+              <a:buNone/>
+            </a:pPr>
+            <a:r>
+              <a:rPr lang="en-US" b="0" i="0" dirty="0">
+                <a:solidFill>
+                  <a:srgbClr val="2E95D3"/>
+                </a:solidFill>
+                <a:effectLst/>
+                <a:latin typeface="Söhne Mono"/>
+              </a:rPr>
+              <a:t>FROM</a:t>
+            </a:r>
             <a:r>
               <a:rPr lang="en-US" b="0" i="0" dirty="0">
                 <a:solidFill>
@@ -13565,61 +13586,33 @@
               </a:rPr>
               <a:t> </a:t>
             </a:r>
-          </a:p>
-          <a:p>
-            <a:pPr marL="914400" lvl="2" indent="0">
-              <a:buNone/>
-            </a:pPr>
-            <a:r>
-              <a:rPr lang="en-US" b="0" i="0" dirty="0">
-                <a:solidFill>
-                  <a:srgbClr val="2E95D3"/>
+            <a:r>
+              <a:rPr lang="en-US" b="0" i="0" dirty="0">
+                <a:solidFill>
+                  <a:schemeClr val="tx1"/>
                 </a:solidFill>
                 <a:effectLst/>
                 <a:latin typeface="Söhne Mono"/>
               </a:rPr>
-              <a:t>FROM</a:t>
-            </a:r>
-            <a:r>
-              <a:rPr lang="en-US" b="0" i="0" dirty="0">
-                <a:solidFill>
-                  <a:srgbClr val="FFFFFF"/>
+              <a:t>#</a:t>
+            </a:r>
+            <a:r>
+              <a:rPr lang="en-US" b="0" i="0" dirty="0" err="1">
+                <a:solidFill>
+                  <a:schemeClr val="tx1"/>
                 </a:solidFill>
                 <a:effectLst/>
                 <a:latin typeface="Söhne Mono"/>
               </a:rPr>
-              <a:t> </a:t>
-            </a:r>
-            <a:r>
-              <a:rPr lang="en-US" b="0" i="0" dirty="0">
-                <a:solidFill>
-                  <a:schemeClr val="tx1"/>
-                </a:solidFill>
-                <a:effectLst/>
-                <a:latin typeface="Söhne Mono"/>
-              </a:rPr>
-              <a:t>#</a:t>
-            </a:r>
-            <a:r>
-              <a:rPr lang="en-US" b="0" i="0" dirty="0" err="1">
-                <a:solidFill>
-                  <a:schemeClr val="tx1"/>
-                </a:solidFill>
-                <a:effectLst/>
-                <a:latin typeface="Söhne Mono"/>
-              </a:rPr>
               <a:t>FinalAnalysisData</a:t>
             </a:r>
-            <a:r>
-              <a:rPr lang="en-US" b="0" i="0" dirty="0">
-                <a:solidFill>
-                  <a:schemeClr val="tx1"/>
-                </a:solidFill>
-                <a:effectLst/>
-                <a:latin typeface="Söhne Mono"/>
-              </a:rPr>
-              <a:t> </a:t>
-            </a:r>
+            <a:endParaRPr lang="en-US" b="0" i="0" dirty="0">
+              <a:solidFill>
+                <a:schemeClr val="tx1"/>
+              </a:solidFill>
+              <a:effectLst/>
+              <a:latin typeface="Söhne Mono"/>
+            </a:endParaRPr>
           </a:p>
           <a:p>
             <a:pPr marL="914400" lvl="2" indent="0">
@@ -21302,15 +21295,6 @@
 </file>
 
 <file path=customXml/item1.xml><?xml version="1.0" encoding="utf-8"?>
-<?mso-contentType ?>
-<FormTemplates xmlns="http://schemas.microsoft.com/sharepoint/v3/contenttype/forms">
-  <Display>DocumentLibraryForm</Display>
-  <Edit>DocumentLibraryForm</Edit>
-  <New>DocumentLibraryForm</New>
-</FormTemplates>
-</file>
-
-<file path=customXml/item2.xml><?xml version="1.0" encoding="utf-8"?>
 <ct:contentTypeSchema xmlns:ct="http://schemas.microsoft.com/office/2006/metadata/contentType" xmlns:ma="http://schemas.microsoft.com/office/2006/metadata/properties/metaAttributes" ct:_="" ma:_="" ma:contentTypeName="Document" ma:contentTypeID="0x010100D717D047DAB2764FBE8B85865ADF125C" ma:contentTypeVersion="0" ma:contentTypeDescription="Create a new document." ma:contentTypeScope="" ma:versionID="3154522c01a2510568c44eaa3f86772f">
   <xsd:schema xmlns:xsd="http://www.w3.org/2001/XMLSchema" xmlns:xs="http://www.w3.org/2001/XMLSchema" xmlns:p="http://schemas.microsoft.com/office/2006/metadata/properties" targetNamespace="http://schemas.microsoft.com/office/2006/metadata/properties" ma:root="true" ma:fieldsID="1b05d82d297216baf5b26c55225140df">
     <xsd:element name="properties">
@@ -21424,6 +21408,15 @@
 </ct:contentTypeSchema>
 </file>
 
+<file path=customXml/item2.xml><?xml version="1.0" encoding="utf-8"?>
+<?mso-contentType ?>
+<FormTemplates xmlns="http://schemas.microsoft.com/sharepoint/v3/contenttype/forms">
+  <Display>DocumentLibraryForm</Display>
+  <Edit>DocumentLibraryForm</Edit>
+  <New>DocumentLibraryForm</New>
+</FormTemplates>
+</file>
+
 <file path=customXml/item3.xml><?xml version="1.0" encoding="utf-8"?>
 <p:properties xmlns:p="http://schemas.microsoft.com/office/2006/metadata/properties" xmlns:xsi="http://www.w3.org/2001/XMLSchema-instance" xmlns:pc="http://schemas.microsoft.com/office/infopath/2007/PartnerControls">
   <documentManagement/>
@@ -21431,14 +21424,6 @@
 </file>
 
 <file path=customXml/itemProps1.xml><?xml version="1.0" encoding="utf-8"?>
-<ds:datastoreItem xmlns:ds="http://schemas.openxmlformats.org/officeDocument/2006/customXml" ds:itemID="{E49E43F2-009D-4FD5-9629-B1B9A3DF71DA}">
-  <ds:schemaRefs>
-    <ds:schemaRef ds:uri="http://schemas.microsoft.com/sharepoint/v3/contenttype/forms"/>
-  </ds:schemaRefs>
-</ds:datastoreItem>
-</file>
-
-<file path=customXml/itemProps2.xml><?xml version="1.0" encoding="utf-8"?>
 <ds:datastoreItem xmlns:ds="http://schemas.openxmlformats.org/officeDocument/2006/customXml" ds:itemID="{959784AE-7718-4684-9BBC-9AAC52D5A526}">
   <ds:schemaRefs>
     <ds:schemaRef ds:uri="http://schemas.microsoft.com/office/2006/metadata/contentType"/>
@@ -21450,6 +21435,14 @@
     <ds:schemaRef ds:uri="http://purl.org/dc/terms/"/>
     <ds:schemaRef ds:uri="http://schemas.microsoft.com/internal/obd"/>
     <ds:schemaRef ds:uri="http://schemas.microsoft.com/office/infopath/2007/PartnerControls"/>
+  </ds:schemaRefs>
+</ds:datastoreItem>
+</file>
+
+<file path=customXml/itemProps2.xml><?xml version="1.0" encoding="utf-8"?>
+<ds:datastoreItem xmlns:ds="http://schemas.openxmlformats.org/officeDocument/2006/customXml" ds:itemID="{E49E43F2-009D-4FD5-9629-B1B9A3DF71DA}">
+  <ds:schemaRefs>
+    <ds:schemaRef ds:uri="http://schemas.microsoft.com/sharepoint/v3/contenttype/forms"/>
   </ds:schemaRefs>
 </ds:datastoreItem>
 </file>

--- a/SQL/Day 6 Temp Tables/Temp Tables SQL.pptx
+++ b/SQL/Day 6 Temp Tables/Temp Tables SQL.pptx
@@ -359,7 +359,7 @@
               <a:pPr>
                 <a:defRPr/>
               </a:pPr>
-              <a:t>3/27/25</a:t>
+              <a:t>4/1/25</a:t>
             </a:fld>
             <a:endParaRPr lang="en-US" dirty="0"/>
           </a:p>
@@ -569,7 +569,7 @@
               <a:pPr>
                 <a:defRPr/>
               </a:pPr>
-              <a:t>3/27/25</a:t>
+              <a:t>4/1/25</a:t>
             </a:fld>
             <a:endParaRPr lang="en-US" dirty="0"/>
           </a:p>
@@ -12260,7 +12260,7 @@
                 <a:effectLst/>
                 <a:latin typeface="Söhne Mono"/>
               </a:rPr>
-              <a:t>Col1, Col2, </a:t>
+              <a:t>Col1, </a:t>
             </a:r>
             <a:r>
               <a:rPr lang="en-US" b="0" i="0" dirty="0">
@@ -12280,7 +12280,7 @@
                 <a:effectLst/>
                 <a:latin typeface="Söhne Mono"/>
               </a:rPr>
-              <a:t>(Col3) </a:t>
+              <a:t>(Col2) </a:t>
             </a:r>
             <a:r>
               <a:rPr lang="en-US" b="0" i="0" dirty="0">
@@ -12465,7 +12465,7 @@
                 <a:effectLst/>
                 <a:latin typeface="Söhne Mono"/>
               </a:rPr>
-              <a:t>Col1, Col2; </a:t>
+              <a:t>Col1; </a:t>
             </a:r>
           </a:p>
         </p:txBody>
@@ -12813,21 +12813,13 @@
           <a:p>
             <a:pPr lvl="1"/>
             <a:r>
-              <a:rPr lang="en-US" b="0" i="0" dirty="0">
-                <a:effectLst/>
+              <a:rPr lang="en-US" dirty="0">
+                <a:solidFill>
+                  <a:schemeClr val="tx1"/>
+                </a:solidFill>
                 <a:latin typeface="Söhne Mono"/>
               </a:rPr>
-              <a:t>Create an intermediate table for data transformation</a:t>
-            </a:r>
-            <a:r>
-              <a:rPr lang="en-US" b="0" i="0" dirty="0">
-                <a:solidFill>
-                  <a:srgbClr val="FFFFFF"/>
-                </a:solidFill>
-                <a:effectLst/>
-                <a:latin typeface="Söhne Mono"/>
-              </a:rPr>
-              <a:t> </a:t>
+              <a:t>Create an intermediate table for data transformation </a:t>
             </a:r>
           </a:p>
           <a:p>
@@ -21295,6 +21287,15 @@
 </file>
 
 <file path=customXml/item1.xml><?xml version="1.0" encoding="utf-8"?>
+<?mso-contentType ?>
+<FormTemplates xmlns="http://schemas.microsoft.com/sharepoint/v3/contenttype/forms">
+  <Display>DocumentLibraryForm</Display>
+  <Edit>DocumentLibraryForm</Edit>
+  <New>DocumentLibraryForm</New>
+</FormTemplates>
+</file>
+
+<file path=customXml/item2.xml><?xml version="1.0" encoding="utf-8"?>
 <ct:contentTypeSchema xmlns:ct="http://schemas.microsoft.com/office/2006/metadata/contentType" xmlns:ma="http://schemas.microsoft.com/office/2006/metadata/properties/metaAttributes" ct:_="" ma:_="" ma:contentTypeName="Document" ma:contentTypeID="0x010100D717D047DAB2764FBE8B85865ADF125C" ma:contentTypeVersion="0" ma:contentTypeDescription="Create a new document." ma:contentTypeScope="" ma:versionID="3154522c01a2510568c44eaa3f86772f">
   <xsd:schema xmlns:xsd="http://www.w3.org/2001/XMLSchema" xmlns:xs="http://www.w3.org/2001/XMLSchema" xmlns:p="http://schemas.microsoft.com/office/2006/metadata/properties" targetNamespace="http://schemas.microsoft.com/office/2006/metadata/properties" ma:root="true" ma:fieldsID="1b05d82d297216baf5b26c55225140df">
     <xsd:element name="properties">
@@ -21408,15 +21409,6 @@
 </ct:contentTypeSchema>
 </file>
 
-<file path=customXml/item2.xml><?xml version="1.0" encoding="utf-8"?>
-<?mso-contentType ?>
-<FormTemplates xmlns="http://schemas.microsoft.com/sharepoint/v3/contenttype/forms">
-  <Display>DocumentLibraryForm</Display>
-  <Edit>DocumentLibraryForm</Edit>
-  <New>DocumentLibraryForm</New>
-</FormTemplates>
-</file>
-
 <file path=customXml/item3.xml><?xml version="1.0" encoding="utf-8"?>
 <p:properties xmlns:p="http://schemas.microsoft.com/office/2006/metadata/properties" xmlns:xsi="http://www.w3.org/2001/XMLSchema-instance" xmlns:pc="http://schemas.microsoft.com/office/infopath/2007/PartnerControls">
   <documentManagement/>
@@ -21424,6 +21416,14 @@
 </file>
 
 <file path=customXml/itemProps1.xml><?xml version="1.0" encoding="utf-8"?>
+<ds:datastoreItem xmlns:ds="http://schemas.openxmlformats.org/officeDocument/2006/customXml" ds:itemID="{E49E43F2-009D-4FD5-9629-B1B9A3DF71DA}">
+  <ds:schemaRefs>
+    <ds:schemaRef ds:uri="http://schemas.microsoft.com/sharepoint/v3/contenttype/forms"/>
+  </ds:schemaRefs>
+</ds:datastoreItem>
+</file>
+
+<file path=customXml/itemProps2.xml><?xml version="1.0" encoding="utf-8"?>
 <ds:datastoreItem xmlns:ds="http://schemas.openxmlformats.org/officeDocument/2006/customXml" ds:itemID="{959784AE-7718-4684-9BBC-9AAC52D5A526}">
   <ds:schemaRefs>
     <ds:schemaRef ds:uri="http://schemas.microsoft.com/office/2006/metadata/contentType"/>
@@ -21435,14 +21435,6 @@
     <ds:schemaRef ds:uri="http://purl.org/dc/terms/"/>
     <ds:schemaRef ds:uri="http://schemas.microsoft.com/internal/obd"/>
     <ds:schemaRef ds:uri="http://schemas.microsoft.com/office/infopath/2007/PartnerControls"/>
-  </ds:schemaRefs>
-</ds:datastoreItem>
-</file>
-
-<file path=customXml/itemProps2.xml><?xml version="1.0" encoding="utf-8"?>
-<ds:datastoreItem xmlns:ds="http://schemas.openxmlformats.org/officeDocument/2006/customXml" ds:itemID="{E49E43F2-009D-4FD5-9629-B1B9A3DF71DA}">
-  <ds:schemaRefs>
-    <ds:schemaRef ds:uri="http://schemas.microsoft.com/sharepoint/v3/contenttype/forms"/>
   </ds:schemaRefs>
 </ds:datastoreItem>
 </file>
